--- a/fll–FortranLinkedListLibrary.pptx
+++ b/fll–FortranLinkedListLibrary.pptx
@@ -11,22 +11,26 @@
     <p:sldId id="259" r:id="rId5"/>
     <p:sldId id="260" r:id="rId6"/>
     <p:sldId id="261" r:id="rId7"/>
-    <p:sldId id="262" r:id="rId8"/>
-    <p:sldId id="263" r:id="rId9"/>
-    <p:sldId id="264" r:id="rId10"/>
-    <p:sldId id="265" r:id="rId11"/>
-    <p:sldId id="266" r:id="rId12"/>
-    <p:sldId id="267" r:id="rId13"/>
-    <p:sldId id="268" r:id="rId14"/>
-    <p:sldId id="270" r:id="rId15"/>
-    <p:sldId id="271" r:id="rId16"/>
-    <p:sldId id="277" r:id="rId17"/>
-    <p:sldId id="272" r:id="rId18"/>
-    <p:sldId id="273" r:id="rId19"/>
-    <p:sldId id="275" r:id="rId20"/>
-    <p:sldId id="276" r:id="rId21"/>
-    <p:sldId id="279" r:id="rId22"/>
-    <p:sldId id="280" r:id="rId23"/>
+    <p:sldId id="281" r:id="rId8"/>
+    <p:sldId id="262" r:id="rId9"/>
+    <p:sldId id="263" r:id="rId10"/>
+    <p:sldId id="264" r:id="rId11"/>
+    <p:sldId id="265" r:id="rId12"/>
+    <p:sldId id="266" r:id="rId13"/>
+    <p:sldId id="267" r:id="rId14"/>
+    <p:sldId id="268" r:id="rId15"/>
+    <p:sldId id="270" r:id="rId16"/>
+    <p:sldId id="271" r:id="rId17"/>
+    <p:sldId id="277" r:id="rId18"/>
+    <p:sldId id="272" r:id="rId19"/>
+    <p:sldId id="273" r:id="rId20"/>
+    <p:sldId id="275" r:id="rId21"/>
+    <p:sldId id="276" r:id="rId22"/>
+    <p:sldId id="279" r:id="rId23"/>
+    <p:sldId id="280" r:id="rId24"/>
+    <p:sldId id="282" r:id="rId25"/>
+    <p:sldId id="283" r:id="rId26"/>
+    <p:sldId id="284" r:id="rId27"/>
   </p:sldIdLst>
   <p:sldSz cx="12192000" cy="6858000"/>
   <p:notesSz cx="6858000" cy="9144000"/>
@@ -127,7 +131,7 @@
   </p:defaultTextStyle>
   <p:extLst>
     <p:ext uri="{EFAFB233-063F-42B5-8137-9DF3F51BA10A}">
-      <p15:sldGuideLst xmlns:p15="http://schemas.microsoft.com/office/powerpoint/2012/main" xmlns=""/>
+      <p15:sldGuideLst xmlns="" xmlns:p15="http://schemas.microsoft.com/office/powerpoint/2012/main"/>
     </p:ext>
   </p:extLst>
 </p:presentation>
@@ -264,7 +268,7 @@
           <a:p>
             <a:fld id="{BBA6F3EE-D71F-4D2E-BE27-0C1865A4236A}" type="datetimeFigureOut">
               <a:rPr lang="en-US" smtClean="0"/>
-              <a:t>11/3/2016</a:t>
+              <a:t>11/11/2016</a:t>
             </a:fld>
             <a:endParaRPr lang="en-US"/>
           </a:p>
@@ -434,7 +438,7 @@
           <a:p>
             <a:fld id="{BBA6F3EE-D71F-4D2E-BE27-0C1865A4236A}" type="datetimeFigureOut">
               <a:rPr lang="en-US" smtClean="0"/>
-              <a:t>11/3/2016</a:t>
+              <a:t>11/11/2016</a:t>
             </a:fld>
             <a:endParaRPr lang="en-US"/>
           </a:p>
@@ -614,7 +618,7 @@
           <a:p>
             <a:fld id="{BBA6F3EE-D71F-4D2E-BE27-0C1865A4236A}" type="datetimeFigureOut">
               <a:rPr lang="en-US" smtClean="0"/>
-              <a:t>11/3/2016</a:t>
+              <a:t>11/11/2016</a:t>
             </a:fld>
             <a:endParaRPr lang="en-US"/>
           </a:p>
@@ -784,7 +788,7 @@
           <a:p>
             <a:fld id="{BBA6F3EE-D71F-4D2E-BE27-0C1865A4236A}" type="datetimeFigureOut">
               <a:rPr lang="en-US" smtClean="0"/>
-              <a:t>11/3/2016</a:t>
+              <a:t>11/11/2016</a:t>
             </a:fld>
             <a:endParaRPr lang="en-US"/>
           </a:p>
@@ -1030,7 +1034,7 @@
           <a:p>
             <a:fld id="{BBA6F3EE-D71F-4D2E-BE27-0C1865A4236A}" type="datetimeFigureOut">
               <a:rPr lang="en-US" smtClean="0"/>
-              <a:t>11/3/2016</a:t>
+              <a:t>11/11/2016</a:t>
             </a:fld>
             <a:endParaRPr lang="en-US"/>
           </a:p>
@@ -1262,7 +1266,7 @@
           <a:p>
             <a:fld id="{BBA6F3EE-D71F-4D2E-BE27-0C1865A4236A}" type="datetimeFigureOut">
               <a:rPr lang="en-US" smtClean="0"/>
-              <a:t>11/3/2016</a:t>
+              <a:t>11/11/2016</a:t>
             </a:fld>
             <a:endParaRPr lang="en-US"/>
           </a:p>
@@ -1629,7 +1633,7 @@
           <a:p>
             <a:fld id="{BBA6F3EE-D71F-4D2E-BE27-0C1865A4236A}" type="datetimeFigureOut">
               <a:rPr lang="en-US" smtClean="0"/>
-              <a:t>11/3/2016</a:t>
+              <a:t>11/11/2016</a:t>
             </a:fld>
             <a:endParaRPr lang="en-US"/>
           </a:p>
@@ -1747,7 +1751,7 @@
           <a:p>
             <a:fld id="{BBA6F3EE-D71F-4D2E-BE27-0C1865A4236A}" type="datetimeFigureOut">
               <a:rPr lang="en-US" smtClean="0"/>
-              <a:t>11/3/2016</a:t>
+              <a:t>11/11/2016</a:t>
             </a:fld>
             <a:endParaRPr lang="en-US"/>
           </a:p>
@@ -1842,7 +1846,7 @@
           <a:p>
             <a:fld id="{BBA6F3EE-D71F-4D2E-BE27-0C1865A4236A}" type="datetimeFigureOut">
               <a:rPr lang="en-US" smtClean="0"/>
-              <a:t>11/3/2016</a:t>
+              <a:t>11/11/2016</a:t>
             </a:fld>
             <a:endParaRPr lang="en-US"/>
           </a:p>
@@ -2119,7 +2123,7 @@
           <a:p>
             <a:fld id="{BBA6F3EE-D71F-4D2E-BE27-0C1865A4236A}" type="datetimeFigureOut">
               <a:rPr lang="en-US" smtClean="0"/>
-              <a:t>11/3/2016</a:t>
+              <a:t>11/11/2016</a:t>
             </a:fld>
             <a:endParaRPr lang="en-US"/>
           </a:p>
@@ -2372,7 +2376,7 @@
           <a:p>
             <a:fld id="{BBA6F3EE-D71F-4D2E-BE27-0C1865A4236A}" type="datetimeFigureOut">
               <a:rPr lang="en-US" smtClean="0"/>
-              <a:t>11/3/2016</a:t>
+              <a:t>11/11/2016</a:t>
             </a:fld>
             <a:endParaRPr lang="en-US"/>
           </a:p>
@@ -2585,7 +2589,7 @@
           <a:p>
             <a:fld id="{BBA6F3EE-D71F-4D2E-BE27-0C1865A4236A}" type="datetimeFigureOut">
               <a:rPr lang="en-US" smtClean="0"/>
-              <a:t>11/3/2016</a:t>
+              <a:t>11/11/2016</a:t>
             </a:fld>
             <a:endParaRPr lang="en-US"/>
           </a:p>
@@ -3037,15 +3041,7 @@
                   <a:srgbClr val="002060"/>
                 </a:solidFill>
               </a:rPr>
-              <a:t>Introduction </a:t>
-            </a:r>
-            <a:r>
-              <a:rPr lang="en-US" b="1" dirty="0" smtClean="0">
-                <a:solidFill>
-                  <a:srgbClr val="002060"/>
-                </a:solidFill>
-              </a:rPr>
-              <a:t>– v1.1</a:t>
+              <a:t>Introduction – v1.1</a:t>
             </a:r>
             <a:endParaRPr lang="en-US" b="1" dirty="0">
               <a:solidFill>
@@ -3138,7 +3134,7 @@
                   <a:srgbClr val="002060"/>
                 </a:solidFill>
               </a:rPr>
-              <a:t>fll_locate</a:t>
+              <a:t>fll_mk</a:t>
             </a:r>
             <a:r>
               <a:rPr lang="en-US" b="1" dirty="0" smtClean="0">
@@ -3177,7 +3173,7 @@
                   <a:srgbClr val="C00000"/>
                 </a:solidFill>
               </a:rPr>
-              <a:t>fll_locate</a:t>
+              <a:t>fll_mk</a:t>
             </a:r>
             <a:r>
               <a:rPr lang="en-US" b="1" dirty="0" smtClean="0">
@@ -3185,7 +3181,7 @@
                   <a:srgbClr val="C00000"/>
                 </a:solidFill>
               </a:rPr>
-              <a:t> (</a:t>
+              <a:t>(</a:t>
             </a:r>
             <a:r>
               <a:rPr lang="en-US" b="1" dirty="0" err="1" smtClean="0">
@@ -3193,7 +3189,7 @@
                   <a:srgbClr val="C00000"/>
                 </a:solidFill>
               </a:rPr>
-              <a:t>pnode,name,number,type,dim,recursive,fpar</a:t>
+              <a:t>name,type,ndim,nsize,fpar</a:t>
             </a:r>
             <a:r>
               <a:rPr lang="en-US" b="1" dirty="0" smtClean="0">
@@ -3208,112 +3204,63 @@
             <a:pPr lvl="1"/>
             <a:r>
               <a:rPr lang="en-US" dirty="0" smtClean="0"/>
-              <a:t>Locates node</a:t>
+              <a:t>Makes a new node of list</a:t>
             </a:r>
           </a:p>
           <a:p>
             <a:pPr lvl="1"/>
             <a:r>
               <a:rPr lang="en-US" dirty="0" smtClean="0"/>
-              <a:t>Input parameters</a:t>
-            </a:r>
+              <a:t>Input – name of node, type of node, first and second dimensions</a:t>
+            </a:r>
+            <a:endParaRPr lang="en-US" dirty="0"/>
           </a:p>
           <a:p>
             <a:pPr lvl="2"/>
             <a:r>
+              <a:rPr lang="en-US" dirty="0" smtClean="0"/>
+              <a:t>If type of node is DIR, </a:t>
+            </a:r>
+            <a:r>
               <a:rPr lang="en-US" dirty="0" err="1" smtClean="0"/>
-              <a:t>Pnode</a:t>
-            </a:r>
-            <a:r>
-              <a:rPr lang="en-US" dirty="0" smtClean="0"/>
-              <a:t> – list where to search</a:t>
-            </a:r>
-          </a:p>
-          <a:p>
-            <a:pPr lvl="2"/>
-            <a:r>
-              <a:rPr lang="en-US" dirty="0" smtClean="0"/>
-              <a:t>Name – name of node</a:t>
-            </a:r>
-          </a:p>
-          <a:p>
-            <a:pPr lvl="2"/>
-            <a:r>
-              <a:rPr lang="en-US" dirty="0" smtClean="0"/>
-              <a:t>Number – order of the node (1</a:t>
-            </a:r>
-            <a:r>
-              <a:rPr lang="en-US" baseline="30000" dirty="0" smtClean="0"/>
-              <a:t>st</a:t>
-            </a:r>
-            <a:r>
-              <a:rPr lang="en-US" dirty="0" smtClean="0"/>
-              <a:t>, 2</a:t>
-            </a:r>
-            <a:r>
-              <a:rPr lang="en-US" baseline="30000" dirty="0" smtClean="0"/>
-              <a:t>nd</a:t>
-            </a:r>
-            <a:r>
-              <a:rPr lang="en-US" dirty="0" smtClean="0"/>
-              <a:t> </a:t>
+              <a:t>ndim</a:t>
+            </a:r>
+            <a:r>
+              <a:rPr lang="en-US" dirty="0" smtClean="0"/>
+              <a:t> and </a:t>
             </a:r>
             <a:r>
               <a:rPr lang="en-US" dirty="0" err="1" smtClean="0"/>
-              <a:t>etc</a:t>
-            </a:r>
-            <a:r>
-              <a:rPr lang="en-US" dirty="0" smtClean="0"/>
-              <a:t>…) if more nodes of the same name </a:t>
-            </a:r>
-          </a:p>
-          <a:p>
-            <a:pPr lvl="2"/>
-            <a:r>
-              <a:rPr lang="en-US" dirty="0" smtClean="0"/>
-              <a:t>Type – type of </a:t>
-            </a:r>
-            <a:r>
-              <a:rPr lang="en-US" dirty="0" smtClean="0"/>
-              <a:t>node</a:t>
-            </a:r>
-          </a:p>
-          <a:p>
-            <a:pPr lvl="2"/>
-            <a:r>
-              <a:rPr lang="en-US" dirty="0" smtClean="0"/>
-              <a:t>Dim – dimensions of arrays in the node, can be 0,1,2, if any other number the dimensions is not considered</a:t>
-            </a:r>
-            <a:endParaRPr lang="en-US" dirty="0" smtClean="0"/>
-          </a:p>
-          <a:p>
-            <a:pPr lvl="2"/>
-            <a:r>
-              <a:rPr lang="en-US" dirty="0" smtClean="0"/>
-              <a:t>Recursive – search list </a:t>
-            </a:r>
-            <a:r>
-              <a:rPr lang="en-US" dirty="0" smtClean="0"/>
-              <a:t>recursively</a:t>
-            </a:r>
-            <a:r>
-              <a:rPr lang="en-US" dirty="0" smtClean="0"/>
-              <a:t>, if so, number == 1</a:t>
-            </a:r>
-          </a:p>
-          <a:p>
-            <a:pPr lvl="2"/>
-            <a:r>
-              <a:rPr lang="en-US" dirty="0" smtClean="0"/>
-              <a:t>Both name and type can be set to *</a:t>
+              <a:t>nsize</a:t>
+            </a:r>
+            <a:r>
+              <a:rPr lang="en-US" dirty="0" smtClean="0"/>
+              <a:t> are automatically set to 0</a:t>
             </a:r>
           </a:p>
           <a:p>
             <a:pPr lvl="1"/>
-            <a:r>
-              <a:rPr lang="en-US" dirty="0" smtClean="0"/>
-              <a:t>Return – pointer to located node</a:t>
-            </a:r>
+            <a:endParaRPr lang="en-US" dirty="0"/>
+          </a:p>
+          <a:p>
+            <a:pPr lvl="1"/>
+            <a:r>
+              <a:rPr lang="en-US" dirty="0" smtClean="0"/>
+              <a:t>Return - pointer </a:t>
+            </a:r>
+            <a:r>
+              <a:rPr lang="en-US" dirty="0"/>
+              <a:t>to newly created node</a:t>
+            </a:r>
+          </a:p>
+          <a:p>
+            <a:pPr lvl="1"/>
+            <a:endParaRPr lang="en-US" dirty="0"/>
+          </a:p>
+          <a:p>
+            <a:pPr marL="457200" lvl="1" indent="0">
+              <a:buNone/>
+            </a:pPr>
             <a:endParaRPr lang="en-US" dirty="0"/>
           </a:p>
         </p:txBody>
@@ -3321,7 +3268,7 @@
     </p:spTree>
     <p:extLst>
       <p:ext uri="{BB962C8B-B14F-4D97-AF65-F5344CB8AC3E}">
-        <p14:creationId xmlns:p14="http://schemas.microsoft.com/office/powerpoint/2010/main" val="51338362"/>
+        <p14:creationId xmlns:p14="http://schemas.microsoft.com/office/powerpoint/2010/main" val="991017967"/>
       </p:ext>
     </p:extLst>
   </p:cSld>
@@ -3377,7 +3324,7 @@
                   <a:srgbClr val="002060"/>
                 </a:solidFill>
               </a:rPr>
-              <a:t>fll_nnodes</a:t>
+              <a:t>fll_locate</a:t>
             </a:r>
             <a:r>
               <a:rPr lang="en-US" b="1" dirty="0" smtClean="0">
@@ -3407,9 +3354,7 @@
         </p:nvSpPr>
         <p:spPr/>
         <p:txBody>
-          <a:bodyPr>
-            <a:normAutofit/>
-          </a:bodyPr>
+          <a:bodyPr/>
           <a:lstStyle/>
           <a:p>
             <a:r>
@@ -3434,7 +3379,7 @@
                   <a:srgbClr val="C00000"/>
                 </a:solidFill>
               </a:rPr>
-              <a:t>pnode,name,number,type,dim,recursive,fpar</a:t>
+              <a:t>pnode,name</a:t>
             </a:r>
             <a:r>
               <a:rPr lang="en-US" b="1" dirty="0" smtClean="0">
@@ -3442,6 +3387,38 @@
                   <a:srgbClr val="C00000"/>
                 </a:solidFill>
               </a:rPr>
+              <a:t>, </a:t>
+            </a:r>
+            <a:r>
+              <a:rPr lang="en-US" b="1" dirty="0" err="1" smtClean="0">
+                <a:solidFill>
+                  <a:srgbClr val="C00000"/>
+                </a:solidFill>
+              </a:rPr>
+              <a:t>type,dim</a:t>
+            </a:r>
+            <a:r>
+              <a:rPr lang="en-US" b="1" dirty="0">
+                <a:solidFill>
+                  <a:srgbClr val="C00000"/>
+                </a:solidFill>
+              </a:rPr>
+              <a:t>, </a:t>
+            </a:r>
+            <a:r>
+              <a:rPr lang="en-US" b="1" dirty="0" err="1">
+                <a:solidFill>
+                  <a:srgbClr val="C00000"/>
+                </a:solidFill>
+              </a:rPr>
+              <a:t>number,recursive,fpar</a:t>
+            </a:r>
+            <a:r>
+              <a:rPr lang="en-US" b="1" dirty="0" smtClean="0">
+                <a:solidFill>
+                  <a:srgbClr val="C00000"/>
+                </a:solidFill>
+              </a:rPr>
               <a:t>)</a:t>
             </a:r>
           </a:p>
@@ -3449,15 +3426,7 @@
             <a:pPr lvl="1"/>
             <a:r>
               <a:rPr lang="en-US" dirty="0" smtClean="0"/>
-              <a:t>Return number of nodes </a:t>
-            </a:r>
-            <a:r>
-              <a:rPr lang="en-US" dirty="0" err="1" smtClean="0"/>
-              <a:t>pnode</a:t>
-            </a:r>
-            <a:r>
-              <a:rPr lang="en-US" dirty="0" smtClean="0"/>
-              <a:t> list</a:t>
+              <a:t>Locates node</a:t>
             </a:r>
           </a:p>
           <a:p>
@@ -3520,24 +3489,15 @@
             <a:pPr lvl="2"/>
             <a:r>
               <a:rPr lang="en-US" dirty="0" smtClean="0"/>
-              <a:t>Type – type of </a:t>
-            </a:r>
-            <a:r>
-              <a:rPr lang="en-US" dirty="0" smtClean="0"/>
-              <a:t>node</a:t>
+              <a:t>Type – type of node</a:t>
             </a:r>
           </a:p>
           <a:p>
             <a:pPr lvl="2"/>
             <a:r>
-              <a:rPr lang="en-US" dirty="0"/>
-              <a:t>Dim – dimensions of arrays in the node, can be 0,1,2, if any other number the dimensions is not </a:t>
-            </a:r>
-            <a:r>
-              <a:rPr lang="en-US" dirty="0" smtClean="0"/>
-              <a:t>considered</a:t>
-            </a:r>
-            <a:endParaRPr lang="en-US" dirty="0" smtClean="0"/>
+              <a:rPr lang="en-US" dirty="0" smtClean="0"/>
+              <a:t>Dim – dimensions of arrays in the node, can be 0,1,2, if any other number the dimensions is not considered</a:t>
+            </a:r>
           </a:p>
           <a:p>
             <a:pPr lvl="2"/>
@@ -3557,7 +3517,7 @@
             <a:pPr lvl="1"/>
             <a:r>
               <a:rPr lang="en-US" dirty="0" smtClean="0"/>
-              <a:t>Return – number of nodes</a:t>
+              <a:t>Return – pointer to located node</a:t>
             </a:r>
             <a:endParaRPr lang="en-US" dirty="0"/>
           </a:p>
@@ -3566,7 +3526,7 @@
     </p:spTree>
     <p:extLst>
       <p:ext uri="{BB962C8B-B14F-4D97-AF65-F5344CB8AC3E}">
-        <p14:creationId xmlns:p14="http://schemas.microsoft.com/office/powerpoint/2010/main" val="2539684297"/>
+        <p14:creationId xmlns:p14="http://schemas.microsoft.com/office/powerpoint/2010/main" val="51338362"/>
       </p:ext>
     </p:extLst>
   </p:cSld>
@@ -3622,7 +3582,7 @@
                   <a:srgbClr val="002060"/>
                 </a:solidFill>
               </a:rPr>
-              <a:t>fll_getndata</a:t>
+              <a:t>fll_nnodes</a:t>
             </a:r>
             <a:r>
               <a:rPr lang="en-US" b="1" dirty="0" smtClean="0">
@@ -3663,7 +3623,7 @@
                   <a:srgbClr val="C00000"/>
                 </a:solidFill>
               </a:rPr>
-              <a:t>fll_getndata</a:t>
+              <a:t>fll_nnodes</a:t>
             </a:r>
             <a:r>
               <a:rPr lang="en-US" b="1" dirty="0" smtClean="0">
@@ -3679,7 +3639,23 @@
                   <a:srgbClr val="C00000"/>
                 </a:solidFill>
               </a:rPr>
-              <a:t>pnode,name,number,type,recursive,fpar</a:t>
+              <a:t>pnode,name,type,dim</a:t>
+            </a:r>
+            <a:r>
+              <a:rPr lang="en-US" b="1" dirty="0">
+                <a:solidFill>
+                  <a:srgbClr val="C00000"/>
+                </a:solidFill>
+              </a:rPr>
+              <a:t>, </a:t>
+            </a:r>
+            <a:r>
+              <a:rPr lang="en-US" b="1" dirty="0" err="1">
+                <a:solidFill>
+                  <a:srgbClr val="C00000"/>
+                </a:solidFill>
+              </a:rPr>
+              <a:t>number,recursive,fpar</a:t>
             </a:r>
             <a:r>
               <a:rPr lang="en-US" b="1" dirty="0" smtClean="0">
@@ -3694,7 +3670,15 @@
             <a:pPr lvl="1"/>
             <a:r>
               <a:rPr lang="en-US" dirty="0" smtClean="0"/>
-              <a:t>Returns data in nodes which are not type of DIR</a:t>
+              <a:t>Return number of nodes </a:t>
+            </a:r>
+            <a:r>
+              <a:rPr lang="en-US" dirty="0" err="1" smtClean="0"/>
+              <a:t>pnode</a:t>
+            </a:r>
+            <a:r>
+              <a:rPr lang="en-US" dirty="0" smtClean="0"/>
+              <a:t> list</a:t>
             </a:r>
           </a:p>
           <a:p>
@@ -3757,11 +3741,7 @@
             <a:pPr lvl="2"/>
             <a:r>
               <a:rPr lang="en-US" dirty="0" smtClean="0"/>
-              <a:t>Type – type of </a:t>
-            </a:r>
-            <a:r>
-              <a:rPr lang="en-US" dirty="0" smtClean="0"/>
-              <a:t>node</a:t>
+              <a:t>Type – type of node</a:t>
             </a:r>
           </a:p>
           <a:p>
@@ -3774,7 +3754,6 @@
               <a:rPr lang="en-US" dirty="0" smtClean="0"/>
               <a:t>considered</a:t>
             </a:r>
-            <a:endParaRPr lang="en-US" dirty="0" smtClean="0"/>
           </a:p>
           <a:p>
             <a:pPr lvl="2"/>
@@ -3794,7 +3773,7 @@
             <a:pPr lvl="1"/>
             <a:r>
               <a:rPr lang="en-US" dirty="0" smtClean="0"/>
-              <a:t>Return – pointer to the data</a:t>
+              <a:t>Return – number of nodes</a:t>
             </a:r>
             <a:endParaRPr lang="en-US" dirty="0"/>
           </a:p>
@@ -3803,7 +3782,7 @@
     </p:spTree>
     <p:extLst>
       <p:ext uri="{BB962C8B-B14F-4D97-AF65-F5344CB8AC3E}">
-        <p14:creationId xmlns:p14="http://schemas.microsoft.com/office/powerpoint/2010/main" val="628798269"/>
+        <p14:creationId xmlns:p14="http://schemas.microsoft.com/office/powerpoint/2010/main" val="2539684297"/>
       </p:ext>
     </p:extLst>
   </p:cSld>
@@ -3846,7 +3825,7 @@
           <a:lstStyle/>
           <a:p>
             <a:r>
-              <a:rPr lang="en-US" b="1" dirty="0">
+              <a:rPr lang="en-US" b="1" dirty="0" smtClean="0">
                 <a:solidFill>
                   <a:srgbClr val="002060"/>
                 </a:solidFill>
@@ -3854,7 +3833,7 @@
               <a:t>Function </a:t>
             </a:r>
             <a:r>
-              <a:rPr lang="en-US" b="1" dirty="0" err="1">
+              <a:rPr lang="en-US" b="1" dirty="0" err="1" smtClean="0">
                 <a:solidFill>
                   <a:srgbClr val="002060"/>
                 </a:solidFill>
@@ -3862,13 +3841,18 @@
               <a:t>fll_getndata</a:t>
             </a:r>
             <a:r>
-              <a:rPr lang="en-US" b="1" dirty="0">
+              <a:rPr lang="en-US" b="1" dirty="0" smtClean="0">
                 <a:solidFill>
                   <a:srgbClr val="002060"/>
                 </a:solidFill>
               </a:rPr>
               <a:t>()</a:t>
             </a:r>
+            <a:endParaRPr lang="en-US" b="1" dirty="0">
+              <a:solidFill>
+                <a:srgbClr val="002060"/>
+              </a:solidFill>
+            </a:endParaRPr>
           </a:p>
         </p:txBody>
       </p:sp>
@@ -3885,181 +3869,157 @@
         <p:spPr/>
         <p:txBody>
           <a:bodyPr>
-            <a:normAutofit lnSpcReduction="10000"/>
+            <a:normAutofit/>
           </a:bodyPr>
           <a:lstStyle/>
           <a:p>
             <a:r>
-              <a:rPr lang="en-US" dirty="0" smtClean="0"/>
-              <a:t>Functions are </a:t>
+              <a:rPr lang="en-US" b="1" dirty="0" err="1" smtClean="0">
+                <a:solidFill>
+                  <a:srgbClr val="C00000"/>
+                </a:solidFill>
+              </a:rPr>
+              <a:t>fll_getndata</a:t>
+            </a:r>
+            <a:r>
+              <a:rPr lang="en-US" b="1" dirty="0" smtClean="0">
+                <a:solidFill>
+                  <a:srgbClr val="C00000"/>
+                </a:solidFill>
+              </a:rPr>
+              <a:t>(</a:t>
+            </a:r>
+            <a:r>
+              <a:rPr lang="en-US" b="1" dirty="0" err="1" smtClean="0">
+                <a:solidFill>
+                  <a:srgbClr val="C00000"/>
+                </a:solidFill>
+              </a:rPr>
+              <a:t>pnode,name</a:t>
+            </a:r>
+            <a:r>
+              <a:rPr lang="en-US" b="1" dirty="0" smtClean="0">
+                <a:solidFill>
+                  <a:srgbClr val="C00000"/>
+                </a:solidFill>
+              </a:rPr>
+              <a:t>, </a:t>
+            </a:r>
+            <a:r>
+              <a:rPr lang="en-US" b="1" dirty="0" err="1" smtClean="0">
+                <a:solidFill>
+                  <a:srgbClr val="C00000"/>
+                </a:solidFill>
+              </a:rPr>
+              <a:t>number,recursive,fpar</a:t>
+            </a:r>
+            <a:r>
+              <a:rPr lang="en-US" b="1" dirty="0" smtClean="0">
+                <a:solidFill>
+                  <a:srgbClr val="C00000"/>
+                </a:solidFill>
+              </a:rPr>
+              <a:t>)</a:t>
             </a:r>
           </a:p>
           <a:p>
             <a:pPr lvl="1"/>
             <a:r>
               <a:rPr lang="en-US" dirty="0" smtClean="0"/>
-              <a:t>Real numbers</a:t>
+              <a:t>Returns data in nodes which are not type of DIR</a:t>
+            </a:r>
+          </a:p>
+          <a:p>
+            <a:pPr lvl="1"/>
+            <a:r>
+              <a:rPr lang="en-US" dirty="0" smtClean="0"/>
+              <a:t>Input parameters</a:t>
             </a:r>
           </a:p>
           <a:p>
             <a:pPr lvl="2"/>
             <a:r>
-              <a:rPr lang="en-US" b="1" dirty="0" smtClean="0">
-                <a:solidFill>
-                  <a:srgbClr val="C00000"/>
-                </a:solidFill>
-              </a:rPr>
-              <a:t>fll_getndata_r0</a:t>
-            </a:r>
-            <a:endParaRPr lang="en-US" b="1" dirty="0">
-              <a:solidFill>
-                <a:srgbClr val="C00000"/>
-              </a:solidFill>
-            </a:endParaRPr>
+              <a:rPr lang="en-US" dirty="0" err="1" smtClean="0"/>
+              <a:t>Pnode</a:t>
+            </a:r>
+            <a:r>
+              <a:rPr lang="en-US" dirty="0" smtClean="0"/>
+              <a:t> – list where to search</a:t>
+            </a:r>
           </a:p>
           <a:p>
             <a:pPr lvl="2"/>
             <a:r>
-              <a:rPr lang="en-US" b="1" dirty="0" smtClean="0">
-                <a:solidFill>
-                  <a:srgbClr val="C00000"/>
-                </a:solidFill>
-              </a:rPr>
-              <a:t>fll_getndata_r1</a:t>
-            </a:r>
-            <a:endParaRPr lang="en-US" b="1" dirty="0">
-              <a:solidFill>
-                <a:srgbClr val="C00000"/>
-              </a:solidFill>
-            </a:endParaRPr>
+              <a:rPr lang="en-US" dirty="0" smtClean="0"/>
+              <a:t>Name – name of node</a:t>
+            </a:r>
           </a:p>
           <a:p>
             <a:pPr lvl="2"/>
             <a:r>
-              <a:rPr lang="en-US" b="1" dirty="0" smtClean="0">
-                <a:solidFill>
-                  <a:srgbClr val="C00000"/>
-                </a:solidFill>
-              </a:rPr>
-              <a:t>fll_getndata_r2</a:t>
+              <a:rPr lang="en-US" dirty="0" smtClean="0"/>
+              <a:t>Number – order of the node (1</a:t>
+            </a:r>
+            <a:r>
+              <a:rPr lang="en-US" baseline="30000" dirty="0" smtClean="0"/>
+              <a:t>st</a:t>
+            </a:r>
+            <a:r>
+              <a:rPr lang="en-US" dirty="0" smtClean="0"/>
+              <a:t>, 2</a:t>
+            </a:r>
+            <a:r>
+              <a:rPr lang="en-US" baseline="30000" dirty="0" smtClean="0"/>
+              <a:t>nd</a:t>
+            </a:r>
+            <a:r>
+              <a:rPr lang="en-US" dirty="0" smtClean="0"/>
+              <a:t> </a:t>
+            </a:r>
+            <a:r>
+              <a:rPr lang="en-US" dirty="0" err="1" smtClean="0"/>
+              <a:t>etc</a:t>
+            </a:r>
+            <a:r>
+              <a:rPr lang="en-US" dirty="0" smtClean="0"/>
+              <a:t>…) if more nodes of the same name </a:t>
+            </a:r>
+          </a:p>
+          <a:p>
+            <a:pPr lvl="2"/>
+            <a:r>
+              <a:rPr lang="en-US" dirty="0" smtClean="0"/>
+              <a:t>Dim </a:t>
+            </a:r>
+            <a:r>
+              <a:rPr lang="en-US" dirty="0"/>
+              <a:t>– dimensions of arrays in the node, can be 0,1,2, if any other number the dimensions is not </a:t>
+            </a:r>
+            <a:r>
+              <a:rPr lang="en-US" dirty="0" smtClean="0"/>
+              <a:t>considered</a:t>
+            </a:r>
+          </a:p>
+          <a:p>
+            <a:pPr lvl="2"/>
+            <a:r>
+              <a:rPr lang="en-US" dirty="0" smtClean="0"/>
+              <a:t>Recursive – search list recursively, if so, number == 1</a:t>
+            </a:r>
+          </a:p>
+          <a:p>
+            <a:pPr lvl="2"/>
+            <a:r>
+              <a:rPr lang="en-US" dirty="0" smtClean="0"/>
+              <a:t>Both name and type can be set to *</a:t>
             </a:r>
           </a:p>
           <a:p>
             <a:pPr lvl="1"/>
             <a:r>
               <a:rPr lang="en-US" dirty="0" smtClean="0"/>
-              <a:t>Double numbers</a:t>
-            </a:r>
-            <a:endParaRPr lang="en-US" dirty="0"/>
-          </a:p>
-          <a:p>
-            <a:pPr lvl="2"/>
-            <a:r>
-              <a:rPr lang="en-US" b="1" dirty="0" smtClean="0">
-                <a:solidFill>
-                  <a:srgbClr val="C00000"/>
-                </a:solidFill>
-              </a:rPr>
-              <a:t>fll_getndata_d0</a:t>
-            </a:r>
-            <a:endParaRPr lang="en-US" b="1" dirty="0">
-              <a:solidFill>
-                <a:srgbClr val="C00000"/>
-              </a:solidFill>
-            </a:endParaRPr>
-          </a:p>
-          <a:p>
-            <a:pPr lvl="2"/>
-            <a:r>
-              <a:rPr lang="en-US" b="1" dirty="0" smtClean="0">
-                <a:solidFill>
-                  <a:srgbClr val="C00000"/>
-                </a:solidFill>
-              </a:rPr>
-              <a:t>fll_getndata_d1</a:t>
-            </a:r>
-            <a:endParaRPr lang="en-US" b="1" dirty="0">
-              <a:solidFill>
-                <a:srgbClr val="C00000"/>
-              </a:solidFill>
-            </a:endParaRPr>
-          </a:p>
-          <a:p>
-            <a:pPr lvl="2"/>
-            <a:r>
-              <a:rPr lang="en-US" b="1" dirty="0" smtClean="0">
-                <a:solidFill>
-                  <a:srgbClr val="C00000"/>
-                </a:solidFill>
-              </a:rPr>
-              <a:t>fll_getndata_d2</a:t>
-            </a:r>
-          </a:p>
-          <a:p>
-            <a:pPr lvl="1"/>
-            <a:r>
-              <a:rPr lang="en-US" dirty="0" smtClean="0"/>
-              <a:t>Strings</a:t>
-            </a:r>
-          </a:p>
-          <a:p>
-            <a:pPr lvl="2"/>
-            <a:r>
-              <a:rPr lang="en-US" b="1" dirty="0" smtClean="0">
-                <a:solidFill>
-                  <a:srgbClr val="C00000"/>
-                </a:solidFill>
-              </a:rPr>
-              <a:t>fll_getndata_s0</a:t>
-            </a:r>
-            <a:endParaRPr lang="en-US" b="1" dirty="0">
-              <a:solidFill>
-                <a:srgbClr val="C00000"/>
-              </a:solidFill>
-            </a:endParaRPr>
-          </a:p>
-          <a:p>
-            <a:pPr lvl="2"/>
-            <a:r>
-              <a:rPr lang="en-US" b="1" dirty="0" smtClean="0">
-                <a:solidFill>
-                  <a:srgbClr val="C00000"/>
-                </a:solidFill>
-              </a:rPr>
-              <a:t>fll_getndata_s1</a:t>
-            </a:r>
-            <a:endParaRPr lang="en-US" b="1" dirty="0">
-              <a:solidFill>
-                <a:srgbClr val="C00000"/>
-              </a:solidFill>
-            </a:endParaRPr>
-          </a:p>
-          <a:p>
-            <a:pPr lvl="2"/>
-            <a:r>
-              <a:rPr lang="en-US" b="1" dirty="0" smtClean="0">
-                <a:solidFill>
-                  <a:srgbClr val="C00000"/>
-                </a:solidFill>
-              </a:rPr>
-              <a:t>fll_getndata_s2</a:t>
-            </a:r>
-            <a:endParaRPr lang="en-US" b="1" dirty="0">
-              <a:solidFill>
-                <a:srgbClr val="C00000"/>
-              </a:solidFill>
-            </a:endParaRPr>
-          </a:p>
-          <a:p>
-            <a:pPr lvl="1"/>
-            <a:endParaRPr lang="en-US" dirty="0"/>
-          </a:p>
-          <a:p>
-            <a:pPr lvl="2"/>
-            <a:endParaRPr lang="en-US" dirty="0"/>
-          </a:p>
-          <a:p>
-            <a:pPr lvl="1"/>
+              <a:t>Return – pointer to the data</a:t>
+            </a:r>
             <a:endParaRPr lang="en-US" dirty="0"/>
           </a:p>
         </p:txBody>
@@ -4067,7 +4027,7 @@
     </p:spTree>
     <p:extLst>
       <p:ext uri="{BB962C8B-B14F-4D97-AF65-F5344CB8AC3E}">
-        <p14:creationId xmlns:p14="http://schemas.microsoft.com/office/powerpoint/2010/main" val="3334160452"/>
+        <p14:creationId xmlns:p14="http://schemas.microsoft.com/office/powerpoint/2010/main" val="628798269"/>
       </p:ext>
     </p:extLst>
   </p:cSld>
@@ -4110,34 +4070,29 @@
           <a:lstStyle/>
           <a:p>
             <a:r>
-              <a:rPr lang="en-US" b="1" dirty="0" smtClean="0">
+              <a:rPr lang="en-US" b="1" dirty="0">
                 <a:solidFill>
                   <a:srgbClr val="002060"/>
                 </a:solidFill>
               </a:rPr>
-              <a:t>Subroutine </a:t>
-            </a:r>
-            <a:r>
-              <a:rPr lang="en-US" b="1" dirty="0" err="1" smtClean="0">
+              <a:t>Function </a:t>
+            </a:r>
+            <a:r>
+              <a:rPr lang="en-US" b="1" dirty="0" err="1">
                 <a:solidFill>
                   <a:srgbClr val="002060"/>
                 </a:solidFill>
               </a:rPr>
-              <a:t>fll_rm</a:t>
-            </a:r>
-            <a:r>
-              <a:rPr lang="en-US" b="1" dirty="0" smtClean="0">
+              <a:t>fll_getndata</a:t>
+            </a:r>
+            <a:r>
+              <a:rPr lang="en-US" b="1" dirty="0">
                 <a:solidFill>
                   <a:srgbClr val="002060"/>
                 </a:solidFill>
               </a:rPr>
               <a:t>()</a:t>
             </a:r>
-            <a:endParaRPr lang="en-US" b="1" dirty="0">
-              <a:solidFill>
-                <a:srgbClr val="002060"/>
-              </a:solidFill>
-            </a:endParaRPr>
           </a:p>
         </p:txBody>
       </p:sp>
@@ -4154,74 +4109,181 @@
         <p:spPr/>
         <p:txBody>
           <a:bodyPr>
-            <a:normAutofit/>
+            <a:normAutofit lnSpcReduction="10000"/>
           </a:bodyPr>
           <a:lstStyle/>
           <a:p>
             <a:r>
-              <a:rPr lang="en-US" b="1" dirty="0" err="1" smtClean="0">
+              <a:rPr lang="en-US" dirty="0" smtClean="0"/>
+              <a:t>Functions are </a:t>
+            </a:r>
+          </a:p>
+          <a:p>
+            <a:pPr lvl="1"/>
+            <a:r>
+              <a:rPr lang="en-US" dirty="0" smtClean="0"/>
+              <a:t>Real numbers</a:t>
+            </a:r>
+          </a:p>
+          <a:p>
+            <a:pPr lvl="2"/>
+            <a:r>
+              <a:rPr lang="en-US" b="1" dirty="0" smtClean="0">
                 <a:solidFill>
                   <a:srgbClr val="C00000"/>
                 </a:solidFill>
               </a:rPr>
-              <a:t>fll_getndata</a:t>
-            </a:r>
+              <a:t>fll_getndata_r0</a:t>
+            </a:r>
+            <a:endParaRPr lang="en-US" b="1" dirty="0">
+              <a:solidFill>
+                <a:srgbClr val="C00000"/>
+              </a:solidFill>
+            </a:endParaRPr>
+          </a:p>
+          <a:p>
+            <a:pPr lvl="2"/>
             <a:r>
               <a:rPr lang="en-US" b="1" dirty="0" smtClean="0">
                 <a:solidFill>
                   <a:srgbClr val="C00000"/>
                 </a:solidFill>
               </a:rPr>
-              <a:t>(</a:t>
-            </a:r>
-            <a:r>
-              <a:rPr lang="en-US" b="1" dirty="0" err="1" smtClean="0">
+              <a:t>fll_getndata_r1</a:t>
+            </a:r>
+            <a:endParaRPr lang="en-US" b="1" dirty="0">
+              <a:solidFill>
+                <a:srgbClr val="C00000"/>
+              </a:solidFill>
+            </a:endParaRPr>
+          </a:p>
+          <a:p>
+            <a:pPr lvl="2"/>
+            <a:r>
+              <a:rPr lang="en-US" b="1" dirty="0" smtClean="0">
                 <a:solidFill>
                   <a:srgbClr val="C00000"/>
                 </a:solidFill>
               </a:rPr>
-              <a:t>pnode,fpar</a:t>
-            </a:r>
+              <a:t>fll_getndata_r2</a:t>
+            </a:r>
+          </a:p>
+          <a:p>
+            <a:pPr lvl="1"/>
+            <a:r>
+              <a:rPr lang="en-US" dirty="0" smtClean="0"/>
+              <a:t>Double numbers</a:t>
+            </a:r>
+            <a:endParaRPr lang="en-US" dirty="0"/>
+          </a:p>
+          <a:p>
+            <a:pPr lvl="2"/>
             <a:r>
               <a:rPr lang="en-US" b="1" dirty="0" smtClean="0">
                 <a:solidFill>
                   <a:srgbClr val="C00000"/>
                 </a:solidFill>
               </a:rPr>
-              <a:t>)</a:t>
+              <a:t>fll_getndata_d0</a:t>
+            </a:r>
+            <a:endParaRPr lang="en-US" b="1" dirty="0">
+              <a:solidFill>
+                <a:srgbClr val="C00000"/>
+              </a:solidFill>
+            </a:endParaRPr>
+          </a:p>
+          <a:p>
+            <a:pPr lvl="2"/>
+            <a:r>
+              <a:rPr lang="en-US" b="1" dirty="0" smtClean="0">
+                <a:solidFill>
+                  <a:srgbClr val="C00000"/>
+                </a:solidFill>
+              </a:rPr>
+              <a:t>fll_getndata_d1</a:t>
+            </a:r>
+            <a:endParaRPr lang="en-US" b="1" dirty="0">
+              <a:solidFill>
+                <a:srgbClr val="C00000"/>
+              </a:solidFill>
+            </a:endParaRPr>
+          </a:p>
+          <a:p>
+            <a:pPr lvl="2"/>
+            <a:r>
+              <a:rPr lang="en-US" b="1" dirty="0" smtClean="0">
+                <a:solidFill>
+                  <a:srgbClr val="C00000"/>
+                </a:solidFill>
+              </a:rPr>
+              <a:t>fll_getndata_d2</a:t>
             </a:r>
           </a:p>
           <a:p>
             <a:pPr lvl="1"/>
             <a:r>
               <a:rPr lang="en-US" dirty="0" smtClean="0"/>
-              <a:t>Removes data</a:t>
-            </a:r>
+              <a:t>Strings</a:t>
+            </a:r>
+          </a:p>
+          <a:p>
+            <a:pPr lvl="2"/>
+            <a:r>
+              <a:rPr lang="en-US" b="1" dirty="0" smtClean="0">
+                <a:solidFill>
+                  <a:srgbClr val="C00000"/>
+                </a:solidFill>
+              </a:rPr>
+              <a:t>fll_getndata_s0</a:t>
+            </a:r>
+            <a:endParaRPr lang="en-US" b="1" dirty="0">
+              <a:solidFill>
+                <a:srgbClr val="C00000"/>
+              </a:solidFill>
+            </a:endParaRPr>
+          </a:p>
+          <a:p>
+            <a:pPr lvl="2"/>
+            <a:r>
+              <a:rPr lang="en-US" b="1" dirty="0" smtClean="0">
+                <a:solidFill>
+                  <a:srgbClr val="C00000"/>
+                </a:solidFill>
+              </a:rPr>
+              <a:t>fll_getndata_s1</a:t>
+            </a:r>
+            <a:endParaRPr lang="en-US" b="1" dirty="0">
+              <a:solidFill>
+                <a:srgbClr val="C00000"/>
+              </a:solidFill>
+            </a:endParaRPr>
+          </a:p>
+          <a:p>
+            <a:pPr lvl="2"/>
+            <a:r>
+              <a:rPr lang="en-US" b="1" dirty="0" smtClean="0">
+                <a:solidFill>
+                  <a:srgbClr val="C00000"/>
+                </a:solidFill>
+              </a:rPr>
+              <a:t>fll_getndata_s2</a:t>
+            </a:r>
+            <a:endParaRPr lang="en-US" b="1" dirty="0">
+              <a:solidFill>
+                <a:srgbClr val="C00000"/>
+              </a:solidFill>
+            </a:endParaRPr>
           </a:p>
           <a:p>
             <a:pPr lvl="1"/>
-            <a:r>
-              <a:rPr lang="en-US" dirty="0" smtClean="0"/>
-              <a:t>Input parameters</a:t>
-            </a:r>
+            <a:endParaRPr lang="en-US" dirty="0"/>
           </a:p>
           <a:p>
             <a:pPr lvl="2"/>
-            <a:r>
-              <a:rPr lang="en-US" dirty="0" err="1" smtClean="0"/>
-              <a:t>Pnode</a:t>
-            </a:r>
-            <a:r>
-              <a:rPr lang="en-US" dirty="0" smtClean="0"/>
-              <a:t> – list to be removed</a:t>
-            </a:r>
+            <a:endParaRPr lang="en-US" dirty="0"/>
           </a:p>
           <a:p>
             <a:pPr lvl="1"/>
-            <a:r>
-              <a:rPr lang="en-US" dirty="0" smtClean="0"/>
-              <a:t>Return – pointer to the data</a:t>
-            </a:r>
             <a:endParaRPr lang="en-US" dirty="0"/>
           </a:p>
         </p:txBody>
@@ -4229,7 +4291,7 @@
     </p:spTree>
     <p:extLst>
       <p:ext uri="{BB962C8B-B14F-4D97-AF65-F5344CB8AC3E}">
-        <p14:creationId xmlns:p14="http://schemas.microsoft.com/office/powerpoint/2010/main" val="3917356030"/>
+        <p14:creationId xmlns:p14="http://schemas.microsoft.com/office/powerpoint/2010/main" val="3334160452"/>
       </p:ext>
     </p:extLst>
   </p:cSld>
@@ -4285,7 +4347,7 @@
                   <a:srgbClr val="002060"/>
                 </a:solidFill>
               </a:rPr>
-              <a:t>fll_cat</a:t>
+              <a:t>fll_rm</a:t>
             </a:r>
             <a:r>
               <a:rPr lang="en-US" b="1" dirty="0" smtClean="0">
@@ -4342,7 +4404,7 @@
                   <a:srgbClr val="C00000"/>
                 </a:solidFill>
               </a:rPr>
-              <a:t>pnode,iounit,parent,fpar</a:t>
+              <a:t>pnode,fpar</a:t>
             </a:r>
             <a:r>
               <a:rPr lang="en-US" b="1" dirty="0" smtClean="0">
@@ -4357,13 +4419,8 @@
             <a:pPr lvl="1"/>
             <a:r>
               <a:rPr lang="en-US" dirty="0" smtClean="0"/>
-              <a:t>Prints data to </a:t>
-            </a:r>
-            <a:r>
-              <a:rPr lang="en-US" dirty="0" err="1" smtClean="0"/>
-              <a:t>iounit</a:t>
-            </a:r>
-            <a:endParaRPr lang="en-US" dirty="0" smtClean="0"/>
+              <a:t>Removes data</a:t>
+            </a:r>
           </a:p>
           <a:p>
             <a:pPr lvl="1"/>
@@ -4380,38 +4437,20 @@
             </a:r>
             <a:r>
               <a:rPr lang="en-US" dirty="0" smtClean="0"/>
-              <a:t> – list to be printed</a:t>
-            </a:r>
-          </a:p>
-          <a:p>
-            <a:pPr lvl="2"/>
-            <a:r>
-              <a:rPr lang="en-US" dirty="0" err="1" smtClean="0"/>
-              <a:t>Iounit</a:t>
-            </a:r>
-            <a:r>
-              <a:rPr lang="en-US" dirty="0" smtClean="0"/>
-              <a:t> –  </a:t>
-            </a:r>
-            <a:r>
-              <a:rPr lang="en-US" dirty="0"/>
-              <a:t>number of file descriptor</a:t>
+              <a:t> – list to be </a:t>
+            </a:r>
+            <a:r>
+              <a:rPr lang="en-US" dirty="0" smtClean="0"/>
+              <a:t>removed</a:t>
             </a:r>
             <a:endParaRPr lang="en-US" dirty="0" smtClean="0"/>
-          </a:p>
-          <a:p>
-            <a:pPr lvl="2"/>
-            <a:r>
-              <a:rPr lang="en-US" dirty="0" smtClean="0"/>
-              <a:t>Parent – if TRUE write information about node’s parent</a:t>
-            </a:r>
           </a:p>
         </p:txBody>
       </p:sp>
     </p:spTree>
     <p:extLst>
       <p:ext uri="{BB962C8B-B14F-4D97-AF65-F5344CB8AC3E}">
-        <p14:creationId xmlns:p14="http://schemas.microsoft.com/office/powerpoint/2010/main" val="2041767468"/>
+        <p14:creationId xmlns:p14="http://schemas.microsoft.com/office/powerpoint/2010/main" val="3917356030"/>
       </p:ext>
     </p:extLst>
   </p:cSld>
@@ -4508,7 +4547,7 @@
                   <a:srgbClr val="C00000"/>
                 </a:solidFill>
               </a:rPr>
-              <a:t>fll_deattach</a:t>
+              <a:t>fll_cat</a:t>
             </a:r>
             <a:r>
               <a:rPr lang="en-US" b="1" dirty="0" smtClean="0">
@@ -4524,7 +4563,7 @@
                   <a:srgbClr val="C00000"/>
                 </a:solidFill>
               </a:rPr>
-              <a:t>pnode,fpar</a:t>
+              <a:t>pnode,iounit,parent,fpar</a:t>
             </a:r>
             <a:r>
               <a:rPr lang="en-US" b="1" dirty="0" smtClean="0">
@@ -4539,36 +4578,11 @@
             <a:pPr lvl="1"/>
             <a:r>
               <a:rPr lang="en-US" dirty="0" smtClean="0"/>
-              <a:t>Detaches PNODE from list</a:t>
-            </a:r>
-          </a:p>
-          <a:p>
-            <a:pPr lvl="2"/>
-            <a:r>
-              <a:rPr lang="en-US" dirty="0" smtClean="0"/>
-              <a:t>After being detached from list, the node parent and siblings are NULL </a:t>
-            </a:r>
-          </a:p>
-          <a:p>
-            <a:pPr lvl="2"/>
-            <a:r>
-              <a:rPr lang="en-US" dirty="0" smtClean="0"/>
-              <a:t>The node is removed from the list</a:t>
-            </a:r>
-          </a:p>
-          <a:p>
-            <a:pPr lvl="2"/>
-            <a:r>
-              <a:rPr lang="en-US" dirty="0" smtClean="0"/>
-              <a:t>The function is an opposite to </a:t>
+              <a:t>Prints data to </a:t>
             </a:r>
             <a:r>
               <a:rPr lang="en-US" dirty="0" err="1" smtClean="0"/>
-              <a:t>fll_mv</a:t>
-            </a:r>
-            <a:r>
-              <a:rPr lang="en-US" dirty="0" smtClean="0"/>
-              <a:t>() function</a:t>
+              <a:t>iounit</a:t>
             </a:r>
             <a:endParaRPr lang="en-US" dirty="0" smtClean="0"/>
           </a:p>
@@ -4593,12 +4607,24 @@
           <a:p>
             <a:pPr lvl="2"/>
             <a:r>
-              <a:rPr lang="en-US" dirty="0" smtClean="0"/>
-              <a:t>Parent </a:t>
-            </a:r>
-            <a:r>
-              <a:rPr lang="en-US" dirty="0" smtClean="0"/>
-              <a:t>– if TRUE write information about node’s parent</a:t>
+              <a:rPr lang="en-US" dirty="0" err="1" smtClean="0"/>
+              <a:t>Iounit</a:t>
+            </a:r>
+            <a:r>
+              <a:rPr lang="en-US" dirty="0" smtClean="0"/>
+              <a:t> –  </a:t>
+            </a:r>
+            <a:r>
+              <a:rPr lang="en-US" dirty="0"/>
+              <a:t>number of file descriptor</a:t>
+            </a:r>
+            <a:endParaRPr lang="en-US" dirty="0" smtClean="0"/>
+          </a:p>
+          <a:p>
+            <a:pPr lvl="2"/>
+            <a:r>
+              <a:rPr lang="en-US" dirty="0" smtClean="0"/>
+              <a:t>Parent – if TRUE write information about node’s parent</a:t>
             </a:r>
           </a:p>
         </p:txBody>
@@ -4606,7 +4632,7 @@
     </p:spTree>
     <p:extLst>
       <p:ext uri="{BB962C8B-B14F-4D97-AF65-F5344CB8AC3E}">
-        <p14:creationId xmlns:p14="http://schemas.microsoft.com/office/powerpoint/2010/main" val="1154602696"/>
+        <p14:creationId xmlns:p14="http://schemas.microsoft.com/office/powerpoint/2010/main" val="2041767468"/>
       </p:ext>
     </p:extLst>
   </p:cSld>
@@ -4654,7 +4680,7 @@
                   <a:srgbClr val="002060"/>
                 </a:solidFill>
               </a:rPr>
-              <a:t>Subroutine </a:t>
+              <a:t>Function </a:t>
             </a:r>
             <a:r>
               <a:rPr lang="en-US" b="1" dirty="0" err="1" smtClean="0">
@@ -4662,7 +4688,7 @@
                   <a:srgbClr val="002060"/>
                 </a:solidFill>
               </a:rPr>
-              <a:t>fll_write</a:t>
+              <a:t>fll_deattach</a:t>
             </a:r>
             <a:r>
               <a:rPr lang="en-US" b="1" dirty="0" smtClean="0">
@@ -4703,7 +4729,7 @@
                   <a:srgbClr val="C00000"/>
                 </a:solidFill>
               </a:rPr>
-              <a:t>fll_write</a:t>
+              <a:t>fll_deattach</a:t>
             </a:r>
             <a:r>
               <a:rPr lang="en-US" b="1" dirty="0" smtClean="0">
@@ -4719,7 +4745,7 @@
                   <a:srgbClr val="C00000"/>
                 </a:solidFill>
               </a:rPr>
-              <a:t>pnode,file,iounit,fmt,fpar</a:t>
+              <a:t>pnode,fpar</a:t>
             </a:r>
             <a:r>
               <a:rPr lang="en-US" b="1" dirty="0" smtClean="0">
@@ -4734,15 +4760,41 @@
             <a:pPr lvl="1"/>
             <a:r>
               <a:rPr lang="en-US" dirty="0" smtClean="0"/>
-              <a:t>Write data </a:t>
-            </a:r>
-            <a:r>
-              <a:rPr lang="en-US" dirty="0" smtClean="0"/>
-              <a:t>to FLL native format </a:t>
-            </a:r>
-            <a:r>
-              <a:rPr lang="en-US" dirty="0" smtClean="0"/>
-              <a:t>file </a:t>
+              <a:t>Detaches PNODE from list</a:t>
+            </a:r>
+          </a:p>
+          <a:p>
+            <a:pPr lvl="2"/>
+            <a:r>
+              <a:rPr lang="en-US" dirty="0" smtClean="0"/>
+              <a:t>After being detached from list, the node parent and siblings are NULL </a:t>
+            </a:r>
+          </a:p>
+          <a:p>
+            <a:pPr lvl="2"/>
+            <a:r>
+              <a:rPr lang="en-US" dirty="0" smtClean="0"/>
+              <a:t>The node is removed from the </a:t>
+            </a:r>
+            <a:r>
+              <a:rPr lang="en-US" dirty="0" smtClean="0"/>
+              <a:t>original list</a:t>
+            </a:r>
+            <a:endParaRPr lang="en-US" dirty="0" smtClean="0"/>
+          </a:p>
+          <a:p>
+            <a:pPr lvl="2"/>
+            <a:r>
+              <a:rPr lang="en-US" dirty="0" smtClean="0"/>
+              <a:t>The function is an opposite to </a:t>
+            </a:r>
+            <a:r>
+              <a:rPr lang="en-US" dirty="0" err="1" smtClean="0"/>
+              <a:t>fll_mv</a:t>
+            </a:r>
+            <a:r>
+              <a:rPr lang="en-US" dirty="0" smtClean="0"/>
+              <a:t>() function</a:t>
             </a:r>
           </a:p>
           <a:p>
@@ -4767,34 +4819,7 @@
             <a:pPr lvl="2"/>
             <a:r>
               <a:rPr lang="en-US" dirty="0" smtClean="0"/>
-              <a:t>File – name of file</a:t>
-            </a:r>
-          </a:p>
-          <a:p>
-            <a:pPr lvl="2"/>
-            <a:r>
-              <a:rPr lang="en-US" dirty="0" err="1" smtClean="0"/>
-              <a:t>Iounit</a:t>
-            </a:r>
-            <a:r>
-              <a:rPr lang="en-US" dirty="0" smtClean="0"/>
-              <a:t> - </a:t>
-            </a:r>
-            <a:r>
-              <a:rPr lang="en-US" dirty="0"/>
-              <a:t>number of file descriptor</a:t>
-            </a:r>
-            <a:endParaRPr lang="en-US" dirty="0" smtClean="0"/>
-          </a:p>
-          <a:p>
-            <a:pPr lvl="2"/>
-            <a:r>
-              <a:rPr lang="en-US" dirty="0" err="1" smtClean="0"/>
-              <a:t>Fmt</a:t>
-            </a:r>
-            <a:r>
-              <a:rPr lang="en-US" dirty="0" smtClean="0"/>
-              <a:t> – A- asci file, B – binary file</a:t>
+              <a:t>Parent – if TRUE write information about node’s parent</a:t>
             </a:r>
           </a:p>
         </p:txBody>
@@ -4802,7 +4827,7 @@
     </p:spTree>
     <p:extLst>
       <p:ext uri="{BB962C8B-B14F-4D97-AF65-F5344CB8AC3E}">
-        <p14:creationId xmlns:p14="http://schemas.microsoft.com/office/powerpoint/2010/main" val="726118658"/>
+        <p14:creationId xmlns:p14="http://schemas.microsoft.com/office/powerpoint/2010/main" val="1154602696"/>
       </p:ext>
     </p:extLst>
   </p:cSld>
@@ -4858,7 +4883,7 @@
                   <a:srgbClr val="002060"/>
                 </a:solidFill>
               </a:rPr>
-              <a:t>fll_read</a:t>
+              <a:t>fll_write</a:t>
             </a:r>
             <a:r>
               <a:rPr lang="en-US" b="1" dirty="0" smtClean="0">
@@ -4899,7 +4924,7 @@
                   <a:srgbClr val="C00000"/>
                 </a:solidFill>
               </a:rPr>
-              <a:t>fll_read</a:t>
+              <a:t>fll_write</a:t>
             </a:r>
             <a:r>
               <a:rPr lang="en-US" b="1" dirty="0" smtClean="0">
@@ -4930,13 +4955,8 @@
             <a:pPr lvl="1"/>
             <a:r>
               <a:rPr lang="en-US" dirty="0" smtClean="0"/>
-              <a:t>Read data from </a:t>
-            </a:r>
-            <a:r>
-              <a:rPr lang="en-US" dirty="0" smtClean="0"/>
-              <a:t>FLL native format file </a:t>
-            </a:r>
-            <a:endParaRPr lang="en-US" dirty="0" smtClean="0"/>
+              <a:t>Write data to FLL native format file </a:t>
+            </a:r>
           </a:p>
           <a:p>
             <a:pPr lvl="1"/>
@@ -4971,9 +4991,13 @@
             </a:r>
             <a:r>
               <a:rPr lang="en-US" dirty="0" smtClean="0"/>
-              <a:t> – number of file descriptor</a:t>
-            </a:r>
-            <a:endParaRPr lang="en-US" dirty="0"/>
+              <a:t> - </a:t>
+            </a:r>
+            <a:r>
+              <a:rPr lang="en-US" dirty="0"/>
+              <a:t>number of file descriptor</a:t>
+            </a:r>
+            <a:endParaRPr lang="en-US" dirty="0" smtClean="0"/>
           </a:p>
           <a:p>
             <a:pPr lvl="2"/>
@@ -4991,7 +5015,7 @@
     </p:spTree>
     <p:extLst>
       <p:ext uri="{BB962C8B-B14F-4D97-AF65-F5344CB8AC3E}">
-        <p14:creationId xmlns:p14="http://schemas.microsoft.com/office/powerpoint/2010/main" val="1845879526"/>
+        <p14:creationId xmlns:p14="http://schemas.microsoft.com/office/powerpoint/2010/main" val="726118658"/>
       </p:ext>
     </p:extLst>
   </p:cSld>
@@ -5039,7 +5063,7 @@
                   <a:srgbClr val="002060"/>
                 </a:solidFill>
               </a:rPr>
-              <a:t>Subroutine </a:t>
+              <a:t>Function </a:t>
             </a:r>
             <a:r>
               <a:rPr lang="en-US" b="1" dirty="0" err="1" smtClean="0">
@@ -5047,7 +5071,7 @@
                   <a:srgbClr val="002060"/>
                 </a:solidFill>
               </a:rPr>
-              <a:t>fll_write</a:t>
+              <a:t>fll_read</a:t>
             </a:r>
             <a:r>
               <a:rPr lang="en-US" b="1" dirty="0" smtClean="0">
@@ -5088,7 +5112,7 @@
                   <a:srgbClr val="C00000"/>
                 </a:solidFill>
               </a:rPr>
-              <a:t>fll_write_ffa</a:t>
+              <a:t>fll_read</a:t>
             </a:r>
             <a:r>
               <a:rPr lang="en-US" b="1" dirty="0" smtClean="0">
@@ -5119,17 +5143,8 @@
             <a:pPr lvl="1"/>
             <a:r>
               <a:rPr lang="en-US" dirty="0" smtClean="0"/>
-              <a:t>Write data to </a:t>
-            </a:r>
-            <a:r>
-              <a:rPr lang="en-US" dirty="0" smtClean="0"/>
-              <a:t>FFA format </a:t>
-            </a:r>
-            <a:r>
-              <a:rPr lang="en-US" dirty="0" smtClean="0"/>
-              <a:t>file </a:t>
-            </a:r>
-            <a:endParaRPr lang="en-US" dirty="0" smtClean="0"/>
+              <a:t>Read data from FLL native format file </a:t>
+            </a:r>
           </a:p>
           <a:p>
             <a:pPr lvl="1"/>
@@ -5164,13 +5179,9 @@
             </a:r>
             <a:r>
               <a:rPr lang="en-US" dirty="0" smtClean="0"/>
-              <a:t> - </a:t>
-            </a:r>
-            <a:r>
-              <a:rPr lang="en-US" dirty="0"/>
-              <a:t>number of file descriptor</a:t>
-            </a:r>
-            <a:endParaRPr lang="en-US" dirty="0" smtClean="0"/>
+              <a:t> – number of file descriptor</a:t>
+            </a:r>
+            <a:endParaRPr lang="en-US" dirty="0"/>
           </a:p>
           <a:p>
             <a:pPr lvl="2"/>
@@ -5180,15 +5191,50 @@
             </a:r>
             <a:r>
               <a:rPr lang="en-US" dirty="0" smtClean="0"/>
-              <a:t> – A- asci file, B – binary file</a:t>
-            </a:r>
+              <a:t> – A- asci file, B – binary </a:t>
+            </a:r>
+            <a:r>
+              <a:rPr lang="en-US" dirty="0" smtClean="0"/>
+              <a:t>file</a:t>
+            </a:r>
+          </a:p>
+          <a:p>
+            <a:pPr lvl="2"/>
+            <a:endParaRPr lang="en-US" dirty="0"/>
+          </a:p>
+          <a:p>
+            <a:pPr lvl="2"/>
+            <a:r>
+              <a:rPr lang="en-US" dirty="0"/>
+              <a:t>Returns pointer to </a:t>
+            </a:r>
+            <a:r>
+              <a:rPr lang="en-US" dirty="0" smtClean="0"/>
+              <a:t>imported </a:t>
+            </a:r>
+            <a:r>
+              <a:rPr lang="en-US" dirty="0" err="1" smtClean="0"/>
+              <a:t>fll</a:t>
+            </a:r>
+            <a:r>
+              <a:rPr lang="en-US" dirty="0" smtClean="0"/>
+              <a:t> </a:t>
+            </a:r>
+            <a:r>
+              <a:rPr lang="en-US" dirty="0"/>
+              <a:t>list </a:t>
+            </a:r>
+          </a:p>
+          <a:p>
+            <a:pPr lvl="2"/>
+            <a:endParaRPr lang="en-US" dirty="0" smtClean="0"/>
           </a:p>
         </p:txBody>
       </p:sp>
     </p:spTree>
     <p:extLst>
       <p:ext uri="{BB962C8B-B14F-4D97-AF65-F5344CB8AC3E}">
-        <p14:creationId xmlns:p14="http://schemas.microsoft.com/office/powerpoint/2010/main" val="2061982905"/>
+        <p14:creationId xmlns:p14="http://schemas.microsoft.com/office/powerpoint/2010/main" val="1845879526"/>
       </p:ext>
     </p:extLst>
   </p:cSld>
@@ -5288,11 +5334,7 @@
           <a:p>
             <a:r>
               <a:rPr lang="en-US" sz="2400" dirty="0" smtClean="0"/>
-              <a:t>Multi </a:t>
-            </a:r>
-            <a:r>
-              <a:rPr lang="en-US" sz="2400" dirty="0" smtClean="0"/>
-              <a:t>level, doubly linked list</a:t>
+              <a:t>Multi level, doubly linked list</a:t>
             </a:r>
           </a:p>
           <a:p>
@@ -5310,6 +5352,16 @@
               <a:rPr lang="en-US" sz="2400" dirty="0" smtClean="0"/>
               <a:t>Unix/Linux</a:t>
             </a:r>
+          </a:p>
+          <a:p>
+            <a:endParaRPr lang="en-US" sz="2400" dirty="0"/>
+          </a:p>
+          <a:p>
+            <a:r>
+              <a:rPr lang="en-US" sz="2400" dirty="0" smtClean="0"/>
+              <a:t>MPI functionality</a:t>
+            </a:r>
+            <a:endParaRPr lang="en-US" sz="2400" dirty="0" smtClean="0"/>
           </a:p>
         </p:txBody>
       </p:sp>
@@ -5372,7 +5424,7 @@
                   <a:srgbClr val="002060"/>
                 </a:solidFill>
               </a:rPr>
-              <a:t>fll_read</a:t>
+              <a:t>fll_write</a:t>
             </a:r>
             <a:r>
               <a:rPr lang="en-US" b="1" dirty="0" smtClean="0">
@@ -5413,7 +5465,7 @@
                   <a:srgbClr val="C00000"/>
                 </a:solidFill>
               </a:rPr>
-              <a:t>fll_read_ffa</a:t>
+              <a:t>fll_write_ffa</a:t>
             </a:r>
             <a:r>
               <a:rPr lang="en-US" b="1" dirty="0" smtClean="0">
@@ -5444,13 +5496,8 @@
             <a:pPr lvl="1"/>
             <a:r>
               <a:rPr lang="en-US" dirty="0" smtClean="0"/>
-              <a:t>Read data from </a:t>
-            </a:r>
-            <a:r>
-              <a:rPr lang="en-US" dirty="0" smtClean="0"/>
-              <a:t>FFA format file </a:t>
-            </a:r>
-            <a:endParaRPr lang="en-US" dirty="0" smtClean="0"/>
+              <a:t>Write data to FFA format file </a:t>
+            </a:r>
           </a:p>
           <a:p>
             <a:pPr lvl="1"/>
@@ -5485,9 +5532,13 @@
             </a:r>
             <a:r>
               <a:rPr lang="en-US" dirty="0" smtClean="0"/>
-              <a:t> – number of file descriptor</a:t>
-            </a:r>
-            <a:endParaRPr lang="en-US" dirty="0"/>
+              <a:t> - </a:t>
+            </a:r>
+            <a:r>
+              <a:rPr lang="en-US" dirty="0"/>
+              <a:t>number of file descriptor</a:t>
+            </a:r>
+            <a:endParaRPr lang="en-US" dirty="0" smtClean="0"/>
           </a:p>
           <a:p>
             <a:pPr lvl="2"/>
@@ -5497,7 +5548,11 @@
             </a:r>
             <a:r>
               <a:rPr lang="en-US" dirty="0" smtClean="0"/>
-              <a:t> – A- asci file, B – binary file</a:t>
+              <a:t> – A- asci file, B – binary </a:t>
+            </a:r>
+            <a:r>
+              <a:rPr lang="en-US" dirty="0" smtClean="0"/>
+              <a:t>file</a:t>
             </a:r>
           </a:p>
         </p:txBody>
@@ -5505,7 +5560,7 @@
     </p:spTree>
     <p:extLst>
       <p:ext uri="{BB962C8B-B14F-4D97-AF65-F5344CB8AC3E}">
-        <p14:creationId xmlns:p14="http://schemas.microsoft.com/office/powerpoint/2010/main" val="3583348500"/>
+        <p14:creationId xmlns:p14="http://schemas.microsoft.com/office/powerpoint/2010/main" val="2061982905"/>
       </p:ext>
     </p:extLst>
   </p:cSld>
@@ -5553,7 +5608,23 @@
                   <a:srgbClr val="002060"/>
                 </a:solidFill>
               </a:rPr>
-              <a:t>Moving, copying nodes details</a:t>
+              <a:t>Function </a:t>
+            </a:r>
+            <a:r>
+              <a:rPr lang="en-US" b="1" dirty="0" err="1" smtClean="0">
+                <a:solidFill>
+                  <a:srgbClr val="002060"/>
+                </a:solidFill>
+              </a:rPr>
+              <a:t>fll_read_ffa</a:t>
+            </a:r>
+            <a:r>
+              <a:rPr lang="en-US" b="1" dirty="0" smtClean="0">
+                <a:solidFill>
+                  <a:srgbClr val="002060"/>
+                </a:solidFill>
+              </a:rPr>
+              <a:t>()</a:t>
             </a:r>
             <a:endParaRPr lang="en-US" b="1" dirty="0">
               <a:solidFill>
@@ -5565,860 +5636,31 @@
       </p:sp>
       <p:sp>
         <p:nvSpPr>
-          <p:cNvPr id="4" name="Oval 3"/>
-          <p:cNvSpPr/>
-          <p:nvPr/>
-        </p:nvSpPr>
-        <p:spPr>
-          <a:xfrm>
-            <a:off x="1280339" y="2277876"/>
-            <a:ext cx="106325" cy="138223"/>
-          </a:xfrm>
-          <a:prstGeom prst="ellipse">
-            <a:avLst/>
-          </a:prstGeom>
-        </p:spPr>
-        <p:style>
-          <a:lnRef idx="2">
-            <a:schemeClr val="accent1">
-              <a:shade val="50000"/>
-            </a:schemeClr>
-          </a:lnRef>
-          <a:fillRef idx="1">
-            <a:schemeClr val="accent1"/>
-          </a:fillRef>
-          <a:effectRef idx="0">
-            <a:schemeClr val="accent1"/>
-          </a:effectRef>
-          <a:fontRef idx="minor">
-            <a:schemeClr val="lt1"/>
-          </a:fontRef>
-        </p:style>
-        <p:txBody>
-          <a:bodyPr rtlCol="0" anchor="ctr"/>
-          <a:lstStyle/>
-          <a:p>
-            <a:pPr algn="ctr"/>
-            <a:endParaRPr lang="en-US"/>
-          </a:p>
-        </p:txBody>
-      </p:sp>
-      <p:cxnSp>
-        <p:nvCxnSpPr>
-          <p:cNvPr id="6" name="Straight Connector 5"/>
-          <p:cNvCxnSpPr>
-            <a:stCxn id="4" idx="2"/>
-          </p:cNvCxnSpPr>
-          <p:nvPr/>
-        </p:nvCxnSpPr>
-        <p:spPr>
-          <a:xfrm>
-            <a:off x="1280339" y="2346988"/>
-            <a:ext cx="1041989" cy="0"/>
-          </a:xfrm>
-          <a:prstGeom prst="line">
-            <a:avLst/>
-          </a:prstGeom>
-          <a:ln w="25400"/>
-        </p:spPr>
-        <p:style>
-          <a:lnRef idx="1">
-            <a:schemeClr val="accent1"/>
-          </a:lnRef>
-          <a:fillRef idx="0">
-            <a:schemeClr val="accent1"/>
-          </a:fillRef>
-          <a:effectRef idx="0">
-            <a:schemeClr val="accent1"/>
-          </a:effectRef>
-          <a:fontRef idx="minor">
-            <a:schemeClr val="tx1"/>
-          </a:fontRef>
-        </p:style>
-      </p:cxnSp>
-      <p:sp>
-        <p:nvSpPr>
-          <p:cNvPr id="9" name="Oval 8"/>
-          <p:cNvSpPr/>
-          <p:nvPr/>
-        </p:nvSpPr>
-        <p:spPr>
-          <a:xfrm>
-            <a:off x="2322328" y="2276104"/>
-            <a:ext cx="106325" cy="138223"/>
-          </a:xfrm>
-          <a:prstGeom prst="ellipse">
-            <a:avLst/>
-          </a:prstGeom>
-        </p:spPr>
-        <p:style>
-          <a:lnRef idx="2">
-            <a:schemeClr val="accent1">
-              <a:shade val="50000"/>
-            </a:schemeClr>
-          </a:lnRef>
-          <a:fillRef idx="1">
-            <a:schemeClr val="accent1"/>
-          </a:fillRef>
-          <a:effectRef idx="0">
-            <a:schemeClr val="accent1"/>
-          </a:effectRef>
-          <a:fontRef idx="minor">
-            <a:schemeClr val="lt1"/>
-          </a:fontRef>
-        </p:style>
-        <p:txBody>
-          <a:bodyPr rtlCol="0" anchor="ctr"/>
-          <a:lstStyle/>
-          <a:p>
-            <a:pPr algn="ctr"/>
-            <a:endParaRPr lang="en-US"/>
-          </a:p>
-        </p:txBody>
-      </p:sp>
-      <p:sp>
-        <p:nvSpPr>
-          <p:cNvPr id="10" name="Oval 9"/>
-          <p:cNvSpPr/>
-          <p:nvPr/>
-        </p:nvSpPr>
-        <p:spPr>
-          <a:xfrm>
-            <a:off x="2322328" y="2685458"/>
-            <a:ext cx="106325" cy="138223"/>
-          </a:xfrm>
-          <a:prstGeom prst="ellipse">
-            <a:avLst/>
-          </a:prstGeom>
-        </p:spPr>
-        <p:style>
-          <a:lnRef idx="2">
-            <a:schemeClr val="accent1">
-              <a:shade val="50000"/>
-            </a:schemeClr>
-          </a:lnRef>
-          <a:fillRef idx="1">
-            <a:schemeClr val="accent1"/>
-          </a:fillRef>
-          <a:effectRef idx="0">
-            <a:schemeClr val="accent1"/>
-          </a:effectRef>
-          <a:fontRef idx="minor">
-            <a:schemeClr val="lt1"/>
-          </a:fontRef>
-        </p:style>
-        <p:txBody>
-          <a:bodyPr rtlCol="0" anchor="ctr"/>
-          <a:lstStyle/>
-          <a:p>
-            <a:pPr algn="ctr"/>
-            <a:endParaRPr lang="en-US"/>
-          </a:p>
-        </p:txBody>
-      </p:sp>
-      <p:sp>
-        <p:nvSpPr>
-          <p:cNvPr id="11" name="Oval 10"/>
-          <p:cNvSpPr/>
-          <p:nvPr/>
-        </p:nvSpPr>
-        <p:spPr>
-          <a:xfrm>
-            <a:off x="2325873" y="3068230"/>
-            <a:ext cx="106325" cy="138223"/>
-          </a:xfrm>
-          <a:prstGeom prst="ellipse">
-            <a:avLst/>
-          </a:prstGeom>
-        </p:spPr>
-        <p:style>
-          <a:lnRef idx="2">
-            <a:schemeClr val="accent1">
-              <a:shade val="50000"/>
-            </a:schemeClr>
-          </a:lnRef>
-          <a:fillRef idx="1">
-            <a:schemeClr val="accent1"/>
-          </a:fillRef>
-          <a:effectRef idx="0">
-            <a:schemeClr val="accent1"/>
-          </a:effectRef>
-          <a:fontRef idx="minor">
-            <a:schemeClr val="lt1"/>
-          </a:fontRef>
-        </p:style>
-        <p:txBody>
-          <a:bodyPr rtlCol="0" anchor="ctr"/>
-          <a:lstStyle/>
-          <a:p>
-            <a:pPr algn="ctr"/>
-            <a:endParaRPr lang="en-US"/>
-          </a:p>
-        </p:txBody>
-      </p:sp>
-      <p:cxnSp>
-        <p:nvCxnSpPr>
-          <p:cNvPr id="12" name="Straight Connector 11"/>
-          <p:cNvCxnSpPr>
-            <a:endCxn id="11" idx="2"/>
-          </p:cNvCxnSpPr>
-          <p:nvPr/>
-        </p:nvCxnSpPr>
-        <p:spPr>
-          <a:xfrm>
-            <a:off x="1801333" y="3137341"/>
-            <a:ext cx="524540" cy="1"/>
-          </a:xfrm>
-          <a:prstGeom prst="line">
-            <a:avLst/>
-          </a:prstGeom>
-          <a:ln w="25400"/>
-        </p:spPr>
-        <p:style>
-          <a:lnRef idx="1">
-            <a:schemeClr val="accent1"/>
-          </a:lnRef>
-          <a:fillRef idx="0">
-            <a:schemeClr val="accent1"/>
-          </a:fillRef>
-          <a:effectRef idx="0">
-            <a:schemeClr val="accent1"/>
-          </a:effectRef>
-          <a:fontRef idx="minor">
-            <a:schemeClr val="tx1"/>
-          </a:fontRef>
-        </p:style>
-      </p:cxnSp>
-      <p:cxnSp>
-        <p:nvCxnSpPr>
-          <p:cNvPr id="13" name="Straight Connector 12"/>
-          <p:cNvCxnSpPr>
-            <a:endCxn id="10" idx="2"/>
-          </p:cNvCxnSpPr>
-          <p:nvPr/>
-        </p:nvCxnSpPr>
-        <p:spPr>
-          <a:xfrm>
-            <a:off x="1801333" y="2754570"/>
-            <a:ext cx="520995" cy="0"/>
-          </a:xfrm>
-          <a:prstGeom prst="line">
-            <a:avLst/>
-          </a:prstGeom>
-          <a:ln w="25400"/>
-        </p:spPr>
-        <p:style>
-          <a:lnRef idx="1">
-            <a:schemeClr val="accent1"/>
-          </a:lnRef>
-          <a:fillRef idx="0">
-            <a:schemeClr val="accent1"/>
-          </a:fillRef>
-          <a:effectRef idx="0">
-            <a:schemeClr val="accent1"/>
-          </a:effectRef>
-          <a:fontRef idx="minor">
-            <a:schemeClr val="tx1"/>
-          </a:fontRef>
-        </p:style>
-      </p:cxnSp>
-      <p:cxnSp>
-        <p:nvCxnSpPr>
-          <p:cNvPr id="18" name="Straight Connector 17"/>
-          <p:cNvCxnSpPr/>
-          <p:nvPr/>
-        </p:nvCxnSpPr>
-        <p:spPr>
-          <a:xfrm>
-            <a:off x="1801333" y="2346988"/>
-            <a:ext cx="0" cy="790353"/>
-          </a:xfrm>
-          <a:prstGeom prst="line">
-            <a:avLst/>
-          </a:prstGeom>
-          <a:ln w="25400"/>
-        </p:spPr>
-        <p:style>
-          <a:lnRef idx="1">
-            <a:schemeClr val="accent1"/>
-          </a:lnRef>
-          <a:fillRef idx="0">
-            <a:schemeClr val="accent1"/>
-          </a:fillRef>
-          <a:effectRef idx="0">
-            <a:schemeClr val="accent1"/>
-          </a:effectRef>
-          <a:fontRef idx="minor">
-            <a:schemeClr val="tx1"/>
-          </a:fontRef>
-        </p:style>
-      </p:cxnSp>
-      <p:sp>
-        <p:nvSpPr>
-          <p:cNvPr id="22" name="TextBox 21"/>
-          <p:cNvSpPr txBox="1"/>
-          <p:nvPr/>
-        </p:nvSpPr>
-        <p:spPr>
-          <a:xfrm>
-            <a:off x="1136798" y="1969531"/>
-            <a:ext cx="249866" cy="369332"/>
-          </a:xfrm>
-          <a:prstGeom prst="rect">
-            <a:avLst/>
-          </a:prstGeom>
-          <a:noFill/>
-        </p:spPr>
-        <p:txBody>
-          <a:bodyPr wrap="square" rtlCol="0">
-            <a:spAutoFit/>
+          <p:cNvPr id="3" name="Content Placeholder 2"/>
+          <p:cNvSpPr>
+            <a:spLocks noGrp="1"/>
+          </p:cNvSpPr>
+          <p:nvPr>
+            <p:ph idx="1"/>
+          </p:nvPr>
+        </p:nvSpPr>
+        <p:spPr/>
+        <p:txBody>
+          <a:bodyPr>
+            <a:normAutofit/>
           </a:bodyPr>
           <a:lstStyle/>
           <a:p>
             <a:r>
-              <a:rPr lang="en-US" b="1" dirty="0" smtClean="0"/>
-              <a:t>N</a:t>
-            </a:r>
-            <a:endParaRPr lang="en-US" b="1" dirty="0"/>
-          </a:p>
-        </p:txBody>
-      </p:sp>
-      <p:sp>
-        <p:nvSpPr>
-          <p:cNvPr id="24" name="TextBox 23"/>
-          <p:cNvSpPr txBox="1"/>
-          <p:nvPr/>
-        </p:nvSpPr>
-        <p:spPr>
-          <a:xfrm>
-            <a:off x="2375490" y="2154197"/>
-            <a:ext cx="642385" cy="369332"/>
-          </a:xfrm>
-          <a:prstGeom prst="rect">
-            <a:avLst/>
-          </a:prstGeom>
-          <a:noFill/>
-        </p:spPr>
-        <p:txBody>
-          <a:bodyPr wrap="square" rtlCol="0">
-            <a:spAutoFit/>
-          </a:bodyPr>
-          <a:lstStyle/>
-          <a:p>
-            <a:r>
-              <a:rPr lang="en-US" b="1" dirty="0" smtClean="0"/>
-              <a:t>SN1</a:t>
-            </a:r>
-            <a:endParaRPr lang="en-US" b="1" dirty="0"/>
-          </a:p>
-        </p:txBody>
-      </p:sp>
-      <p:sp>
-        <p:nvSpPr>
-          <p:cNvPr id="25" name="TextBox 24"/>
-          <p:cNvSpPr txBox="1"/>
-          <p:nvPr/>
-        </p:nvSpPr>
-        <p:spPr>
-          <a:xfrm>
-            <a:off x="2379035" y="2557498"/>
-            <a:ext cx="642385" cy="369332"/>
-          </a:xfrm>
-          <a:prstGeom prst="rect">
-            <a:avLst/>
-          </a:prstGeom>
-          <a:noFill/>
-        </p:spPr>
-        <p:txBody>
-          <a:bodyPr wrap="square" rtlCol="0">
-            <a:spAutoFit/>
-          </a:bodyPr>
-          <a:lstStyle/>
-          <a:p>
-            <a:r>
-              <a:rPr lang="en-US" b="1" dirty="0" smtClean="0"/>
-              <a:t>SN2</a:t>
-            </a:r>
-            <a:endParaRPr lang="en-US" b="1" dirty="0"/>
-          </a:p>
-        </p:txBody>
-      </p:sp>
-      <p:sp>
-        <p:nvSpPr>
-          <p:cNvPr id="26" name="TextBox 25"/>
-          <p:cNvSpPr txBox="1"/>
-          <p:nvPr/>
-        </p:nvSpPr>
-        <p:spPr>
-          <a:xfrm>
-            <a:off x="2381249" y="2926462"/>
-            <a:ext cx="642385" cy="369332"/>
-          </a:xfrm>
-          <a:prstGeom prst="rect">
-            <a:avLst/>
-          </a:prstGeom>
-          <a:noFill/>
-        </p:spPr>
-        <p:txBody>
-          <a:bodyPr wrap="square" rtlCol="0">
-            <a:spAutoFit/>
-          </a:bodyPr>
-          <a:lstStyle/>
-          <a:p>
-            <a:r>
-              <a:rPr lang="en-US" b="1" dirty="0" smtClean="0"/>
-              <a:t>SN3</a:t>
-            </a:r>
-            <a:endParaRPr lang="en-US" b="1" dirty="0"/>
-          </a:p>
-        </p:txBody>
-      </p:sp>
-      <p:sp>
-        <p:nvSpPr>
-          <p:cNvPr id="27" name="Oval 26"/>
-          <p:cNvSpPr/>
-          <p:nvPr/>
-        </p:nvSpPr>
-        <p:spPr>
-          <a:xfrm>
-            <a:off x="4728832" y="2253735"/>
-            <a:ext cx="106325" cy="138223"/>
-          </a:xfrm>
-          <a:prstGeom prst="ellipse">
-            <a:avLst/>
-          </a:prstGeom>
-        </p:spPr>
-        <p:style>
-          <a:lnRef idx="2">
-            <a:schemeClr val="accent1">
-              <a:shade val="50000"/>
-            </a:schemeClr>
-          </a:lnRef>
-          <a:fillRef idx="1">
-            <a:schemeClr val="accent1"/>
-          </a:fillRef>
-          <a:effectRef idx="0">
-            <a:schemeClr val="accent1"/>
-          </a:effectRef>
-          <a:fontRef idx="minor">
-            <a:schemeClr val="lt1"/>
-          </a:fontRef>
-        </p:style>
-        <p:txBody>
-          <a:bodyPr rtlCol="0" anchor="ctr"/>
-          <a:lstStyle/>
-          <a:p>
-            <a:pPr algn="ctr"/>
-            <a:endParaRPr lang="en-US"/>
-          </a:p>
-        </p:txBody>
-      </p:sp>
-      <p:cxnSp>
-        <p:nvCxnSpPr>
-          <p:cNvPr id="28" name="Straight Connector 27"/>
-          <p:cNvCxnSpPr>
-            <a:stCxn id="27" idx="2"/>
-          </p:cNvCxnSpPr>
-          <p:nvPr/>
-        </p:nvCxnSpPr>
-        <p:spPr>
-          <a:xfrm>
-            <a:off x="4728832" y="2322847"/>
-            <a:ext cx="1041989" cy="0"/>
-          </a:xfrm>
-          <a:prstGeom prst="line">
-            <a:avLst/>
-          </a:prstGeom>
-          <a:ln w="25400"/>
-        </p:spPr>
-        <p:style>
-          <a:lnRef idx="1">
-            <a:schemeClr val="accent1"/>
-          </a:lnRef>
-          <a:fillRef idx="0">
-            <a:schemeClr val="accent1"/>
-          </a:fillRef>
-          <a:effectRef idx="0">
-            <a:schemeClr val="accent1"/>
-          </a:effectRef>
-          <a:fontRef idx="minor">
-            <a:schemeClr val="tx1"/>
-          </a:fontRef>
-        </p:style>
-      </p:cxnSp>
-      <p:sp>
-        <p:nvSpPr>
-          <p:cNvPr id="29" name="Oval 28"/>
-          <p:cNvSpPr/>
-          <p:nvPr/>
-        </p:nvSpPr>
-        <p:spPr>
-          <a:xfrm>
-            <a:off x="5770821" y="2251963"/>
-            <a:ext cx="106325" cy="138223"/>
-          </a:xfrm>
-          <a:prstGeom prst="ellipse">
-            <a:avLst/>
-          </a:prstGeom>
-        </p:spPr>
-        <p:style>
-          <a:lnRef idx="2">
-            <a:schemeClr val="accent1">
-              <a:shade val="50000"/>
-            </a:schemeClr>
-          </a:lnRef>
-          <a:fillRef idx="1">
-            <a:schemeClr val="accent1"/>
-          </a:fillRef>
-          <a:effectRef idx="0">
-            <a:schemeClr val="accent1"/>
-          </a:effectRef>
-          <a:fontRef idx="minor">
-            <a:schemeClr val="lt1"/>
-          </a:fontRef>
-        </p:style>
-        <p:txBody>
-          <a:bodyPr rtlCol="0" anchor="ctr"/>
-          <a:lstStyle/>
-          <a:p>
-            <a:pPr algn="ctr"/>
-            <a:endParaRPr lang="en-US"/>
-          </a:p>
-        </p:txBody>
-      </p:sp>
-      <p:sp>
-        <p:nvSpPr>
-          <p:cNvPr id="30" name="Oval 29"/>
-          <p:cNvSpPr/>
-          <p:nvPr/>
-        </p:nvSpPr>
-        <p:spPr>
-          <a:xfrm>
-            <a:off x="5770821" y="2661317"/>
-            <a:ext cx="106325" cy="138223"/>
-          </a:xfrm>
-          <a:prstGeom prst="ellipse">
-            <a:avLst/>
-          </a:prstGeom>
-        </p:spPr>
-        <p:style>
-          <a:lnRef idx="2">
-            <a:schemeClr val="accent1">
-              <a:shade val="50000"/>
-            </a:schemeClr>
-          </a:lnRef>
-          <a:fillRef idx="1">
-            <a:schemeClr val="accent1"/>
-          </a:fillRef>
-          <a:effectRef idx="0">
-            <a:schemeClr val="accent1"/>
-          </a:effectRef>
-          <a:fontRef idx="minor">
-            <a:schemeClr val="lt1"/>
-          </a:fontRef>
-        </p:style>
-        <p:txBody>
-          <a:bodyPr rtlCol="0" anchor="ctr"/>
-          <a:lstStyle/>
-          <a:p>
-            <a:pPr algn="ctr"/>
-            <a:endParaRPr lang="en-US"/>
-          </a:p>
-        </p:txBody>
-      </p:sp>
-      <p:sp>
-        <p:nvSpPr>
-          <p:cNvPr id="31" name="Oval 30"/>
-          <p:cNvSpPr/>
-          <p:nvPr/>
-        </p:nvSpPr>
-        <p:spPr>
-          <a:xfrm>
-            <a:off x="5774366" y="3044089"/>
-            <a:ext cx="106325" cy="138223"/>
-          </a:xfrm>
-          <a:prstGeom prst="ellipse">
-            <a:avLst/>
-          </a:prstGeom>
-        </p:spPr>
-        <p:style>
-          <a:lnRef idx="2">
-            <a:schemeClr val="accent1">
-              <a:shade val="50000"/>
-            </a:schemeClr>
-          </a:lnRef>
-          <a:fillRef idx="1">
-            <a:schemeClr val="accent1"/>
-          </a:fillRef>
-          <a:effectRef idx="0">
-            <a:schemeClr val="accent1"/>
-          </a:effectRef>
-          <a:fontRef idx="minor">
-            <a:schemeClr val="lt1"/>
-          </a:fontRef>
-        </p:style>
-        <p:txBody>
-          <a:bodyPr rtlCol="0" anchor="ctr"/>
-          <a:lstStyle/>
-          <a:p>
-            <a:pPr algn="ctr"/>
-            <a:endParaRPr lang="en-US"/>
-          </a:p>
-        </p:txBody>
-      </p:sp>
-      <p:cxnSp>
-        <p:nvCxnSpPr>
-          <p:cNvPr id="32" name="Straight Connector 31"/>
-          <p:cNvCxnSpPr>
-            <a:endCxn id="31" idx="2"/>
-          </p:cNvCxnSpPr>
-          <p:nvPr/>
-        </p:nvCxnSpPr>
-        <p:spPr>
-          <a:xfrm>
-            <a:off x="5249826" y="3113200"/>
-            <a:ext cx="524540" cy="1"/>
-          </a:xfrm>
-          <a:prstGeom prst="line">
-            <a:avLst/>
-          </a:prstGeom>
-          <a:ln w="25400"/>
-        </p:spPr>
-        <p:style>
-          <a:lnRef idx="1">
-            <a:schemeClr val="accent1"/>
-          </a:lnRef>
-          <a:fillRef idx="0">
-            <a:schemeClr val="accent1"/>
-          </a:fillRef>
-          <a:effectRef idx="0">
-            <a:schemeClr val="accent1"/>
-          </a:effectRef>
-          <a:fontRef idx="minor">
-            <a:schemeClr val="tx1"/>
-          </a:fontRef>
-        </p:style>
-      </p:cxnSp>
-      <p:cxnSp>
-        <p:nvCxnSpPr>
-          <p:cNvPr id="33" name="Straight Connector 32"/>
-          <p:cNvCxnSpPr>
-            <a:endCxn id="30" idx="2"/>
-          </p:cNvCxnSpPr>
-          <p:nvPr/>
-        </p:nvCxnSpPr>
-        <p:spPr>
-          <a:xfrm>
-            <a:off x="5249826" y="2730429"/>
-            <a:ext cx="520995" cy="0"/>
-          </a:xfrm>
-          <a:prstGeom prst="line">
-            <a:avLst/>
-          </a:prstGeom>
-          <a:ln w="25400"/>
-        </p:spPr>
-        <p:style>
-          <a:lnRef idx="1">
-            <a:schemeClr val="accent1"/>
-          </a:lnRef>
-          <a:fillRef idx="0">
-            <a:schemeClr val="accent1"/>
-          </a:fillRef>
-          <a:effectRef idx="0">
-            <a:schemeClr val="accent1"/>
-          </a:effectRef>
-          <a:fontRef idx="minor">
-            <a:schemeClr val="tx1"/>
-          </a:fontRef>
-        </p:style>
-      </p:cxnSp>
-      <p:cxnSp>
-        <p:nvCxnSpPr>
-          <p:cNvPr id="34" name="Straight Connector 33"/>
-          <p:cNvCxnSpPr/>
-          <p:nvPr/>
-        </p:nvCxnSpPr>
-        <p:spPr>
-          <a:xfrm>
-            <a:off x="5249826" y="2322847"/>
-            <a:ext cx="0" cy="790353"/>
-          </a:xfrm>
-          <a:prstGeom prst="line">
-            <a:avLst/>
-          </a:prstGeom>
-          <a:ln w="25400"/>
-        </p:spPr>
-        <p:style>
-          <a:lnRef idx="1">
-            <a:schemeClr val="accent1"/>
-          </a:lnRef>
-          <a:fillRef idx="0">
-            <a:schemeClr val="accent1"/>
-          </a:fillRef>
-          <a:effectRef idx="0">
-            <a:schemeClr val="accent1"/>
-          </a:effectRef>
-          <a:fontRef idx="minor">
-            <a:schemeClr val="tx1"/>
-          </a:fontRef>
-        </p:style>
-      </p:cxnSp>
-      <p:sp>
-        <p:nvSpPr>
-          <p:cNvPr id="35" name="TextBox 34"/>
-          <p:cNvSpPr txBox="1"/>
-          <p:nvPr/>
-        </p:nvSpPr>
-        <p:spPr>
-          <a:xfrm>
-            <a:off x="4585291" y="1945390"/>
-            <a:ext cx="249866" cy="369332"/>
-          </a:xfrm>
-          <a:prstGeom prst="rect">
-            <a:avLst/>
-          </a:prstGeom>
-          <a:noFill/>
-        </p:spPr>
-        <p:txBody>
-          <a:bodyPr wrap="square" rtlCol="0">
-            <a:spAutoFit/>
-          </a:bodyPr>
-          <a:lstStyle/>
-          <a:p>
-            <a:r>
-              <a:rPr lang="en-US" b="1" dirty="0" smtClean="0"/>
-              <a:t>P</a:t>
-            </a:r>
-            <a:endParaRPr lang="en-US" b="1" dirty="0"/>
-          </a:p>
-        </p:txBody>
-      </p:sp>
-      <p:sp>
-        <p:nvSpPr>
-          <p:cNvPr id="36" name="TextBox 35"/>
-          <p:cNvSpPr txBox="1"/>
-          <p:nvPr/>
-        </p:nvSpPr>
-        <p:spPr>
-          <a:xfrm>
-            <a:off x="5823983" y="2130056"/>
-            <a:ext cx="642385" cy="369332"/>
-          </a:xfrm>
-          <a:prstGeom prst="rect">
-            <a:avLst/>
-          </a:prstGeom>
-          <a:noFill/>
-        </p:spPr>
-        <p:txBody>
-          <a:bodyPr wrap="square" rtlCol="0">
-            <a:spAutoFit/>
-          </a:bodyPr>
-          <a:lstStyle/>
-          <a:p>
-            <a:r>
-              <a:rPr lang="en-US" b="1" dirty="0" smtClean="0"/>
-              <a:t>SP1</a:t>
-            </a:r>
-            <a:endParaRPr lang="en-US" b="1" dirty="0"/>
-          </a:p>
-        </p:txBody>
-      </p:sp>
-      <p:sp>
-        <p:nvSpPr>
-          <p:cNvPr id="37" name="TextBox 36"/>
-          <p:cNvSpPr txBox="1"/>
-          <p:nvPr/>
-        </p:nvSpPr>
-        <p:spPr>
-          <a:xfrm>
-            <a:off x="5827528" y="2533357"/>
-            <a:ext cx="642385" cy="369332"/>
-          </a:xfrm>
-          <a:prstGeom prst="rect">
-            <a:avLst/>
-          </a:prstGeom>
-          <a:noFill/>
-        </p:spPr>
-        <p:txBody>
-          <a:bodyPr wrap="square" rtlCol="0">
-            <a:spAutoFit/>
-          </a:bodyPr>
-          <a:lstStyle/>
-          <a:p>
-            <a:r>
-              <a:rPr lang="en-US" b="1" dirty="0" smtClean="0"/>
-              <a:t>SP2</a:t>
-            </a:r>
-            <a:endParaRPr lang="en-US" b="1" dirty="0"/>
-          </a:p>
-        </p:txBody>
-      </p:sp>
-      <p:sp>
-        <p:nvSpPr>
-          <p:cNvPr id="38" name="TextBox 37"/>
-          <p:cNvSpPr txBox="1"/>
-          <p:nvPr/>
-        </p:nvSpPr>
-        <p:spPr>
-          <a:xfrm>
-            <a:off x="5829742" y="2902321"/>
-            <a:ext cx="642385" cy="369332"/>
-          </a:xfrm>
-          <a:prstGeom prst="rect">
-            <a:avLst/>
-          </a:prstGeom>
-          <a:noFill/>
-        </p:spPr>
-        <p:txBody>
-          <a:bodyPr wrap="square" rtlCol="0">
-            <a:spAutoFit/>
-          </a:bodyPr>
-          <a:lstStyle/>
-          <a:p>
-            <a:r>
-              <a:rPr lang="en-US" b="1" dirty="0" smtClean="0"/>
-              <a:t>SP3</a:t>
-            </a:r>
-            <a:endParaRPr lang="en-US" b="1" dirty="0"/>
-          </a:p>
-        </p:txBody>
-      </p:sp>
-      <p:sp>
-        <p:nvSpPr>
-          <p:cNvPr id="39" name="TextBox 38"/>
-          <p:cNvSpPr txBox="1"/>
-          <p:nvPr/>
-        </p:nvSpPr>
-        <p:spPr>
-          <a:xfrm>
-            <a:off x="1052622" y="3330798"/>
-            <a:ext cx="9133369" cy="830997"/>
-          </a:xfrm>
-          <a:prstGeom prst="rect">
-            <a:avLst/>
-          </a:prstGeom>
-          <a:noFill/>
-        </p:spPr>
-        <p:txBody>
-          <a:bodyPr wrap="square" rtlCol="0">
-            <a:spAutoFit/>
-          </a:bodyPr>
-          <a:lstStyle/>
-          <a:p>
-            <a:r>
-              <a:rPr lang="en-US" sz="2400" dirty="0" smtClean="0"/>
-              <a:t>1.   </a:t>
-            </a:r>
-            <a:r>
-              <a:rPr lang="en-US" sz="2400" b="1" dirty="0" err="1" smtClean="0">
+              <a:rPr lang="en-US" b="1" dirty="0" err="1" smtClean="0">
                 <a:solidFill>
                   <a:srgbClr val="C00000"/>
                 </a:solidFill>
               </a:rPr>
-              <a:t>fll_mv</a:t>
-            </a:r>
-            <a:r>
-              <a:rPr lang="en-US" sz="2400" b="1" dirty="0" smtClean="0">
+              <a:t>fll_read_ffa</a:t>
+            </a:r>
+            <a:r>
+              <a:rPr lang="en-US" b="1" dirty="0" smtClean="0">
                 <a:solidFill>
                   <a:srgbClr val="C00000"/>
                 </a:solidFill>
@@ -6426,922 +5668,115 @@
               <a:t>(</a:t>
             </a:r>
             <a:r>
-              <a:rPr lang="en-US" sz="2400" b="1" dirty="0" err="1" smtClean="0">
+              <a:rPr lang="en-US" b="1" dirty="0" err="1" smtClean="0">
                 <a:solidFill>
                   <a:srgbClr val="C00000"/>
                 </a:solidFill>
               </a:rPr>
-              <a:t>P,N,fpar</a:t>
-            </a:r>
-            <a:r>
-              <a:rPr lang="en-US" sz="2400" b="1" dirty="0" smtClean="0">
+              <a:t>pnode,file,iounit,fmt,fpar</a:t>
+            </a:r>
+            <a:r>
+              <a:rPr lang="en-US" b="1" dirty="0" smtClean="0">
                 <a:solidFill>
                   <a:srgbClr val="C00000"/>
                 </a:solidFill>
               </a:rPr>
               <a:t>)</a:t>
             </a:r>
-            <a:r>
-              <a:rPr lang="en-US" sz="2400" dirty="0" smtClean="0"/>
-              <a:t> will result in node P being moved 				into node N as a new subset</a:t>
-            </a:r>
-            <a:endParaRPr lang="en-US" sz="2400" dirty="0"/>
-          </a:p>
-        </p:txBody>
-      </p:sp>
-      <p:sp>
-        <p:nvSpPr>
-          <p:cNvPr id="40" name="Oval 39"/>
-          <p:cNvSpPr/>
-          <p:nvPr/>
-        </p:nvSpPr>
-        <p:spPr>
-          <a:xfrm>
-            <a:off x="1280339" y="4309731"/>
-            <a:ext cx="106325" cy="138223"/>
-          </a:xfrm>
-          <a:prstGeom prst="ellipse">
-            <a:avLst/>
-          </a:prstGeom>
-        </p:spPr>
-        <p:style>
-          <a:lnRef idx="2">
-            <a:schemeClr val="accent1">
-              <a:shade val="50000"/>
-            </a:schemeClr>
-          </a:lnRef>
-          <a:fillRef idx="1">
-            <a:schemeClr val="accent1"/>
-          </a:fillRef>
-          <a:effectRef idx="0">
-            <a:schemeClr val="accent1"/>
-          </a:effectRef>
-          <a:fontRef idx="minor">
-            <a:schemeClr val="lt1"/>
-          </a:fontRef>
-        </p:style>
-        <p:txBody>
-          <a:bodyPr rtlCol="0" anchor="ctr"/>
-          <a:lstStyle/>
-          <a:p>
-            <a:pPr algn="ctr"/>
-            <a:endParaRPr lang="en-US"/>
-          </a:p>
-        </p:txBody>
-      </p:sp>
-      <p:cxnSp>
-        <p:nvCxnSpPr>
-          <p:cNvPr id="41" name="Straight Connector 40"/>
-          <p:cNvCxnSpPr>
-            <a:stCxn id="40" idx="2"/>
-          </p:cNvCxnSpPr>
-          <p:nvPr/>
-        </p:nvCxnSpPr>
-        <p:spPr>
-          <a:xfrm>
-            <a:off x="1280339" y="4378843"/>
-            <a:ext cx="1041989" cy="0"/>
-          </a:xfrm>
-          <a:prstGeom prst="line">
-            <a:avLst/>
-          </a:prstGeom>
-          <a:ln w="25400"/>
-        </p:spPr>
-        <p:style>
-          <a:lnRef idx="1">
-            <a:schemeClr val="accent1"/>
-          </a:lnRef>
-          <a:fillRef idx="0">
-            <a:schemeClr val="accent1"/>
-          </a:fillRef>
-          <a:effectRef idx="0">
-            <a:schemeClr val="accent1"/>
-          </a:effectRef>
-          <a:fontRef idx="minor">
-            <a:schemeClr val="tx1"/>
-          </a:fontRef>
-        </p:style>
-      </p:cxnSp>
-      <p:sp>
-        <p:nvSpPr>
-          <p:cNvPr id="42" name="Oval 41"/>
-          <p:cNvSpPr/>
-          <p:nvPr/>
-        </p:nvSpPr>
-        <p:spPr>
-          <a:xfrm>
-            <a:off x="2322328" y="4307959"/>
-            <a:ext cx="106325" cy="138223"/>
-          </a:xfrm>
-          <a:prstGeom prst="ellipse">
-            <a:avLst/>
-          </a:prstGeom>
-        </p:spPr>
-        <p:style>
-          <a:lnRef idx="2">
-            <a:schemeClr val="accent1">
-              <a:shade val="50000"/>
-            </a:schemeClr>
-          </a:lnRef>
-          <a:fillRef idx="1">
-            <a:schemeClr val="accent1"/>
-          </a:fillRef>
-          <a:effectRef idx="0">
-            <a:schemeClr val="accent1"/>
-          </a:effectRef>
-          <a:fontRef idx="minor">
-            <a:schemeClr val="lt1"/>
-          </a:fontRef>
-        </p:style>
-        <p:txBody>
-          <a:bodyPr rtlCol="0" anchor="ctr"/>
-          <a:lstStyle/>
-          <a:p>
-            <a:pPr algn="ctr"/>
-            <a:endParaRPr lang="en-US"/>
-          </a:p>
-        </p:txBody>
-      </p:sp>
-      <p:sp>
-        <p:nvSpPr>
-          <p:cNvPr id="43" name="Oval 42"/>
-          <p:cNvSpPr/>
-          <p:nvPr/>
-        </p:nvSpPr>
-        <p:spPr>
-          <a:xfrm>
-            <a:off x="2322328" y="4717313"/>
-            <a:ext cx="106325" cy="138223"/>
-          </a:xfrm>
-          <a:prstGeom prst="ellipse">
-            <a:avLst/>
-          </a:prstGeom>
-        </p:spPr>
-        <p:style>
-          <a:lnRef idx="2">
-            <a:schemeClr val="accent1">
-              <a:shade val="50000"/>
-            </a:schemeClr>
-          </a:lnRef>
-          <a:fillRef idx="1">
-            <a:schemeClr val="accent1"/>
-          </a:fillRef>
-          <a:effectRef idx="0">
-            <a:schemeClr val="accent1"/>
-          </a:effectRef>
-          <a:fontRef idx="minor">
-            <a:schemeClr val="lt1"/>
-          </a:fontRef>
-        </p:style>
-        <p:txBody>
-          <a:bodyPr rtlCol="0" anchor="ctr"/>
-          <a:lstStyle/>
-          <a:p>
-            <a:pPr algn="ctr"/>
-            <a:endParaRPr lang="en-US"/>
-          </a:p>
-        </p:txBody>
-      </p:sp>
-      <p:sp>
-        <p:nvSpPr>
-          <p:cNvPr id="44" name="Oval 43"/>
-          <p:cNvSpPr/>
-          <p:nvPr/>
-        </p:nvSpPr>
-        <p:spPr>
-          <a:xfrm>
-            <a:off x="2325873" y="5100085"/>
-            <a:ext cx="106325" cy="138223"/>
-          </a:xfrm>
-          <a:prstGeom prst="ellipse">
-            <a:avLst/>
-          </a:prstGeom>
-        </p:spPr>
-        <p:style>
-          <a:lnRef idx="2">
-            <a:schemeClr val="accent1">
-              <a:shade val="50000"/>
-            </a:schemeClr>
-          </a:lnRef>
-          <a:fillRef idx="1">
-            <a:schemeClr val="accent1"/>
-          </a:fillRef>
-          <a:effectRef idx="0">
-            <a:schemeClr val="accent1"/>
-          </a:effectRef>
-          <a:fontRef idx="minor">
-            <a:schemeClr val="lt1"/>
-          </a:fontRef>
-        </p:style>
-        <p:txBody>
-          <a:bodyPr rtlCol="0" anchor="ctr"/>
-          <a:lstStyle/>
-          <a:p>
-            <a:pPr algn="ctr"/>
-            <a:endParaRPr lang="en-US"/>
-          </a:p>
-        </p:txBody>
-      </p:sp>
-      <p:cxnSp>
-        <p:nvCxnSpPr>
-          <p:cNvPr id="45" name="Straight Connector 44"/>
-          <p:cNvCxnSpPr>
-            <a:endCxn id="44" idx="2"/>
-          </p:cNvCxnSpPr>
-          <p:nvPr/>
-        </p:nvCxnSpPr>
-        <p:spPr>
-          <a:xfrm>
-            <a:off x="1801333" y="5169196"/>
-            <a:ext cx="524540" cy="1"/>
-          </a:xfrm>
-          <a:prstGeom prst="line">
-            <a:avLst/>
-          </a:prstGeom>
-          <a:ln w="25400"/>
-        </p:spPr>
-        <p:style>
-          <a:lnRef idx="1">
-            <a:schemeClr val="accent1"/>
-          </a:lnRef>
-          <a:fillRef idx="0">
-            <a:schemeClr val="accent1"/>
-          </a:fillRef>
-          <a:effectRef idx="0">
-            <a:schemeClr val="accent1"/>
-          </a:effectRef>
-          <a:fontRef idx="minor">
-            <a:schemeClr val="tx1"/>
-          </a:fontRef>
-        </p:style>
-      </p:cxnSp>
-      <p:cxnSp>
-        <p:nvCxnSpPr>
-          <p:cNvPr id="46" name="Straight Connector 45"/>
-          <p:cNvCxnSpPr>
-            <a:endCxn id="43" idx="2"/>
-          </p:cNvCxnSpPr>
-          <p:nvPr/>
-        </p:nvCxnSpPr>
-        <p:spPr>
-          <a:xfrm>
-            <a:off x="1801333" y="4786425"/>
-            <a:ext cx="520995" cy="0"/>
-          </a:xfrm>
-          <a:prstGeom prst="line">
-            <a:avLst/>
-          </a:prstGeom>
-          <a:ln w="25400"/>
-        </p:spPr>
-        <p:style>
-          <a:lnRef idx="1">
-            <a:schemeClr val="accent1"/>
-          </a:lnRef>
-          <a:fillRef idx="0">
-            <a:schemeClr val="accent1"/>
-          </a:fillRef>
-          <a:effectRef idx="0">
-            <a:schemeClr val="accent1"/>
-          </a:effectRef>
-          <a:fontRef idx="minor">
-            <a:schemeClr val="tx1"/>
-          </a:fontRef>
-        </p:style>
-      </p:cxnSp>
-      <p:cxnSp>
-        <p:nvCxnSpPr>
-          <p:cNvPr id="47" name="Straight Connector 46"/>
-          <p:cNvCxnSpPr/>
-          <p:nvPr/>
-        </p:nvCxnSpPr>
-        <p:spPr>
-          <a:xfrm>
-            <a:off x="1801333" y="4378843"/>
-            <a:ext cx="0" cy="1331510"/>
-          </a:xfrm>
-          <a:prstGeom prst="line">
-            <a:avLst/>
-          </a:prstGeom>
-          <a:ln w="25400"/>
-        </p:spPr>
-        <p:style>
-          <a:lnRef idx="1">
-            <a:schemeClr val="accent1"/>
-          </a:lnRef>
-          <a:fillRef idx="0">
-            <a:schemeClr val="accent1"/>
-          </a:fillRef>
-          <a:effectRef idx="0">
-            <a:schemeClr val="accent1"/>
-          </a:effectRef>
-          <a:fontRef idx="minor">
-            <a:schemeClr val="tx1"/>
-          </a:fontRef>
-        </p:style>
-      </p:cxnSp>
-      <p:sp>
-        <p:nvSpPr>
-          <p:cNvPr id="48" name="TextBox 47"/>
-          <p:cNvSpPr txBox="1"/>
-          <p:nvPr/>
-        </p:nvSpPr>
-        <p:spPr>
-          <a:xfrm>
-            <a:off x="1136798" y="4001386"/>
-            <a:ext cx="249866" cy="369332"/>
-          </a:xfrm>
-          <a:prstGeom prst="rect">
-            <a:avLst/>
-          </a:prstGeom>
-          <a:noFill/>
-        </p:spPr>
-        <p:txBody>
-          <a:bodyPr wrap="square" rtlCol="0">
-            <a:spAutoFit/>
-          </a:bodyPr>
-          <a:lstStyle/>
-          <a:p>
-            <a:r>
-              <a:rPr lang="en-US" b="1" dirty="0" smtClean="0"/>
-              <a:t>N</a:t>
-            </a:r>
-            <a:endParaRPr lang="en-US" b="1" dirty="0"/>
-          </a:p>
-        </p:txBody>
-      </p:sp>
-      <p:sp>
-        <p:nvSpPr>
-          <p:cNvPr id="49" name="TextBox 48"/>
-          <p:cNvSpPr txBox="1"/>
-          <p:nvPr/>
-        </p:nvSpPr>
-        <p:spPr>
-          <a:xfrm>
-            <a:off x="2375490" y="4186052"/>
-            <a:ext cx="642385" cy="369332"/>
-          </a:xfrm>
-          <a:prstGeom prst="rect">
-            <a:avLst/>
-          </a:prstGeom>
-          <a:noFill/>
-        </p:spPr>
-        <p:txBody>
-          <a:bodyPr wrap="square" rtlCol="0">
-            <a:spAutoFit/>
-          </a:bodyPr>
-          <a:lstStyle/>
-          <a:p>
-            <a:r>
-              <a:rPr lang="en-US" b="1" dirty="0" smtClean="0"/>
-              <a:t>SN1</a:t>
-            </a:r>
-            <a:endParaRPr lang="en-US" b="1" dirty="0"/>
-          </a:p>
-        </p:txBody>
-      </p:sp>
-      <p:sp>
-        <p:nvSpPr>
-          <p:cNvPr id="50" name="TextBox 49"/>
-          <p:cNvSpPr txBox="1"/>
-          <p:nvPr/>
-        </p:nvSpPr>
-        <p:spPr>
-          <a:xfrm>
-            <a:off x="2379035" y="4589353"/>
-            <a:ext cx="642385" cy="369332"/>
-          </a:xfrm>
-          <a:prstGeom prst="rect">
-            <a:avLst/>
-          </a:prstGeom>
-          <a:noFill/>
-        </p:spPr>
-        <p:txBody>
-          <a:bodyPr wrap="square" rtlCol="0">
-            <a:spAutoFit/>
-          </a:bodyPr>
-          <a:lstStyle/>
-          <a:p>
-            <a:r>
-              <a:rPr lang="en-US" b="1" dirty="0" smtClean="0"/>
-              <a:t>SN2</a:t>
-            </a:r>
-            <a:endParaRPr lang="en-US" b="1" dirty="0"/>
-          </a:p>
-        </p:txBody>
-      </p:sp>
-      <p:sp>
-        <p:nvSpPr>
-          <p:cNvPr id="51" name="TextBox 50"/>
-          <p:cNvSpPr txBox="1"/>
-          <p:nvPr/>
-        </p:nvSpPr>
-        <p:spPr>
-          <a:xfrm>
-            <a:off x="2381249" y="4958317"/>
-            <a:ext cx="642385" cy="369332"/>
-          </a:xfrm>
-          <a:prstGeom prst="rect">
-            <a:avLst/>
-          </a:prstGeom>
-          <a:noFill/>
-        </p:spPr>
-        <p:txBody>
-          <a:bodyPr wrap="square" rtlCol="0">
-            <a:spAutoFit/>
-          </a:bodyPr>
-          <a:lstStyle/>
-          <a:p>
-            <a:r>
-              <a:rPr lang="en-US" b="1" dirty="0" smtClean="0"/>
-              <a:t>SN3</a:t>
-            </a:r>
-            <a:endParaRPr lang="en-US" b="1" dirty="0"/>
-          </a:p>
-        </p:txBody>
-      </p:sp>
-      <p:sp>
-        <p:nvSpPr>
-          <p:cNvPr id="52" name="Oval 51"/>
-          <p:cNvSpPr/>
-          <p:nvPr/>
-        </p:nvSpPr>
-        <p:spPr>
-          <a:xfrm>
-            <a:off x="2322328" y="5633116"/>
-            <a:ext cx="106325" cy="138223"/>
-          </a:xfrm>
-          <a:prstGeom prst="ellipse">
-            <a:avLst/>
-          </a:prstGeom>
-        </p:spPr>
-        <p:style>
-          <a:lnRef idx="2">
-            <a:schemeClr val="accent1">
-              <a:shade val="50000"/>
-            </a:schemeClr>
-          </a:lnRef>
-          <a:fillRef idx="1">
-            <a:schemeClr val="accent1"/>
-          </a:fillRef>
-          <a:effectRef idx="0">
-            <a:schemeClr val="accent1"/>
-          </a:effectRef>
-          <a:fontRef idx="minor">
-            <a:schemeClr val="lt1"/>
-          </a:fontRef>
-        </p:style>
-        <p:txBody>
-          <a:bodyPr rtlCol="0" anchor="ctr"/>
-          <a:lstStyle/>
-          <a:p>
-            <a:pPr algn="ctr"/>
-            <a:endParaRPr lang="en-US"/>
-          </a:p>
-        </p:txBody>
-      </p:sp>
-      <p:cxnSp>
-        <p:nvCxnSpPr>
-          <p:cNvPr id="53" name="Straight Connector 52"/>
-          <p:cNvCxnSpPr>
-            <a:stCxn id="52" idx="2"/>
-          </p:cNvCxnSpPr>
-          <p:nvPr/>
-        </p:nvCxnSpPr>
-        <p:spPr>
-          <a:xfrm>
-            <a:off x="2322328" y="5702228"/>
-            <a:ext cx="1041989" cy="0"/>
-          </a:xfrm>
-          <a:prstGeom prst="line">
-            <a:avLst/>
-          </a:prstGeom>
-          <a:ln w="25400"/>
-        </p:spPr>
-        <p:style>
-          <a:lnRef idx="1">
-            <a:schemeClr val="accent1"/>
-          </a:lnRef>
-          <a:fillRef idx="0">
-            <a:schemeClr val="accent1"/>
-          </a:fillRef>
-          <a:effectRef idx="0">
-            <a:schemeClr val="accent1"/>
-          </a:effectRef>
-          <a:fontRef idx="minor">
-            <a:schemeClr val="tx1"/>
-          </a:fontRef>
-        </p:style>
-      </p:cxnSp>
-      <p:sp>
-        <p:nvSpPr>
-          <p:cNvPr id="54" name="Oval 53"/>
-          <p:cNvSpPr/>
-          <p:nvPr/>
-        </p:nvSpPr>
-        <p:spPr>
-          <a:xfrm>
-            <a:off x="3364317" y="5631344"/>
-            <a:ext cx="106325" cy="138223"/>
-          </a:xfrm>
-          <a:prstGeom prst="ellipse">
-            <a:avLst/>
-          </a:prstGeom>
-        </p:spPr>
-        <p:style>
-          <a:lnRef idx="2">
-            <a:schemeClr val="accent1">
-              <a:shade val="50000"/>
-            </a:schemeClr>
-          </a:lnRef>
-          <a:fillRef idx="1">
-            <a:schemeClr val="accent1"/>
-          </a:fillRef>
-          <a:effectRef idx="0">
-            <a:schemeClr val="accent1"/>
-          </a:effectRef>
-          <a:fontRef idx="minor">
-            <a:schemeClr val="lt1"/>
-          </a:fontRef>
-        </p:style>
-        <p:txBody>
-          <a:bodyPr rtlCol="0" anchor="ctr"/>
-          <a:lstStyle/>
-          <a:p>
-            <a:pPr algn="ctr"/>
-            <a:endParaRPr lang="en-US"/>
-          </a:p>
-        </p:txBody>
-      </p:sp>
-      <p:sp>
-        <p:nvSpPr>
-          <p:cNvPr id="55" name="Oval 54"/>
-          <p:cNvSpPr/>
-          <p:nvPr/>
-        </p:nvSpPr>
-        <p:spPr>
-          <a:xfrm>
-            <a:off x="3364317" y="6040698"/>
-            <a:ext cx="106325" cy="138223"/>
-          </a:xfrm>
-          <a:prstGeom prst="ellipse">
-            <a:avLst/>
-          </a:prstGeom>
-        </p:spPr>
-        <p:style>
-          <a:lnRef idx="2">
-            <a:schemeClr val="accent1">
-              <a:shade val="50000"/>
-            </a:schemeClr>
-          </a:lnRef>
-          <a:fillRef idx="1">
-            <a:schemeClr val="accent1"/>
-          </a:fillRef>
-          <a:effectRef idx="0">
-            <a:schemeClr val="accent1"/>
-          </a:effectRef>
-          <a:fontRef idx="minor">
-            <a:schemeClr val="lt1"/>
-          </a:fontRef>
-        </p:style>
-        <p:txBody>
-          <a:bodyPr rtlCol="0" anchor="ctr"/>
-          <a:lstStyle/>
-          <a:p>
-            <a:pPr algn="ctr"/>
-            <a:endParaRPr lang="en-US"/>
-          </a:p>
-        </p:txBody>
-      </p:sp>
-      <p:sp>
-        <p:nvSpPr>
-          <p:cNvPr id="56" name="Oval 55"/>
-          <p:cNvSpPr/>
-          <p:nvPr/>
-        </p:nvSpPr>
-        <p:spPr>
-          <a:xfrm>
-            <a:off x="3367862" y="6423470"/>
-            <a:ext cx="106325" cy="138223"/>
-          </a:xfrm>
-          <a:prstGeom prst="ellipse">
-            <a:avLst/>
-          </a:prstGeom>
-        </p:spPr>
-        <p:style>
-          <a:lnRef idx="2">
-            <a:schemeClr val="accent1">
-              <a:shade val="50000"/>
-            </a:schemeClr>
-          </a:lnRef>
-          <a:fillRef idx="1">
-            <a:schemeClr val="accent1"/>
-          </a:fillRef>
-          <a:effectRef idx="0">
-            <a:schemeClr val="accent1"/>
-          </a:effectRef>
-          <a:fontRef idx="minor">
-            <a:schemeClr val="lt1"/>
-          </a:fontRef>
-        </p:style>
-        <p:txBody>
-          <a:bodyPr rtlCol="0" anchor="ctr"/>
-          <a:lstStyle/>
-          <a:p>
-            <a:pPr algn="ctr"/>
-            <a:endParaRPr lang="en-US"/>
-          </a:p>
-        </p:txBody>
-      </p:sp>
-      <p:cxnSp>
-        <p:nvCxnSpPr>
-          <p:cNvPr id="57" name="Straight Connector 56"/>
-          <p:cNvCxnSpPr>
-            <a:endCxn id="56" idx="2"/>
-          </p:cNvCxnSpPr>
-          <p:nvPr/>
-        </p:nvCxnSpPr>
-        <p:spPr>
-          <a:xfrm>
-            <a:off x="2843322" y="6492581"/>
-            <a:ext cx="524540" cy="1"/>
-          </a:xfrm>
-          <a:prstGeom prst="line">
-            <a:avLst/>
-          </a:prstGeom>
-          <a:ln w="25400"/>
-        </p:spPr>
-        <p:style>
-          <a:lnRef idx="1">
-            <a:schemeClr val="accent1"/>
-          </a:lnRef>
-          <a:fillRef idx="0">
-            <a:schemeClr val="accent1"/>
-          </a:fillRef>
-          <a:effectRef idx="0">
-            <a:schemeClr val="accent1"/>
-          </a:effectRef>
-          <a:fontRef idx="minor">
-            <a:schemeClr val="tx1"/>
-          </a:fontRef>
-        </p:style>
-      </p:cxnSp>
-      <p:cxnSp>
-        <p:nvCxnSpPr>
-          <p:cNvPr id="58" name="Straight Connector 57"/>
-          <p:cNvCxnSpPr>
-            <a:endCxn id="55" idx="2"/>
-          </p:cNvCxnSpPr>
-          <p:nvPr/>
-        </p:nvCxnSpPr>
-        <p:spPr>
-          <a:xfrm>
-            <a:off x="2843322" y="6109810"/>
-            <a:ext cx="520995" cy="0"/>
-          </a:xfrm>
-          <a:prstGeom prst="line">
-            <a:avLst/>
-          </a:prstGeom>
-          <a:ln w="25400"/>
-        </p:spPr>
-        <p:style>
-          <a:lnRef idx="1">
-            <a:schemeClr val="accent1"/>
-          </a:lnRef>
-          <a:fillRef idx="0">
-            <a:schemeClr val="accent1"/>
-          </a:fillRef>
-          <a:effectRef idx="0">
-            <a:schemeClr val="accent1"/>
-          </a:effectRef>
-          <a:fontRef idx="minor">
-            <a:schemeClr val="tx1"/>
-          </a:fontRef>
-        </p:style>
-      </p:cxnSp>
-      <p:cxnSp>
-        <p:nvCxnSpPr>
-          <p:cNvPr id="59" name="Straight Connector 58"/>
-          <p:cNvCxnSpPr/>
-          <p:nvPr/>
-        </p:nvCxnSpPr>
-        <p:spPr>
-          <a:xfrm>
-            <a:off x="2843322" y="5702228"/>
-            <a:ext cx="0" cy="790353"/>
-          </a:xfrm>
-          <a:prstGeom prst="line">
-            <a:avLst/>
-          </a:prstGeom>
-          <a:ln w="25400"/>
-        </p:spPr>
-        <p:style>
-          <a:lnRef idx="1">
-            <a:schemeClr val="accent1"/>
-          </a:lnRef>
-          <a:fillRef idx="0">
-            <a:schemeClr val="accent1"/>
-          </a:fillRef>
-          <a:effectRef idx="0">
-            <a:schemeClr val="accent1"/>
-          </a:effectRef>
-          <a:fontRef idx="minor">
-            <a:schemeClr val="tx1"/>
-          </a:fontRef>
-        </p:style>
-      </p:cxnSp>
-      <p:sp>
-        <p:nvSpPr>
-          <p:cNvPr id="60" name="TextBox 59"/>
-          <p:cNvSpPr txBox="1"/>
-          <p:nvPr/>
-        </p:nvSpPr>
-        <p:spPr>
-          <a:xfrm>
-            <a:off x="2178787" y="5324771"/>
-            <a:ext cx="249866" cy="369332"/>
-          </a:xfrm>
-          <a:prstGeom prst="rect">
-            <a:avLst/>
-          </a:prstGeom>
-          <a:noFill/>
-        </p:spPr>
-        <p:txBody>
-          <a:bodyPr wrap="square" rtlCol="0">
-            <a:spAutoFit/>
-          </a:bodyPr>
-          <a:lstStyle/>
-          <a:p>
-            <a:r>
-              <a:rPr lang="en-US" b="1" dirty="0" smtClean="0"/>
-              <a:t>P</a:t>
-            </a:r>
-            <a:endParaRPr lang="en-US" b="1" dirty="0"/>
-          </a:p>
-        </p:txBody>
-      </p:sp>
-      <p:sp>
-        <p:nvSpPr>
-          <p:cNvPr id="61" name="TextBox 60"/>
-          <p:cNvSpPr txBox="1"/>
-          <p:nvPr/>
-        </p:nvSpPr>
-        <p:spPr>
-          <a:xfrm>
-            <a:off x="3417479" y="5509437"/>
-            <a:ext cx="642385" cy="369332"/>
-          </a:xfrm>
-          <a:prstGeom prst="rect">
-            <a:avLst/>
-          </a:prstGeom>
-          <a:noFill/>
-        </p:spPr>
-        <p:txBody>
-          <a:bodyPr wrap="square" rtlCol="0">
-            <a:spAutoFit/>
-          </a:bodyPr>
-          <a:lstStyle/>
-          <a:p>
-            <a:r>
-              <a:rPr lang="en-US" b="1" dirty="0" smtClean="0"/>
-              <a:t>SP1</a:t>
-            </a:r>
-            <a:endParaRPr lang="en-US" b="1" dirty="0"/>
-          </a:p>
-        </p:txBody>
-      </p:sp>
-      <p:sp>
-        <p:nvSpPr>
-          <p:cNvPr id="62" name="TextBox 61"/>
-          <p:cNvSpPr txBox="1"/>
-          <p:nvPr/>
-        </p:nvSpPr>
-        <p:spPr>
-          <a:xfrm>
-            <a:off x="3421024" y="5912738"/>
-            <a:ext cx="642385" cy="369332"/>
-          </a:xfrm>
-          <a:prstGeom prst="rect">
-            <a:avLst/>
-          </a:prstGeom>
-          <a:noFill/>
-        </p:spPr>
-        <p:txBody>
-          <a:bodyPr wrap="square" rtlCol="0">
-            <a:spAutoFit/>
-          </a:bodyPr>
-          <a:lstStyle/>
-          <a:p>
-            <a:r>
-              <a:rPr lang="en-US" b="1" dirty="0" smtClean="0"/>
-              <a:t>SP2</a:t>
-            </a:r>
-            <a:endParaRPr lang="en-US" b="1" dirty="0"/>
-          </a:p>
-        </p:txBody>
-      </p:sp>
-      <p:sp>
-        <p:nvSpPr>
-          <p:cNvPr id="63" name="TextBox 62"/>
-          <p:cNvSpPr txBox="1"/>
-          <p:nvPr/>
-        </p:nvSpPr>
-        <p:spPr>
-          <a:xfrm>
-            <a:off x="3423238" y="6281702"/>
-            <a:ext cx="642385" cy="369332"/>
-          </a:xfrm>
-          <a:prstGeom prst="rect">
-            <a:avLst/>
-          </a:prstGeom>
-          <a:noFill/>
-        </p:spPr>
-        <p:txBody>
-          <a:bodyPr wrap="square" rtlCol="0">
-            <a:spAutoFit/>
-          </a:bodyPr>
-          <a:lstStyle/>
-          <a:p>
-            <a:r>
-              <a:rPr lang="en-US" b="1" dirty="0" smtClean="0"/>
-              <a:t>SP3</a:t>
-            </a:r>
-            <a:endParaRPr lang="en-US" b="1" dirty="0"/>
-          </a:p>
-        </p:txBody>
-      </p:sp>
-      <p:cxnSp>
-        <p:nvCxnSpPr>
-          <p:cNvPr id="65" name="Straight Connector 64"/>
-          <p:cNvCxnSpPr/>
-          <p:nvPr/>
-        </p:nvCxnSpPr>
-        <p:spPr>
-          <a:xfrm>
-            <a:off x="1830572" y="5702965"/>
-            <a:ext cx="524540" cy="1"/>
-          </a:xfrm>
-          <a:prstGeom prst="line">
-            <a:avLst/>
-          </a:prstGeom>
-          <a:ln w="25400"/>
-        </p:spPr>
-        <p:style>
-          <a:lnRef idx="1">
-            <a:schemeClr val="accent1"/>
-          </a:lnRef>
-          <a:fillRef idx="0">
-            <a:schemeClr val="accent1"/>
-          </a:fillRef>
-          <a:effectRef idx="0">
-            <a:schemeClr val="accent1"/>
-          </a:effectRef>
-          <a:fontRef idx="minor">
-            <a:schemeClr val="tx1"/>
-          </a:fontRef>
-        </p:style>
-      </p:cxnSp>
-      <p:sp>
-        <p:nvSpPr>
-          <p:cNvPr id="66" name="TextBox 65"/>
-          <p:cNvSpPr txBox="1"/>
-          <p:nvPr/>
-        </p:nvSpPr>
-        <p:spPr>
-          <a:xfrm>
-            <a:off x="789467" y="1512581"/>
-            <a:ext cx="9133369" cy="461665"/>
-          </a:xfrm>
-          <a:prstGeom prst="rect">
-            <a:avLst/>
-          </a:prstGeom>
-          <a:noFill/>
-        </p:spPr>
-        <p:txBody>
-          <a:bodyPr wrap="square" rtlCol="0">
-            <a:spAutoFit/>
-          </a:bodyPr>
-          <a:lstStyle/>
-          <a:p>
-            <a:pPr marL="342900" indent="-342900">
-              <a:buFont typeface="Arial" panose="020B0604020202020204" pitchFamily="34" charset="0"/>
-              <a:buChar char="•"/>
-            </a:pPr>
-            <a:r>
-              <a:rPr lang="en-US" sz="2400" dirty="0" smtClean="0"/>
-              <a:t>N node is a DIR type of node, SN1, SN2, SN3 are data type of </a:t>
-            </a:r>
-            <a:r>
-              <a:rPr lang="en-US" sz="2400" dirty="0" err="1" smtClean="0"/>
-              <a:t>nodses</a:t>
-            </a:r>
-            <a:endParaRPr lang="en-US" sz="2400" dirty="0"/>
+          </a:p>
+          <a:p>
+            <a:pPr lvl="1"/>
+            <a:r>
+              <a:rPr lang="en-US" dirty="0" smtClean="0"/>
+              <a:t>Read data from FFA format file </a:t>
+            </a:r>
+          </a:p>
+          <a:p>
+            <a:pPr lvl="1"/>
+            <a:r>
+              <a:rPr lang="en-US" dirty="0" smtClean="0"/>
+              <a:t>Input parameters</a:t>
+            </a:r>
+          </a:p>
+          <a:p>
+            <a:pPr lvl="2"/>
+            <a:r>
+              <a:rPr lang="en-US" dirty="0" err="1" smtClean="0"/>
+              <a:t>Pnode</a:t>
+            </a:r>
+            <a:r>
+              <a:rPr lang="en-US" dirty="0" smtClean="0"/>
+              <a:t> – list to be printed</a:t>
+            </a:r>
+          </a:p>
+          <a:p>
+            <a:pPr lvl="2"/>
+            <a:r>
+              <a:rPr lang="en-US" dirty="0" smtClean="0"/>
+              <a:t>File – name of file</a:t>
+            </a:r>
+          </a:p>
+          <a:p>
+            <a:pPr lvl="2"/>
+            <a:r>
+              <a:rPr lang="en-US" dirty="0" err="1" smtClean="0"/>
+              <a:t>Iounit</a:t>
+            </a:r>
+            <a:r>
+              <a:rPr lang="en-US" dirty="0" smtClean="0"/>
+              <a:t> – number of file descriptor</a:t>
+            </a:r>
+            <a:endParaRPr lang="en-US" dirty="0"/>
+          </a:p>
+          <a:p>
+            <a:pPr lvl="2"/>
+            <a:r>
+              <a:rPr lang="en-US" dirty="0" err="1" smtClean="0"/>
+              <a:t>Fmt</a:t>
+            </a:r>
+            <a:r>
+              <a:rPr lang="en-US" dirty="0" smtClean="0"/>
+              <a:t> – A- asci file, B – binary </a:t>
+            </a:r>
+            <a:r>
+              <a:rPr lang="en-US" dirty="0" smtClean="0"/>
+              <a:t>file</a:t>
+            </a:r>
+          </a:p>
+          <a:p>
+            <a:pPr lvl="2"/>
+            <a:endParaRPr lang="en-US" dirty="0"/>
+          </a:p>
+          <a:p>
+            <a:pPr lvl="2"/>
+            <a:r>
+              <a:rPr lang="en-US" dirty="0"/>
+              <a:t>Returns </a:t>
+            </a:r>
+            <a:r>
+              <a:rPr lang="en-US" dirty="0" smtClean="0"/>
+              <a:t>pointer to imported </a:t>
+            </a:r>
+            <a:r>
+              <a:rPr lang="en-US" dirty="0" err="1" smtClean="0"/>
+              <a:t>fll</a:t>
+            </a:r>
+            <a:r>
+              <a:rPr lang="en-US" dirty="0" smtClean="0"/>
+              <a:t> list </a:t>
+            </a:r>
+            <a:endParaRPr lang="en-US" dirty="0"/>
+          </a:p>
+          <a:p>
+            <a:pPr lvl="2"/>
+            <a:endParaRPr lang="en-US" dirty="0" smtClean="0"/>
           </a:p>
         </p:txBody>
       </p:sp>
     </p:spTree>
     <p:extLst>
       <p:ext uri="{BB962C8B-B14F-4D97-AF65-F5344CB8AC3E}">
-        <p14:creationId xmlns:p14="http://schemas.microsoft.com/office/powerpoint/2010/main" val="3179407341"/>
+        <p14:creationId xmlns:p14="http://schemas.microsoft.com/office/powerpoint/2010/main" val="3583348500"/>
       </p:ext>
     </p:extLst>
   </p:cSld>
@@ -7407,7 +5842,7 @@
         </p:nvSpPr>
         <p:spPr>
           <a:xfrm>
-            <a:off x="1286541" y="2062717"/>
+            <a:off x="1280339" y="2277876"/>
             <a:ext cx="106325" cy="138223"/>
           </a:xfrm>
           <a:prstGeom prst="ellipse">
@@ -7449,7 +5884,7 @@
         </p:nvCxnSpPr>
         <p:spPr>
           <a:xfrm>
-            <a:off x="1286541" y="2131829"/>
+            <a:off x="1280339" y="2346988"/>
             <a:ext cx="1041989" cy="0"/>
           </a:xfrm>
           <a:prstGeom prst="line">
@@ -7480,7 +5915,7 @@
         </p:nvSpPr>
         <p:spPr>
           <a:xfrm>
-            <a:off x="2328530" y="2060945"/>
+            <a:off x="2322328" y="2276104"/>
             <a:ext cx="106325" cy="138223"/>
           </a:xfrm>
           <a:prstGeom prst="ellipse">
@@ -7520,7 +5955,7 @@
         </p:nvSpPr>
         <p:spPr>
           <a:xfrm>
-            <a:off x="2328530" y="2470299"/>
+            <a:off x="2322328" y="2685458"/>
             <a:ext cx="106325" cy="138223"/>
           </a:xfrm>
           <a:prstGeom prst="ellipse">
@@ -7560,7 +5995,7 @@
         </p:nvSpPr>
         <p:spPr>
           <a:xfrm>
-            <a:off x="2332075" y="2853071"/>
+            <a:off x="2325873" y="3068230"/>
             <a:ext cx="106325" cy="138223"/>
           </a:xfrm>
           <a:prstGeom prst="ellipse">
@@ -7602,7 +6037,7 @@
         </p:nvCxnSpPr>
         <p:spPr>
           <a:xfrm>
-            <a:off x="1807535" y="2922182"/>
+            <a:off x="1801333" y="3137341"/>
             <a:ext cx="524540" cy="1"/>
           </a:xfrm>
           <a:prstGeom prst="line">
@@ -7635,7 +6070,7 @@
         </p:nvCxnSpPr>
         <p:spPr>
           <a:xfrm>
-            <a:off x="1807535" y="2539411"/>
+            <a:off x="1801333" y="2754570"/>
             <a:ext cx="520995" cy="0"/>
           </a:xfrm>
           <a:prstGeom prst="line">
@@ -7666,7 +6101,7 @@
         </p:nvCxnSpPr>
         <p:spPr>
           <a:xfrm>
-            <a:off x="1807535" y="2131829"/>
+            <a:off x="1801333" y="2346988"/>
             <a:ext cx="0" cy="790353"/>
           </a:xfrm>
           <a:prstGeom prst="line">
@@ -7697,7 +6132,7 @@
         </p:nvSpPr>
         <p:spPr>
           <a:xfrm>
-            <a:off x="1143000" y="1754372"/>
+            <a:off x="1136798" y="1969531"/>
             <a:ext cx="249866" cy="369332"/>
           </a:xfrm>
           <a:prstGeom prst="rect">
@@ -7727,7 +6162,7 @@
         </p:nvSpPr>
         <p:spPr>
           <a:xfrm>
-            <a:off x="2381692" y="1939038"/>
+            <a:off x="2375490" y="2154197"/>
             <a:ext cx="642385" cy="369332"/>
           </a:xfrm>
           <a:prstGeom prst="rect">
@@ -7757,7 +6192,7 @@
         </p:nvSpPr>
         <p:spPr>
           <a:xfrm>
-            <a:off x="2385237" y="2342339"/>
+            <a:off x="2379035" y="2557498"/>
             <a:ext cx="642385" cy="369332"/>
           </a:xfrm>
           <a:prstGeom prst="rect">
@@ -7787,7 +6222,7 @@
         </p:nvSpPr>
         <p:spPr>
           <a:xfrm>
-            <a:off x="2387451" y="2711303"/>
+            <a:off x="2381249" y="2926462"/>
             <a:ext cx="642385" cy="369332"/>
           </a:xfrm>
           <a:prstGeom prst="rect">
@@ -7817,7 +6252,7 @@
         </p:nvSpPr>
         <p:spPr>
           <a:xfrm>
-            <a:off x="4735034" y="2038576"/>
+            <a:off x="4728832" y="2253735"/>
             <a:ext cx="106325" cy="138223"/>
           </a:xfrm>
           <a:prstGeom prst="ellipse">
@@ -7859,7 +6294,7 @@
         </p:nvCxnSpPr>
         <p:spPr>
           <a:xfrm>
-            <a:off x="4735034" y="2107688"/>
+            <a:off x="4728832" y="2322847"/>
             <a:ext cx="1041989" cy="0"/>
           </a:xfrm>
           <a:prstGeom prst="line">
@@ -7890,7 +6325,7 @@
         </p:nvSpPr>
         <p:spPr>
           <a:xfrm>
-            <a:off x="5777023" y="2036804"/>
+            <a:off x="5770821" y="2251963"/>
             <a:ext cx="106325" cy="138223"/>
           </a:xfrm>
           <a:prstGeom prst="ellipse">
@@ -7930,7 +6365,7 @@
         </p:nvSpPr>
         <p:spPr>
           <a:xfrm>
-            <a:off x="5777023" y="2446158"/>
+            <a:off x="5770821" y="2661317"/>
             <a:ext cx="106325" cy="138223"/>
           </a:xfrm>
           <a:prstGeom prst="ellipse">
@@ -7970,7 +6405,7 @@
         </p:nvSpPr>
         <p:spPr>
           <a:xfrm>
-            <a:off x="5780568" y="2828930"/>
+            <a:off x="5774366" y="3044089"/>
             <a:ext cx="106325" cy="138223"/>
           </a:xfrm>
           <a:prstGeom prst="ellipse">
@@ -8012,7 +6447,7 @@
         </p:nvCxnSpPr>
         <p:spPr>
           <a:xfrm>
-            <a:off x="5256028" y="2898041"/>
+            <a:off x="5249826" y="3113200"/>
             <a:ext cx="524540" cy="1"/>
           </a:xfrm>
           <a:prstGeom prst="line">
@@ -8045,7 +6480,7 @@
         </p:nvCxnSpPr>
         <p:spPr>
           <a:xfrm>
-            <a:off x="5256028" y="2515270"/>
+            <a:off x="5249826" y="2730429"/>
             <a:ext cx="520995" cy="0"/>
           </a:xfrm>
           <a:prstGeom prst="line">
@@ -8076,7 +6511,7 @@
         </p:nvCxnSpPr>
         <p:spPr>
           <a:xfrm>
-            <a:off x="5256028" y="2107688"/>
+            <a:off x="5249826" y="2322847"/>
             <a:ext cx="0" cy="790353"/>
           </a:xfrm>
           <a:prstGeom prst="line">
@@ -8107,7 +6542,7 @@
         </p:nvSpPr>
         <p:spPr>
           <a:xfrm>
-            <a:off x="4591493" y="1730231"/>
+            <a:off x="4585291" y="1945390"/>
             <a:ext cx="249866" cy="369332"/>
           </a:xfrm>
           <a:prstGeom prst="rect">
@@ -8137,7 +6572,7 @@
         </p:nvSpPr>
         <p:spPr>
           <a:xfrm>
-            <a:off x="5830185" y="1914897"/>
+            <a:off x="5823983" y="2130056"/>
             <a:ext cx="642385" cy="369332"/>
           </a:xfrm>
           <a:prstGeom prst="rect">
@@ -8167,7 +6602,7 @@
         </p:nvSpPr>
         <p:spPr>
           <a:xfrm>
-            <a:off x="5833730" y="2318198"/>
+            <a:off x="5827528" y="2533357"/>
             <a:ext cx="642385" cy="369332"/>
           </a:xfrm>
           <a:prstGeom prst="rect">
@@ -8197,7 +6632,7 @@
         </p:nvSpPr>
         <p:spPr>
           <a:xfrm>
-            <a:off x="5835944" y="2687162"/>
+            <a:off x="5829742" y="2902321"/>
             <a:ext cx="642385" cy="369332"/>
           </a:xfrm>
           <a:prstGeom prst="rect">
@@ -8228,7 +6663,7 @@
         <p:spPr>
           <a:xfrm>
             <a:off x="1052622" y="3330798"/>
-            <a:ext cx="9133369" cy="1200329"/>
+            <a:ext cx="9133369" cy="830997"/>
           </a:xfrm>
           <a:prstGeom prst="rect">
             <a:avLst/>
@@ -8259,11 +6694,43 @@
                   <a:srgbClr val="C00000"/>
                 </a:solidFill>
               </a:rPr>
-              <a:t>(P,SN2,fpar)</a:t>
+              <a:t>(</a:t>
+            </a:r>
+            <a:r>
+              <a:rPr lang="en-US" sz="2400" b="1" dirty="0" err="1" smtClean="0">
+                <a:solidFill>
+                  <a:srgbClr val="C00000"/>
+                </a:solidFill>
+              </a:rPr>
+              <a:t>P,N,fpar</a:t>
+            </a:r>
+            <a:r>
+              <a:rPr lang="en-US" sz="2400" b="1" dirty="0" smtClean="0">
+                <a:solidFill>
+                  <a:srgbClr val="C00000"/>
+                </a:solidFill>
+              </a:rPr>
+              <a:t>)</a:t>
             </a:r>
             <a:r>
               <a:rPr lang="en-US" sz="2400" dirty="0" smtClean="0"/>
-              <a:t> will result in node SN2 being overwritten				by node P, original node SN2 and its data will be 			removed</a:t>
+              <a:t> will result in node </a:t>
+            </a:r>
+            <a:r>
+              <a:rPr lang="en-US" sz="2400" b="1" dirty="0" smtClean="0"/>
+              <a:t>P</a:t>
+            </a:r>
+            <a:r>
+              <a:rPr lang="en-US" sz="2400" dirty="0" smtClean="0"/>
+              <a:t> being moved 				into node </a:t>
+            </a:r>
+            <a:r>
+              <a:rPr lang="en-US" sz="2400" b="1" dirty="0" smtClean="0"/>
+              <a:t>N</a:t>
+            </a:r>
+            <a:r>
+              <a:rPr lang="en-US" sz="2400" dirty="0" smtClean="0"/>
+              <a:t> as a new subset</a:t>
             </a:r>
             <a:endParaRPr lang="en-US" sz="2400" dirty="0"/>
           </a:p>
@@ -8277,7 +6744,7 @@
         </p:nvSpPr>
         <p:spPr>
           <a:xfrm>
-            <a:off x="1343249" y="4879242"/>
+            <a:off x="1280339" y="4309731"/>
             <a:ext cx="106325" cy="138223"/>
           </a:xfrm>
           <a:prstGeom prst="ellipse">
@@ -8319,7 +6786,7 @@
         </p:nvCxnSpPr>
         <p:spPr>
           <a:xfrm>
-            <a:off x="1343249" y="4948354"/>
+            <a:off x="1280339" y="4378843"/>
             <a:ext cx="1041989" cy="0"/>
           </a:xfrm>
           <a:prstGeom prst="line">
@@ -8350,7 +6817,7 @@
         </p:nvSpPr>
         <p:spPr>
           <a:xfrm>
-            <a:off x="2385238" y="4877470"/>
+            <a:off x="2322328" y="4307959"/>
             <a:ext cx="106325" cy="138223"/>
           </a:xfrm>
           <a:prstGeom prst="ellipse">
@@ -8390,7 +6857,7 @@
         </p:nvSpPr>
         <p:spPr>
           <a:xfrm>
-            <a:off x="2385238" y="5286824"/>
+            <a:off x="2322328" y="4717313"/>
             <a:ext cx="106325" cy="138223"/>
           </a:xfrm>
           <a:prstGeom prst="ellipse">
@@ -8430,7 +6897,7 @@
         </p:nvSpPr>
         <p:spPr>
           <a:xfrm>
-            <a:off x="2381693" y="6172503"/>
+            <a:off x="2325873" y="5100085"/>
             <a:ext cx="106325" cy="138223"/>
           </a:xfrm>
           <a:prstGeom prst="ellipse">
@@ -8465,12 +6932,14 @@
       <p:cxnSp>
         <p:nvCxnSpPr>
           <p:cNvPr id="45" name="Straight Connector 44"/>
-          <p:cNvCxnSpPr/>
+          <p:cNvCxnSpPr>
+            <a:endCxn id="44" idx="2"/>
+          </p:cNvCxnSpPr>
           <p:nvPr/>
         </p:nvCxnSpPr>
         <p:spPr>
           <a:xfrm>
-            <a:off x="1857153" y="6279863"/>
+            <a:off x="1801333" y="5169196"/>
             <a:ext cx="524540" cy="1"/>
           </a:xfrm>
           <a:prstGeom prst="line">
@@ -8503,7 +6972,7 @@
         </p:nvCxnSpPr>
         <p:spPr>
           <a:xfrm>
-            <a:off x="1864243" y="5355936"/>
+            <a:off x="1801333" y="4786425"/>
             <a:ext cx="520995" cy="0"/>
           </a:xfrm>
           <a:prstGeom prst="line">
@@ -8534,7 +7003,7 @@
         </p:nvCxnSpPr>
         <p:spPr>
           <a:xfrm>
-            <a:off x="1864243" y="4948354"/>
+            <a:off x="1801333" y="4378843"/>
             <a:ext cx="0" cy="1331510"/>
           </a:xfrm>
           <a:prstGeom prst="line">
@@ -8565,7 +7034,7 @@
         </p:nvSpPr>
         <p:spPr>
           <a:xfrm>
-            <a:off x="1199708" y="4570897"/>
+            <a:off x="1136798" y="4001386"/>
             <a:ext cx="249866" cy="369332"/>
           </a:xfrm>
           <a:prstGeom prst="rect">
@@ -8595,7 +7064,7 @@
         </p:nvSpPr>
         <p:spPr>
           <a:xfrm>
-            <a:off x="2438400" y="4755563"/>
+            <a:off x="2375490" y="4186052"/>
             <a:ext cx="642385" cy="369332"/>
           </a:xfrm>
           <a:prstGeom prst="rect">
@@ -8619,13 +7088,13 @@
       </p:sp>
       <p:sp>
         <p:nvSpPr>
-          <p:cNvPr id="51" name="TextBox 50"/>
+          <p:cNvPr id="50" name="TextBox 49"/>
           <p:cNvSpPr txBox="1"/>
           <p:nvPr/>
         </p:nvSpPr>
         <p:spPr>
           <a:xfrm>
-            <a:off x="2437069" y="6030735"/>
+            <a:off x="2379035" y="4589353"/>
             <a:ext cx="642385" cy="369332"/>
           </a:xfrm>
           <a:prstGeom prst="rect">
@@ -8641,52 +7110,51 @@
           <a:p>
             <a:r>
               <a:rPr lang="en-US" b="1" dirty="0" smtClean="0"/>
-              <a:t>SN3</a:t>
+              <a:t>SN2</a:t>
             </a:r>
             <a:endParaRPr lang="en-US" b="1" dirty="0"/>
           </a:p>
         </p:txBody>
       </p:sp>
-      <p:cxnSp>
-        <p:nvCxnSpPr>
-          <p:cNvPr id="53" name="Straight Connector 52"/>
-          <p:cNvCxnSpPr/>
+      <p:sp>
+        <p:nvSpPr>
+          <p:cNvPr id="51" name="TextBox 50"/>
+          <p:cNvSpPr txBox="1"/>
           <p:nvPr/>
-        </p:nvCxnSpPr>
-        <p:spPr>
-          <a:xfrm>
-            <a:off x="2501310" y="5355936"/>
-            <a:ext cx="1100469" cy="0"/>
-          </a:xfrm>
-          <a:prstGeom prst="line">
+        </p:nvSpPr>
+        <p:spPr>
+          <a:xfrm>
+            <a:off x="2381249" y="4958317"/>
+            <a:ext cx="642385" cy="369332"/>
+          </a:xfrm>
+          <a:prstGeom prst="rect">
             <a:avLst/>
           </a:prstGeom>
-          <a:ln w="25400"/>
-        </p:spPr>
-        <p:style>
-          <a:lnRef idx="1">
-            <a:schemeClr val="accent1"/>
-          </a:lnRef>
-          <a:fillRef idx="0">
-            <a:schemeClr val="accent1"/>
-          </a:fillRef>
-          <a:effectRef idx="0">
-            <a:schemeClr val="accent1"/>
-          </a:effectRef>
-          <a:fontRef idx="minor">
-            <a:schemeClr val="tx1"/>
-          </a:fontRef>
-        </p:style>
-      </p:cxnSp>
-      <p:sp>
-        <p:nvSpPr>
-          <p:cNvPr id="54" name="Oval 53"/>
+          <a:noFill/>
+        </p:spPr>
+        <p:txBody>
+          <a:bodyPr wrap="square" rtlCol="0">
+            <a:spAutoFit/>
+          </a:bodyPr>
+          <a:lstStyle/>
+          <a:p>
+            <a:r>
+              <a:rPr lang="en-US" b="1" dirty="0" smtClean="0"/>
+              <a:t>SN3</a:t>
+            </a:r>
+            <a:endParaRPr lang="en-US" b="1" dirty="0"/>
+          </a:p>
+        </p:txBody>
+      </p:sp>
+      <p:sp>
+        <p:nvSpPr>
+          <p:cNvPr id="52" name="Oval 51"/>
           <p:cNvSpPr/>
           <p:nvPr/>
         </p:nvSpPr>
         <p:spPr>
           <a:xfrm>
-            <a:off x="3601779" y="5285052"/>
+            <a:off x="2322328" y="5633116"/>
             <a:ext cx="106325" cy="138223"/>
           </a:xfrm>
           <a:prstGeom prst="ellipse">
@@ -8718,15 +7186,48 @@
           </a:p>
         </p:txBody>
       </p:sp>
-      <p:sp>
-        <p:nvSpPr>
-          <p:cNvPr id="55" name="Oval 54"/>
+      <p:cxnSp>
+        <p:nvCxnSpPr>
+          <p:cNvPr id="53" name="Straight Connector 52"/>
+          <p:cNvCxnSpPr>
+            <a:stCxn id="52" idx="2"/>
+          </p:cNvCxnSpPr>
+          <p:nvPr/>
+        </p:nvCxnSpPr>
+        <p:spPr>
+          <a:xfrm>
+            <a:off x="2322328" y="5702228"/>
+            <a:ext cx="1041989" cy="0"/>
+          </a:xfrm>
+          <a:prstGeom prst="line">
+            <a:avLst/>
+          </a:prstGeom>
+          <a:ln w="25400"/>
+        </p:spPr>
+        <p:style>
+          <a:lnRef idx="1">
+            <a:schemeClr val="accent1"/>
+          </a:lnRef>
+          <a:fillRef idx="0">
+            <a:schemeClr val="accent1"/>
+          </a:fillRef>
+          <a:effectRef idx="0">
+            <a:schemeClr val="accent1"/>
+          </a:effectRef>
+          <a:fontRef idx="minor">
+            <a:schemeClr val="tx1"/>
+          </a:fontRef>
+        </p:style>
+      </p:cxnSp>
+      <p:sp>
+        <p:nvSpPr>
+          <p:cNvPr id="54" name="Oval 53"/>
           <p:cNvSpPr/>
           <p:nvPr/>
         </p:nvSpPr>
         <p:spPr>
           <a:xfrm>
-            <a:off x="3601779" y="5694406"/>
+            <a:off x="3364317" y="5631344"/>
             <a:ext cx="106325" cy="138223"/>
           </a:xfrm>
           <a:prstGeom prst="ellipse">
@@ -8760,13 +7261,53 @@
       </p:sp>
       <p:sp>
         <p:nvSpPr>
+          <p:cNvPr id="55" name="Oval 54"/>
+          <p:cNvSpPr/>
+          <p:nvPr/>
+        </p:nvSpPr>
+        <p:spPr>
+          <a:xfrm>
+            <a:off x="3364317" y="6040698"/>
+            <a:ext cx="106325" cy="138223"/>
+          </a:xfrm>
+          <a:prstGeom prst="ellipse">
+            <a:avLst/>
+          </a:prstGeom>
+        </p:spPr>
+        <p:style>
+          <a:lnRef idx="2">
+            <a:schemeClr val="accent1">
+              <a:shade val="50000"/>
+            </a:schemeClr>
+          </a:lnRef>
+          <a:fillRef idx="1">
+            <a:schemeClr val="accent1"/>
+          </a:fillRef>
+          <a:effectRef idx="0">
+            <a:schemeClr val="accent1"/>
+          </a:effectRef>
+          <a:fontRef idx="minor">
+            <a:schemeClr val="lt1"/>
+          </a:fontRef>
+        </p:style>
+        <p:txBody>
+          <a:bodyPr rtlCol="0" anchor="ctr"/>
+          <a:lstStyle/>
+          <a:p>
+            <a:pPr algn="ctr"/>
+            <a:endParaRPr lang="en-US"/>
+          </a:p>
+        </p:txBody>
+      </p:sp>
+      <p:sp>
+        <p:nvSpPr>
           <p:cNvPr id="56" name="Oval 55"/>
           <p:cNvSpPr/>
           <p:nvPr/>
         </p:nvSpPr>
         <p:spPr>
           <a:xfrm>
-            <a:off x="3605324" y="6077178"/>
+            <a:off x="3367862" y="6423470"/>
             <a:ext cx="106325" cy="138223"/>
           </a:xfrm>
           <a:prstGeom prst="ellipse">
@@ -8808,7 +7349,7 @@
         </p:nvCxnSpPr>
         <p:spPr>
           <a:xfrm>
-            <a:off x="3080784" y="6146289"/>
+            <a:off x="2843322" y="6492581"/>
             <a:ext cx="524540" cy="1"/>
           </a:xfrm>
           <a:prstGeom prst="line">
@@ -8841,7 +7382,7 @@
         </p:nvCxnSpPr>
         <p:spPr>
           <a:xfrm>
-            <a:off x="3080784" y="5763518"/>
+            <a:off x="2843322" y="6109810"/>
             <a:ext cx="520995" cy="0"/>
           </a:xfrm>
           <a:prstGeom prst="line">
@@ -8872,7 +7413,7 @@
         </p:nvCxnSpPr>
         <p:spPr>
           <a:xfrm>
-            <a:off x="3080784" y="5355936"/>
+            <a:off x="2843322" y="5702228"/>
             <a:ext cx="0" cy="790353"/>
           </a:xfrm>
           <a:prstGeom prst="line">
@@ -8903,7 +7444,7 @@
         </p:nvSpPr>
         <p:spPr>
           <a:xfrm>
-            <a:off x="2491563" y="5055715"/>
+            <a:off x="2178787" y="5324771"/>
             <a:ext cx="249866" cy="369332"/>
           </a:xfrm>
           <a:prstGeom prst="rect">
@@ -8933,7 +7474,7 @@
         </p:nvSpPr>
         <p:spPr>
           <a:xfrm>
-            <a:off x="3654941" y="5163145"/>
+            <a:off x="3417479" y="5509437"/>
             <a:ext cx="642385" cy="369332"/>
           </a:xfrm>
           <a:prstGeom prst="rect">
@@ -8963,7 +7504,7 @@
         </p:nvSpPr>
         <p:spPr>
           <a:xfrm>
-            <a:off x="3658486" y="5566446"/>
+            <a:off x="3421024" y="5912738"/>
             <a:ext cx="642385" cy="369332"/>
           </a:xfrm>
           <a:prstGeom prst="rect">
@@ -8993,7 +7534,7 @@
         </p:nvSpPr>
         <p:spPr>
           <a:xfrm>
-            <a:off x="3660700" y="5935410"/>
+            <a:off x="3423238" y="6281702"/>
             <a:ext cx="642385" cy="369332"/>
           </a:xfrm>
           <a:prstGeom prst="rect">
@@ -9015,10 +7556,2619 @@
           </a:p>
         </p:txBody>
       </p:sp>
+      <p:cxnSp>
+        <p:nvCxnSpPr>
+          <p:cNvPr id="65" name="Straight Connector 64"/>
+          <p:cNvCxnSpPr/>
+          <p:nvPr/>
+        </p:nvCxnSpPr>
+        <p:spPr>
+          <a:xfrm>
+            <a:off x="1830572" y="5702965"/>
+            <a:ext cx="524540" cy="1"/>
+          </a:xfrm>
+          <a:prstGeom prst="line">
+            <a:avLst/>
+          </a:prstGeom>
+          <a:ln w="25400"/>
+        </p:spPr>
+        <p:style>
+          <a:lnRef idx="1">
+            <a:schemeClr val="accent1"/>
+          </a:lnRef>
+          <a:fillRef idx="0">
+            <a:schemeClr val="accent1"/>
+          </a:fillRef>
+          <a:effectRef idx="0">
+            <a:schemeClr val="accent1"/>
+          </a:effectRef>
+          <a:fontRef idx="minor">
+            <a:schemeClr val="tx1"/>
+          </a:fontRef>
+        </p:style>
+      </p:cxnSp>
+      <p:sp>
+        <p:nvSpPr>
+          <p:cNvPr id="66" name="TextBox 65"/>
+          <p:cNvSpPr txBox="1"/>
+          <p:nvPr/>
+        </p:nvSpPr>
+        <p:spPr>
+          <a:xfrm>
+            <a:off x="789467" y="1512581"/>
+            <a:ext cx="9133369" cy="461665"/>
+          </a:xfrm>
+          <a:prstGeom prst="rect">
+            <a:avLst/>
+          </a:prstGeom>
+          <a:noFill/>
+        </p:spPr>
+        <p:txBody>
+          <a:bodyPr wrap="square" rtlCol="0">
+            <a:spAutoFit/>
+          </a:bodyPr>
+          <a:lstStyle/>
+          <a:p>
+            <a:pPr marL="342900" indent="-342900">
+              <a:buFont typeface="Arial" panose="020B0604020202020204" pitchFamily="34" charset="0"/>
+              <a:buChar char="•"/>
+            </a:pPr>
+            <a:r>
+              <a:rPr lang="en-US" sz="2400" b="1" dirty="0" smtClean="0"/>
+              <a:t>N</a:t>
+            </a:r>
+            <a:r>
+              <a:rPr lang="en-US" sz="2400" dirty="0" smtClean="0"/>
+              <a:t> node is a DIR type of node, </a:t>
+            </a:r>
+            <a:r>
+              <a:rPr lang="en-US" sz="2400" b="1" dirty="0" smtClean="0"/>
+              <a:t>SN1, SN2, SN3 </a:t>
+            </a:r>
+            <a:r>
+              <a:rPr lang="en-US" sz="2400" dirty="0" smtClean="0"/>
+              <a:t>are data type of </a:t>
+            </a:r>
+            <a:r>
+              <a:rPr lang="en-US" sz="2400" dirty="0" smtClean="0"/>
+              <a:t>nodes</a:t>
+            </a:r>
+            <a:endParaRPr lang="en-US" sz="2400" dirty="0"/>
+          </a:p>
+        </p:txBody>
+      </p:sp>
+    </p:spTree>
+    <p:extLst>
+      <p:ext uri="{BB962C8B-B14F-4D97-AF65-F5344CB8AC3E}">
+        <p14:creationId xmlns:p14="http://schemas.microsoft.com/office/powerpoint/2010/main" val="3179407341"/>
+      </p:ext>
+    </p:extLst>
+  </p:cSld>
+  <p:clrMapOvr>
+    <a:masterClrMapping/>
+  </p:clrMapOvr>
+</p:sld>
+</file>
+
+<file path=ppt/slides/slide23.xml><?xml version="1.0" encoding="utf-8"?>
+<p:sld xmlns:a="http://schemas.openxmlformats.org/drawingml/2006/main" xmlns:r="http://schemas.openxmlformats.org/officeDocument/2006/relationships" xmlns:p="http://schemas.openxmlformats.org/presentationml/2006/main">
+  <p:cSld>
+    <p:spTree>
+      <p:nvGrpSpPr>
+        <p:cNvPr id="1" name=""/>
+        <p:cNvGrpSpPr/>
+        <p:nvPr/>
+      </p:nvGrpSpPr>
+      <p:grpSpPr>
+        <a:xfrm>
+          <a:off x="0" y="0"/>
+          <a:ext cx="0" cy="0"/>
+          <a:chOff x="0" y="0"/>
+          <a:chExt cx="0" cy="0"/>
+        </a:xfrm>
+      </p:grpSpPr>
+      <p:sp>
+        <p:nvSpPr>
+          <p:cNvPr id="2" name="Title 1"/>
+          <p:cNvSpPr>
+            <a:spLocks noGrp="1"/>
+          </p:cNvSpPr>
+          <p:nvPr>
+            <p:ph type="title"/>
+          </p:nvPr>
+        </p:nvSpPr>
+        <p:spPr/>
+        <p:txBody>
+          <a:bodyPr/>
+          <a:lstStyle/>
+          <a:p>
+            <a:r>
+              <a:rPr lang="en-US" b="1" dirty="0" smtClean="0">
+                <a:solidFill>
+                  <a:srgbClr val="002060"/>
+                </a:solidFill>
+              </a:rPr>
+              <a:t>Moving, copying nodes details</a:t>
+            </a:r>
+            <a:endParaRPr lang="en-US" b="1" dirty="0">
+              <a:solidFill>
+                <a:srgbClr val="002060"/>
+              </a:solidFill>
+            </a:endParaRPr>
+          </a:p>
+        </p:txBody>
+      </p:sp>
+      <p:sp>
+        <p:nvSpPr>
+          <p:cNvPr id="4" name="Oval 3"/>
+          <p:cNvSpPr/>
+          <p:nvPr/>
+        </p:nvSpPr>
+        <p:spPr>
+          <a:xfrm>
+            <a:off x="1286541" y="2062717"/>
+            <a:ext cx="106325" cy="138223"/>
+          </a:xfrm>
+          <a:prstGeom prst="ellipse">
+            <a:avLst/>
+          </a:prstGeom>
+        </p:spPr>
+        <p:style>
+          <a:lnRef idx="2">
+            <a:schemeClr val="accent1">
+              <a:shade val="50000"/>
+            </a:schemeClr>
+          </a:lnRef>
+          <a:fillRef idx="1">
+            <a:schemeClr val="accent1"/>
+          </a:fillRef>
+          <a:effectRef idx="0">
+            <a:schemeClr val="accent1"/>
+          </a:effectRef>
+          <a:fontRef idx="minor">
+            <a:schemeClr val="lt1"/>
+          </a:fontRef>
+        </p:style>
+        <p:txBody>
+          <a:bodyPr rtlCol="0" anchor="ctr"/>
+          <a:lstStyle/>
+          <a:p>
+            <a:pPr algn="ctr"/>
+            <a:endParaRPr lang="en-US"/>
+          </a:p>
+        </p:txBody>
+      </p:sp>
+      <p:cxnSp>
+        <p:nvCxnSpPr>
+          <p:cNvPr id="6" name="Straight Connector 5"/>
+          <p:cNvCxnSpPr>
+            <a:stCxn id="4" idx="2"/>
+          </p:cNvCxnSpPr>
+          <p:nvPr/>
+        </p:nvCxnSpPr>
+        <p:spPr>
+          <a:xfrm>
+            <a:off x="1286541" y="2131829"/>
+            <a:ext cx="1041989" cy="0"/>
+          </a:xfrm>
+          <a:prstGeom prst="line">
+            <a:avLst/>
+          </a:prstGeom>
+          <a:ln w="25400"/>
+        </p:spPr>
+        <p:style>
+          <a:lnRef idx="1">
+            <a:schemeClr val="accent1"/>
+          </a:lnRef>
+          <a:fillRef idx="0">
+            <a:schemeClr val="accent1"/>
+          </a:fillRef>
+          <a:effectRef idx="0">
+            <a:schemeClr val="accent1"/>
+          </a:effectRef>
+          <a:fontRef idx="minor">
+            <a:schemeClr val="tx1"/>
+          </a:fontRef>
+        </p:style>
+      </p:cxnSp>
+      <p:sp>
+        <p:nvSpPr>
+          <p:cNvPr id="9" name="Oval 8"/>
+          <p:cNvSpPr/>
+          <p:nvPr/>
+        </p:nvSpPr>
+        <p:spPr>
+          <a:xfrm>
+            <a:off x="2328530" y="2060945"/>
+            <a:ext cx="106325" cy="138223"/>
+          </a:xfrm>
+          <a:prstGeom prst="ellipse">
+            <a:avLst/>
+          </a:prstGeom>
+        </p:spPr>
+        <p:style>
+          <a:lnRef idx="2">
+            <a:schemeClr val="accent1">
+              <a:shade val="50000"/>
+            </a:schemeClr>
+          </a:lnRef>
+          <a:fillRef idx="1">
+            <a:schemeClr val="accent1"/>
+          </a:fillRef>
+          <a:effectRef idx="0">
+            <a:schemeClr val="accent1"/>
+          </a:effectRef>
+          <a:fontRef idx="minor">
+            <a:schemeClr val="lt1"/>
+          </a:fontRef>
+        </p:style>
+        <p:txBody>
+          <a:bodyPr rtlCol="0" anchor="ctr"/>
+          <a:lstStyle/>
+          <a:p>
+            <a:pPr algn="ctr"/>
+            <a:endParaRPr lang="en-US"/>
+          </a:p>
+        </p:txBody>
+      </p:sp>
+      <p:sp>
+        <p:nvSpPr>
+          <p:cNvPr id="10" name="Oval 9"/>
+          <p:cNvSpPr/>
+          <p:nvPr/>
+        </p:nvSpPr>
+        <p:spPr>
+          <a:xfrm>
+            <a:off x="2328530" y="2470299"/>
+            <a:ext cx="106325" cy="138223"/>
+          </a:xfrm>
+          <a:prstGeom prst="ellipse">
+            <a:avLst/>
+          </a:prstGeom>
+        </p:spPr>
+        <p:style>
+          <a:lnRef idx="2">
+            <a:schemeClr val="accent1">
+              <a:shade val="50000"/>
+            </a:schemeClr>
+          </a:lnRef>
+          <a:fillRef idx="1">
+            <a:schemeClr val="accent1"/>
+          </a:fillRef>
+          <a:effectRef idx="0">
+            <a:schemeClr val="accent1"/>
+          </a:effectRef>
+          <a:fontRef idx="minor">
+            <a:schemeClr val="lt1"/>
+          </a:fontRef>
+        </p:style>
+        <p:txBody>
+          <a:bodyPr rtlCol="0" anchor="ctr"/>
+          <a:lstStyle/>
+          <a:p>
+            <a:pPr algn="ctr"/>
+            <a:endParaRPr lang="en-US"/>
+          </a:p>
+        </p:txBody>
+      </p:sp>
+      <p:sp>
+        <p:nvSpPr>
+          <p:cNvPr id="11" name="Oval 10"/>
+          <p:cNvSpPr/>
+          <p:nvPr/>
+        </p:nvSpPr>
+        <p:spPr>
+          <a:xfrm>
+            <a:off x="2332075" y="2853071"/>
+            <a:ext cx="106325" cy="138223"/>
+          </a:xfrm>
+          <a:prstGeom prst="ellipse">
+            <a:avLst/>
+          </a:prstGeom>
+        </p:spPr>
+        <p:style>
+          <a:lnRef idx="2">
+            <a:schemeClr val="accent1">
+              <a:shade val="50000"/>
+            </a:schemeClr>
+          </a:lnRef>
+          <a:fillRef idx="1">
+            <a:schemeClr val="accent1"/>
+          </a:fillRef>
+          <a:effectRef idx="0">
+            <a:schemeClr val="accent1"/>
+          </a:effectRef>
+          <a:fontRef idx="minor">
+            <a:schemeClr val="lt1"/>
+          </a:fontRef>
+        </p:style>
+        <p:txBody>
+          <a:bodyPr rtlCol="0" anchor="ctr"/>
+          <a:lstStyle/>
+          <a:p>
+            <a:pPr algn="ctr"/>
+            <a:endParaRPr lang="en-US"/>
+          </a:p>
+        </p:txBody>
+      </p:sp>
+      <p:cxnSp>
+        <p:nvCxnSpPr>
+          <p:cNvPr id="12" name="Straight Connector 11"/>
+          <p:cNvCxnSpPr>
+            <a:endCxn id="11" idx="2"/>
+          </p:cNvCxnSpPr>
+          <p:nvPr/>
+        </p:nvCxnSpPr>
+        <p:spPr>
+          <a:xfrm>
+            <a:off x="1807535" y="2922182"/>
+            <a:ext cx="524540" cy="1"/>
+          </a:xfrm>
+          <a:prstGeom prst="line">
+            <a:avLst/>
+          </a:prstGeom>
+          <a:ln w="25400"/>
+        </p:spPr>
+        <p:style>
+          <a:lnRef idx="1">
+            <a:schemeClr val="accent1"/>
+          </a:lnRef>
+          <a:fillRef idx="0">
+            <a:schemeClr val="accent1"/>
+          </a:fillRef>
+          <a:effectRef idx="0">
+            <a:schemeClr val="accent1"/>
+          </a:effectRef>
+          <a:fontRef idx="minor">
+            <a:schemeClr val="tx1"/>
+          </a:fontRef>
+        </p:style>
+      </p:cxnSp>
+      <p:cxnSp>
+        <p:nvCxnSpPr>
+          <p:cNvPr id="13" name="Straight Connector 12"/>
+          <p:cNvCxnSpPr>
+            <a:endCxn id="10" idx="2"/>
+          </p:cNvCxnSpPr>
+          <p:nvPr/>
+        </p:nvCxnSpPr>
+        <p:spPr>
+          <a:xfrm>
+            <a:off x="1807535" y="2539411"/>
+            <a:ext cx="520995" cy="0"/>
+          </a:xfrm>
+          <a:prstGeom prst="line">
+            <a:avLst/>
+          </a:prstGeom>
+          <a:ln w="25400"/>
+        </p:spPr>
+        <p:style>
+          <a:lnRef idx="1">
+            <a:schemeClr val="accent1"/>
+          </a:lnRef>
+          <a:fillRef idx="0">
+            <a:schemeClr val="accent1"/>
+          </a:fillRef>
+          <a:effectRef idx="0">
+            <a:schemeClr val="accent1"/>
+          </a:effectRef>
+          <a:fontRef idx="minor">
+            <a:schemeClr val="tx1"/>
+          </a:fontRef>
+        </p:style>
+      </p:cxnSp>
+      <p:cxnSp>
+        <p:nvCxnSpPr>
+          <p:cNvPr id="18" name="Straight Connector 17"/>
+          <p:cNvCxnSpPr/>
+          <p:nvPr/>
+        </p:nvCxnSpPr>
+        <p:spPr>
+          <a:xfrm>
+            <a:off x="1807535" y="2131829"/>
+            <a:ext cx="0" cy="790353"/>
+          </a:xfrm>
+          <a:prstGeom prst="line">
+            <a:avLst/>
+          </a:prstGeom>
+          <a:ln w="25400"/>
+        </p:spPr>
+        <p:style>
+          <a:lnRef idx="1">
+            <a:schemeClr val="accent1"/>
+          </a:lnRef>
+          <a:fillRef idx="0">
+            <a:schemeClr val="accent1"/>
+          </a:fillRef>
+          <a:effectRef idx="0">
+            <a:schemeClr val="accent1"/>
+          </a:effectRef>
+          <a:fontRef idx="minor">
+            <a:schemeClr val="tx1"/>
+          </a:fontRef>
+        </p:style>
+      </p:cxnSp>
+      <p:sp>
+        <p:nvSpPr>
+          <p:cNvPr id="22" name="TextBox 21"/>
+          <p:cNvSpPr txBox="1"/>
+          <p:nvPr/>
+        </p:nvSpPr>
+        <p:spPr>
+          <a:xfrm>
+            <a:off x="1143000" y="1754372"/>
+            <a:ext cx="249866" cy="369332"/>
+          </a:xfrm>
+          <a:prstGeom prst="rect">
+            <a:avLst/>
+          </a:prstGeom>
+          <a:noFill/>
+        </p:spPr>
+        <p:txBody>
+          <a:bodyPr wrap="square" rtlCol="0">
+            <a:spAutoFit/>
+          </a:bodyPr>
+          <a:lstStyle/>
+          <a:p>
+            <a:r>
+              <a:rPr lang="en-US" b="1" dirty="0" smtClean="0"/>
+              <a:t>N</a:t>
+            </a:r>
+            <a:endParaRPr lang="en-US" b="1" dirty="0"/>
+          </a:p>
+        </p:txBody>
+      </p:sp>
+      <p:sp>
+        <p:nvSpPr>
+          <p:cNvPr id="24" name="TextBox 23"/>
+          <p:cNvSpPr txBox="1"/>
+          <p:nvPr/>
+        </p:nvSpPr>
+        <p:spPr>
+          <a:xfrm>
+            <a:off x="2381692" y="1939038"/>
+            <a:ext cx="642385" cy="369332"/>
+          </a:xfrm>
+          <a:prstGeom prst="rect">
+            <a:avLst/>
+          </a:prstGeom>
+          <a:noFill/>
+        </p:spPr>
+        <p:txBody>
+          <a:bodyPr wrap="square" rtlCol="0">
+            <a:spAutoFit/>
+          </a:bodyPr>
+          <a:lstStyle/>
+          <a:p>
+            <a:r>
+              <a:rPr lang="en-US" b="1" dirty="0" smtClean="0"/>
+              <a:t>SN1</a:t>
+            </a:r>
+            <a:endParaRPr lang="en-US" b="1" dirty="0"/>
+          </a:p>
+        </p:txBody>
+      </p:sp>
+      <p:sp>
+        <p:nvSpPr>
+          <p:cNvPr id="25" name="TextBox 24"/>
+          <p:cNvSpPr txBox="1"/>
+          <p:nvPr/>
+        </p:nvSpPr>
+        <p:spPr>
+          <a:xfrm>
+            <a:off x="2385237" y="2342339"/>
+            <a:ext cx="642385" cy="369332"/>
+          </a:xfrm>
+          <a:prstGeom prst="rect">
+            <a:avLst/>
+          </a:prstGeom>
+          <a:noFill/>
+        </p:spPr>
+        <p:txBody>
+          <a:bodyPr wrap="square" rtlCol="0">
+            <a:spAutoFit/>
+          </a:bodyPr>
+          <a:lstStyle/>
+          <a:p>
+            <a:r>
+              <a:rPr lang="en-US" b="1" dirty="0" smtClean="0"/>
+              <a:t>SN2</a:t>
+            </a:r>
+            <a:endParaRPr lang="en-US" b="1" dirty="0"/>
+          </a:p>
+        </p:txBody>
+      </p:sp>
+      <p:sp>
+        <p:nvSpPr>
+          <p:cNvPr id="26" name="TextBox 25"/>
+          <p:cNvSpPr txBox="1"/>
+          <p:nvPr/>
+        </p:nvSpPr>
+        <p:spPr>
+          <a:xfrm>
+            <a:off x="2387451" y="2711303"/>
+            <a:ext cx="642385" cy="369332"/>
+          </a:xfrm>
+          <a:prstGeom prst="rect">
+            <a:avLst/>
+          </a:prstGeom>
+          <a:noFill/>
+        </p:spPr>
+        <p:txBody>
+          <a:bodyPr wrap="square" rtlCol="0">
+            <a:spAutoFit/>
+          </a:bodyPr>
+          <a:lstStyle/>
+          <a:p>
+            <a:r>
+              <a:rPr lang="en-US" b="1" dirty="0" smtClean="0"/>
+              <a:t>SN3</a:t>
+            </a:r>
+            <a:endParaRPr lang="en-US" b="1" dirty="0"/>
+          </a:p>
+        </p:txBody>
+      </p:sp>
+      <p:sp>
+        <p:nvSpPr>
+          <p:cNvPr id="27" name="Oval 26"/>
+          <p:cNvSpPr/>
+          <p:nvPr/>
+        </p:nvSpPr>
+        <p:spPr>
+          <a:xfrm>
+            <a:off x="4735034" y="2038576"/>
+            <a:ext cx="106325" cy="138223"/>
+          </a:xfrm>
+          <a:prstGeom prst="ellipse">
+            <a:avLst/>
+          </a:prstGeom>
+        </p:spPr>
+        <p:style>
+          <a:lnRef idx="2">
+            <a:schemeClr val="accent1">
+              <a:shade val="50000"/>
+            </a:schemeClr>
+          </a:lnRef>
+          <a:fillRef idx="1">
+            <a:schemeClr val="accent1"/>
+          </a:fillRef>
+          <a:effectRef idx="0">
+            <a:schemeClr val="accent1"/>
+          </a:effectRef>
+          <a:fontRef idx="minor">
+            <a:schemeClr val="lt1"/>
+          </a:fontRef>
+        </p:style>
+        <p:txBody>
+          <a:bodyPr rtlCol="0" anchor="ctr"/>
+          <a:lstStyle/>
+          <a:p>
+            <a:pPr algn="ctr"/>
+            <a:endParaRPr lang="en-US"/>
+          </a:p>
+        </p:txBody>
+      </p:sp>
+      <p:cxnSp>
+        <p:nvCxnSpPr>
+          <p:cNvPr id="28" name="Straight Connector 27"/>
+          <p:cNvCxnSpPr>
+            <a:stCxn id="27" idx="2"/>
+          </p:cNvCxnSpPr>
+          <p:nvPr/>
+        </p:nvCxnSpPr>
+        <p:spPr>
+          <a:xfrm>
+            <a:off x="4735034" y="2107688"/>
+            <a:ext cx="1041989" cy="0"/>
+          </a:xfrm>
+          <a:prstGeom prst="line">
+            <a:avLst/>
+          </a:prstGeom>
+          <a:ln w="25400"/>
+        </p:spPr>
+        <p:style>
+          <a:lnRef idx="1">
+            <a:schemeClr val="accent1"/>
+          </a:lnRef>
+          <a:fillRef idx="0">
+            <a:schemeClr val="accent1"/>
+          </a:fillRef>
+          <a:effectRef idx="0">
+            <a:schemeClr val="accent1"/>
+          </a:effectRef>
+          <a:fontRef idx="minor">
+            <a:schemeClr val="tx1"/>
+          </a:fontRef>
+        </p:style>
+      </p:cxnSp>
+      <p:sp>
+        <p:nvSpPr>
+          <p:cNvPr id="29" name="Oval 28"/>
+          <p:cNvSpPr/>
+          <p:nvPr/>
+        </p:nvSpPr>
+        <p:spPr>
+          <a:xfrm>
+            <a:off x="5777023" y="2036804"/>
+            <a:ext cx="106325" cy="138223"/>
+          </a:xfrm>
+          <a:prstGeom prst="ellipse">
+            <a:avLst/>
+          </a:prstGeom>
+        </p:spPr>
+        <p:style>
+          <a:lnRef idx="2">
+            <a:schemeClr val="accent1">
+              <a:shade val="50000"/>
+            </a:schemeClr>
+          </a:lnRef>
+          <a:fillRef idx="1">
+            <a:schemeClr val="accent1"/>
+          </a:fillRef>
+          <a:effectRef idx="0">
+            <a:schemeClr val="accent1"/>
+          </a:effectRef>
+          <a:fontRef idx="minor">
+            <a:schemeClr val="lt1"/>
+          </a:fontRef>
+        </p:style>
+        <p:txBody>
+          <a:bodyPr rtlCol="0" anchor="ctr"/>
+          <a:lstStyle/>
+          <a:p>
+            <a:pPr algn="ctr"/>
+            <a:endParaRPr lang="en-US"/>
+          </a:p>
+        </p:txBody>
+      </p:sp>
+      <p:sp>
+        <p:nvSpPr>
+          <p:cNvPr id="30" name="Oval 29"/>
+          <p:cNvSpPr/>
+          <p:nvPr/>
+        </p:nvSpPr>
+        <p:spPr>
+          <a:xfrm>
+            <a:off x="5777023" y="2446158"/>
+            <a:ext cx="106325" cy="138223"/>
+          </a:xfrm>
+          <a:prstGeom prst="ellipse">
+            <a:avLst/>
+          </a:prstGeom>
+        </p:spPr>
+        <p:style>
+          <a:lnRef idx="2">
+            <a:schemeClr val="accent1">
+              <a:shade val="50000"/>
+            </a:schemeClr>
+          </a:lnRef>
+          <a:fillRef idx="1">
+            <a:schemeClr val="accent1"/>
+          </a:fillRef>
+          <a:effectRef idx="0">
+            <a:schemeClr val="accent1"/>
+          </a:effectRef>
+          <a:fontRef idx="minor">
+            <a:schemeClr val="lt1"/>
+          </a:fontRef>
+        </p:style>
+        <p:txBody>
+          <a:bodyPr rtlCol="0" anchor="ctr"/>
+          <a:lstStyle/>
+          <a:p>
+            <a:pPr algn="ctr"/>
+            <a:endParaRPr lang="en-US"/>
+          </a:p>
+        </p:txBody>
+      </p:sp>
+      <p:sp>
+        <p:nvSpPr>
+          <p:cNvPr id="31" name="Oval 30"/>
+          <p:cNvSpPr/>
+          <p:nvPr/>
+        </p:nvSpPr>
+        <p:spPr>
+          <a:xfrm>
+            <a:off x="5780568" y="2828930"/>
+            <a:ext cx="106325" cy="138223"/>
+          </a:xfrm>
+          <a:prstGeom prst="ellipse">
+            <a:avLst/>
+          </a:prstGeom>
+        </p:spPr>
+        <p:style>
+          <a:lnRef idx="2">
+            <a:schemeClr val="accent1">
+              <a:shade val="50000"/>
+            </a:schemeClr>
+          </a:lnRef>
+          <a:fillRef idx="1">
+            <a:schemeClr val="accent1"/>
+          </a:fillRef>
+          <a:effectRef idx="0">
+            <a:schemeClr val="accent1"/>
+          </a:effectRef>
+          <a:fontRef idx="minor">
+            <a:schemeClr val="lt1"/>
+          </a:fontRef>
+        </p:style>
+        <p:txBody>
+          <a:bodyPr rtlCol="0" anchor="ctr"/>
+          <a:lstStyle/>
+          <a:p>
+            <a:pPr algn="ctr"/>
+            <a:endParaRPr lang="en-US"/>
+          </a:p>
+        </p:txBody>
+      </p:sp>
+      <p:cxnSp>
+        <p:nvCxnSpPr>
+          <p:cNvPr id="32" name="Straight Connector 31"/>
+          <p:cNvCxnSpPr>
+            <a:endCxn id="31" idx="2"/>
+          </p:cNvCxnSpPr>
+          <p:nvPr/>
+        </p:nvCxnSpPr>
+        <p:spPr>
+          <a:xfrm>
+            <a:off x="5256028" y="2898041"/>
+            <a:ext cx="524540" cy="1"/>
+          </a:xfrm>
+          <a:prstGeom prst="line">
+            <a:avLst/>
+          </a:prstGeom>
+          <a:ln w="25400"/>
+        </p:spPr>
+        <p:style>
+          <a:lnRef idx="1">
+            <a:schemeClr val="accent1"/>
+          </a:lnRef>
+          <a:fillRef idx="0">
+            <a:schemeClr val="accent1"/>
+          </a:fillRef>
+          <a:effectRef idx="0">
+            <a:schemeClr val="accent1"/>
+          </a:effectRef>
+          <a:fontRef idx="minor">
+            <a:schemeClr val="tx1"/>
+          </a:fontRef>
+        </p:style>
+      </p:cxnSp>
+      <p:cxnSp>
+        <p:nvCxnSpPr>
+          <p:cNvPr id="33" name="Straight Connector 32"/>
+          <p:cNvCxnSpPr>
+            <a:endCxn id="30" idx="2"/>
+          </p:cNvCxnSpPr>
+          <p:nvPr/>
+        </p:nvCxnSpPr>
+        <p:spPr>
+          <a:xfrm>
+            <a:off x="5256028" y="2515270"/>
+            <a:ext cx="520995" cy="0"/>
+          </a:xfrm>
+          <a:prstGeom prst="line">
+            <a:avLst/>
+          </a:prstGeom>
+          <a:ln w="25400"/>
+        </p:spPr>
+        <p:style>
+          <a:lnRef idx="1">
+            <a:schemeClr val="accent1"/>
+          </a:lnRef>
+          <a:fillRef idx="0">
+            <a:schemeClr val="accent1"/>
+          </a:fillRef>
+          <a:effectRef idx="0">
+            <a:schemeClr val="accent1"/>
+          </a:effectRef>
+          <a:fontRef idx="minor">
+            <a:schemeClr val="tx1"/>
+          </a:fontRef>
+        </p:style>
+      </p:cxnSp>
+      <p:cxnSp>
+        <p:nvCxnSpPr>
+          <p:cNvPr id="34" name="Straight Connector 33"/>
+          <p:cNvCxnSpPr/>
+          <p:nvPr/>
+        </p:nvCxnSpPr>
+        <p:spPr>
+          <a:xfrm>
+            <a:off x="5256028" y="2107688"/>
+            <a:ext cx="0" cy="790353"/>
+          </a:xfrm>
+          <a:prstGeom prst="line">
+            <a:avLst/>
+          </a:prstGeom>
+          <a:ln w="25400"/>
+        </p:spPr>
+        <p:style>
+          <a:lnRef idx="1">
+            <a:schemeClr val="accent1"/>
+          </a:lnRef>
+          <a:fillRef idx="0">
+            <a:schemeClr val="accent1"/>
+          </a:fillRef>
+          <a:effectRef idx="0">
+            <a:schemeClr val="accent1"/>
+          </a:effectRef>
+          <a:fontRef idx="minor">
+            <a:schemeClr val="tx1"/>
+          </a:fontRef>
+        </p:style>
+      </p:cxnSp>
+      <p:sp>
+        <p:nvSpPr>
+          <p:cNvPr id="35" name="TextBox 34"/>
+          <p:cNvSpPr txBox="1"/>
+          <p:nvPr/>
+        </p:nvSpPr>
+        <p:spPr>
+          <a:xfrm>
+            <a:off x="4591493" y="1730231"/>
+            <a:ext cx="249866" cy="369332"/>
+          </a:xfrm>
+          <a:prstGeom prst="rect">
+            <a:avLst/>
+          </a:prstGeom>
+          <a:noFill/>
+        </p:spPr>
+        <p:txBody>
+          <a:bodyPr wrap="square" rtlCol="0">
+            <a:spAutoFit/>
+          </a:bodyPr>
+          <a:lstStyle/>
+          <a:p>
+            <a:r>
+              <a:rPr lang="en-US" b="1" dirty="0" smtClean="0"/>
+              <a:t>P</a:t>
+            </a:r>
+            <a:endParaRPr lang="en-US" b="1" dirty="0"/>
+          </a:p>
+        </p:txBody>
+      </p:sp>
+      <p:sp>
+        <p:nvSpPr>
+          <p:cNvPr id="36" name="TextBox 35"/>
+          <p:cNvSpPr txBox="1"/>
+          <p:nvPr/>
+        </p:nvSpPr>
+        <p:spPr>
+          <a:xfrm>
+            <a:off x="5830185" y="1914897"/>
+            <a:ext cx="642385" cy="369332"/>
+          </a:xfrm>
+          <a:prstGeom prst="rect">
+            <a:avLst/>
+          </a:prstGeom>
+          <a:noFill/>
+        </p:spPr>
+        <p:txBody>
+          <a:bodyPr wrap="square" rtlCol="0">
+            <a:spAutoFit/>
+          </a:bodyPr>
+          <a:lstStyle/>
+          <a:p>
+            <a:r>
+              <a:rPr lang="en-US" b="1" dirty="0" smtClean="0"/>
+              <a:t>SP1</a:t>
+            </a:r>
+            <a:endParaRPr lang="en-US" b="1" dirty="0"/>
+          </a:p>
+        </p:txBody>
+      </p:sp>
+      <p:sp>
+        <p:nvSpPr>
+          <p:cNvPr id="37" name="TextBox 36"/>
+          <p:cNvSpPr txBox="1"/>
+          <p:nvPr/>
+        </p:nvSpPr>
+        <p:spPr>
+          <a:xfrm>
+            <a:off x="5833730" y="2318198"/>
+            <a:ext cx="642385" cy="369332"/>
+          </a:xfrm>
+          <a:prstGeom prst="rect">
+            <a:avLst/>
+          </a:prstGeom>
+          <a:noFill/>
+        </p:spPr>
+        <p:txBody>
+          <a:bodyPr wrap="square" rtlCol="0">
+            <a:spAutoFit/>
+          </a:bodyPr>
+          <a:lstStyle/>
+          <a:p>
+            <a:r>
+              <a:rPr lang="en-US" b="1" dirty="0" smtClean="0"/>
+              <a:t>SP2</a:t>
+            </a:r>
+            <a:endParaRPr lang="en-US" b="1" dirty="0"/>
+          </a:p>
+        </p:txBody>
+      </p:sp>
+      <p:sp>
+        <p:nvSpPr>
+          <p:cNvPr id="38" name="TextBox 37"/>
+          <p:cNvSpPr txBox="1"/>
+          <p:nvPr/>
+        </p:nvSpPr>
+        <p:spPr>
+          <a:xfrm>
+            <a:off x="5835944" y="2687162"/>
+            <a:ext cx="642385" cy="369332"/>
+          </a:xfrm>
+          <a:prstGeom prst="rect">
+            <a:avLst/>
+          </a:prstGeom>
+          <a:noFill/>
+        </p:spPr>
+        <p:txBody>
+          <a:bodyPr wrap="square" rtlCol="0">
+            <a:spAutoFit/>
+          </a:bodyPr>
+          <a:lstStyle/>
+          <a:p>
+            <a:r>
+              <a:rPr lang="en-US" b="1" dirty="0" smtClean="0"/>
+              <a:t>SP3</a:t>
+            </a:r>
+            <a:endParaRPr lang="en-US" b="1" dirty="0"/>
+          </a:p>
+        </p:txBody>
+      </p:sp>
+      <p:sp>
+        <p:nvSpPr>
+          <p:cNvPr id="39" name="TextBox 38"/>
+          <p:cNvSpPr txBox="1"/>
+          <p:nvPr/>
+        </p:nvSpPr>
+        <p:spPr>
+          <a:xfrm>
+            <a:off x="1052622" y="3330798"/>
+            <a:ext cx="9133369" cy="1200329"/>
+          </a:xfrm>
+          <a:prstGeom prst="rect">
+            <a:avLst/>
+          </a:prstGeom>
+          <a:noFill/>
+        </p:spPr>
+        <p:txBody>
+          <a:bodyPr wrap="square" rtlCol="0">
+            <a:spAutoFit/>
+          </a:bodyPr>
+          <a:lstStyle/>
+          <a:p>
+            <a:r>
+              <a:rPr lang="en-US" sz="2400" dirty="0" smtClean="0"/>
+              <a:t>1.   </a:t>
+            </a:r>
+            <a:r>
+              <a:rPr lang="en-US" sz="2400" b="1" dirty="0" err="1" smtClean="0">
+                <a:solidFill>
+                  <a:srgbClr val="C00000"/>
+                </a:solidFill>
+              </a:rPr>
+              <a:t>fll_mv</a:t>
+            </a:r>
+            <a:r>
+              <a:rPr lang="en-US" sz="2400" b="1" dirty="0" smtClean="0">
+                <a:solidFill>
+                  <a:srgbClr val="C00000"/>
+                </a:solidFill>
+              </a:rPr>
+              <a:t>(P,SN2,fpar)</a:t>
+            </a:r>
+            <a:r>
+              <a:rPr lang="en-US" sz="2400" dirty="0" smtClean="0"/>
+              <a:t> will result in node </a:t>
+            </a:r>
+            <a:r>
+              <a:rPr lang="en-US" sz="2400" b="1" dirty="0" smtClean="0"/>
+              <a:t>SN2</a:t>
+            </a:r>
+            <a:r>
+              <a:rPr lang="en-US" sz="2400" dirty="0" smtClean="0"/>
+              <a:t> being overwritten				by node </a:t>
+            </a:r>
+            <a:r>
+              <a:rPr lang="en-US" sz="2400" b="1" dirty="0" smtClean="0"/>
+              <a:t>P</a:t>
+            </a:r>
+            <a:r>
+              <a:rPr lang="en-US" sz="2400" dirty="0" smtClean="0"/>
+              <a:t>, original node </a:t>
+            </a:r>
+            <a:r>
+              <a:rPr lang="en-US" sz="2400" b="1" dirty="0" smtClean="0"/>
+              <a:t>SN2</a:t>
+            </a:r>
+            <a:r>
+              <a:rPr lang="en-US" sz="2400" dirty="0" smtClean="0"/>
+              <a:t> and its data will be 			removed</a:t>
+            </a:r>
+            <a:endParaRPr lang="en-US" sz="2400" dirty="0"/>
+          </a:p>
+        </p:txBody>
+      </p:sp>
+      <p:sp>
+        <p:nvSpPr>
+          <p:cNvPr id="40" name="Oval 39"/>
+          <p:cNvSpPr/>
+          <p:nvPr/>
+        </p:nvSpPr>
+        <p:spPr>
+          <a:xfrm>
+            <a:off x="1343249" y="4879242"/>
+            <a:ext cx="106325" cy="138223"/>
+          </a:xfrm>
+          <a:prstGeom prst="ellipse">
+            <a:avLst/>
+          </a:prstGeom>
+        </p:spPr>
+        <p:style>
+          <a:lnRef idx="2">
+            <a:schemeClr val="accent1">
+              <a:shade val="50000"/>
+            </a:schemeClr>
+          </a:lnRef>
+          <a:fillRef idx="1">
+            <a:schemeClr val="accent1"/>
+          </a:fillRef>
+          <a:effectRef idx="0">
+            <a:schemeClr val="accent1"/>
+          </a:effectRef>
+          <a:fontRef idx="minor">
+            <a:schemeClr val="lt1"/>
+          </a:fontRef>
+        </p:style>
+        <p:txBody>
+          <a:bodyPr rtlCol="0" anchor="ctr"/>
+          <a:lstStyle/>
+          <a:p>
+            <a:pPr algn="ctr"/>
+            <a:endParaRPr lang="en-US"/>
+          </a:p>
+        </p:txBody>
+      </p:sp>
+      <p:cxnSp>
+        <p:nvCxnSpPr>
+          <p:cNvPr id="41" name="Straight Connector 40"/>
+          <p:cNvCxnSpPr>
+            <a:stCxn id="40" idx="2"/>
+          </p:cNvCxnSpPr>
+          <p:nvPr/>
+        </p:nvCxnSpPr>
+        <p:spPr>
+          <a:xfrm>
+            <a:off x="1343249" y="4948354"/>
+            <a:ext cx="1041989" cy="0"/>
+          </a:xfrm>
+          <a:prstGeom prst="line">
+            <a:avLst/>
+          </a:prstGeom>
+          <a:ln w="25400"/>
+        </p:spPr>
+        <p:style>
+          <a:lnRef idx="1">
+            <a:schemeClr val="accent1"/>
+          </a:lnRef>
+          <a:fillRef idx="0">
+            <a:schemeClr val="accent1"/>
+          </a:fillRef>
+          <a:effectRef idx="0">
+            <a:schemeClr val="accent1"/>
+          </a:effectRef>
+          <a:fontRef idx="minor">
+            <a:schemeClr val="tx1"/>
+          </a:fontRef>
+        </p:style>
+      </p:cxnSp>
+      <p:sp>
+        <p:nvSpPr>
+          <p:cNvPr id="42" name="Oval 41"/>
+          <p:cNvSpPr/>
+          <p:nvPr/>
+        </p:nvSpPr>
+        <p:spPr>
+          <a:xfrm>
+            <a:off x="2385238" y="4877470"/>
+            <a:ext cx="106325" cy="138223"/>
+          </a:xfrm>
+          <a:prstGeom prst="ellipse">
+            <a:avLst/>
+          </a:prstGeom>
+        </p:spPr>
+        <p:style>
+          <a:lnRef idx="2">
+            <a:schemeClr val="accent1">
+              <a:shade val="50000"/>
+            </a:schemeClr>
+          </a:lnRef>
+          <a:fillRef idx="1">
+            <a:schemeClr val="accent1"/>
+          </a:fillRef>
+          <a:effectRef idx="0">
+            <a:schemeClr val="accent1"/>
+          </a:effectRef>
+          <a:fontRef idx="minor">
+            <a:schemeClr val="lt1"/>
+          </a:fontRef>
+        </p:style>
+        <p:txBody>
+          <a:bodyPr rtlCol="0" anchor="ctr"/>
+          <a:lstStyle/>
+          <a:p>
+            <a:pPr algn="ctr"/>
+            <a:endParaRPr lang="en-US"/>
+          </a:p>
+        </p:txBody>
+      </p:sp>
+      <p:sp>
+        <p:nvSpPr>
+          <p:cNvPr id="43" name="Oval 42"/>
+          <p:cNvSpPr/>
+          <p:nvPr/>
+        </p:nvSpPr>
+        <p:spPr>
+          <a:xfrm>
+            <a:off x="2385238" y="5286824"/>
+            <a:ext cx="106325" cy="138223"/>
+          </a:xfrm>
+          <a:prstGeom prst="ellipse">
+            <a:avLst/>
+          </a:prstGeom>
+        </p:spPr>
+        <p:style>
+          <a:lnRef idx="2">
+            <a:schemeClr val="accent1">
+              <a:shade val="50000"/>
+            </a:schemeClr>
+          </a:lnRef>
+          <a:fillRef idx="1">
+            <a:schemeClr val="accent1"/>
+          </a:fillRef>
+          <a:effectRef idx="0">
+            <a:schemeClr val="accent1"/>
+          </a:effectRef>
+          <a:fontRef idx="minor">
+            <a:schemeClr val="lt1"/>
+          </a:fontRef>
+        </p:style>
+        <p:txBody>
+          <a:bodyPr rtlCol="0" anchor="ctr"/>
+          <a:lstStyle/>
+          <a:p>
+            <a:pPr algn="ctr"/>
+            <a:endParaRPr lang="en-US"/>
+          </a:p>
+        </p:txBody>
+      </p:sp>
+      <p:sp>
+        <p:nvSpPr>
+          <p:cNvPr id="44" name="Oval 43"/>
+          <p:cNvSpPr/>
+          <p:nvPr/>
+        </p:nvSpPr>
+        <p:spPr>
+          <a:xfrm>
+            <a:off x="2381693" y="6172503"/>
+            <a:ext cx="106325" cy="138223"/>
+          </a:xfrm>
+          <a:prstGeom prst="ellipse">
+            <a:avLst/>
+          </a:prstGeom>
+        </p:spPr>
+        <p:style>
+          <a:lnRef idx="2">
+            <a:schemeClr val="accent1">
+              <a:shade val="50000"/>
+            </a:schemeClr>
+          </a:lnRef>
+          <a:fillRef idx="1">
+            <a:schemeClr val="accent1"/>
+          </a:fillRef>
+          <a:effectRef idx="0">
+            <a:schemeClr val="accent1"/>
+          </a:effectRef>
+          <a:fontRef idx="minor">
+            <a:schemeClr val="lt1"/>
+          </a:fontRef>
+        </p:style>
+        <p:txBody>
+          <a:bodyPr rtlCol="0" anchor="ctr"/>
+          <a:lstStyle/>
+          <a:p>
+            <a:pPr algn="ctr"/>
+            <a:endParaRPr lang="en-US"/>
+          </a:p>
+        </p:txBody>
+      </p:sp>
+      <p:cxnSp>
+        <p:nvCxnSpPr>
+          <p:cNvPr id="45" name="Straight Connector 44"/>
+          <p:cNvCxnSpPr/>
+          <p:nvPr/>
+        </p:nvCxnSpPr>
+        <p:spPr>
+          <a:xfrm>
+            <a:off x="1857153" y="6279863"/>
+            <a:ext cx="524540" cy="1"/>
+          </a:xfrm>
+          <a:prstGeom prst="line">
+            <a:avLst/>
+          </a:prstGeom>
+          <a:ln w="25400"/>
+        </p:spPr>
+        <p:style>
+          <a:lnRef idx="1">
+            <a:schemeClr val="accent1"/>
+          </a:lnRef>
+          <a:fillRef idx="0">
+            <a:schemeClr val="accent1"/>
+          </a:fillRef>
+          <a:effectRef idx="0">
+            <a:schemeClr val="accent1"/>
+          </a:effectRef>
+          <a:fontRef idx="minor">
+            <a:schemeClr val="tx1"/>
+          </a:fontRef>
+        </p:style>
+      </p:cxnSp>
+      <p:cxnSp>
+        <p:nvCxnSpPr>
+          <p:cNvPr id="46" name="Straight Connector 45"/>
+          <p:cNvCxnSpPr>
+            <a:endCxn id="43" idx="2"/>
+          </p:cNvCxnSpPr>
+          <p:nvPr/>
+        </p:nvCxnSpPr>
+        <p:spPr>
+          <a:xfrm>
+            <a:off x="1864243" y="5355936"/>
+            <a:ext cx="520995" cy="0"/>
+          </a:xfrm>
+          <a:prstGeom prst="line">
+            <a:avLst/>
+          </a:prstGeom>
+          <a:ln w="25400"/>
+        </p:spPr>
+        <p:style>
+          <a:lnRef idx="1">
+            <a:schemeClr val="accent1"/>
+          </a:lnRef>
+          <a:fillRef idx="0">
+            <a:schemeClr val="accent1"/>
+          </a:fillRef>
+          <a:effectRef idx="0">
+            <a:schemeClr val="accent1"/>
+          </a:effectRef>
+          <a:fontRef idx="minor">
+            <a:schemeClr val="tx1"/>
+          </a:fontRef>
+        </p:style>
+      </p:cxnSp>
+      <p:cxnSp>
+        <p:nvCxnSpPr>
+          <p:cNvPr id="47" name="Straight Connector 46"/>
+          <p:cNvCxnSpPr/>
+          <p:nvPr/>
+        </p:nvCxnSpPr>
+        <p:spPr>
+          <a:xfrm>
+            <a:off x="1864243" y="4948354"/>
+            <a:ext cx="0" cy="1331510"/>
+          </a:xfrm>
+          <a:prstGeom prst="line">
+            <a:avLst/>
+          </a:prstGeom>
+          <a:ln w="25400"/>
+        </p:spPr>
+        <p:style>
+          <a:lnRef idx="1">
+            <a:schemeClr val="accent1"/>
+          </a:lnRef>
+          <a:fillRef idx="0">
+            <a:schemeClr val="accent1"/>
+          </a:fillRef>
+          <a:effectRef idx="0">
+            <a:schemeClr val="accent1"/>
+          </a:effectRef>
+          <a:fontRef idx="minor">
+            <a:schemeClr val="tx1"/>
+          </a:fontRef>
+        </p:style>
+      </p:cxnSp>
+      <p:sp>
+        <p:nvSpPr>
+          <p:cNvPr id="48" name="TextBox 47"/>
+          <p:cNvSpPr txBox="1"/>
+          <p:nvPr/>
+        </p:nvSpPr>
+        <p:spPr>
+          <a:xfrm>
+            <a:off x="1199708" y="4570897"/>
+            <a:ext cx="249866" cy="369332"/>
+          </a:xfrm>
+          <a:prstGeom prst="rect">
+            <a:avLst/>
+          </a:prstGeom>
+          <a:noFill/>
+        </p:spPr>
+        <p:txBody>
+          <a:bodyPr wrap="square" rtlCol="0">
+            <a:spAutoFit/>
+          </a:bodyPr>
+          <a:lstStyle/>
+          <a:p>
+            <a:r>
+              <a:rPr lang="en-US" b="1" dirty="0" smtClean="0"/>
+              <a:t>N</a:t>
+            </a:r>
+            <a:endParaRPr lang="en-US" b="1" dirty="0"/>
+          </a:p>
+        </p:txBody>
+      </p:sp>
+      <p:sp>
+        <p:nvSpPr>
+          <p:cNvPr id="49" name="TextBox 48"/>
+          <p:cNvSpPr txBox="1"/>
+          <p:nvPr/>
+        </p:nvSpPr>
+        <p:spPr>
+          <a:xfrm>
+            <a:off x="2438400" y="4755563"/>
+            <a:ext cx="642385" cy="369332"/>
+          </a:xfrm>
+          <a:prstGeom prst="rect">
+            <a:avLst/>
+          </a:prstGeom>
+          <a:noFill/>
+        </p:spPr>
+        <p:txBody>
+          <a:bodyPr wrap="square" rtlCol="0">
+            <a:spAutoFit/>
+          </a:bodyPr>
+          <a:lstStyle/>
+          <a:p>
+            <a:r>
+              <a:rPr lang="en-US" b="1" dirty="0" smtClean="0"/>
+              <a:t>SN1</a:t>
+            </a:r>
+            <a:endParaRPr lang="en-US" b="1" dirty="0"/>
+          </a:p>
+        </p:txBody>
+      </p:sp>
+      <p:sp>
+        <p:nvSpPr>
+          <p:cNvPr id="51" name="TextBox 50"/>
+          <p:cNvSpPr txBox="1"/>
+          <p:nvPr/>
+        </p:nvSpPr>
+        <p:spPr>
+          <a:xfrm>
+            <a:off x="2437069" y="6030735"/>
+            <a:ext cx="642385" cy="369332"/>
+          </a:xfrm>
+          <a:prstGeom prst="rect">
+            <a:avLst/>
+          </a:prstGeom>
+          <a:noFill/>
+        </p:spPr>
+        <p:txBody>
+          <a:bodyPr wrap="square" rtlCol="0">
+            <a:spAutoFit/>
+          </a:bodyPr>
+          <a:lstStyle/>
+          <a:p>
+            <a:r>
+              <a:rPr lang="en-US" b="1" dirty="0" smtClean="0"/>
+              <a:t>SN3</a:t>
+            </a:r>
+            <a:endParaRPr lang="en-US" b="1" dirty="0"/>
+          </a:p>
+        </p:txBody>
+      </p:sp>
+      <p:cxnSp>
+        <p:nvCxnSpPr>
+          <p:cNvPr id="53" name="Straight Connector 52"/>
+          <p:cNvCxnSpPr/>
+          <p:nvPr/>
+        </p:nvCxnSpPr>
+        <p:spPr>
+          <a:xfrm>
+            <a:off x="2501310" y="5355936"/>
+            <a:ext cx="1100469" cy="0"/>
+          </a:xfrm>
+          <a:prstGeom prst="line">
+            <a:avLst/>
+          </a:prstGeom>
+          <a:ln w="25400"/>
+        </p:spPr>
+        <p:style>
+          <a:lnRef idx="1">
+            <a:schemeClr val="accent1"/>
+          </a:lnRef>
+          <a:fillRef idx="0">
+            <a:schemeClr val="accent1"/>
+          </a:fillRef>
+          <a:effectRef idx="0">
+            <a:schemeClr val="accent1"/>
+          </a:effectRef>
+          <a:fontRef idx="minor">
+            <a:schemeClr val="tx1"/>
+          </a:fontRef>
+        </p:style>
+      </p:cxnSp>
+      <p:sp>
+        <p:nvSpPr>
+          <p:cNvPr id="54" name="Oval 53"/>
+          <p:cNvSpPr/>
+          <p:nvPr/>
+        </p:nvSpPr>
+        <p:spPr>
+          <a:xfrm>
+            <a:off x="3601779" y="5285052"/>
+            <a:ext cx="106325" cy="138223"/>
+          </a:xfrm>
+          <a:prstGeom prst="ellipse">
+            <a:avLst/>
+          </a:prstGeom>
+        </p:spPr>
+        <p:style>
+          <a:lnRef idx="2">
+            <a:schemeClr val="accent1">
+              <a:shade val="50000"/>
+            </a:schemeClr>
+          </a:lnRef>
+          <a:fillRef idx="1">
+            <a:schemeClr val="accent1"/>
+          </a:fillRef>
+          <a:effectRef idx="0">
+            <a:schemeClr val="accent1"/>
+          </a:effectRef>
+          <a:fontRef idx="minor">
+            <a:schemeClr val="lt1"/>
+          </a:fontRef>
+        </p:style>
+        <p:txBody>
+          <a:bodyPr rtlCol="0" anchor="ctr"/>
+          <a:lstStyle/>
+          <a:p>
+            <a:pPr algn="ctr"/>
+            <a:endParaRPr lang="en-US"/>
+          </a:p>
+        </p:txBody>
+      </p:sp>
+      <p:sp>
+        <p:nvSpPr>
+          <p:cNvPr id="55" name="Oval 54"/>
+          <p:cNvSpPr/>
+          <p:nvPr/>
+        </p:nvSpPr>
+        <p:spPr>
+          <a:xfrm>
+            <a:off x="3601779" y="5694406"/>
+            <a:ext cx="106325" cy="138223"/>
+          </a:xfrm>
+          <a:prstGeom prst="ellipse">
+            <a:avLst/>
+          </a:prstGeom>
+        </p:spPr>
+        <p:style>
+          <a:lnRef idx="2">
+            <a:schemeClr val="accent1">
+              <a:shade val="50000"/>
+            </a:schemeClr>
+          </a:lnRef>
+          <a:fillRef idx="1">
+            <a:schemeClr val="accent1"/>
+          </a:fillRef>
+          <a:effectRef idx="0">
+            <a:schemeClr val="accent1"/>
+          </a:effectRef>
+          <a:fontRef idx="minor">
+            <a:schemeClr val="lt1"/>
+          </a:fontRef>
+        </p:style>
+        <p:txBody>
+          <a:bodyPr rtlCol="0" anchor="ctr"/>
+          <a:lstStyle/>
+          <a:p>
+            <a:pPr algn="ctr"/>
+            <a:endParaRPr lang="en-US"/>
+          </a:p>
+        </p:txBody>
+      </p:sp>
+      <p:sp>
+        <p:nvSpPr>
+          <p:cNvPr id="56" name="Oval 55"/>
+          <p:cNvSpPr/>
+          <p:nvPr/>
+        </p:nvSpPr>
+        <p:spPr>
+          <a:xfrm>
+            <a:off x="3605324" y="6077178"/>
+            <a:ext cx="106325" cy="138223"/>
+          </a:xfrm>
+          <a:prstGeom prst="ellipse">
+            <a:avLst/>
+          </a:prstGeom>
+        </p:spPr>
+        <p:style>
+          <a:lnRef idx="2">
+            <a:schemeClr val="accent1">
+              <a:shade val="50000"/>
+            </a:schemeClr>
+          </a:lnRef>
+          <a:fillRef idx="1">
+            <a:schemeClr val="accent1"/>
+          </a:fillRef>
+          <a:effectRef idx="0">
+            <a:schemeClr val="accent1"/>
+          </a:effectRef>
+          <a:fontRef idx="minor">
+            <a:schemeClr val="lt1"/>
+          </a:fontRef>
+        </p:style>
+        <p:txBody>
+          <a:bodyPr rtlCol="0" anchor="ctr"/>
+          <a:lstStyle/>
+          <a:p>
+            <a:pPr algn="ctr"/>
+            <a:endParaRPr lang="en-US"/>
+          </a:p>
+        </p:txBody>
+      </p:sp>
+      <p:cxnSp>
+        <p:nvCxnSpPr>
+          <p:cNvPr id="57" name="Straight Connector 56"/>
+          <p:cNvCxnSpPr>
+            <a:endCxn id="56" idx="2"/>
+          </p:cNvCxnSpPr>
+          <p:nvPr/>
+        </p:nvCxnSpPr>
+        <p:spPr>
+          <a:xfrm>
+            <a:off x="3080784" y="6146289"/>
+            <a:ext cx="524540" cy="1"/>
+          </a:xfrm>
+          <a:prstGeom prst="line">
+            <a:avLst/>
+          </a:prstGeom>
+          <a:ln w="25400"/>
+        </p:spPr>
+        <p:style>
+          <a:lnRef idx="1">
+            <a:schemeClr val="accent1"/>
+          </a:lnRef>
+          <a:fillRef idx="0">
+            <a:schemeClr val="accent1"/>
+          </a:fillRef>
+          <a:effectRef idx="0">
+            <a:schemeClr val="accent1"/>
+          </a:effectRef>
+          <a:fontRef idx="minor">
+            <a:schemeClr val="tx1"/>
+          </a:fontRef>
+        </p:style>
+      </p:cxnSp>
+      <p:cxnSp>
+        <p:nvCxnSpPr>
+          <p:cNvPr id="58" name="Straight Connector 57"/>
+          <p:cNvCxnSpPr>
+            <a:endCxn id="55" idx="2"/>
+          </p:cNvCxnSpPr>
+          <p:nvPr/>
+        </p:nvCxnSpPr>
+        <p:spPr>
+          <a:xfrm>
+            <a:off x="3080784" y="5763518"/>
+            <a:ext cx="520995" cy="0"/>
+          </a:xfrm>
+          <a:prstGeom prst="line">
+            <a:avLst/>
+          </a:prstGeom>
+          <a:ln w="25400"/>
+        </p:spPr>
+        <p:style>
+          <a:lnRef idx="1">
+            <a:schemeClr val="accent1"/>
+          </a:lnRef>
+          <a:fillRef idx="0">
+            <a:schemeClr val="accent1"/>
+          </a:fillRef>
+          <a:effectRef idx="0">
+            <a:schemeClr val="accent1"/>
+          </a:effectRef>
+          <a:fontRef idx="minor">
+            <a:schemeClr val="tx1"/>
+          </a:fontRef>
+        </p:style>
+      </p:cxnSp>
+      <p:cxnSp>
+        <p:nvCxnSpPr>
+          <p:cNvPr id="59" name="Straight Connector 58"/>
+          <p:cNvCxnSpPr/>
+          <p:nvPr/>
+        </p:nvCxnSpPr>
+        <p:spPr>
+          <a:xfrm>
+            <a:off x="3080784" y="5355936"/>
+            <a:ext cx="0" cy="790353"/>
+          </a:xfrm>
+          <a:prstGeom prst="line">
+            <a:avLst/>
+          </a:prstGeom>
+          <a:ln w="25400"/>
+        </p:spPr>
+        <p:style>
+          <a:lnRef idx="1">
+            <a:schemeClr val="accent1"/>
+          </a:lnRef>
+          <a:fillRef idx="0">
+            <a:schemeClr val="accent1"/>
+          </a:fillRef>
+          <a:effectRef idx="0">
+            <a:schemeClr val="accent1"/>
+          </a:effectRef>
+          <a:fontRef idx="minor">
+            <a:schemeClr val="tx1"/>
+          </a:fontRef>
+        </p:style>
+      </p:cxnSp>
+      <p:sp>
+        <p:nvSpPr>
+          <p:cNvPr id="60" name="TextBox 59"/>
+          <p:cNvSpPr txBox="1"/>
+          <p:nvPr/>
+        </p:nvSpPr>
+        <p:spPr>
+          <a:xfrm>
+            <a:off x="2491563" y="5055715"/>
+            <a:ext cx="249866" cy="369332"/>
+          </a:xfrm>
+          <a:prstGeom prst="rect">
+            <a:avLst/>
+          </a:prstGeom>
+          <a:noFill/>
+        </p:spPr>
+        <p:txBody>
+          <a:bodyPr wrap="square" rtlCol="0">
+            <a:spAutoFit/>
+          </a:bodyPr>
+          <a:lstStyle/>
+          <a:p>
+            <a:r>
+              <a:rPr lang="en-US" b="1" dirty="0" smtClean="0"/>
+              <a:t>P</a:t>
+            </a:r>
+            <a:endParaRPr lang="en-US" b="1" dirty="0"/>
+          </a:p>
+        </p:txBody>
+      </p:sp>
+      <p:sp>
+        <p:nvSpPr>
+          <p:cNvPr id="61" name="TextBox 60"/>
+          <p:cNvSpPr txBox="1"/>
+          <p:nvPr/>
+        </p:nvSpPr>
+        <p:spPr>
+          <a:xfrm>
+            <a:off x="3654941" y="5163145"/>
+            <a:ext cx="642385" cy="369332"/>
+          </a:xfrm>
+          <a:prstGeom prst="rect">
+            <a:avLst/>
+          </a:prstGeom>
+          <a:noFill/>
+        </p:spPr>
+        <p:txBody>
+          <a:bodyPr wrap="square" rtlCol="0">
+            <a:spAutoFit/>
+          </a:bodyPr>
+          <a:lstStyle/>
+          <a:p>
+            <a:r>
+              <a:rPr lang="en-US" b="1" dirty="0" smtClean="0"/>
+              <a:t>SP1</a:t>
+            </a:r>
+            <a:endParaRPr lang="en-US" b="1" dirty="0"/>
+          </a:p>
+        </p:txBody>
+      </p:sp>
+      <p:sp>
+        <p:nvSpPr>
+          <p:cNvPr id="62" name="TextBox 61"/>
+          <p:cNvSpPr txBox="1"/>
+          <p:nvPr/>
+        </p:nvSpPr>
+        <p:spPr>
+          <a:xfrm>
+            <a:off x="3658486" y="5566446"/>
+            <a:ext cx="642385" cy="369332"/>
+          </a:xfrm>
+          <a:prstGeom prst="rect">
+            <a:avLst/>
+          </a:prstGeom>
+          <a:noFill/>
+        </p:spPr>
+        <p:txBody>
+          <a:bodyPr wrap="square" rtlCol="0">
+            <a:spAutoFit/>
+          </a:bodyPr>
+          <a:lstStyle/>
+          <a:p>
+            <a:r>
+              <a:rPr lang="en-US" b="1" dirty="0" smtClean="0"/>
+              <a:t>SP2</a:t>
+            </a:r>
+            <a:endParaRPr lang="en-US" b="1" dirty="0"/>
+          </a:p>
+        </p:txBody>
+      </p:sp>
+      <p:sp>
+        <p:nvSpPr>
+          <p:cNvPr id="63" name="TextBox 62"/>
+          <p:cNvSpPr txBox="1"/>
+          <p:nvPr/>
+        </p:nvSpPr>
+        <p:spPr>
+          <a:xfrm>
+            <a:off x="3660700" y="5935410"/>
+            <a:ext cx="642385" cy="369332"/>
+          </a:xfrm>
+          <a:prstGeom prst="rect">
+            <a:avLst/>
+          </a:prstGeom>
+          <a:noFill/>
+        </p:spPr>
+        <p:txBody>
+          <a:bodyPr wrap="square" rtlCol="0">
+            <a:spAutoFit/>
+          </a:bodyPr>
+          <a:lstStyle/>
+          <a:p>
+            <a:r>
+              <a:rPr lang="en-US" b="1" dirty="0" smtClean="0"/>
+              <a:t>SP3</a:t>
+            </a:r>
+            <a:endParaRPr lang="en-US" b="1" dirty="0"/>
+          </a:p>
+        </p:txBody>
+      </p:sp>
     </p:spTree>
     <p:extLst>
       <p:ext uri="{BB962C8B-B14F-4D97-AF65-F5344CB8AC3E}">
         <p14:creationId xmlns:p14="http://schemas.microsoft.com/office/powerpoint/2010/main" val="1072385617"/>
+      </p:ext>
+    </p:extLst>
+  </p:cSld>
+  <p:clrMapOvr>
+    <a:masterClrMapping/>
+  </p:clrMapOvr>
+</p:sld>
+</file>
+
+<file path=ppt/slides/slide24.xml><?xml version="1.0" encoding="utf-8"?>
+<p:sld xmlns:a="http://schemas.openxmlformats.org/drawingml/2006/main" xmlns:r="http://schemas.openxmlformats.org/officeDocument/2006/relationships" xmlns:p="http://schemas.openxmlformats.org/presentationml/2006/main">
+  <p:cSld>
+    <p:spTree>
+      <p:nvGrpSpPr>
+        <p:cNvPr id="1" name=""/>
+        <p:cNvGrpSpPr/>
+        <p:nvPr/>
+      </p:nvGrpSpPr>
+      <p:grpSpPr>
+        <a:xfrm>
+          <a:off x="0" y="0"/>
+          <a:ext cx="0" cy="0"/>
+          <a:chOff x="0" y="0"/>
+          <a:chExt cx="0" cy="0"/>
+        </a:xfrm>
+      </p:grpSpPr>
+      <p:sp>
+        <p:nvSpPr>
+          <p:cNvPr id="2" name="Title 1"/>
+          <p:cNvSpPr>
+            <a:spLocks noGrp="1"/>
+          </p:cNvSpPr>
+          <p:nvPr>
+            <p:ph type="title"/>
+          </p:nvPr>
+        </p:nvSpPr>
+        <p:spPr/>
+        <p:txBody>
+          <a:bodyPr/>
+          <a:lstStyle/>
+          <a:p>
+            <a:r>
+              <a:rPr lang="en-US" b="1" dirty="0" smtClean="0">
+                <a:solidFill>
+                  <a:srgbClr val="002060"/>
+                </a:solidFill>
+              </a:rPr>
+              <a:t>Subroutine </a:t>
+            </a:r>
+            <a:r>
+              <a:rPr lang="en-US" b="1" dirty="0" err="1" smtClean="0">
+                <a:solidFill>
+                  <a:srgbClr val="002060"/>
+                </a:solidFill>
+              </a:rPr>
+              <a:t>fll_mpi_cp_all</a:t>
+            </a:r>
+            <a:r>
+              <a:rPr lang="en-US" b="1" dirty="0" smtClean="0">
+                <a:solidFill>
+                  <a:srgbClr val="002060"/>
+                </a:solidFill>
+              </a:rPr>
+              <a:t>()</a:t>
+            </a:r>
+            <a:endParaRPr lang="en-US" b="1" dirty="0">
+              <a:solidFill>
+                <a:srgbClr val="002060"/>
+              </a:solidFill>
+            </a:endParaRPr>
+          </a:p>
+        </p:txBody>
+      </p:sp>
+      <p:sp>
+        <p:nvSpPr>
+          <p:cNvPr id="3" name="Content Placeholder 2"/>
+          <p:cNvSpPr>
+            <a:spLocks noGrp="1"/>
+          </p:cNvSpPr>
+          <p:nvPr>
+            <p:ph idx="1"/>
+          </p:nvPr>
+        </p:nvSpPr>
+        <p:spPr/>
+        <p:txBody>
+          <a:bodyPr>
+            <a:normAutofit/>
+          </a:bodyPr>
+          <a:lstStyle/>
+          <a:p>
+            <a:r>
+              <a:rPr lang="en-US" b="1" dirty="0" err="1" smtClean="0">
+                <a:solidFill>
+                  <a:srgbClr val="C00000"/>
+                </a:solidFill>
+              </a:rPr>
+              <a:t>fll_mpi_cp_all</a:t>
+            </a:r>
+            <a:r>
+              <a:rPr lang="en-US" b="1" dirty="0" smtClean="0">
+                <a:solidFill>
+                  <a:srgbClr val="C00000"/>
+                </a:solidFill>
+              </a:rPr>
+              <a:t>(</a:t>
+            </a:r>
+            <a:r>
+              <a:rPr lang="en-US" b="1" dirty="0" err="1" smtClean="0">
+                <a:solidFill>
+                  <a:srgbClr val="C00000"/>
+                </a:solidFill>
+              </a:rPr>
+              <a:t>pnode,communicator,sendpart,fpar</a:t>
+            </a:r>
+            <a:r>
+              <a:rPr lang="en-US" b="1" dirty="0" smtClean="0">
+                <a:solidFill>
+                  <a:srgbClr val="C00000"/>
+                </a:solidFill>
+              </a:rPr>
+              <a:t>)</a:t>
+            </a:r>
+            <a:endParaRPr lang="en-US" b="1" dirty="0" smtClean="0">
+              <a:solidFill>
+                <a:srgbClr val="C00000"/>
+              </a:solidFill>
+            </a:endParaRPr>
+          </a:p>
+          <a:p>
+            <a:pPr lvl="1"/>
+            <a:r>
+              <a:rPr lang="en-US" dirty="0" smtClean="0"/>
+              <a:t>Copies (broadcasts) </a:t>
+            </a:r>
+            <a:r>
+              <a:rPr lang="en-US" dirty="0" err="1" smtClean="0"/>
+              <a:t>fll</a:t>
+            </a:r>
+            <a:r>
+              <a:rPr lang="en-US" dirty="0" smtClean="0"/>
+              <a:t> list from </a:t>
+            </a:r>
+            <a:r>
+              <a:rPr lang="en-US" dirty="0" err="1" smtClean="0"/>
+              <a:t>sendpart</a:t>
+            </a:r>
+            <a:r>
+              <a:rPr lang="en-US" dirty="0" smtClean="0"/>
+              <a:t> to all other partitions in communicator</a:t>
+            </a:r>
+            <a:endParaRPr lang="en-US" dirty="0" smtClean="0"/>
+          </a:p>
+          <a:p>
+            <a:pPr lvl="1"/>
+            <a:r>
+              <a:rPr lang="en-US" dirty="0" smtClean="0"/>
+              <a:t>Input parameters</a:t>
+            </a:r>
+          </a:p>
+          <a:p>
+            <a:pPr lvl="2"/>
+            <a:r>
+              <a:rPr lang="en-US" dirty="0" err="1" smtClean="0"/>
+              <a:t>Pnode</a:t>
+            </a:r>
+            <a:r>
+              <a:rPr lang="en-US" dirty="0" smtClean="0"/>
+              <a:t> – list to be printed</a:t>
+            </a:r>
+          </a:p>
+          <a:p>
+            <a:pPr lvl="2"/>
+            <a:r>
+              <a:rPr lang="en-US" dirty="0" smtClean="0"/>
+              <a:t>Communicator – MPI communicator</a:t>
+            </a:r>
+            <a:endParaRPr lang="en-US" dirty="0" smtClean="0"/>
+          </a:p>
+          <a:p>
+            <a:pPr lvl="2"/>
+            <a:r>
+              <a:rPr lang="en-US" dirty="0" err="1" smtClean="0"/>
+              <a:t>Sendpart</a:t>
+            </a:r>
+            <a:r>
+              <a:rPr lang="en-US" dirty="0" smtClean="0"/>
+              <a:t> – rank of sending partition</a:t>
+            </a:r>
+            <a:endParaRPr lang="en-US" dirty="0"/>
+          </a:p>
+          <a:p>
+            <a:pPr lvl="2"/>
+            <a:r>
+              <a:rPr lang="en-US" dirty="0" err="1" smtClean="0"/>
+              <a:t>Fpar</a:t>
+            </a:r>
+            <a:r>
+              <a:rPr lang="en-US" dirty="0" smtClean="0"/>
+              <a:t> – </a:t>
+            </a:r>
+            <a:r>
+              <a:rPr lang="en-US" dirty="0" err="1" smtClean="0"/>
+              <a:t>fuction</a:t>
+            </a:r>
+            <a:r>
+              <a:rPr lang="en-US" dirty="0" smtClean="0"/>
+              <a:t> specific structure</a:t>
+            </a:r>
+          </a:p>
+          <a:p>
+            <a:pPr lvl="2"/>
+            <a:endParaRPr lang="en-US" dirty="0"/>
+          </a:p>
+          <a:p>
+            <a:pPr lvl="2"/>
+            <a:r>
+              <a:rPr lang="en-US" dirty="0"/>
+              <a:t>Returns pointer </a:t>
+            </a:r>
+            <a:r>
+              <a:rPr lang="en-US" dirty="0" smtClean="0"/>
+              <a:t>to </a:t>
+            </a:r>
+            <a:r>
+              <a:rPr lang="en-US" dirty="0" err="1" smtClean="0"/>
+              <a:t>pnode</a:t>
+            </a:r>
+            <a:r>
+              <a:rPr lang="en-US" dirty="0" smtClean="0"/>
+              <a:t>  </a:t>
+            </a:r>
+            <a:r>
+              <a:rPr lang="en-US" dirty="0" err="1" smtClean="0"/>
+              <a:t>fll</a:t>
+            </a:r>
+            <a:r>
+              <a:rPr lang="en-US" dirty="0" smtClean="0"/>
+              <a:t> list on </a:t>
+            </a:r>
+            <a:r>
+              <a:rPr lang="en-US" dirty="0" err="1"/>
+              <a:t>sendpart</a:t>
+            </a:r>
+            <a:r>
+              <a:rPr lang="en-US" dirty="0"/>
+              <a:t> </a:t>
+            </a:r>
+            <a:r>
+              <a:rPr lang="en-US" dirty="0" smtClean="0"/>
+              <a:t>process and </a:t>
+            </a:r>
+            <a:r>
+              <a:rPr lang="en-US" dirty="0"/>
+              <a:t>pointer to new copy on </a:t>
+            </a:r>
+            <a:r>
+              <a:rPr lang="en-US" dirty="0" smtClean="0"/>
+              <a:t>all other processes</a:t>
+            </a:r>
+            <a:endParaRPr lang="en-US" dirty="0"/>
+          </a:p>
+          <a:p>
+            <a:pPr lvl="2"/>
+            <a:endParaRPr lang="en-US" dirty="0" smtClean="0"/>
+          </a:p>
+        </p:txBody>
+      </p:sp>
+    </p:spTree>
+    <p:extLst>
+      <p:ext uri="{BB962C8B-B14F-4D97-AF65-F5344CB8AC3E}">
+        <p14:creationId xmlns:p14="http://schemas.microsoft.com/office/powerpoint/2010/main" val="639366591"/>
+      </p:ext>
+    </p:extLst>
+  </p:cSld>
+  <p:clrMapOvr>
+    <a:masterClrMapping/>
+  </p:clrMapOvr>
+</p:sld>
+</file>
+
+<file path=ppt/slides/slide25.xml><?xml version="1.0" encoding="utf-8"?>
+<p:sld xmlns:a="http://schemas.openxmlformats.org/drawingml/2006/main" xmlns:r="http://schemas.openxmlformats.org/officeDocument/2006/relationships" xmlns:p="http://schemas.openxmlformats.org/presentationml/2006/main">
+  <p:cSld>
+    <p:spTree>
+      <p:nvGrpSpPr>
+        <p:cNvPr id="1" name=""/>
+        <p:cNvGrpSpPr/>
+        <p:nvPr/>
+      </p:nvGrpSpPr>
+      <p:grpSpPr>
+        <a:xfrm>
+          <a:off x="0" y="0"/>
+          <a:ext cx="0" cy="0"/>
+          <a:chOff x="0" y="0"/>
+          <a:chExt cx="0" cy="0"/>
+        </a:xfrm>
+      </p:grpSpPr>
+      <p:sp>
+        <p:nvSpPr>
+          <p:cNvPr id="2" name="Title 1"/>
+          <p:cNvSpPr>
+            <a:spLocks noGrp="1"/>
+          </p:cNvSpPr>
+          <p:nvPr>
+            <p:ph type="title"/>
+          </p:nvPr>
+        </p:nvSpPr>
+        <p:spPr/>
+        <p:txBody>
+          <a:bodyPr/>
+          <a:lstStyle/>
+          <a:p>
+            <a:r>
+              <a:rPr lang="en-US" b="1" dirty="0" smtClean="0">
+                <a:solidFill>
+                  <a:srgbClr val="002060"/>
+                </a:solidFill>
+              </a:rPr>
+              <a:t>Subroutine </a:t>
+            </a:r>
+            <a:r>
+              <a:rPr lang="en-US" b="1" dirty="0" err="1" smtClean="0">
+                <a:solidFill>
+                  <a:srgbClr val="002060"/>
+                </a:solidFill>
+              </a:rPr>
+              <a:t>fll_mpi_cp</a:t>
+            </a:r>
+            <a:r>
+              <a:rPr lang="en-US" b="1" dirty="0" smtClean="0">
+                <a:solidFill>
+                  <a:srgbClr val="002060"/>
+                </a:solidFill>
+              </a:rPr>
+              <a:t> ()</a:t>
+            </a:r>
+            <a:endParaRPr lang="en-US" b="1" dirty="0">
+              <a:solidFill>
+                <a:srgbClr val="002060"/>
+              </a:solidFill>
+            </a:endParaRPr>
+          </a:p>
+        </p:txBody>
+      </p:sp>
+      <p:sp>
+        <p:nvSpPr>
+          <p:cNvPr id="3" name="Content Placeholder 2"/>
+          <p:cNvSpPr>
+            <a:spLocks noGrp="1"/>
+          </p:cNvSpPr>
+          <p:nvPr>
+            <p:ph idx="1"/>
+          </p:nvPr>
+        </p:nvSpPr>
+        <p:spPr/>
+        <p:txBody>
+          <a:bodyPr>
+            <a:normAutofit/>
+          </a:bodyPr>
+          <a:lstStyle/>
+          <a:p>
+            <a:r>
+              <a:rPr lang="en-US" b="1" dirty="0" err="1" smtClean="0">
+                <a:solidFill>
+                  <a:srgbClr val="C00000"/>
+                </a:solidFill>
+              </a:rPr>
+              <a:t>fll_mpi_cp_all</a:t>
+            </a:r>
+            <a:r>
+              <a:rPr lang="en-US" b="1" dirty="0" smtClean="0">
+                <a:solidFill>
+                  <a:srgbClr val="C00000"/>
+                </a:solidFill>
+              </a:rPr>
+              <a:t>(</a:t>
+            </a:r>
+            <a:r>
+              <a:rPr lang="en-US" b="1" dirty="0" err="1" smtClean="0">
+                <a:solidFill>
+                  <a:srgbClr val="C00000"/>
+                </a:solidFill>
+              </a:rPr>
+              <a:t>pnode,communicator,sendpart,recpart,fpar</a:t>
+            </a:r>
+            <a:r>
+              <a:rPr lang="en-US" b="1" dirty="0" smtClean="0">
+                <a:solidFill>
+                  <a:srgbClr val="C00000"/>
+                </a:solidFill>
+              </a:rPr>
+              <a:t>)</a:t>
+            </a:r>
+            <a:endParaRPr lang="en-US" b="1" dirty="0" smtClean="0">
+              <a:solidFill>
+                <a:srgbClr val="C00000"/>
+              </a:solidFill>
+            </a:endParaRPr>
+          </a:p>
+          <a:p>
+            <a:pPr lvl="1"/>
+            <a:r>
+              <a:rPr lang="en-US" dirty="0" smtClean="0"/>
+              <a:t>Copies </a:t>
+            </a:r>
+            <a:r>
+              <a:rPr lang="en-US" dirty="0" err="1" smtClean="0"/>
+              <a:t>fll</a:t>
+            </a:r>
+            <a:r>
+              <a:rPr lang="en-US" dirty="0" smtClean="0"/>
+              <a:t> list from </a:t>
+            </a:r>
+            <a:r>
+              <a:rPr lang="en-US" dirty="0" err="1" smtClean="0"/>
+              <a:t>sendpart</a:t>
+            </a:r>
+            <a:r>
+              <a:rPr lang="en-US" dirty="0" smtClean="0"/>
+              <a:t> to </a:t>
+            </a:r>
+            <a:r>
+              <a:rPr lang="en-US" dirty="0" err="1" smtClean="0"/>
+              <a:t>recpart</a:t>
+            </a:r>
+            <a:endParaRPr lang="en-US" dirty="0" smtClean="0"/>
+          </a:p>
+          <a:p>
+            <a:pPr lvl="1"/>
+            <a:r>
+              <a:rPr lang="en-US" dirty="0" smtClean="0"/>
+              <a:t>Input parameters</a:t>
+            </a:r>
+          </a:p>
+          <a:p>
+            <a:pPr lvl="2"/>
+            <a:r>
+              <a:rPr lang="en-US" dirty="0" err="1" smtClean="0"/>
+              <a:t>Pnode</a:t>
+            </a:r>
+            <a:r>
+              <a:rPr lang="en-US" dirty="0" smtClean="0"/>
+              <a:t> – list to be printed</a:t>
+            </a:r>
+          </a:p>
+          <a:p>
+            <a:pPr lvl="2"/>
+            <a:r>
+              <a:rPr lang="en-US" dirty="0" smtClean="0"/>
+              <a:t>Communicator – MPI communicator</a:t>
+            </a:r>
+            <a:endParaRPr lang="en-US" dirty="0" smtClean="0"/>
+          </a:p>
+          <a:p>
+            <a:pPr lvl="2"/>
+            <a:r>
+              <a:rPr lang="en-US" dirty="0" err="1" smtClean="0"/>
+              <a:t>Sendpart</a:t>
+            </a:r>
+            <a:r>
+              <a:rPr lang="en-US" dirty="0" smtClean="0"/>
+              <a:t> – rank of sending partition</a:t>
+            </a:r>
+          </a:p>
+          <a:p>
+            <a:pPr lvl="2"/>
+            <a:r>
+              <a:rPr lang="en-US" dirty="0" err="1" smtClean="0"/>
+              <a:t>Recpart</a:t>
+            </a:r>
+            <a:r>
+              <a:rPr lang="en-US" dirty="0" smtClean="0"/>
+              <a:t> </a:t>
+            </a:r>
+            <a:r>
+              <a:rPr lang="en-US" dirty="0"/>
+              <a:t>– rank of sending </a:t>
+            </a:r>
+            <a:r>
+              <a:rPr lang="en-US" dirty="0" smtClean="0"/>
+              <a:t>partition</a:t>
+            </a:r>
+            <a:endParaRPr lang="en-US" dirty="0"/>
+          </a:p>
+          <a:p>
+            <a:pPr lvl="2"/>
+            <a:r>
+              <a:rPr lang="en-US" dirty="0" err="1" smtClean="0"/>
+              <a:t>Fpar</a:t>
+            </a:r>
+            <a:r>
+              <a:rPr lang="en-US" dirty="0" smtClean="0"/>
+              <a:t> – </a:t>
+            </a:r>
+            <a:r>
+              <a:rPr lang="en-US" dirty="0" err="1" smtClean="0"/>
+              <a:t>fuction</a:t>
+            </a:r>
+            <a:r>
+              <a:rPr lang="en-US" dirty="0" smtClean="0"/>
+              <a:t> specific structure</a:t>
+            </a:r>
+          </a:p>
+          <a:p>
+            <a:pPr lvl="2"/>
+            <a:endParaRPr lang="en-US" dirty="0"/>
+          </a:p>
+          <a:p>
+            <a:pPr lvl="2"/>
+            <a:r>
+              <a:rPr lang="en-US" dirty="0" smtClean="0"/>
+              <a:t>Returns pointer to </a:t>
+            </a:r>
+            <a:r>
+              <a:rPr lang="en-US" dirty="0" err="1" smtClean="0"/>
+              <a:t>pnode</a:t>
+            </a:r>
+            <a:r>
+              <a:rPr lang="en-US" dirty="0" smtClean="0"/>
+              <a:t>  </a:t>
+            </a:r>
+            <a:r>
+              <a:rPr lang="en-US" dirty="0" err="1" smtClean="0"/>
+              <a:t>fll</a:t>
+            </a:r>
+            <a:r>
+              <a:rPr lang="en-US" dirty="0" smtClean="0"/>
+              <a:t> list on </a:t>
+            </a:r>
+            <a:r>
+              <a:rPr lang="en-US" dirty="0" err="1" smtClean="0"/>
+              <a:t>sendpart</a:t>
+            </a:r>
+            <a:r>
+              <a:rPr lang="en-US" dirty="0" smtClean="0"/>
+              <a:t> process and pointer to new copy on </a:t>
+            </a:r>
+            <a:r>
+              <a:rPr lang="en-US" dirty="0" err="1" smtClean="0"/>
+              <a:t>recpart</a:t>
+            </a:r>
+            <a:r>
+              <a:rPr lang="en-US" dirty="0" smtClean="0"/>
+              <a:t> process</a:t>
+            </a:r>
+            <a:endParaRPr lang="en-US" dirty="0"/>
+          </a:p>
+        </p:txBody>
+      </p:sp>
+    </p:spTree>
+    <p:extLst>
+      <p:ext uri="{BB962C8B-B14F-4D97-AF65-F5344CB8AC3E}">
+        <p14:creationId xmlns:p14="http://schemas.microsoft.com/office/powerpoint/2010/main" val="1756462234"/>
+      </p:ext>
+    </p:extLst>
+  </p:cSld>
+  <p:clrMapOvr>
+    <a:masterClrMapping/>
+  </p:clrMapOvr>
+</p:sld>
+</file>
+
+<file path=ppt/slides/slide26.xml><?xml version="1.0" encoding="utf-8"?>
+<p:sld xmlns:a="http://schemas.openxmlformats.org/drawingml/2006/main" xmlns:r="http://schemas.openxmlformats.org/officeDocument/2006/relationships" xmlns:p="http://schemas.openxmlformats.org/presentationml/2006/main">
+  <p:cSld>
+    <p:spTree>
+      <p:nvGrpSpPr>
+        <p:cNvPr id="1" name=""/>
+        <p:cNvGrpSpPr/>
+        <p:nvPr/>
+      </p:nvGrpSpPr>
+      <p:grpSpPr>
+        <a:xfrm>
+          <a:off x="0" y="0"/>
+          <a:ext cx="0" cy="0"/>
+          <a:chOff x="0" y="0"/>
+          <a:chExt cx="0" cy="0"/>
+        </a:xfrm>
+      </p:grpSpPr>
+      <p:sp>
+        <p:nvSpPr>
+          <p:cNvPr id="2" name="Title 1"/>
+          <p:cNvSpPr>
+            <a:spLocks noGrp="1"/>
+          </p:cNvSpPr>
+          <p:nvPr>
+            <p:ph type="title"/>
+          </p:nvPr>
+        </p:nvSpPr>
+        <p:spPr/>
+        <p:txBody>
+          <a:bodyPr/>
+          <a:lstStyle/>
+          <a:p>
+            <a:r>
+              <a:rPr lang="en-US" b="1" dirty="0" smtClean="0">
+                <a:solidFill>
+                  <a:srgbClr val="002060"/>
+                </a:solidFill>
+              </a:rPr>
+              <a:t>Subroutine </a:t>
+            </a:r>
+            <a:r>
+              <a:rPr lang="en-US" b="1" dirty="0" err="1" smtClean="0">
+                <a:solidFill>
+                  <a:srgbClr val="002060"/>
+                </a:solidFill>
+              </a:rPr>
+              <a:t>fll_mpi_mv</a:t>
+            </a:r>
+            <a:r>
+              <a:rPr lang="en-US" b="1" dirty="0" smtClean="0">
+                <a:solidFill>
+                  <a:srgbClr val="002060"/>
+                </a:solidFill>
+              </a:rPr>
+              <a:t> ()</a:t>
+            </a:r>
+            <a:endParaRPr lang="en-US" b="1" dirty="0">
+              <a:solidFill>
+                <a:srgbClr val="002060"/>
+              </a:solidFill>
+            </a:endParaRPr>
+          </a:p>
+        </p:txBody>
+      </p:sp>
+      <p:sp>
+        <p:nvSpPr>
+          <p:cNvPr id="3" name="Content Placeholder 2"/>
+          <p:cNvSpPr>
+            <a:spLocks noGrp="1"/>
+          </p:cNvSpPr>
+          <p:nvPr>
+            <p:ph idx="1"/>
+          </p:nvPr>
+        </p:nvSpPr>
+        <p:spPr/>
+        <p:txBody>
+          <a:bodyPr>
+            <a:normAutofit/>
+          </a:bodyPr>
+          <a:lstStyle/>
+          <a:p>
+            <a:r>
+              <a:rPr lang="en-US" b="1" dirty="0" err="1" smtClean="0">
+                <a:solidFill>
+                  <a:srgbClr val="C00000"/>
+                </a:solidFill>
+              </a:rPr>
+              <a:t>fll_mpi_cp_all</a:t>
+            </a:r>
+            <a:r>
+              <a:rPr lang="en-US" b="1" dirty="0" smtClean="0">
+                <a:solidFill>
+                  <a:srgbClr val="C00000"/>
+                </a:solidFill>
+              </a:rPr>
+              <a:t>(</a:t>
+            </a:r>
+            <a:r>
+              <a:rPr lang="en-US" b="1" dirty="0" err="1" smtClean="0">
+                <a:solidFill>
+                  <a:srgbClr val="C00000"/>
+                </a:solidFill>
+              </a:rPr>
+              <a:t>pnode,communicator,sendpart,recpart,fpar</a:t>
+            </a:r>
+            <a:r>
+              <a:rPr lang="en-US" b="1" dirty="0" smtClean="0">
+                <a:solidFill>
+                  <a:srgbClr val="C00000"/>
+                </a:solidFill>
+              </a:rPr>
+              <a:t>)</a:t>
+            </a:r>
+            <a:endParaRPr lang="en-US" b="1" dirty="0" smtClean="0">
+              <a:solidFill>
+                <a:srgbClr val="C00000"/>
+              </a:solidFill>
+            </a:endParaRPr>
+          </a:p>
+          <a:p>
+            <a:pPr lvl="1"/>
+            <a:r>
+              <a:rPr lang="en-US" dirty="0" smtClean="0"/>
+              <a:t>Moves </a:t>
+            </a:r>
+            <a:r>
+              <a:rPr lang="en-US" dirty="0" err="1" smtClean="0"/>
+              <a:t>fll</a:t>
+            </a:r>
+            <a:r>
+              <a:rPr lang="en-US" dirty="0" smtClean="0"/>
+              <a:t> list from </a:t>
+            </a:r>
+            <a:r>
+              <a:rPr lang="en-US" dirty="0" err="1" smtClean="0"/>
+              <a:t>sendpart</a:t>
+            </a:r>
+            <a:r>
+              <a:rPr lang="en-US" dirty="0" smtClean="0"/>
+              <a:t> to </a:t>
+            </a:r>
+            <a:r>
+              <a:rPr lang="en-US" dirty="0" err="1" smtClean="0"/>
+              <a:t>recpart</a:t>
+            </a:r>
+            <a:endParaRPr lang="en-US" dirty="0" smtClean="0"/>
+          </a:p>
+          <a:p>
+            <a:pPr lvl="1"/>
+            <a:r>
+              <a:rPr lang="en-US" dirty="0" smtClean="0"/>
+              <a:t>Input parameters</a:t>
+            </a:r>
+          </a:p>
+          <a:p>
+            <a:pPr lvl="2"/>
+            <a:r>
+              <a:rPr lang="en-US" dirty="0" err="1" smtClean="0"/>
+              <a:t>Pnode</a:t>
+            </a:r>
+            <a:r>
+              <a:rPr lang="en-US" dirty="0" smtClean="0"/>
+              <a:t> – list to be printed</a:t>
+            </a:r>
+          </a:p>
+          <a:p>
+            <a:pPr lvl="2"/>
+            <a:r>
+              <a:rPr lang="en-US" dirty="0" smtClean="0"/>
+              <a:t>Communicator – MPI communicator</a:t>
+            </a:r>
+            <a:endParaRPr lang="en-US" dirty="0" smtClean="0"/>
+          </a:p>
+          <a:p>
+            <a:pPr lvl="2"/>
+            <a:r>
+              <a:rPr lang="en-US" dirty="0" err="1" smtClean="0"/>
+              <a:t>Sendpart</a:t>
+            </a:r>
+            <a:r>
+              <a:rPr lang="en-US" dirty="0" smtClean="0"/>
+              <a:t> – rank of sending partition</a:t>
+            </a:r>
+          </a:p>
+          <a:p>
+            <a:pPr lvl="2"/>
+            <a:r>
+              <a:rPr lang="en-US" dirty="0" err="1" smtClean="0"/>
+              <a:t>Recpart</a:t>
+            </a:r>
+            <a:r>
+              <a:rPr lang="en-US" dirty="0" smtClean="0"/>
+              <a:t> </a:t>
+            </a:r>
+            <a:r>
+              <a:rPr lang="en-US" dirty="0"/>
+              <a:t>– rank of sending </a:t>
+            </a:r>
+            <a:r>
+              <a:rPr lang="en-US" dirty="0" smtClean="0"/>
+              <a:t>partition</a:t>
+            </a:r>
+            <a:endParaRPr lang="en-US" dirty="0"/>
+          </a:p>
+          <a:p>
+            <a:pPr lvl="2"/>
+            <a:r>
+              <a:rPr lang="en-US" dirty="0" err="1" smtClean="0"/>
+              <a:t>Fpar</a:t>
+            </a:r>
+            <a:r>
+              <a:rPr lang="en-US" dirty="0" smtClean="0"/>
+              <a:t> – </a:t>
+            </a:r>
+            <a:r>
+              <a:rPr lang="en-US" dirty="0" err="1" smtClean="0"/>
+              <a:t>fuction</a:t>
+            </a:r>
+            <a:r>
+              <a:rPr lang="en-US" dirty="0" smtClean="0"/>
+              <a:t> specific structure</a:t>
+            </a:r>
+          </a:p>
+          <a:p>
+            <a:pPr lvl="2"/>
+            <a:endParaRPr lang="en-US" dirty="0"/>
+          </a:p>
+          <a:p>
+            <a:pPr lvl="2"/>
+            <a:r>
+              <a:rPr lang="en-US" dirty="0"/>
+              <a:t>Returns </a:t>
+            </a:r>
+            <a:r>
+              <a:rPr lang="en-US" dirty="0" smtClean="0"/>
+              <a:t>NULL on </a:t>
+            </a:r>
+            <a:r>
+              <a:rPr lang="en-US" dirty="0" err="1" smtClean="0"/>
+              <a:t>sendpart</a:t>
+            </a:r>
+            <a:r>
+              <a:rPr lang="en-US" dirty="0" smtClean="0"/>
+              <a:t> process and </a:t>
+            </a:r>
+            <a:r>
+              <a:rPr lang="en-US" dirty="0"/>
+              <a:t>pointer to new copy on </a:t>
+            </a:r>
+            <a:r>
+              <a:rPr lang="en-US" dirty="0" err="1" smtClean="0"/>
+              <a:t>recpart</a:t>
+            </a:r>
+            <a:r>
+              <a:rPr lang="en-US" dirty="0" smtClean="0"/>
+              <a:t> process</a:t>
+            </a:r>
+            <a:endParaRPr lang="en-US" dirty="0"/>
+          </a:p>
+        </p:txBody>
+      </p:sp>
+    </p:spTree>
+    <p:extLst>
+      <p:ext uri="{BB962C8B-B14F-4D97-AF65-F5344CB8AC3E}">
+        <p14:creationId xmlns:p14="http://schemas.microsoft.com/office/powerpoint/2010/main" val="4190658995"/>
       </p:ext>
     </p:extLst>
   </p:cSld>
@@ -9100,14 +10250,50 @@
             <a:pPr lvl="1"/>
             <a:r>
               <a:rPr lang="en-US" dirty="0" smtClean="0"/>
-              <a:t>type of directory “DIR” or “N”</a:t>
-            </a:r>
+              <a:t>type of </a:t>
+            </a:r>
+            <a:r>
+              <a:rPr lang="en-US" dirty="0" smtClean="0">
+                <a:solidFill>
+                  <a:srgbClr val="FF0000"/>
+                </a:solidFill>
+              </a:rPr>
+              <a:t>directory</a:t>
+            </a:r>
+            <a:r>
+              <a:rPr lang="en-US" dirty="0" smtClean="0"/>
+              <a:t> “DIR” or “N</a:t>
+            </a:r>
+            <a:r>
+              <a:rPr lang="en-US" dirty="0" smtClean="0"/>
+              <a:t>”</a:t>
+            </a:r>
+          </a:p>
+          <a:p>
+            <a:pPr lvl="2"/>
+            <a:r>
+              <a:rPr lang="en-US" dirty="0" smtClean="0"/>
+              <a:t>Contains other nodes type of directory or file</a:t>
+            </a:r>
+            <a:endParaRPr lang="en-US" dirty="0" smtClean="0"/>
           </a:p>
           <a:p>
             <a:pPr lvl="1"/>
             <a:r>
               <a:rPr lang="en-US" dirty="0" smtClean="0"/>
-              <a:t>Type of file (R,D,I,L,S  </a:t>
+              <a:t>Type of </a:t>
+            </a:r>
+            <a:r>
+              <a:rPr lang="en-US" dirty="0" smtClean="0">
+                <a:solidFill>
+                  <a:srgbClr val="FF0000"/>
+                </a:solidFill>
+              </a:rPr>
+              <a:t>file</a:t>
+            </a:r>
+            <a:r>
+              <a:rPr lang="en-US" dirty="0" smtClean="0"/>
+              <a:t> (R,D,I,L,S  </a:t>
             </a:r>
             <a:r>
               <a:rPr lang="en-US" dirty="0" err="1" smtClean="0"/>
@@ -9232,7 +10418,7 @@
         <p:spPr/>
         <p:txBody>
           <a:bodyPr>
-            <a:normAutofit fontScale="92500" lnSpcReduction="10000"/>
+            <a:normAutofit/>
           </a:bodyPr>
           <a:lstStyle/>
           <a:p>
@@ -9250,11 +10436,11 @@
               <a:buNone/>
             </a:pPr>
             <a:r>
-              <a:rPr lang="en-US" sz="2000" dirty="0" err="1" smtClean="0"/>
+              <a:rPr lang="en-US" sz="1500" b="1" dirty="0" err="1" smtClean="0"/>
               <a:t>Main_List</a:t>
             </a:r>
             <a:r>
-              <a:rPr lang="en-US" sz="2000" dirty="0" smtClean="0"/>
+              <a:rPr lang="en-US" sz="1500" dirty="0" smtClean="0"/>
               <a:t> DIR 3</a:t>
             </a:r>
           </a:p>
@@ -9263,12 +10449,16 @@
               <a:buNone/>
             </a:pPr>
             <a:r>
-              <a:rPr lang="en-US" sz="2000" dirty="0"/>
+              <a:rPr lang="en-US" sz="1500" b="1" dirty="0"/>
               <a:t> </a:t>
             </a:r>
             <a:r>
-              <a:rPr lang="en-US" sz="2000" dirty="0" smtClean="0"/>
-              <a:t>   Subdir DIR 2</a:t>
+              <a:rPr lang="en-US" sz="1500" b="1" dirty="0" smtClean="0"/>
+              <a:t>   Subdir </a:t>
+            </a:r>
+            <a:r>
+              <a:rPr lang="en-US" sz="1500" dirty="0" smtClean="0"/>
+              <a:t>DIR 2</a:t>
             </a:r>
           </a:p>
           <a:p>
@@ -9276,12 +10466,16 @@
               <a:buNone/>
             </a:pPr>
             <a:r>
-              <a:rPr lang="en-US" sz="2000" dirty="0"/>
+              <a:rPr lang="en-US" sz="1500" b="1" dirty="0"/>
               <a:t> </a:t>
             </a:r>
             <a:r>
-              <a:rPr lang="en-US" sz="2000" dirty="0" smtClean="0"/>
-              <a:t>       pressure D 5  1</a:t>
+              <a:rPr lang="en-US" sz="1500" b="1" dirty="0" smtClean="0"/>
+              <a:t>       pressure </a:t>
+            </a:r>
+            <a:r>
+              <a:rPr lang="en-US" sz="1500" dirty="0" smtClean="0"/>
+              <a:t>D 5  1</a:t>
             </a:r>
           </a:p>
           <a:p>
@@ -9289,11 +10483,11 @@
               <a:buNone/>
             </a:pPr>
             <a:r>
-              <a:rPr lang="en-US" sz="2000" dirty="0"/>
+              <a:rPr lang="en-US" sz="1500" dirty="0"/>
               <a:t> </a:t>
             </a:r>
             <a:r>
-              <a:rPr lang="en-US" sz="2000" dirty="0" smtClean="0"/>
+              <a:rPr lang="en-US" sz="1500" dirty="0" smtClean="0"/>
               <a:t>            1 2 3 4 5 </a:t>
             </a:r>
           </a:p>
@@ -9302,12 +10496,20 @@
               <a:buNone/>
             </a:pPr>
             <a:r>
-              <a:rPr lang="en-US" sz="2000" dirty="0"/>
+              <a:rPr lang="en-US" sz="1500" dirty="0"/>
               <a:t> </a:t>
             </a:r>
             <a:r>
-              <a:rPr lang="en-US" sz="2000" dirty="0" smtClean="0"/>
-              <a:t>        density D 1 5</a:t>
+              <a:rPr lang="en-US" sz="1500" dirty="0" smtClean="0"/>
+              <a:t>        </a:t>
+            </a:r>
+            <a:r>
+              <a:rPr lang="en-US" sz="1500" b="1" dirty="0" smtClean="0"/>
+              <a:t>density</a:t>
+            </a:r>
+            <a:r>
+              <a:rPr lang="en-US" sz="1500" dirty="0" smtClean="0"/>
+              <a:t> D 1 5</a:t>
             </a:r>
           </a:p>
           <a:p>
@@ -9315,11 +10517,11 @@
               <a:buNone/>
             </a:pPr>
             <a:r>
-              <a:rPr lang="en-US" sz="2000" dirty="0"/>
+              <a:rPr lang="en-US" sz="1500" dirty="0"/>
               <a:t> </a:t>
             </a:r>
             <a:r>
-              <a:rPr lang="en-US" sz="2000" dirty="0" smtClean="0"/>
+              <a:rPr lang="en-US" sz="1500" dirty="0" smtClean="0"/>
               <a:t>             3 4 5 6 7</a:t>
             </a:r>
           </a:p>
@@ -9328,12 +10530,20 @@
               <a:buNone/>
             </a:pPr>
             <a:r>
-              <a:rPr lang="en-US" sz="2000" dirty="0"/>
+              <a:rPr lang="en-US" sz="1500" dirty="0"/>
               <a:t> </a:t>
             </a:r>
             <a:r>
-              <a:rPr lang="en-US" sz="2000" dirty="0" smtClean="0"/>
-              <a:t>     Subdir   DIR 1</a:t>
+              <a:rPr lang="en-US" sz="1500" dirty="0" smtClean="0"/>
+              <a:t>     </a:t>
+            </a:r>
+            <a:r>
+              <a:rPr lang="en-US" sz="1500" b="1" dirty="0" smtClean="0"/>
+              <a:t>Subdir</a:t>
+            </a:r>
+            <a:r>
+              <a:rPr lang="en-US" sz="1500" dirty="0" smtClean="0"/>
+              <a:t>   DIR 1</a:t>
             </a:r>
           </a:p>
           <a:p>
@@ -9341,12 +10551,20 @@
               <a:buNone/>
             </a:pPr>
             <a:r>
-              <a:rPr lang="en-US" sz="2000" dirty="0"/>
+              <a:rPr lang="en-US" sz="1500" dirty="0"/>
               <a:t> </a:t>
             </a:r>
             <a:r>
-              <a:rPr lang="en-US" sz="2000" dirty="0" smtClean="0"/>
-              <a:t>          volumes D 5 1</a:t>
+              <a:rPr lang="en-US" sz="1500" dirty="0" smtClean="0"/>
+              <a:t>          </a:t>
+            </a:r>
+            <a:r>
+              <a:rPr lang="en-US" sz="1500" b="1" dirty="0" smtClean="0"/>
+              <a:t>volumes</a:t>
+            </a:r>
+            <a:r>
+              <a:rPr lang="en-US" sz="1500" dirty="0" smtClean="0"/>
+              <a:t> D 5 1</a:t>
             </a:r>
           </a:p>
           <a:p>
@@ -9354,11 +10572,11 @@
               <a:buNone/>
             </a:pPr>
             <a:r>
-              <a:rPr lang="en-US" sz="2000" dirty="0"/>
+              <a:rPr lang="en-US" sz="1500" dirty="0"/>
               <a:t> </a:t>
             </a:r>
             <a:r>
-              <a:rPr lang="en-US" sz="2000" dirty="0" smtClean="0"/>
+              <a:rPr lang="en-US" sz="1500" dirty="0" smtClean="0"/>
               <a:t>            1.5 2.5 3.5 4.5 5.5</a:t>
             </a:r>
           </a:p>
@@ -9367,12 +10585,20 @@
               <a:buNone/>
             </a:pPr>
             <a:r>
-              <a:rPr lang="en-US" sz="2000" dirty="0"/>
+              <a:rPr lang="en-US" sz="1500" dirty="0"/>
               <a:t> </a:t>
             </a:r>
             <a:r>
-              <a:rPr lang="en-US" sz="2000" dirty="0" smtClean="0"/>
-              <a:t>     Index   L 5 2</a:t>
+              <a:rPr lang="en-US" sz="1500" dirty="0" smtClean="0"/>
+              <a:t>     </a:t>
+            </a:r>
+            <a:r>
+              <a:rPr lang="en-US" sz="1500" b="1" dirty="0" smtClean="0"/>
+              <a:t>Index</a:t>
+            </a:r>
+            <a:r>
+              <a:rPr lang="en-US" sz="1500" dirty="0" smtClean="0"/>
+              <a:t>   L 5 2</a:t>
             </a:r>
           </a:p>
           <a:p>
@@ -9380,14 +10606,14 @@
               <a:buNone/>
             </a:pPr>
             <a:r>
-              <a:rPr lang="en-US" sz="2000" dirty="0"/>
+              <a:rPr lang="en-US" sz="1500" dirty="0"/>
               <a:t> </a:t>
             </a:r>
             <a:r>
-              <a:rPr lang="en-US" sz="2000" dirty="0" smtClean="0"/>
+              <a:rPr lang="en-US" sz="1500" dirty="0" smtClean="0"/>
               <a:t>         3 5 7 9 10 4 5 6 7 8</a:t>
             </a:r>
-            <a:endParaRPr lang="en-US" sz="2000" dirty="0"/>
+            <a:endParaRPr lang="en-US" sz="1500" dirty="0"/>
           </a:p>
         </p:txBody>
       </p:sp>
@@ -9510,15 +10736,23 @@
           <a:p>
             <a:pPr lvl="2"/>
             <a:r>
-              <a:rPr lang="en-US" dirty="0" smtClean="0"/>
-              <a:t>Pressure, type double, array is 1D and, length is five and contains values 1 2 3 4 5</a:t>
+              <a:rPr lang="en-US" b="1" dirty="0" smtClean="0"/>
+              <a:t>Pressure</a:t>
+            </a:r>
+            <a:r>
+              <a:rPr lang="en-US" dirty="0" smtClean="0"/>
+              <a:t>, type double, array is 1D and, length is five and contains values 1 2 3 4 5</a:t>
             </a:r>
           </a:p>
           <a:p>
             <a:pPr lvl="2"/>
             <a:r>
-              <a:rPr lang="en-US" dirty="0" smtClean="0"/>
-              <a:t>Density, type double, 1D array, length 5, contains 3 4 5 6 7</a:t>
+              <a:rPr lang="en-US" b="1" dirty="0" smtClean="0"/>
+              <a:t>Density</a:t>
+            </a:r>
+            <a:r>
+              <a:rPr lang="en-US" dirty="0" smtClean="0"/>
+              <a:t>, type double, 1D array, length 5, contains 3 4 5 6 7</a:t>
             </a:r>
           </a:p>
           <a:p>
@@ -9538,8 +10772,12 @@
           <a:p>
             <a:pPr lvl="2"/>
             <a:r>
-              <a:rPr lang="en-US" dirty="0" smtClean="0"/>
-              <a:t>Volumes, 1D array, type long integer, length 5, contains values  1.5 2.5 3.5 4.5 5.5</a:t>
+              <a:rPr lang="en-US" b="1" dirty="0" smtClean="0"/>
+              <a:t>Volumes</a:t>
+            </a:r>
+            <a:r>
+              <a:rPr lang="en-US" dirty="0" smtClean="0"/>
+              <a:t>, 1D array, type long integer, length 5, contains values  1.5 2.5 3.5 4.5 5.5</a:t>
             </a:r>
           </a:p>
           <a:p>
@@ -9818,11 +11056,7 @@
             </a:r>
             <a:r>
               <a:rPr lang="en-US" dirty="0" smtClean="0"/>
-              <a:t>   - write list to a </a:t>
-            </a:r>
-            <a:r>
-              <a:rPr lang="en-US" dirty="0" smtClean="0"/>
-              <a:t>file</a:t>
+              <a:t>   - write list to a file</a:t>
             </a:r>
           </a:p>
           <a:p>
@@ -9973,23 +11207,7 @@
                   <a:srgbClr val="002060"/>
                 </a:solidFill>
               </a:rPr>
-              <a:t>Function </a:t>
-            </a:r>
-            <a:r>
-              <a:rPr lang="en-US" b="1" dirty="0" err="1" smtClean="0">
-                <a:solidFill>
-                  <a:srgbClr val="002060"/>
-                </a:solidFill>
-              </a:rPr>
-              <a:t>fll_cp</a:t>
-            </a:r>
-            <a:r>
-              <a:rPr lang="en-US" b="1" dirty="0" smtClean="0">
-                <a:solidFill>
-                  <a:srgbClr val="002060"/>
-                </a:solidFill>
-              </a:rPr>
-              <a:t>()</a:t>
+              <a:t>Introduction</a:t>
             </a:r>
             <a:endParaRPr lang="en-US" b="1" dirty="0">
               <a:solidFill>
@@ -10011,135 +11229,139 @@
         </p:nvSpPr>
         <p:spPr/>
         <p:txBody>
-          <a:bodyPr/>
-          <a:lstStyle/>
-          <a:p>
-            <a:r>
-              <a:rPr lang="en-US" b="1" dirty="0" err="1" smtClean="0">
+          <a:bodyPr>
+            <a:normAutofit/>
+          </a:bodyPr>
+          <a:lstStyle/>
+          <a:p>
+            <a:r>
+              <a:rPr lang="en-US" dirty="0" smtClean="0"/>
+              <a:t>Available </a:t>
+            </a:r>
+            <a:r>
+              <a:rPr lang="en-US" dirty="0" smtClean="0"/>
+              <a:t>MPI functions</a:t>
+            </a:r>
+            <a:endParaRPr lang="en-US" dirty="0" smtClean="0"/>
+          </a:p>
+          <a:p>
+            <a:pPr lvl="1"/>
+            <a:r>
+              <a:rPr lang="en-US" sz="1700" b="1" dirty="0" err="1" smtClean="0">
                 <a:solidFill>
                   <a:srgbClr val="C00000"/>
                 </a:solidFill>
               </a:rPr>
-              <a:t>fll_cp</a:t>
-            </a:r>
-            <a:r>
-              <a:rPr lang="en-US" b="1" dirty="0" smtClean="0">
+              <a:t>fll_mpi_cp_all</a:t>
+            </a:r>
+            <a:r>
+              <a:rPr lang="en-US" sz="1700" b="1" dirty="0" smtClean="0">
                 <a:solidFill>
                   <a:srgbClr val="C00000"/>
                 </a:solidFill>
               </a:rPr>
-              <a:t>(</a:t>
-            </a:r>
-            <a:r>
-              <a:rPr lang="en-US" b="1" dirty="0" err="1" smtClean="0">
+              <a:t> </a:t>
+            </a:r>
+            <a:r>
+              <a:rPr lang="en-US" sz="1700" dirty="0" smtClean="0"/>
+              <a:t>    </a:t>
+            </a:r>
+            <a:r>
+              <a:rPr lang="en-US" sz="1700" dirty="0" smtClean="0"/>
+              <a:t>- </a:t>
+            </a:r>
+            <a:r>
+              <a:rPr lang="en-US" sz="1700" dirty="0" smtClean="0"/>
+              <a:t>copies </a:t>
+            </a:r>
+            <a:r>
+              <a:rPr lang="en-US" sz="1700" dirty="0" err="1" smtClean="0"/>
+              <a:t>fll</a:t>
+            </a:r>
+            <a:r>
+              <a:rPr lang="en-US" sz="1700" dirty="0" smtClean="0"/>
+              <a:t> list from one process to all processes</a:t>
+            </a:r>
+            <a:endParaRPr lang="en-US" sz="1700" dirty="0" smtClean="0"/>
+          </a:p>
+          <a:p>
+            <a:pPr lvl="1"/>
+            <a:r>
+              <a:rPr lang="en-US" sz="1700" b="1" dirty="0" err="1" smtClean="0">
                 <a:solidFill>
                   <a:srgbClr val="C00000"/>
                 </a:solidFill>
               </a:rPr>
-              <a:t>pwhat</a:t>
-            </a:r>
-            <a:r>
-              <a:rPr lang="en-US" b="1" dirty="0" smtClean="0">
+              <a:t>fll_mpi_cp</a:t>
+            </a:r>
+            <a:r>
+              <a:rPr lang="en-US" sz="1700" dirty="0" smtClean="0"/>
+              <a:t>   </a:t>
+            </a:r>
+            <a:r>
+              <a:rPr lang="en-US" sz="1700" dirty="0" smtClean="0"/>
+              <a:t>- </a:t>
+            </a:r>
+            <a:r>
+              <a:rPr lang="en-US" sz="1700" dirty="0" smtClean="0"/>
+              <a:t>copies </a:t>
+            </a:r>
+            <a:r>
+              <a:rPr lang="en-US" sz="1700" dirty="0" err="1" smtClean="0"/>
+              <a:t>fll</a:t>
+            </a:r>
+            <a:r>
+              <a:rPr lang="en-US" sz="1700" dirty="0" smtClean="0"/>
+              <a:t> list from one process to another</a:t>
+            </a:r>
+            <a:endParaRPr lang="en-US" sz="1700" dirty="0" smtClean="0"/>
+          </a:p>
+          <a:p>
+            <a:pPr lvl="1"/>
+            <a:r>
+              <a:rPr lang="en-US" sz="1700" b="1" dirty="0" err="1" smtClean="0">
                 <a:solidFill>
                   <a:srgbClr val="C00000"/>
                 </a:solidFill>
               </a:rPr>
-              <a:t>, </a:t>
-            </a:r>
-            <a:r>
-              <a:rPr lang="en-US" b="1" dirty="0" err="1" smtClean="0">
-                <a:solidFill>
-                  <a:srgbClr val="C00000"/>
-                </a:solidFill>
-              </a:rPr>
-              <a:t>pwhere</a:t>
-            </a:r>
-            <a:r>
-              <a:rPr lang="en-US" b="1" dirty="0" smtClean="0">
-                <a:solidFill>
-                  <a:srgbClr val="C00000"/>
-                </a:solidFill>
-              </a:rPr>
-              <a:t>, </a:t>
-            </a:r>
-            <a:r>
-              <a:rPr lang="en-US" b="1" dirty="0" err="1" smtClean="0">
-                <a:solidFill>
-                  <a:srgbClr val="C00000"/>
-                </a:solidFill>
-              </a:rPr>
-              <a:t>fpar</a:t>
-            </a:r>
-            <a:r>
-              <a:rPr lang="en-US" b="1" dirty="0" smtClean="0">
-                <a:solidFill>
-                  <a:srgbClr val="C00000"/>
-                </a:solidFill>
-              </a:rPr>
-              <a:t>)</a:t>
-            </a:r>
-          </a:p>
-          <a:p>
-            <a:pPr lvl="1"/>
-            <a:r>
-              <a:rPr lang="en-US" dirty="0" smtClean="0"/>
-              <a:t>Copies </a:t>
-            </a:r>
-            <a:r>
-              <a:rPr lang="en-US" dirty="0" err="1" smtClean="0"/>
-              <a:t>pwhat</a:t>
-            </a:r>
-            <a:r>
-              <a:rPr lang="en-US" dirty="0" smtClean="0"/>
-              <a:t> node to </a:t>
-            </a:r>
-            <a:r>
-              <a:rPr lang="en-US" dirty="0" err="1" smtClean="0"/>
-              <a:t>pwhere</a:t>
-            </a:r>
-            <a:endParaRPr lang="en-US" dirty="0" smtClean="0"/>
-          </a:p>
-          <a:p>
-            <a:pPr lvl="2"/>
-            <a:r>
-              <a:rPr lang="en-US" dirty="0" smtClean="0"/>
-              <a:t>If </a:t>
-            </a:r>
-            <a:r>
-              <a:rPr lang="en-US" dirty="0" err="1" smtClean="0"/>
-              <a:t>pwhere</a:t>
-            </a:r>
-            <a:r>
-              <a:rPr lang="en-US" dirty="0" smtClean="0"/>
-              <a:t> = NULL(), the function duplicates </a:t>
-            </a:r>
-            <a:r>
-              <a:rPr lang="en-US" dirty="0" err="1" smtClean="0"/>
-              <a:t>pwhat</a:t>
-            </a:r>
-            <a:r>
-              <a:rPr lang="en-US" dirty="0" smtClean="0"/>
-              <a:t> node</a:t>
-            </a:r>
-          </a:p>
-          <a:p>
-            <a:pPr lvl="1"/>
-            <a:endParaRPr lang="en-US" dirty="0"/>
-          </a:p>
-          <a:p>
-            <a:pPr lvl="1"/>
-            <a:r>
-              <a:rPr lang="en-US" dirty="0" smtClean="0"/>
-              <a:t>Return value – pointer to a new copy</a:t>
-            </a:r>
-            <a:endParaRPr lang="en-US" dirty="0"/>
+              <a:t>fll_mpi_mv</a:t>
+            </a:r>
+            <a:r>
+              <a:rPr lang="en-US" sz="1700" dirty="0" smtClean="0"/>
+              <a:t>   </a:t>
+            </a:r>
+            <a:r>
+              <a:rPr lang="en-US" sz="1700" dirty="0" smtClean="0"/>
+              <a:t>- </a:t>
+            </a:r>
+            <a:r>
+              <a:rPr lang="en-US" sz="1700" dirty="0" smtClean="0"/>
+              <a:t>moves </a:t>
+            </a:r>
+            <a:r>
+              <a:rPr lang="en-US" sz="1700" dirty="0" err="1" smtClean="0"/>
+              <a:t>fll</a:t>
+            </a:r>
+            <a:r>
+              <a:rPr lang="en-US" sz="1700" dirty="0" smtClean="0"/>
+              <a:t> </a:t>
+            </a:r>
+            <a:r>
+              <a:rPr lang="en-US" sz="1700" dirty="0"/>
+              <a:t>list from one process to </a:t>
+            </a:r>
+            <a:r>
+              <a:rPr lang="en-US" sz="1700" dirty="0" smtClean="0"/>
+              <a:t>another</a:t>
+            </a:r>
+            <a:endParaRPr lang="en-US" sz="1700" dirty="0"/>
           </a:p>
         </p:txBody>
       </p:sp>
     </p:spTree>
     <p:extLst>
       <p:ext uri="{BB962C8B-B14F-4D97-AF65-F5344CB8AC3E}">
-        <p14:creationId xmlns:p14="http://schemas.microsoft.com/office/powerpoint/2010/main" val="96601202"/>
+        <p14:creationId xmlns:p14="http://schemas.microsoft.com/office/powerpoint/2010/main" val="1211732388"/>
       </p:ext>
     </p:extLst>
   </p:cSld>
@@ -10195,7 +11417,7 @@
                   <a:srgbClr val="002060"/>
                 </a:solidFill>
               </a:rPr>
-              <a:t>fll_mv</a:t>
+              <a:t>fll_cp</a:t>
             </a:r>
             <a:r>
               <a:rPr lang="en-US" b="1" dirty="0" smtClean="0">
@@ -10234,7 +11456,7 @@
                   <a:srgbClr val="C00000"/>
                 </a:solidFill>
               </a:rPr>
-              <a:t>fll_mv</a:t>
+              <a:t>fll_cp</a:t>
             </a:r>
             <a:r>
               <a:rPr lang="en-US" b="1" dirty="0" smtClean="0">
@@ -10297,7 +11519,7 @@
             <a:pPr lvl="1"/>
             <a:r>
               <a:rPr lang="en-US" dirty="0" smtClean="0"/>
-              <a:t>Moves </a:t>
+              <a:t>Copies </a:t>
             </a:r>
             <a:r>
               <a:rPr lang="en-US" dirty="0" err="1" smtClean="0"/>
@@ -10311,13 +11533,44 @@
               <a:rPr lang="en-US" dirty="0" err="1" smtClean="0"/>
               <a:t>pwhere</a:t>
             </a:r>
+            <a:endParaRPr lang="en-US" dirty="0" smtClean="0"/>
+          </a:p>
+          <a:p>
+            <a:pPr lvl="2"/>
+            <a:r>
+              <a:rPr lang="en-US" dirty="0" smtClean="0"/>
+              <a:t>If </a:t>
+            </a:r>
+            <a:r>
+              <a:rPr lang="en-US" dirty="0" err="1" smtClean="0"/>
+              <a:t>pwhere</a:t>
+            </a:r>
+            <a:r>
+              <a:rPr lang="en-US" dirty="0" smtClean="0"/>
+              <a:t> = NULL(), the function duplicates </a:t>
+            </a:r>
+            <a:r>
+              <a:rPr lang="en-US" dirty="0" err="1" smtClean="0"/>
+              <a:t>pwhat</a:t>
+            </a:r>
+            <a:r>
+              <a:rPr lang="en-US" dirty="0" smtClean="0"/>
+              <a:t> node</a:t>
+            </a:r>
+          </a:p>
+          <a:p>
+            <a:pPr lvl="1"/>
             <a:endParaRPr lang="en-US" dirty="0"/>
           </a:p>
           <a:p>
             <a:pPr lvl="1"/>
             <a:r>
               <a:rPr lang="en-US" dirty="0" smtClean="0"/>
-              <a:t>Return value - logical value, return value can be true or false depending on if the move operation was successful</a:t>
+              <a:t>Return value – pointer to a new </a:t>
+            </a:r>
+            <a:r>
+              <a:rPr lang="en-US" dirty="0" smtClean="0"/>
+              <a:t>copy, if failed, returns NULL</a:t>
             </a:r>
             <a:endParaRPr lang="en-US" dirty="0"/>
           </a:p>
@@ -10326,7 +11579,7 @@
     </p:spTree>
     <p:extLst>
       <p:ext uri="{BB962C8B-B14F-4D97-AF65-F5344CB8AC3E}">
-        <p14:creationId xmlns:p14="http://schemas.microsoft.com/office/powerpoint/2010/main" val="2555557483"/>
+        <p14:creationId xmlns:p14="http://schemas.microsoft.com/office/powerpoint/2010/main" val="96601202"/>
       </p:ext>
     </p:extLst>
   </p:cSld>
@@ -10382,7 +11635,7 @@
                   <a:srgbClr val="002060"/>
                 </a:solidFill>
               </a:rPr>
-              <a:t>fll_mk</a:t>
+              <a:t>fll_mv</a:t>
             </a:r>
             <a:r>
               <a:rPr lang="en-US" b="1" dirty="0" smtClean="0">
@@ -10421,7 +11674,7 @@
                   <a:srgbClr val="C00000"/>
                 </a:solidFill>
               </a:rPr>
-              <a:t>fll_mk</a:t>
+              <a:t>fll_mv</a:t>
             </a:r>
             <a:r>
               <a:rPr lang="en-US" b="1" dirty="0" smtClean="0">
@@ -10437,7 +11690,7 @@
                   <a:srgbClr val="C00000"/>
                 </a:solidFill>
               </a:rPr>
-              <a:t>name,type,ndim,nsize,fpar</a:t>
+              <a:t>pwhat</a:t>
             </a:r>
             <a:r>
               <a:rPr lang="en-US" b="1" dirty="0" smtClean="0">
@@ -10445,6 +11698,38 @@
                   <a:srgbClr val="C00000"/>
                 </a:solidFill>
               </a:rPr>
+              <a:t>, </a:t>
+            </a:r>
+            <a:r>
+              <a:rPr lang="en-US" b="1" dirty="0" err="1" smtClean="0">
+                <a:solidFill>
+                  <a:srgbClr val="C00000"/>
+                </a:solidFill>
+              </a:rPr>
+              <a:t>pwhere</a:t>
+            </a:r>
+            <a:r>
+              <a:rPr lang="en-US" b="1" dirty="0" smtClean="0">
+                <a:solidFill>
+                  <a:srgbClr val="C00000"/>
+                </a:solidFill>
+              </a:rPr>
+              <a:t>, </a:t>
+            </a:r>
+            <a:r>
+              <a:rPr lang="en-US" b="1" dirty="0" err="1" smtClean="0">
+                <a:solidFill>
+                  <a:srgbClr val="C00000"/>
+                </a:solidFill>
+              </a:rPr>
+              <a:t>fpar</a:t>
+            </a:r>
+            <a:r>
+              <a:rPr lang="en-US" b="1" dirty="0" smtClean="0">
+                <a:solidFill>
+                  <a:srgbClr val="C00000"/>
+                </a:solidFill>
+              </a:rPr>
               <a:t>)</a:t>
             </a:r>
           </a:p>
@@ -10452,38 +11737,31 @@
             <a:pPr lvl="1"/>
             <a:r>
               <a:rPr lang="en-US" dirty="0" smtClean="0"/>
-              <a:t>Makes a new node of list</a:t>
-            </a:r>
+              <a:t>Moves </a:t>
+            </a:r>
+            <a:r>
+              <a:rPr lang="en-US" dirty="0" err="1" smtClean="0"/>
+              <a:t>pwhat</a:t>
+            </a:r>
+            <a:r>
+              <a:rPr lang="en-US" dirty="0" smtClean="0"/>
+              <a:t> node to </a:t>
+            </a:r>
+            <a:r>
+              <a:rPr lang="en-US" dirty="0" err="1" smtClean="0"/>
+              <a:t>pwhere</a:t>
+            </a:r>
+            <a:endParaRPr lang="en-US" dirty="0"/>
           </a:p>
           <a:p>
             <a:pPr lvl="1"/>
             <a:r>
               <a:rPr lang="en-US" dirty="0" smtClean="0"/>
-              <a:t>Input – name of node, type of node, first and second dimensions</a:t>
-            </a:r>
-            <a:endParaRPr lang="en-US" dirty="0"/>
-          </a:p>
-          <a:p>
-            <a:pPr lvl="2"/>
-            <a:r>
-              <a:rPr lang="en-US" dirty="0" smtClean="0"/>
-              <a:t>If type of node is DIR, </a:t>
-            </a:r>
-            <a:r>
-              <a:rPr lang="en-US" dirty="0" err="1" smtClean="0"/>
-              <a:t>ndim</a:t>
-            </a:r>
-            <a:r>
-              <a:rPr lang="en-US" dirty="0" smtClean="0"/>
-              <a:t> and </a:t>
-            </a:r>
-            <a:r>
-              <a:rPr lang="en-US" dirty="0" err="1" smtClean="0"/>
-              <a:t>nsize</a:t>
-            </a:r>
-            <a:r>
-              <a:rPr lang="en-US" dirty="0" smtClean="0"/>
-              <a:t> are automatically set to 0</a:t>
+              <a:t>Return value - logical value, return value can be true or false depending on if the move operation was </a:t>
+            </a:r>
+            <a:r>
+              <a:rPr lang="en-US" dirty="0" smtClean="0"/>
+              <a:t>successful</a:t>
             </a:r>
           </a:p>
           <a:p>
@@ -10493,22 +11771,17 @@
           <a:p>
             <a:pPr lvl="1"/>
             <a:r>
-              <a:rPr lang="en-US" dirty="0" smtClean="0"/>
-              <a:t>Return - pointer </a:t>
-            </a:r>
-            <a:r>
               <a:rPr lang="en-US" dirty="0"/>
-              <a:t>to newly created node</a:t>
-            </a:r>
+              <a:t>Returns </a:t>
+            </a:r>
+            <a:r>
+              <a:rPr lang="en-US" dirty="0" smtClean="0"/>
+              <a:t>TRUE if function was successful or FALSE if function failed</a:t>
+            </a:r>
+            <a:endParaRPr lang="en-US" dirty="0"/>
           </a:p>
           <a:p>
             <a:pPr lvl="1"/>
-            <a:endParaRPr lang="en-US" dirty="0"/>
-          </a:p>
-          <a:p>
-            <a:pPr marL="457200" lvl="1" indent="0">
-              <a:buNone/>
-            </a:pPr>
             <a:endParaRPr lang="en-US" dirty="0"/>
           </a:p>
         </p:txBody>
@@ -10516,7 +11789,7 @@
     </p:spTree>
     <p:extLst>
       <p:ext uri="{BB962C8B-B14F-4D97-AF65-F5344CB8AC3E}">
-        <p14:creationId xmlns:p14="http://schemas.microsoft.com/office/powerpoint/2010/main" val="991017967"/>
+        <p14:creationId xmlns:p14="http://schemas.microsoft.com/office/powerpoint/2010/main" val="2555557483"/>
       </p:ext>
     </p:extLst>
   </p:cSld>
@@ -10781,7 +12054,7 @@
   <a:extraClrSchemeLst/>
   <a:extLst>
     <a:ext uri="{05A4C25C-085E-4340-85A3-A5531E510DB2}">
-      <thm15:themeFamily xmlns:thm15="http://schemas.microsoft.com/office/thememl/2012/main" xmlns="" name="Office Theme" id="{62F939B6-93AF-4DB8-9C6B-D6C7DFDC589F}" vid="{4A3C46E8-61CC-4603-A589-7422A47A8E4A}"/>
+      <thm15:themeFamily xmlns="" xmlns:thm15="http://schemas.microsoft.com/office/thememl/2012/main" name="Office Theme" id="{62F939B6-93AF-4DB8-9C6B-D6C7DFDC589F}" vid="{4A3C46E8-61CC-4603-A589-7422A47A8E4A}"/>
     </a:ext>
   </a:extLst>
 </a:theme>

--- a/fll–FortranLinkedListLibrary.pptx
+++ b/fll–FortranLinkedListLibrary.pptx
@@ -11,26 +11,35 @@
     <p:sldId id="259" r:id="rId5"/>
     <p:sldId id="260" r:id="rId6"/>
     <p:sldId id="261" r:id="rId7"/>
-    <p:sldId id="281" r:id="rId8"/>
-    <p:sldId id="262" r:id="rId9"/>
-    <p:sldId id="263" r:id="rId10"/>
-    <p:sldId id="264" r:id="rId11"/>
-    <p:sldId id="265" r:id="rId12"/>
-    <p:sldId id="266" r:id="rId13"/>
-    <p:sldId id="267" r:id="rId14"/>
-    <p:sldId id="268" r:id="rId15"/>
-    <p:sldId id="270" r:id="rId16"/>
-    <p:sldId id="271" r:id="rId17"/>
-    <p:sldId id="277" r:id="rId18"/>
-    <p:sldId id="272" r:id="rId19"/>
-    <p:sldId id="273" r:id="rId20"/>
-    <p:sldId id="275" r:id="rId21"/>
-    <p:sldId id="276" r:id="rId22"/>
-    <p:sldId id="279" r:id="rId23"/>
-    <p:sldId id="280" r:id="rId24"/>
-    <p:sldId id="282" r:id="rId25"/>
-    <p:sldId id="283" r:id="rId26"/>
-    <p:sldId id="284" r:id="rId27"/>
+    <p:sldId id="286" r:id="rId8"/>
+    <p:sldId id="281" r:id="rId9"/>
+    <p:sldId id="262" r:id="rId10"/>
+    <p:sldId id="263" r:id="rId11"/>
+    <p:sldId id="264" r:id="rId12"/>
+    <p:sldId id="265" r:id="rId13"/>
+    <p:sldId id="266" r:id="rId14"/>
+    <p:sldId id="267" r:id="rId15"/>
+    <p:sldId id="268" r:id="rId16"/>
+    <p:sldId id="270" r:id="rId17"/>
+    <p:sldId id="271" r:id="rId18"/>
+    <p:sldId id="277" r:id="rId19"/>
+    <p:sldId id="272" r:id="rId20"/>
+    <p:sldId id="273" r:id="rId21"/>
+    <p:sldId id="275" r:id="rId22"/>
+    <p:sldId id="276" r:id="rId23"/>
+    <p:sldId id="279" r:id="rId24"/>
+    <p:sldId id="280" r:id="rId25"/>
+    <p:sldId id="282" r:id="rId26"/>
+    <p:sldId id="283" r:id="rId27"/>
+    <p:sldId id="284" r:id="rId28"/>
+    <p:sldId id="285" r:id="rId29"/>
+    <p:sldId id="287" r:id="rId30"/>
+    <p:sldId id="288" r:id="rId31"/>
+    <p:sldId id="289" r:id="rId32"/>
+    <p:sldId id="290" r:id="rId33"/>
+    <p:sldId id="291" r:id="rId34"/>
+    <p:sldId id="292" r:id="rId35"/>
+    <p:sldId id="294" r:id="rId36"/>
   </p:sldIdLst>
   <p:sldSz cx="12192000" cy="6858000"/>
   <p:notesSz cx="6858000" cy="9144000"/>
@@ -131,7 +140,7 @@
   </p:defaultTextStyle>
   <p:extLst>
     <p:ext uri="{EFAFB233-063F-42B5-8137-9DF3F51BA10A}">
-      <p15:sldGuideLst xmlns="" xmlns:p15="http://schemas.microsoft.com/office/powerpoint/2012/main"/>
+      <p15:sldGuideLst xmlns:p15="http://schemas.microsoft.com/office/powerpoint/2012/main" xmlns=""/>
     </p:ext>
   </p:extLst>
 </p:presentation>
@@ -268,7 +277,7 @@
           <a:p>
             <a:fld id="{BBA6F3EE-D71F-4D2E-BE27-0C1865A4236A}" type="datetimeFigureOut">
               <a:rPr lang="en-US" smtClean="0"/>
-              <a:t>11/11/2016</a:t>
+              <a:t>6/20/2017</a:t>
             </a:fld>
             <a:endParaRPr lang="en-US"/>
           </a:p>
@@ -438,7 +447,7 @@
           <a:p>
             <a:fld id="{BBA6F3EE-D71F-4D2E-BE27-0C1865A4236A}" type="datetimeFigureOut">
               <a:rPr lang="en-US" smtClean="0"/>
-              <a:t>11/11/2016</a:t>
+              <a:t>6/20/2017</a:t>
             </a:fld>
             <a:endParaRPr lang="en-US"/>
           </a:p>
@@ -618,7 +627,7 @@
           <a:p>
             <a:fld id="{BBA6F3EE-D71F-4D2E-BE27-0C1865A4236A}" type="datetimeFigureOut">
               <a:rPr lang="en-US" smtClean="0"/>
-              <a:t>11/11/2016</a:t>
+              <a:t>6/20/2017</a:t>
             </a:fld>
             <a:endParaRPr lang="en-US"/>
           </a:p>
@@ -788,7 +797,7 @@
           <a:p>
             <a:fld id="{BBA6F3EE-D71F-4D2E-BE27-0C1865A4236A}" type="datetimeFigureOut">
               <a:rPr lang="en-US" smtClean="0"/>
-              <a:t>11/11/2016</a:t>
+              <a:t>6/20/2017</a:t>
             </a:fld>
             <a:endParaRPr lang="en-US"/>
           </a:p>
@@ -1034,7 +1043,7 @@
           <a:p>
             <a:fld id="{BBA6F3EE-D71F-4D2E-BE27-0C1865A4236A}" type="datetimeFigureOut">
               <a:rPr lang="en-US" smtClean="0"/>
-              <a:t>11/11/2016</a:t>
+              <a:t>6/20/2017</a:t>
             </a:fld>
             <a:endParaRPr lang="en-US"/>
           </a:p>
@@ -1266,7 +1275,7 @@
           <a:p>
             <a:fld id="{BBA6F3EE-D71F-4D2E-BE27-0C1865A4236A}" type="datetimeFigureOut">
               <a:rPr lang="en-US" smtClean="0"/>
-              <a:t>11/11/2016</a:t>
+              <a:t>6/20/2017</a:t>
             </a:fld>
             <a:endParaRPr lang="en-US"/>
           </a:p>
@@ -1633,7 +1642,7 @@
           <a:p>
             <a:fld id="{BBA6F3EE-D71F-4D2E-BE27-0C1865A4236A}" type="datetimeFigureOut">
               <a:rPr lang="en-US" smtClean="0"/>
-              <a:t>11/11/2016</a:t>
+              <a:t>6/20/2017</a:t>
             </a:fld>
             <a:endParaRPr lang="en-US"/>
           </a:p>
@@ -1751,7 +1760,7 @@
           <a:p>
             <a:fld id="{BBA6F3EE-D71F-4D2E-BE27-0C1865A4236A}" type="datetimeFigureOut">
               <a:rPr lang="en-US" smtClean="0"/>
-              <a:t>11/11/2016</a:t>
+              <a:t>6/20/2017</a:t>
             </a:fld>
             <a:endParaRPr lang="en-US"/>
           </a:p>
@@ -1846,7 +1855,7 @@
           <a:p>
             <a:fld id="{BBA6F3EE-D71F-4D2E-BE27-0C1865A4236A}" type="datetimeFigureOut">
               <a:rPr lang="en-US" smtClean="0"/>
-              <a:t>11/11/2016</a:t>
+              <a:t>6/20/2017</a:t>
             </a:fld>
             <a:endParaRPr lang="en-US"/>
           </a:p>
@@ -2123,7 +2132,7 @@
           <a:p>
             <a:fld id="{BBA6F3EE-D71F-4D2E-BE27-0C1865A4236A}" type="datetimeFigureOut">
               <a:rPr lang="en-US" smtClean="0"/>
-              <a:t>11/11/2016</a:t>
+              <a:t>6/20/2017</a:t>
             </a:fld>
             <a:endParaRPr lang="en-US"/>
           </a:p>
@@ -2376,7 +2385,7 @@
           <a:p>
             <a:fld id="{BBA6F3EE-D71F-4D2E-BE27-0C1865A4236A}" type="datetimeFigureOut">
               <a:rPr lang="en-US" smtClean="0"/>
-              <a:t>11/11/2016</a:t>
+              <a:t>6/20/2017</a:t>
             </a:fld>
             <a:endParaRPr lang="en-US"/>
           </a:p>
@@ -2589,7 +2598,7 @@
           <a:p>
             <a:fld id="{BBA6F3EE-D71F-4D2E-BE27-0C1865A4236A}" type="datetimeFigureOut">
               <a:rPr lang="en-US" smtClean="0"/>
-              <a:t>11/11/2016</a:t>
+              <a:t>6/20/2017</a:t>
             </a:fld>
             <a:endParaRPr lang="en-US"/>
           </a:p>
@@ -3026,7 +3035,31 @@
                   <a:srgbClr val="002060"/>
                 </a:solidFill>
               </a:rPr>
-              <a:t> – Fortran Linked List Library</a:t>
+              <a:t> – Fortran Linked List </a:t>
+            </a:r>
+            <a:r>
+              <a:rPr lang="en-US" b="1" dirty="0" smtClean="0">
+                <a:solidFill>
+                  <a:srgbClr val="002060"/>
+                </a:solidFill>
+              </a:rPr>
+              <a:t>Library </a:t>
+            </a:r>
+            <a:r>
+              <a:rPr lang="en-US" sz="3600" b="1" dirty="0" smtClean="0">
+                <a:solidFill>
+                  <a:srgbClr val="002060"/>
+                </a:solidFill>
+              </a:rPr>
+              <a:t>version - 2.1</a:t>
+            </a:r>
+            <a:r>
+              <a:rPr lang="en-US" b="1" dirty="0" smtClean="0">
+                <a:solidFill>
+                  <a:srgbClr val="002060"/>
+                </a:solidFill>
+              </a:rPr>
+              <a:t/>
             </a:r>
             <a:br>
               <a:rPr lang="en-US" b="1" dirty="0" smtClean="0">
@@ -3041,7 +3074,7 @@
                   <a:srgbClr val="002060"/>
                 </a:solidFill>
               </a:rPr>
-              <a:t>Introduction – v1.1</a:t>
+              <a:t>User Guide</a:t>
             </a:r>
             <a:endParaRPr lang="en-US" b="1" dirty="0">
               <a:solidFill>
@@ -3068,10 +3101,10 @@
           <a:p>
             <a:pPr algn="l"/>
             <a:r>
-              <a:rPr lang="en-US" dirty="0" smtClean="0"/>
+              <a:rPr lang="en-US" b="1" i="1" dirty="0" smtClean="0"/>
               <a:t>Adam Jirasek</a:t>
             </a:r>
-            <a:endParaRPr lang="en-US" dirty="0"/>
+            <a:endParaRPr lang="en-US" b="1" i="1" dirty="0"/>
           </a:p>
         </p:txBody>
       </p:sp>
@@ -3134,7 +3167,7 @@
                   <a:srgbClr val="002060"/>
                 </a:solidFill>
               </a:rPr>
-              <a:t>fll_mk</a:t>
+              <a:t>fll_mv</a:t>
             </a:r>
             <a:r>
               <a:rPr lang="en-US" b="1" dirty="0" smtClean="0">
@@ -3173,7 +3206,7 @@
                   <a:srgbClr val="C00000"/>
                 </a:solidFill>
               </a:rPr>
-              <a:t>fll_mk</a:t>
+              <a:t>fll_mv</a:t>
             </a:r>
             <a:r>
               <a:rPr lang="en-US" b="1" dirty="0" smtClean="0">
@@ -3189,7 +3222,7 @@
                   <a:srgbClr val="C00000"/>
                 </a:solidFill>
               </a:rPr>
-              <a:t>name,type,ndim,nsize,fpar</a:t>
+              <a:t>pwhat</a:t>
             </a:r>
             <a:r>
               <a:rPr lang="en-US" b="1" dirty="0" smtClean="0">
@@ -3197,6 +3230,38 @@
                   <a:srgbClr val="C00000"/>
                 </a:solidFill>
               </a:rPr>
+              <a:t>, </a:t>
+            </a:r>
+            <a:r>
+              <a:rPr lang="en-US" b="1" dirty="0" err="1" smtClean="0">
+                <a:solidFill>
+                  <a:srgbClr val="C00000"/>
+                </a:solidFill>
+              </a:rPr>
+              <a:t>pwhere</a:t>
+            </a:r>
+            <a:r>
+              <a:rPr lang="en-US" b="1" dirty="0" smtClean="0">
+                <a:solidFill>
+                  <a:srgbClr val="C00000"/>
+                </a:solidFill>
+              </a:rPr>
+              <a:t>, </a:t>
+            </a:r>
+            <a:r>
+              <a:rPr lang="en-US" b="1" dirty="0" err="1" smtClean="0">
+                <a:solidFill>
+                  <a:srgbClr val="C00000"/>
+                </a:solidFill>
+              </a:rPr>
+              <a:t>fpar</a:t>
+            </a:r>
+            <a:r>
+              <a:rPr lang="en-US" b="1" dirty="0" smtClean="0">
+                <a:solidFill>
+                  <a:srgbClr val="C00000"/>
+                </a:solidFill>
+              </a:rPr>
               <a:t>)</a:t>
             </a:r>
           </a:p>
@@ -3204,38 +3269,27 @@
             <a:pPr lvl="1"/>
             <a:r>
               <a:rPr lang="en-US" dirty="0" smtClean="0"/>
-              <a:t>Makes a new node of list</a:t>
-            </a:r>
+              <a:t>Moves </a:t>
+            </a:r>
+            <a:r>
+              <a:rPr lang="en-US" dirty="0" err="1" smtClean="0"/>
+              <a:t>pwhat</a:t>
+            </a:r>
+            <a:r>
+              <a:rPr lang="en-US" dirty="0" smtClean="0"/>
+              <a:t> node to </a:t>
+            </a:r>
+            <a:r>
+              <a:rPr lang="en-US" dirty="0" err="1" smtClean="0"/>
+              <a:t>pwhere</a:t>
+            </a:r>
+            <a:endParaRPr lang="en-US" dirty="0"/>
           </a:p>
           <a:p>
             <a:pPr lvl="1"/>
             <a:r>
               <a:rPr lang="en-US" dirty="0" smtClean="0"/>
-              <a:t>Input – name of node, type of node, first and second dimensions</a:t>
-            </a:r>
-            <a:endParaRPr lang="en-US" dirty="0"/>
-          </a:p>
-          <a:p>
-            <a:pPr lvl="2"/>
-            <a:r>
-              <a:rPr lang="en-US" dirty="0" smtClean="0"/>
-              <a:t>If type of node is DIR, </a:t>
-            </a:r>
-            <a:r>
-              <a:rPr lang="en-US" dirty="0" err="1" smtClean="0"/>
-              <a:t>ndim</a:t>
-            </a:r>
-            <a:r>
-              <a:rPr lang="en-US" dirty="0" smtClean="0"/>
-              <a:t> and </a:t>
-            </a:r>
-            <a:r>
-              <a:rPr lang="en-US" dirty="0" err="1" smtClean="0"/>
-              <a:t>nsize</a:t>
-            </a:r>
-            <a:r>
-              <a:rPr lang="en-US" dirty="0" smtClean="0"/>
-              <a:t> are automatically set to 0</a:t>
+              <a:t>Return value - logical value, return value can be true or false depending on if the move operation was successful</a:t>
             </a:r>
           </a:p>
           <a:p>
@@ -3245,22 +3299,17 @@
           <a:p>
             <a:pPr lvl="1"/>
             <a:r>
-              <a:rPr lang="en-US" dirty="0" smtClean="0"/>
-              <a:t>Return - pointer </a:t>
-            </a:r>
-            <a:r>
               <a:rPr lang="en-US" dirty="0"/>
-              <a:t>to newly created node</a:t>
-            </a:r>
+              <a:t>Returns </a:t>
+            </a:r>
+            <a:r>
+              <a:rPr lang="en-US" dirty="0" smtClean="0"/>
+              <a:t>TRUE if function was successful or FALSE if function failed</a:t>
+            </a:r>
+            <a:endParaRPr lang="en-US" dirty="0"/>
           </a:p>
           <a:p>
             <a:pPr lvl="1"/>
-            <a:endParaRPr lang="en-US" dirty="0"/>
-          </a:p>
-          <a:p>
-            <a:pPr marL="457200" lvl="1" indent="0">
-              <a:buNone/>
-            </a:pPr>
             <a:endParaRPr lang="en-US" dirty="0"/>
           </a:p>
         </p:txBody>
@@ -3268,7 +3317,7 @@
     </p:spTree>
     <p:extLst>
       <p:ext uri="{BB962C8B-B14F-4D97-AF65-F5344CB8AC3E}">
-        <p14:creationId xmlns:p14="http://schemas.microsoft.com/office/powerpoint/2010/main" val="991017967"/>
+        <p14:creationId xmlns:p14="http://schemas.microsoft.com/office/powerpoint/2010/main" val="2555557483"/>
       </p:ext>
     </p:extLst>
   </p:cSld>
@@ -3324,7 +3373,7 @@
                   <a:srgbClr val="002060"/>
                 </a:solidFill>
               </a:rPr>
-              <a:t>fll_locate</a:t>
+              <a:t>fll_mk</a:t>
             </a:r>
             <a:r>
               <a:rPr lang="en-US" b="1" dirty="0" smtClean="0">
@@ -3363,7 +3412,7 @@
                   <a:srgbClr val="C00000"/>
                 </a:solidFill>
               </a:rPr>
-              <a:t>fll_locate</a:t>
+              <a:t>fll_mk</a:t>
             </a:r>
             <a:r>
               <a:rPr lang="en-US" b="1" dirty="0" smtClean="0">
@@ -3371,7 +3420,7 @@
                   <a:srgbClr val="C00000"/>
                 </a:solidFill>
               </a:rPr>
-              <a:t> (</a:t>
+              <a:t>(</a:t>
             </a:r>
             <a:r>
               <a:rPr lang="en-US" b="1" dirty="0" err="1" smtClean="0">
@@ -3379,7 +3428,7 @@
                   <a:srgbClr val="C00000"/>
                 </a:solidFill>
               </a:rPr>
-              <a:t>pnode,name</a:t>
+              <a:t>name,type,ndim,nsize,fpar</a:t>
             </a:r>
             <a:r>
               <a:rPr lang="en-US" b="1" dirty="0" smtClean="0">
@@ -3387,38 +3436,6 @@
                   <a:srgbClr val="C00000"/>
                 </a:solidFill>
               </a:rPr>
-              <a:t>, </a:t>
-            </a:r>
-            <a:r>
-              <a:rPr lang="en-US" b="1" dirty="0" err="1" smtClean="0">
-                <a:solidFill>
-                  <a:srgbClr val="C00000"/>
-                </a:solidFill>
-              </a:rPr>
-              <a:t>type,dim</a:t>
-            </a:r>
-            <a:r>
-              <a:rPr lang="en-US" b="1" dirty="0">
-                <a:solidFill>
-                  <a:srgbClr val="C00000"/>
-                </a:solidFill>
-              </a:rPr>
-              <a:t>, </a:t>
-            </a:r>
-            <a:r>
-              <a:rPr lang="en-US" b="1" dirty="0" err="1">
-                <a:solidFill>
-                  <a:srgbClr val="C00000"/>
-                </a:solidFill>
-              </a:rPr>
-              <a:t>number,recursive,fpar</a:t>
-            </a:r>
-            <a:r>
-              <a:rPr lang="en-US" b="1" dirty="0" smtClean="0">
-                <a:solidFill>
-                  <a:srgbClr val="C00000"/>
-                </a:solidFill>
-              </a:rPr>
               <a:t>)</a:t>
             </a:r>
           </a:p>
@@ -3426,99 +3443,63 @@
             <a:pPr lvl="1"/>
             <a:r>
               <a:rPr lang="en-US" dirty="0" smtClean="0"/>
-              <a:t>Locates node</a:t>
+              <a:t>Makes a new node of list</a:t>
             </a:r>
           </a:p>
           <a:p>
             <a:pPr lvl="1"/>
             <a:r>
               <a:rPr lang="en-US" dirty="0" smtClean="0"/>
-              <a:t>Input parameters</a:t>
-            </a:r>
+              <a:t>Input – name of node, type of node, first and second dimensions</a:t>
+            </a:r>
+            <a:endParaRPr lang="en-US" dirty="0"/>
           </a:p>
           <a:p>
             <a:pPr lvl="2"/>
             <a:r>
+              <a:rPr lang="en-US" dirty="0" smtClean="0"/>
+              <a:t>If type of node is DIR, </a:t>
+            </a:r>
+            <a:r>
               <a:rPr lang="en-US" dirty="0" err="1" smtClean="0"/>
-              <a:t>Pnode</a:t>
-            </a:r>
-            <a:r>
-              <a:rPr lang="en-US" dirty="0" smtClean="0"/>
-              <a:t> – list where to search</a:t>
-            </a:r>
-          </a:p>
-          <a:p>
-            <a:pPr lvl="2"/>
-            <a:r>
-              <a:rPr lang="en-US" dirty="0" smtClean="0"/>
-              <a:t>Name – name of node</a:t>
-            </a:r>
-          </a:p>
-          <a:p>
-            <a:pPr lvl="2"/>
-            <a:r>
-              <a:rPr lang="en-US" dirty="0" smtClean="0"/>
-              <a:t>Number – order of the node (1</a:t>
-            </a:r>
-            <a:r>
-              <a:rPr lang="en-US" baseline="30000" dirty="0" smtClean="0"/>
-              <a:t>st</a:t>
-            </a:r>
-            <a:r>
-              <a:rPr lang="en-US" dirty="0" smtClean="0"/>
-              <a:t>, 2</a:t>
-            </a:r>
-            <a:r>
-              <a:rPr lang="en-US" baseline="30000" dirty="0" smtClean="0"/>
-              <a:t>nd</a:t>
-            </a:r>
-            <a:r>
-              <a:rPr lang="en-US" dirty="0" smtClean="0"/>
-              <a:t> </a:t>
+              <a:t>ndim</a:t>
+            </a:r>
+            <a:r>
+              <a:rPr lang="en-US" dirty="0" smtClean="0"/>
+              <a:t> and </a:t>
             </a:r>
             <a:r>
               <a:rPr lang="en-US" dirty="0" err="1" smtClean="0"/>
-              <a:t>etc</a:t>
-            </a:r>
-            <a:r>
-              <a:rPr lang="en-US" dirty="0" smtClean="0"/>
-              <a:t>…) if more nodes of the same name </a:t>
-            </a:r>
-          </a:p>
-          <a:p>
-            <a:pPr lvl="2"/>
-            <a:r>
-              <a:rPr lang="en-US" dirty="0" smtClean="0"/>
-              <a:t>Type – type of node</a:t>
-            </a:r>
-          </a:p>
-          <a:p>
-            <a:pPr lvl="2"/>
-            <a:r>
-              <a:rPr lang="en-US" dirty="0" smtClean="0"/>
-              <a:t>Dim – dimensions of arrays in the node, can be 0,1,2, if any other number the dimensions is not considered</a:t>
-            </a:r>
-          </a:p>
-          <a:p>
-            <a:pPr lvl="2"/>
-            <a:r>
-              <a:rPr lang="en-US" dirty="0" smtClean="0"/>
-              <a:t>Recursive – search list recursively, if so, number == 1</a:t>
-            </a:r>
-          </a:p>
-          <a:p>
-            <a:pPr lvl="2"/>
-            <a:r>
-              <a:rPr lang="en-US" dirty="0" smtClean="0"/>
-              <a:t>Both name and type can be set to *</a:t>
+              <a:t>nsize</a:t>
+            </a:r>
+            <a:r>
+              <a:rPr lang="en-US" dirty="0" smtClean="0"/>
+              <a:t> are automatically set to 0</a:t>
             </a:r>
           </a:p>
           <a:p>
             <a:pPr lvl="1"/>
-            <a:r>
-              <a:rPr lang="en-US" dirty="0" smtClean="0"/>
-              <a:t>Return – pointer to located node</a:t>
-            </a:r>
+            <a:endParaRPr lang="en-US" dirty="0"/>
+          </a:p>
+          <a:p>
+            <a:pPr lvl="1"/>
+            <a:r>
+              <a:rPr lang="en-US" dirty="0" smtClean="0"/>
+              <a:t>Return - pointer </a:t>
+            </a:r>
+            <a:r>
+              <a:rPr lang="en-US" dirty="0"/>
+              <a:t>to newly created node</a:t>
+            </a:r>
+          </a:p>
+          <a:p>
+            <a:pPr lvl="1"/>
+            <a:endParaRPr lang="en-US" dirty="0"/>
+          </a:p>
+          <a:p>
+            <a:pPr marL="457200" lvl="1" indent="0">
+              <a:buNone/>
+            </a:pPr>
             <a:endParaRPr lang="en-US" dirty="0"/>
           </a:p>
         </p:txBody>
@@ -3526,7 +3507,7 @@
     </p:spTree>
     <p:extLst>
       <p:ext uri="{BB962C8B-B14F-4D97-AF65-F5344CB8AC3E}">
-        <p14:creationId xmlns:p14="http://schemas.microsoft.com/office/powerpoint/2010/main" val="51338362"/>
+        <p14:creationId xmlns:p14="http://schemas.microsoft.com/office/powerpoint/2010/main" val="991017967"/>
       </p:ext>
     </p:extLst>
   </p:cSld>
@@ -3582,7 +3563,7 @@
                   <a:srgbClr val="002060"/>
                 </a:solidFill>
               </a:rPr>
-              <a:t>fll_nnodes</a:t>
+              <a:t>fll_locate</a:t>
             </a:r>
             <a:r>
               <a:rPr lang="en-US" b="1" dirty="0" smtClean="0">
@@ -3612,9 +3593,7 @@
         </p:nvSpPr>
         <p:spPr/>
         <p:txBody>
-          <a:bodyPr>
-            <a:normAutofit/>
-          </a:bodyPr>
+          <a:bodyPr/>
           <a:lstStyle/>
           <a:p>
             <a:r>
@@ -3623,7 +3602,7 @@
                   <a:srgbClr val="C00000"/>
                 </a:solidFill>
               </a:rPr>
-              <a:t>fll_nnodes</a:t>
+              <a:t>fll_locate</a:t>
             </a:r>
             <a:r>
               <a:rPr lang="en-US" b="1" dirty="0" smtClean="0">
@@ -3631,7 +3610,7 @@
                   <a:srgbClr val="C00000"/>
                 </a:solidFill>
               </a:rPr>
-              <a:t>(</a:t>
+              <a:t> (</a:t>
             </a:r>
             <a:r>
               <a:rPr lang="en-US" b="1" dirty="0" err="1" smtClean="0">
@@ -3639,7 +3618,23 @@
                   <a:srgbClr val="C00000"/>
                 </a:solidFill>
               </a:rPr>
-              <a:t>pnode,name,type,dim</a:t>
+              <a:t>pnode,name</a:t>
+            </a:r>
+            <a:r>
+              <a:rPr lang="en-US" b="1" dirty="0" smtClean="0">
+                <a:solidFill>
+                  <a:srgbClr val="C00000"/>
+                </a:solidFill>
+              </a:rPr>
+              <a:t>, </a:t>
+            </a:r>
+            <a:r>
+              <a:rPr lang="en-US" b="1" dirty="0" err="1" smtClean="0">
+                <a:solidFill>
+                  <a:srgbClr val="C00000"/>
+                </a:solidFill>
+              </a:rPr>
+              <a:t>type,dim</a:t>
             </a:r>
             <a:r>
               <a:rPr lang="en-US" b="1" dirty="0">
@@ -3670,15 +3665,7 @@
             <a:pPr lvl="1"/>
             <a:r>
               <a:rPr lang="en-US" dirty="0" smtClean="0"/>
-              <a:t>Return number of nodes </a:t>
-            </a:r>
-            <a:r>
-              <a:rPr lang="en-US" dirty="0" err="1" smtClean="0"/>
-              <a:t>pnode</a:t>
-            </a:r>
-            <a:r>
-              <a:rPr lang="en-US" dirty="0" smtClean="0"/>
-              <a:t> list</a:t>
+              <a:t>Locates node</a:t>
             </a:r>
           </a:p>
           <a:p>
@@ -3747,12 +3734,8 @@
           <a:p>
             <a:pPr lvl="2"/>
             <a:r>
-              <a:rPr lang="en-US" dirty="0"/>
-              <a:t>Dim – dimensions of arrays in the node, can be 0,1,2, if any other number the dimensions is not </a:t>
-            </a:r>
-            <a:r>
-              <a:rPr lang="en-US" dirty="0" smtClean="0"/>
-              <a:t>considered</a:t>
+              <a:rPr lang="en-US" dirty="0" smtClean="0"/>
+              <a:t>Dim – dimensions of arrays in the node, can be 0,1,2, if any other number the dimensions is not considered</a:t>
             </a:r>
           </a:p>
           <a:p>
@@ -3773,7 +3756,11 @@
             <a:pPr lvl="1"/>
             <a:r>
               <a:rPr lang="en-US" dirty="0" smtClean="0"/>
-              <a:t>Return – number of nodes</a:t>
+              <a:t>Return </a:t>
+            </a:r>
+            <a:r>
+              <a:rPr lang="en-US" dirty="0" smtClean="0"/>
+              <a:t>– pointer to located node</a:t>
             </a:r>
             <a:endParaRPr lang="en-US" dirty="0"/>
           </a:p>
@@ -3782,7 +3769,7 @@
     </p:spTree>
     <p:extLst>
       <p:ext uri="{BB962C8B-B14F-4D97-AF65-F5344CB8AC3E}">
-        <p14:creationId xmlns:p14="http://schemas.microsoft.com/office/powerpoint/2010/main" val="2539684297"/>
+        <p14:creationId xmlns:p14="http://schemas.microsoft.com/office/powerpoint/2010/main" val="51338362"/>
       </p:ext>
     </p:extLst>
   </p:cSld>
@@ -3838,7 +3825,7 @@
                   <a:srgbClr val="002060"/>
                 </a:solidFill>
               </a:rPr>
-              <a:t>fll_getndata</a:t>
+              <a:t>fll_nnodes</a:t>
             </a:r>
             <a:r>
               <a:rPr lang="en-US" b="1" dirty="0" smtClean="0">
@@ -3879,7 +3866,7 @@
                   <a:srgbClr val="C00000"/>
                 </a:solidFill>
               </a:rPr>
-              <a:t>fll_getndata</a:t>
+              <a:t>fll_nnodes</a:t>
             </a:r>
             <a:r>
               <a:rPr lang="en-US" b="1" dirty="0" smtClean="0">
@@ -3895,7 +3882,23 @@
                   <a:srgbClr val="C00000"/>
                 </a:solidFill>
               </a:rPr>
-              <a:t>pnode,name</a:t>
+              <a:t>pnode,name,type,dim</a:t>
+            </a:r>
+            <a:r>
+              <a:rPr lang="en-US" b="1" dirty="0">
+                <a:solidFill>
+                  <a:srgbClr val="C00000"/>
+                </a:solidFill>
+              </a:rPr>
+              <a:t>, </a:t>
+            </a:r>
+            <a:r>
+              <a:rPr lang="en-US" b="1" dirty="0" err="1">
+                <a:solidFill>
+                  <a:srgbClr val="C00000"/>
+                </a:solidFill>
+              </a:rPr>
+              <a:t>number,recursive,fpar</a:t>
             </a:r>
             <a:r>
               <a:rPr lang="en-US" b="1" dirty="0" smtClean="0">
@@ -3903,22 +3906,6 @@
                   <a:srgbClr val="C00000"/>
                 </a:solidFill>
               </a:rPr>
-              <a:t>, </a:t>
-            </a:r>
-            <a:r>
-              <a:rPr lang="en-US" b="1" dirty="0" err="1" smtClean="0">
-                <a:solidFill>
-                  <a:srgbClr val="C00000"/>
-                </a:solidFill>
-              </a:rPr>
-              <a:t>number,recursive,fpar</a:t>
-            </a:r>
-            <a:r>
-              <a:rPr lang="en-US" b="1" dirty="0" smtClean="0">
-                <a:solidFill>
-                  <a:srgbClr val="C00000"/>
-                </a:solidFill>
-              </a:rPr>
               <a:t>)</a:t>
             </a:r>
           </a:p>
@@ -3926,7 +3913,15 @@
             <a:pPr lvl="1"/>
             <a:r>
               <a:rPr lang="en-US" dirty="0" smtClean="0"/>
-              <a:t>Returns data in nodes which are not type of DIR</a:t>
+              <a:t>Return number of nodes </a:t>
+            </a:r>
+            <a:r>
+              <a:rPr lang="en-US" dirty="0" err="1" smtClean="0"/>
+              <a:t>pnode</a:t>
+            </a:r>
+            <a:r>
+              <a:rPr lang="en-US" dirty="0" smtClean="0"/>
+              <a:t> list</a:t>
             </a:r>
           </a:p>
           <a:p>
@@ -3989,11 +3984,14 @@
             <a:pPr lvl="2"/>
             <a:r>
               <a:rPr lang="en-US" dirty="0" smtClean="0"/>
-              <a:t>Dim </a:t>
-            </a:r>
+              <a:t>Type – type of node</a:t>
+            </a:r>
+          </a:p>
+          <a:p>
+            <a:pPr lvl="2"/>
             <a:r>
               <a:rPr lang="en-US" dirty="0"/>
-              <a:t>– dimensions of arrays in the node, can be 0,1,2, if any other number the dimensions is not </a:t>
+              <a:t>Dim – dimensions of arrays in the node, can be 0,1,2, if any other number the dimensions is not </a:t>
             </a:r>
             <a:r>
               <a:rPr lang="en-US" dirty="0" smtClean="0"/>
@@ -4018,7 +4016,7 @@
             <a:pPr lvl="1"/>
             <a:r>
               <a:rPr lang="en-US" dirty="0" smtClean="0"/>
-              <a:t>Return – pointer to the data</a:t>
+              <a:t>Return – number of nodes</a:t>
             </a:r>
             <a:endParaRPr lang="en-US" dirty="0"/>
           </a:p>
@@ -4027,7 +4025,7 @@
     </p:spTree>
     <p:extLst>
       <p:ext uri="{BB962C8B-B14F-4D97-AF65-F5344CB8AC3E}">
-        <p14:creationId xmlns:p14="http://schemas.microsoft.com/office/powerpoint/2010/main" val="628798269"/>
+        <p14:creationId xmlns:p14="http://schemas.microsoft.com/office/powerpoint/2010/main" val="2539684297"/>
       </p:ext>
     </p:extLst>
   </p:cSld>
@@ -4070,7 +4068,7 @@
           <a:lstStyle/>
           <a:p>
             <a:r>
-              <a:rPr lang="en-US" b="1" dirty="0">
+              <a:rPr lang="en-US" b="1" dirty="0" smtClean="0">
                 <a:solidFill>
                   <a:srgbClr val="002060"/>
                 </a:solidFill>
@@ -4078,7 +4076,7 @@
               <a:t>Function </a:t>
             </a:r>
             <a:r>
-              <a:rPr lang="en-US" b="1" dirty="0" err="1">
+              <a:rPr lang="en-US" b="1" dirty="0" err="1" smtClean="0">
                 <a:solidFill>
                   <a:srgbClr val="002060"/>
                 </a:solidFill>
@@ -4086,13 +4084,18 @@
               <a:t>fll_getndata</a:t>
             </a:r>
             <a:r>
-              <a:rPr lang="en-US" b="1" dirty="0">
+              <a:rPr lang="en-US" b="1" dirty="0" smtClean="0">
                 <a:solidFill>
                   <a:srgbClr val="002060"/>
                 </a:solidFill>
               </a:rPr>
               <a:t>()</a:t>
             </a:r>
+            <a:endParaRPr lang="en-US" b="1" dirty="0">
+              <a:solidFill>
+                <a:srgbClr val="002060"/>
+              </a:solidFill>
+            </a:endParaRPr>
           </a:p>
         </p:txBody>
       </p:sp>
@@ -4109,181 +4112,157 @@
         <p:spPr/>
         <p:txBody>
           <a:bodyPr>
-            <a:normAutofit lnSpcReduction="10000"/>
+            <a:normAutofit/>
           </a:bodyPr>
           <a:lstStyle/>
           <a:p>
             <a:r>
-              <a:rPr lang="en-US" dirty="0" smtClean="0"/>
-              <a:t>Functions are </a:t>
+              <a:rPr lang="en-US" b="1" dirty="0" err="1" smtClean="0">
+                <a:solidFill>
+                  <a:srgbClr val="C00000"/>
+                </a:solidFill>
+              </a:rPr>
+              <a:t>fll_getndata</a:t>
+            </a:r>
+            <a:r>
+              <a:rPr lang="en-US" b="1" dirty="0" smtClean="0">
+                <a:solidFill>
+                  <a:srgbClr val="C00000"/>
+                </a:solidFill>
+              </a:rPr>
+              <a:t>(</a:t>
+            </a:r>
+            <a:r>
+              <a:rPr lang="en-US" b="1" dirty="0" err="1" smtClean="0">
+                <a:solidFill>
+                  <a:srgbClr val="C00000"/>
+                </a:solidFill>
+              </a:rPr>
+              <a:t>pnode,name</a:t>
+            </a:r>
+            <a:r>
+              <a:rPr lang="en-US" b="1" dirty="0" smtClean="0">
+                <a:solidFill>
+                  <a:srgbClr val="C00000"/>
+                </a:solidFill>
+              </a:rPr>
+              <a:t>, </a:t>
+            </a:r>
+            <a:r>
+              <a:rPr lang="en-US" b="1" dirty="0" err="1" smtClean="0">
+                <a:solidFill>
+                  <a:srgbClr val="C00000"/>
+                </a:solidFill>
+              </a:rPr>
+              <a:t>number,recursive,fpar</a:t>
+            </a:r>
+            <a:r>
+              <a:rPr lang="en-US" b="1" dirty="0" smtClean="0">
+                <a:solidFill>
+                  <a:srgbClr val="C00000"/>
+                </a:solidFill>
+              </a:rPr>
+              <a:t>)</a:t>
             </a:r>
           </a:p>
           <a:p>
             <a:pPr lvl="1"/>
             <a:r>
               <a:rPr lang="en-US" dirty="0" smtClean="0"/>
-              <a:t>Real numbers</a:t>
+              <a:t>Returns data in nodes which are not type of DIR</a:t>
+            </a:r>
+          </a:p>
+          <a:p>
+            <a:pPr lvl="1"/>
+            <a:r>
+              <a:rPr lang="en-US" dirty="0" smtClean="0"/>
+              <a:t>Input parameters</a:t>
             </a:r>
           </a:p>
           <a:p>
             <a:pPr lvl="2"/>
             <a:r>
-              <a:rPr lang="en-US" b="1" dirty="0" smtClean="0">
-                <a:solidFill>
-                  <a:srgbClr val="C00000"/>
-                </a:solidFill>
-              </a:rPr>
-              <a:t>fll_getndata_r0</a:t>
-            </a:r>
-            <a:endParaRPr lang="en-US" b="1" dirty="0">
-              <a:solidFill>
-                <a:srgbClr val="C00000"/>
-              </a:solidFill>
-            </a:endParaRPr>
+              <a:rPr lang="en-US" dirty="0" err="1" smtClean="0"/>
+              <a:t>Pnode</a:t>
+            </a:r>
+            <a:r>
+              <a:rPr lang="en-US" dirty="0" smtClean="0"/>
+              <a:t> – list where to search</a:t>
+            </a:r>
           </a:p>
           <a:p>
             <a:pPr lvl="2"/>
             <a:r>
-              <a:rPr lang="en-US" b="1" dirty="0" smtClean="0">
-                <a:solidFill>
-                  <a:srgbClr val="C00000"/>
-                </a:solidFill>
-              </a:rPr>
-              <a:t>fll_getndata_r1</a:t>
-            </a:r>
-            <a:endParaRPr lang="en-US" b="1" dirty="0">
-              <a:solidFill>
-                <a:srgbClr val="C00000"/>
-              </a:solidFill>
-            </a:endParaRPr>
+              <a:rPr lang="en-US" dirty="0" smtClean="0"/>
+              <a:t>Name – name of node</a:t>
+            </a:r>
           </a:p>
           <a:p>
             <a:pPr lvl="2"/>
             <a:r>
-              <a:rPr lang="en-US" b="1" dirty="0" smtClean="0">
-                <a:solidFill>
-                  <a:srgbClr val="C00000"/>
-                </a:solidFill>
-              </a:rPr>
-              <a:t>fll_getndata_r2</a:t>
+              <a:rPr lang="en-US" dirty="0" smtClean="0"/>
+              <a:t>Number – order of the node (1</a:t>
+            </a:r>
+            <a:r>
+              <a:rPr lang="en-US" baseline="30000" dirty="0" smtClean="0"/>
+              <a:t>st</a:t>
+            </a:r>
+            <a:r>
+              <a:rPr lang="en-US" dirty="0" smtClean="0"/>
+              <a:t>, 2</a:t>
+            </a:r>
+            <a:r>
+              <a:rPr lang="en-US" baseline="30000" dirty="0" smtClean="0"/>
+              <a:t>nd</a:t>
+            </a:r>
+            <a:r>
+              <a:rPr lang="en-US" dirty="0" smtClean="0"/>
+              <a:t> </a:t>
+            </a:r>
+            <a:r>
+              <a:rPr lang="en-US" dirty="0" err="1" smtClean="0"/>
+              <a:t>etc</a:t>
+            </a:r>
+            <a:r>
+              <a:rPr lang="en-US" dirty="0" smtClean="0"/>
+              <a:t>…) if more nodes of the same name </a:t>
+            </a:r>
+          </a:p>
+          <a:p>
+            <a:pPr lvl="2"/>
+            <a:r>
+              <a:rPr lang="en-US" dirty="0" smtClean="0"/>
+              <a:t>Dim </a:t>
+            </a:r>
+            <a:r>
+              <a:rPr lang="en-US" dirty="0"/>
+              <a:t>– dimensions of arrays in the node, can be 0,1,2, if any other number the dimensions is not </a:t>
+            </a:r>
+            <a:r>
+              <a:rPr lang="en-US" dirty="0" smtClean="0"/>
+              <a:t>considered</a:t>
+            </a:r>
+          </a:p>
+          <a:p>
+            <a:pPr lvl="2"/>
+            <a:r>
+              <a:rPr lang="en-US" dirty="0" smtClean="0"/>
+              <a:t>Recursive – search list recursively, if so, number == 1</a:t>
+            </a:r>
+          </a:p>
+          <a:p>
+            <a:pPr lvl="2"/>
+            <a:r>
+              <a:rPr lang="en-US" dirty="0" smtClean="0"/>
+              <a:t>Both name and type can be set to *</a:t>
             </a:r>
           </a:p>
           <a:p>
             <a:pPr lvl="1"/>
             <a:r>
               <a:rPr lang="en-US" dirty="0" smtClean="0"/>
-              <a:t>Double numbers</a:t>
-            </a:r>
-            <a:endParaRPr lang="en-US" dirty="0"/>
-          </a:p>
-          <a:p>
-            <a:pPr lvl="2"/>
-            <a:r>
-              <a:rPr lang="en-US" b="1" dirty="0" smtClean="0">
-                <a:solidFill>
-                  <a:srgbClr val="C00000"/>
-                </a:solidFill>
-              </a:rPr>
-              <a:t>fll_getndata_d0</a:t>
-            </a:r>
-            <a:endParaRPr lang="en-US" b="1" dirty="0">
-              <a:solidFill>
-                <a:srgbClr val="C00000"/>
-              </a:solidFill>
-            </a:endParaRPr>
-          </a:p>
-          <a:p>
-            <a:pPr lvl="2"/>
-            <a:r>
-              <a:rPr lang="en-US" b="1" dirty="0" smtClean="0">
-                <a:solidFill>
-                  <a:srgbClr val="C00000"/>
-                </a:solidFill>
-              </a:rPr>
-              <a:t>fll_getndata_d1</a:t>
-            </a:r>
-            <a:endParaRPr lang="en-US" b="1" dirty="0">
-              <a:solidFill>
-                <a:srgbClr val="C00000"/>
-              </a:solidFill>
-            </a:endParaRPr>
-          </a:p>
-          <a:p>
-            <a:pPr lvl="2"/>
-            <a:r>
-              <a:rPr lang="en-US" b="1" dirty="0" smtClean="0">
-                <a:solidFill>
-                  <a:srgbClr val="C00000"/>
-                </a:solidFill>
-              </a:rPr>
-              <a:t>fll_getndata_d2</a:t>
-            </a:r>
-          </a:p>
-          <a:p>
-            <a:pPr lvl="1"/>
-            <a:r>
-              <a:rPr lang="en-US" dirty="0" smtClean="0"/>
-              <a:t>Strings</a:t>
-            </a:r>
-          </a:p>
-          <a:p>
-            <a:pPr lvl="2"/>
-            <a:r>
-              <a:rPr lang="en-US" b="1" dirty="0" smtClean="0">
-                <a:solidFill>
-                  <a:srgbClr val="C00000"/>
-                </a:solidFill>
-              </a:rPr>
-              <a:t>fll_getndata_s0</a:t>
-            </a:r>
-            <a:endParaRPr lang="en-US" b="1" dirty="0">
-              <a:solidFill>
-                <a:srgbClr val="C00000"/>
-              </a:solidFill>
-            </a:endParaRPr>
-          </a:p>
-          <a:p>
-            <a:pPr lvl="2"/>
-            <a:r>
-              <a:rPr lang="en-US" b="1" dirty="0" smtClean="0">
-                <a:solidFill>
-                  <a:srgbClr val="C00000"/>
-                </a:solidFill>
-              </a:rPr>
-              <a:t>fll_getndata_s1</a:t>
-            </a:r>
-            <a:endParaRPr lang="en-US" b="1" dirty="0">
-              <a:solidFill>
-                <a:srgbClr val="C00000"/>
-              </a:solidFill>
-            </a:endParaRPr>
-          </a:p>
-          <a:p>
-            <a:pPr lvl="2"/>
-            <a:r>
-              <a:rPr lang="en-US" b="1" dirty="0" smtClean="0">
-                <a:solidFill>
-                  <a:srgbClr val="C00000"/>
-                </a:solidFill>
-              </a:rPr>
-              <a:t>fll_getndata_s2</a:t>
-            </a:r>
-            <a:endParaRPr lang="en-US" b="1" dirty="0">
-              <a:solidFill>
-                <a:srgbClr val="C00000"/>
-              </a:solidFill>
-            </a:endParaRPr>
-          </a:p>
-          <a:p>
-            <a:pPr lvl="1"/>
-            <a:endParaRPr lang="en-US" dirty="0"/>
-          </a:p>
-          <a:p>
-            <a:pPr lvl="2"/>
-            <a:endParaRPr lang="en-US" dirty="0"/>
-          </a:p>
-          <a:p>
-            <a:pPr lvl="1"/>
+              <a:t>Return – pointer to the data</a:t>
+            </a:r>
             <a:endParaRPr lang="en-US" dirty="0"/>
           </a:p>
         </p:txBody>
@@ -4291,7 +4270,7 @@
     </p:spTree>
     <p:extLst>
       <p:ext uri="{BB962C8B-B14F-4D97-AF65-F5344CB8AC3E}">
-        <p14:creationId xmlns:p14="http://schemas.microsoft.com/office/powerpoint/2010/main" val="3334160452"/>
+        <p14:creationId xmlns:p14="http://schemas.microsoft.com/office/powerpoint/2010/main" val="628798269"/>
       </p:ext>
     </p:extLst>
   </p:cSld>
@@ -4334,34 +4313,29 @@
           <a:lstStyle/>
           <a:p>
             <a:r>
-              <a:rPr lang="en-US" b="1" dirty="0" smtClean="0">
+              <a:rPr lang="en-US" b="1" dirty="0">
                 <a:solidFill>
                   <a:srgbClr val="002060"/>
                 </a:solidFill>
               </a:rPr>
-              <a:t>Subroutine </a:t>
-            </a:r>
-            <a:r>
-              <a:rPr lang="en-US" b="1" dirty="0" err="1" smtClean="0">
+              <a:t>Function </a:t>
+            </a:r>
+            <a:r>
+              <a:rPr lang="en-US" b="1" dirty="0" err="1">
                 <a:solidFill>
                   <a:srgbClr val="002060"/>
                 </a:solidFill>
               </a:rPr>
-              <a:t>fll_rm</a:t>
-            </a:r>
-            <a:r>
-              <a:rPr lang="en-US" b="1" dirty="0" smtClean="0">
+              <a:t>fll_getndata</a:t>
+            </a:r>
+            <a:r>
+              <a:rPr lang="en-US" b="1" dirty="0">
                 <a:solidFill>
                   <a:srgbClr val="002060"/>
                 </a:solidFill>
               </a:rPr>
               <a:t>()</a:t>
             </a:r>
-            <a:endParaRPr lang="en-US" b="1" dirty="0">
-              <a:solidFill>
-                <a:srgbClr val="002060"/>
-              </a:solidFill>
-            </a:endParaRPr>
           </a:p>
         </p:txBody>
       </p:sp>
@@ -4378,79 +4352,189 @@
         <p:spPr/>
         <p:txBody>
           <a:bodyPr>
-            <a:normAutofit/>
+            <a:normAutofit lnSpcReduction="10000"/>
           </a:bodyPr>
           <a:lstStyle/>
           <a:p>
             <a:r>
-              <a:rPr lang="en-US" b="1" dirty="0" err="1" smtClean="0">
-                <a:solidFill>
-                  <a:srgbClr val="C00000"/>
-                </a:solidFill>
-              </a:rPr>
-              <a:t>fll_getndata</a:t>
-            </a:r>
+              <a:rPr lang="en-US" dirty="0" smtClean="0"/>
+              <a:t>Functions are </a:t>
+            </a:r>
+          </a:p>
+          <a:p>
+            <a:pPr lvl="1"/>
+            <a:r>
+              <a:rPr lang="en-US" dirty="0" smtClean="0"/>
+              <a:t>Real numbers</a:t>
+            </a:r>
+          </a:p>
+          <a:p>
+            <a:pPr lvl="2"/>
             <a:r>
               <a:rPr lang="en-US" b="1" dirty="0" smtClean="0">
                 <a:solidFill>
                   <a:srgbClr val="C00000"/>
                 </a:solidFill>
               </a:rPr>
-              <a:t>(</a:t>
-            </a:r>
-            <a:r>
-              <a:rPr lang="en-US" b="1" dirty="0" err="1" smtClean="0">
-                <a:solidFill>
-                  <a:srgbClr val="C00000"/>
-                </a:solidFill>
-              </a:rPr>
-              <a:t>pnode,fpar</a:t>
-            </a:r>
+              <a:t>fll_getndata_r0</a:t>
+            </a:r>
+            <a:endParaRPr lang="en-US" b="1" dirty="0">
+              <a:solidFill>
+                <a:srgbClr val="C00000"/>
+              </a:solidFill>
+            </a:endParaRPr>
+          </a:p>
+          <a:p>
+            <a:pPr lvl="2"/>
             <a:r>
               <a:rPr lang="en-US" b="1" dirty="0" smtClean="0">
                 <a:solidFill>
                   <a:srgbClr val="C00000"/>
                 </a:solidFill>
               </a:rPr>
-              <a:t>)</a:t>
+              <a:t>fll_getndata_r1</a:t>
+            </a:r>
+            <a:endParaRPr lang="en-US" b="1" dirty="0">
+              <a:solidFill>
+                <a:srgbClr val="C00000"/>
+              </a:solidFill>
+            </a:endParaRPr>
+          </a:p>
+          <a:p>
+            <a:pPr lvl="2"/>
+            <a:r>
+              <a:rPr lang="en-US" b="1" dirty="0" smtClean="0">
+                <a:solidFill>
+                  <a:srgbClr val="C00000"/>
+                </a:solidFill>
+              </a:rPr>
+              <a:t>fll_getndata_r2</a:t>
             </a:r>
           </a:p>
           <a:p>
             <a:pPr lvl="1"/>
             <a:r>
               <a:rPr lang="en-US" dirty="0" smtClean="0"/>
-              <a:t>Removes data</a:t>
+              <a:t>Double numbers</a:t>
+            </a:r>
+            <a:endParaRPr lang="en-US" dirty="0"/>
+          </a:p>
+          <a:p>
+            <a:pPr lvl="2"/>
+            <a:r>
+              <a:rPr lang="en-US" b="1" dirty="0" smtClean="0">
+                <a:solidFill>
+                  <a:srgbClr val="C00000"/>
+                </a:solidFill>
+              </a:rPr>
+              <a:t>fll_getndata_d0</a:t>
+            </a:r>
+            <a:endParaRPr lang="en-US" b="1" dirty="0">
+              <a:solidFill>
+                <a:srgbClr val="C00000"/>
+              </a:solidFill>
+            </a:endParaRPr>
+          </a:p>
+          <a:p>
+            <a:pPr lvl="2"/>
+            <a:r>
+              <a:rPr lang="en-US" b="1" dirty="0" smtClean="0">
+                <a:solidFill>
+                  <a:srgbClr val="C00000"/>
+                </a:solidFill>
+              </a:rPr>
+              <a:t>fll_getndata_d1</a:t>
+            </a:r>
+            <a:endParaRPr lang="en-US" b="1" dirty="0">
+              <a:solidFill>
+                <a:srgbClr val="C00000"/>
+              </a:solidFill>
+            </a:endParaRPr>
+          </a:p>
+          <a:p>
+            <a:pPr lvl="2"/>
+            <a:r>
+              <a:rPr lang="en-US" b="1" dirty="0" smtClean="0">
+                <a:solidFill>
+                  <a:srgbClr val="C00000"/>
+                </a:solidFill>
+              </a:rPr>
+              <a:t>fll_getndata_d2</a:t>
             </a:r>
           </a:p>
           <a:p>
             <a:pPr lvl="1"/>
             <a:r>
               <a:rPr lang="en-US" dirty="0" smtClean="0"/>
-              <a:t>Input parameters</a:t>
+              <a:t>Strings</a:t>
             </a:r>
           </a:p>
           <a:p>
             <a:pPr lvl="2"/>
             <a:r>
-              <a:rPr lang="en-US" dirty="0" err="1" smtClean="0"/>
-              <a:t>Pnode</a:t>
-            </a:r>
-            <a:r>
-              <a:rPr lang="en-US" dirty="0" smtClean="0"/>
-              <a:t> – list to be </a:t>
-            </a:r>
-            <a:r>
-              <a:rPr lang="en-US" dirty="0" smtClean="0"/>
-              <a:t>removed</a:t>
-            </a:r>
-            <a:endParaRPr lang="en-US" dirty="0" smtClean="0"/>
+              <a:rPr lang="en-US" b="1" dirty="0" smtClean="0">
+                <a:solidFill>
+                  <a:srgbClr val="C00000"/>
+                </a:solidFill>
+              </a:rPr>
+              <a:t>fll_getndata_s0</a:t>
+            </a:r>
+            <a:endParaRPr lang="en-US" b="1" dirty="0">
+              <a:solidFill>
+                <a:srgbClr val="C00000"/>
+              </a:solidFill>
+            </a:endParaRPr>
+          </a:p>
+          <a:p>
+            <a:pPr lvl="2"/>
+            <a:r>
+              <a:rPr lang="en-US" b="1" dirty="0" smtClean="0">
+                <a:solidFill>
+                  <a:srgbClr val="C00000"/>
+                </a:solidFill>
+              </a:rPr>
+              <a:t>fll_getndata_s1</a:t>
+            </a:r>
+            <a:endParaRPr lang="en-US" b="1" dirty="0">
+              <a:solidFill>
+                <a:srgbClr val="C00000"/>
+              </a:solidFill>
+            </a:endParaRPr>
+          </a:p>
+          <a:p>
+            <a:pPr lvl="2"/>
+            <a:r>
+              <a:rPr lang="en-US" b="1" dirty="0" smtClean="0">
+                <a:solidFill>
+                  <a:srgbClr val="C00000"/>
+                </a:solidFill>
+              </a:rPr>
+              <a:t>fll_getndata_s2</a:t>
+            </a:r>
+            <a:endParaRPr lang="en-US" b="1" dirty="0">
+              <a:solidFill>
+                <a:srgbClr val="C00000"/>
+              </a:solidFill>
+            </a:endParaRPr>
+          </a:p>
+          <a:p>
+            <a:pPr lvl="1"/>
+            <a:endParaRPr lang="en-US" dirty="0"/>
+          </a:p>
+          <a:p>
+            <a:pPr lvl="2"/>
+            <a:endParaRPr lang="en-US" dirty="0"/>
+          </a:p>
+          <a:p>
+            <a:pPr lvl="1"/>
+            <a:endParaRPr lang="en-US" dirty="0"/>
           </a:p>
         </p:txBody>
       </p:sp>
     </p:spTree>
     <p:extLst>
       <p:ext uri="{BB962C8B-B14F-4D97-AF65-F5344CB8AC3E}">
-        <p14:creationId xmlns:p14="http://schemas.microsoft.com/office/powerpoint/2010/main" val="3917356030"/>
+        <p14:creationId xmlns:p14="http://schemas.microsoft.com/office/powerpoint/2010/main" val="3334160452"/>
       </p:ext>
     </p:extLst>
   </p:cSld>
@@ -4506,7 +4590,7 @@
                   <a:srgbClr val="002060"/>
                 </a:solidFill>
               </a:rPr>
-              <a:t>fll_cat</a:t>
+              <a:t>fll_rm</a:t>
             </a:r>
             <a:r>
               <a:rPr lang="en-US" b="1" dirty="0" smtClean="0">
@@ -4547,7 +4631,7 @@
                   <a:srgbClr val="C00000"/>
                 </a:solidFill>
               </a:rPr>
-              <a:t>fll_cat</a:t>
+              <a:t>fll_getndata</a:t>
             </a:r>
             <a:r>
               <a:rPr lang="en-US" b="1" dirty="0" smtClean="0">
@@ -4563,7 +4647,7 @@
                   <a:srgbClr val="C00000"/>
                 </a:solidFill>
               </a:rPr>
-              <a:t>pnode,iounit,parent,fpar</a:t>
+              <a:t>pnode,fpar</a:t>
             </a:r>
             <a:r>
               <a:rPr lang="en-US" b="1" dirty="0" smtClean="0">
@@ -4578,13 +4662,8 @@
             <a:pPr lvl="1"/>
             <a:r>
               <a:rPr lang="en-US" dirty="0" smtClean="0"/>
-              <a:t>Prints data to </a:t>
-            </a:r>
-            <a:r>
-              <a:rPr lang="en-US" dirty="0" err="1" smtClean="0"/>
-              <a:t>iounit</a:t>
-            </a:r>
-            <a:endParaRPr lang="en-US" dirty="0" smtClean="0"/>
+              <a:t>Removes data</a:t>
+            </a:r>
           </a:p>
           <a:p>
             <a:pPr lvl="1"/>
@@ -4601,30 +4680,7 @@
             </a:r>
             <a:r>
               <a:rPr lang="en-US" dirty="0" smtClean="0"/>
-              <a:t> – list to be printed</a:t>
-            </a:r>
-          </a:p>
-          <a:p>
-            <a:pPr lvl="2"/>
-            <a:r>
-              <a:rPr lang="en-US" dirty="0" err="1" smtClean="0"/>
-              <a:t>Iounit</a:t>
-            </a:r>
-            <a:r>
-              <a:rPr lang="en-US" dirty="0" smtClean="0"/>
-              <a:t> –  </a:t>
-            </a:r>
-            <a:r>
-              <a:rPr lang="en-US" dirty="0"/>
-              <a:t>number of file descriptor</a:t>
-            </a:r>
-            <a:endParaRPr lang="en-US" dirty="0" smtClean="0"/>
-          </a:p>
-          <a:p>
-            <a:pPr lvl="2"/>
-            <a:r>
-              <a:rPr lang="en-US" dirty="0" smtClean="0"/>
-              <a:t>Parent – if TRUE write information about node’s parent</a:t>
+              <a:t> – list to be removed</a:t>
             </a:r>
           </a:p>
         </p:txBody>
@@ -4632,7 +4688,7 @@
     </p:spTree>
     <p:extLst>
       <p:ext uri="{BB962C8B-B14F-4D97-AF65-F5344CB8AC3E}">
-        <p14:creationId xmlns:p14="http://schemas.microsoft.com/office/powerpoint/2010/main" val="2041767468"/>
+        <p14:creationId xmlns:p14="http://schemas.microsoft.com/office/powerpoint/2010/main" val="3917356030"/>
       </p:ext>
     </p:extLst>
   </p:cSld>
@@ -4680,7 +4736,7 @@
                   <a:srgbClr val="002060"/>
                 </a:solidFill>
               </a:rPr>
-              <a:t>Function </a:t>
+              <a:t>Subroutine </a:t>
             </a:r>
             <a:r>
               <a:rPr lang="en-US" b="1" dirty="0" err="1" smtClean="0">
@@ -4688,7 +4744,7 @@
                   <a:srgbClr val="002060"/>
                 </a:solidFill>
               </a:rPr>
-              <a:t>fll_deattach</a:t>
+              <a:t>fll_cat</a:t>
             </a:r>
             <a:r>
               <a:rPr lang="en-US" b="1" dirty="0" smtClean="0">
@@ -4729,7 +4785,7 @@
                   <a:srgbClr val="C00000"/>
                 </a:solidFill>
               </a:rPr>
-              <a:t>fll_deattach</a:t>
+              <a:t>fll_cat</a:t>
             </a:r>
             <a:r>
               <a:rPr lang="en-US" b="1" dirty="0" smtClean="0">
@@ -4745,7 +4801,7 @@
                   <a:srgbClr val="C00000"/>
                 </a:solidFill>
               </a:rPr>
-              <a:t>pnode,fpar</a:t>
+              <a:t>pnode,iounit,parent,fpar</a:t>
             </a:r>
             <a:r>
               <a:rPr lang="en-US" b="1" dirty="0" smtClean="0">
@@ -4760,42 +4816,13 @@
             <a:pPr lvl="1"/>
             <a:r>
               <a:rPr lang="en-US" dirty="0" smtClean="0"/>
-              <a:t>Detaches PNODE from list</a:t>
-            </a:r>
-          </a:p>
-          <a:p>
-            <a:pPr lvl="2"/>
-            <a:r>
-              <a:rPr lang="en-US" dirty="0" smtClean="0"/>
-              <a:t>After being detached from list, the node parent and siblings are NULL </a:t>
-            </a:r>
-          </a:p>
-          <a:p>
-            <a:pPr lvl="2"/>
-            <a:r>
-              <a:rPr lang="en-US" dirty="0" smtClean="0"/>
-              <a:t>The node is removed from the </a:t>
-            </a:r>
-            <a:r>
-              <a:rPr lang="en-US" dirty="0" smtClean="0"/>
-              <a:t>original list</a:t>
+              <a:t>Prints data to </a:t>
+            </a:r>
+            <a:r>
+              <a:rPr lang="en-US" dirty="0" err="1" smtClean="0"/>
+              <a:t>iounit</a:t>
             </a:r>
             <a:endParaRPr lang="en-US" dirty="0" smtClean="0"/>
-          </a:p>
-          <a:p>
-            <a:pPr lvl="2"/>
-            <a:r>
-              <a:rPr lang="en-US" dirty="0" smtClean="0"/>
-              <a:t>The function is an opposite to </a:t>
-            </a:r>
-            <a:r>
-              <a:rPr lang="en-US" dirty="0" err="1" smtClean="0"/>
-              <a:t>fll_mv</a:t>
-            </a:r>
-            <a:r>
-              <a:rPr lang="en-US" dirty="0" smtClean="0"/>
-              <a:t>() function</a:t>
-            </a:r>
           </a:p>
           <a:p>
             <a:pPr lvl="1"/>
@@ -4814,6 +4841,22 @@
               <a:rPr lang="en-US" dirty="0" smtClean="0"/>
               <a:t> – list to be printed</a:t>
             </a:r>
+          </a:p>
+          <a:p>
+            <a:pPr lvl="2"/>
+            <a:r>
+              <a:rPr lang="en-US" dirty="0" err="1" smtClean="0"/>
+              <a:t>Iounit</a:t>
+            </a:r>
+            <a:r>
+              <a:rPr lang="en-US" dirty="0" smtClean="0"/>
+              <a:t> –  </a:t>
+            </a:r>
+            <a:r>
+              <a:rPr lang="en-US" dirty="0"/>
+              <a:t>number of file descriptor</a:t>
+            </a:r>
+            <a:endParaRPr lang="en-US" dirty="0" smtClean="0"/>
           </a:p>
           <a:p>
             <a:pPr lvl="2"/>
@@ -4827,7 +4870,7 @@
     </p:spTree>
     <p:extLst>
       <p:ext uri="{BB962C8B-B14F-4D97-AF65-F5344CB8AC3E}">
-        <p14:creationId xmlns:p14="http://schemas.microsoft.com/office/powerpoint/2010/main" val="1154602696"/>
+        <p14:creationId xmlns:p14="http://schemas.microsoft.com/office/powerpoint/2010/main" val="2041767468"/>
       </p:ext>
     </p:extLst>
   </p:cSld>
@@ -4875,7 +4918,7 @@
                   <a:srgbClr val="002060"/>
                 </a:solidFill>
               </a:rPr>
-              <a:t>Subroutine </a:t>
+              <a:t>Function </a:t>
             </a:r>
             <a:r>
               <a:rPr lang="en-US" b="1" dirty="0" err="1" smtClean="0">
@@ -4883,7 +4926,7 @@
                   <a:srgbClr val="002060"/>
                 </a:solidFill>
               </a:rPr>
-              <a:t>fll_write</a:t>
+              <a:t>fll_deattach</a:t>
             </a:r>
             <a:r>
               <a:rPr lang="en-US" b="1" dirty="0" smtClean="0">
@@ -4924,7 +4967,7 @@
                   <a:srgbClr val="C00000"/>
                 </a:solidFill>
               </a:rPr>
-              <a:t>fll_write</a:t>
+              <a:t>fll_deattach</a:t>
             </a:r>
             <a:r>
               <a:rPr lang="en-US" b="1" dirty="0" smtClean="0">
@@ -4940,7 +4983,7 @@
                   <a:srgbClr val="C00000"/>
                 </a:solidFill>
               </a:rPr>
-              <a:t>pnode,file,iounit,fmt,fpar</a:t>
+              <a:t>pnode,fpar</a:t>
             </a:r>
             <a:r>
               <a:rPr lang="en-US" b="1" dirty="0" smtClean="0">
@@ -4955,7 +4998,36 @@
             <a:pPr lvl="1"/>
             <a:r>
               <a:rPr lang="en-US" dirty="0" smtClean="0"/>
-              <a:t>Write data to FLL native format file </a:t>
+              <a:t>Detaches PNODE from list</a:t>
+            </a:r>
+          </a:p>
+          <a:p>
+            <a:pPr lvl="2"/>
+            <a:r>
+              <a:rPr lang="en-US" dirty="0" smtClean="0"/>
+              <a:t>After being detached from list, the node parent and siblings are NULL </a:t>
+            </a:r>
+          </a:p>
+          <a:p>
+            <a:pPr lvl="2"/>
+            <a:r>
+              <a:rPr lang="en-US" dirty="0" smtClean="0"/>
+              <a:t>The node is removed from the original list</a:t>
+            </a:r>
+          </a:p>
+          <a:p>
+            <a:pPr lvl="2"/>
+            <a:r>
+              <a:rPr lang="en-US" dirty="0" smtClean="0"/>
+              <a:t>The function is an opposite to </a:t>
+            </a:r>
+            <a:r>
+              <a:rPr lang="en-US" dirty="0" err="1" smtClean="0"/>
+              <a:t>fll_mv</a:t>
+            </a:r>
+            <a:r>
+              <a:rPr lang="en-US" dirty="0" smtClean="0"/>
+              <a:t>() function</a:t>
             </a:r>
           </a:p>
           <a:p>
@@ -4980,34 +5052,7 @@
             <a:pPr lvl="2"/>
             <a:r>
               <a:rPr lang="en-US" dirty="0" smtClean="0"/>
-              <a:t>File – name of file</a:t>
-            </a:r>
-          </a:p>
-          <a:p>
-            <a:pPr lvl="2"/>
-            <a:r>
-              <a:rPr lang="en-US" dirty="0" err="1" smtClean="0"/>
-              <a:t>Iounit</a:t>
-            </a:r>
-            <a:r>
-              <a:rPr lang="en-US" dirty="0" smtClean="0"/>
-              <a:t> - </a:t>
-            </a:r>
-            <a:r>
-              <a:rPr lang="en-US" dirty="0"/>
-              <a:t>number of file descriptor</a:t>
-            </a:r>
-            <a:endParaRPr lang="en-US" dirty="0" smtClean="0"/>
-          </a:p>
-          <a:p>
-            <a:pPr lvl="2"/>
-            <a:r>
-              <a:rPr lang="en-US" dirty="0" err="1" smtClean="0"/>
-              <a:t>Fmt</a:t>
-            </a:r>
-            <a:r>
-              <a:rPr lang="en-US" dirty="0" smtClean="0"/>
-              <a:t> – A- asci file, B – binary file</a:t>
+              <a:t>Parent – if TRUE write information about node’s parent</a:t>
             </a:r>
           </a:p>
         </p:txBody>
@@ -5015,7 +5060,7 @@
     </p:spTree>
     <p:extLst>
       <p:ext uri="{BB962C8B-B14F-4D97-AF65-F5344CB8AC3E}">
-        <p14:creationId xmlns:p14="http://schemas.microsoft.com/office/powerpoint/2010/main" val="726118658"/>
+        <p14:creationId xmlns:p14="http://schemas.microsoft.com/office/powerpoint/2010/main" val="1154602696"/>
       </p:ext>
     </p:extLst>
   </p:cSld>
@@ -5063,7 +5108,7 @@
                   <a:srgbClr val="002060"/>
                 </a:solidFill>
               </a:rPr>
-              <a:t>Function </a:t>
+              <a:t>Subroutine </a:t>
             </a:r>
             <a:r>
               <a:rPr lang="en-US" b="1" dirty="0" err="1" smtClean="0">
@@ -5071,7 +5116,7 @@
                   <a:srgbClr val="002060"/>
                 </a:solidFill>
               </a:rPr>
-              <a:t>fll_read</a:t>
+              <a:t>fll_write</a:t>
             </a:r>
             <a:r>
               <a:rPr lang="en-US" b="1" dirty="0" smtClean="0">
@@ -5112,7 +5157,7 @@
                   <a:srgbClr val="C00000"/>
                 </a:solidFill>
               </a:rPr>
-              <a:t>fll_read</a:t>
+              <a:t>fll_write</a:t>
             </a:r>
             <a:r>
               <a:rPr lang="en-US" b="1" dirty="0" smtClean="0">
@@ -5143,7 +5188,7 @@
             <a:pPr lvl="1"/>
             <a:r>
               <a:rPr lang="en-US" dirty="0" smtClean="0"/>
-              <a:t>Read data from FLL native format file </a:t>
+              <a:t>Write data to FLL native format file </a:t>
             </a:r>
           </a:p>
           <a:p>
@@ -5179,9 +5224,13 @@
             </a:r>
             <a:r>
               <a:rPr lang="en-US" dirty="0" smtClean="0"/>
-              <a:t> – number of file descriptor</a:t>
-            </a:r>
-            <a:endParaRPr lang="en-US" dirty="0"/>
+              <a:t> - </a:t>
+            </a:r>
+            <a:r>
+              <a:rPr lang="en-US" dirty="0"/>
+              <a:t>number of file descriptor</a:t>
+            </a:r>
+            <a:endParaRPr lang="en-US" dirty="0" smtClean="0"/>
           </a:p>
           <a:p>
             <a:pPr lvl="2"/>
@@ -5191,50 +5240,15 @@
             </a:r>
             <a:r>
               <a:rPr lang="en-US" dirty="0" smtClean="0"/>
-              <a:t> – A- asci file, B – binary </a:t>
-            </a:r>
-            <a:r>
-              <a:rPr lang="en-US" dirty="0" smtClean="0"/>
-              <a:t>file</a:t>
-            </a:r>
-          </a:p>
-          <a:p>
-            <a:pPr lvl="2"/>
-            <a:endParaRPr lang="en-US" dirty="0"/>
-          </a:p>
-          <a:p>
-            <a:pPr lvl="2"/>
-            <a:r>
-              <a:rPr lang="en-US" dirty="0"/>
-              <a:t>Returns pointer to </a:t>
-            </a:r>
-            <a:r>
-              <a:rPr lang="en-US" dirty="0" smtClean="0"/>
-              <a:t>imported </a:t>
-            </a:r>
-            <a:r>
-              <a:rPr lang="en-US" dirty="0" err="1" smtClean="0"/>
-              <a:t>fll</a:t>
-            </a:r>
-            <a:r>
-              <a:rPr lang="en-US" dirty="0" smtClean="0"/>
-              <a:t> </a:t>
-            </a:r>
-            <a:r>
-              <a:rPr lang="en-US" dirty="0"/>
-              <a:t>list </a:t>
-            </a:r>
-          </a:p>
-          <a:p>
-            <a:pPr lvl="2"/>
-            <a:endParaRPr lang="en-US" dirty="0" smtClean="0"/>
+              <a:t> – A- asci file, B – binary file</a:t>
+            </a:r>
           </a:p>
         </p:txBody>
       </p:sp>
     </p:spTree>
     <p:extLst>
       <p:ext uri="{BB962C8B-B14F-4D97-AF65-F5344CB8AC3E}">
-        <p14:creationId xmlns:p14="http://schemas.microsoft.com/office/powerpoint/2010/main" val="1845879526"/>
+        <p14:creationId xmlns:p14="http://schemas.microsoft.com/office/powerpoint/2010/main" val="726118658"/>
       </p:ext>
     </p:extLst>
   </p:cSld>
@@ -5346,11 +5360,7 @@
           <a:p>
             <a:r>
               <a:rPr lang="en-US" sz="2400" dirty="0" smtClean="0"/>
-              <a:t>Most of functions similar names to </a:t>
-            </a:r>
-            <a:r>
-              <a:rPr lang="en-US" sz="2400" dirty="0" smtClean="0"/>
-              <a:t>Unix/Linux</a:t>
+              <a:t>Most of functions similar names to Unix/Linux</a:t>
             </a:r>
           </a:p>
           <a:p>
@@ -5361,7 +5371,6 @@
               <a:rPr lang="en-US" sz="2400" dirty="0" smtClean="0"/>
               <a:t>MPI functionality</a:t>
             </a:r>
-            <a:endParaRPr lang="en-US" sz="2400" dirty="0" smtClean="0"/>
           </a:p>
         </p:txBody>
       </p:sp>
@@ -5416,7 +5425,7 @@
                   <a:srgbClr val="002060"/>
                 </a:solidFill>
               </a:rPr>
-              <a:t>Subroutine </a:t>
+              <a:t>Function </a:t>
             </a:r>
             <a:r>
               <a:rPr lang="en-US" b="1" dirty="0" err="1" smtClean="0">
@@ -5424,7 +5433,7 @@
                   <a:srgbClr val="002060"/>
                 </a:solidFill>
               </a:rPr>
-              <a:t>fll_write</a:t>
+              <a:t>fll_read</a:t>
             </a:r>
             <a:r>
               <a:rPr lang="en-US" b="1" dirty="0" smtClean="0">
@@ -5465,7 +5474,7 @@
                   <a:srgbClr val="C00000"/>
                 </a:solidFill>
               </a:rPr>
-              <a:t>fll_write_ffa</a:t>
+              <a:t>fll_read</a:t>
             </a:r>
             <a:r>
               <a:rPr lang="en-US" b="1" dirty="0" smtClean="0">
@@ -5496,7 +5505,7 @@
             <a:pPr lvl="1"/>
             <a:r>
               <a:rPr lang="en-US" dirty="0" smtClean="0"/>
-              <a:t>Write data to FFA format file </a:t>
+              <a:t>Read data from FLL native format file </a:t>
             </a:r>
           </a:p>
           <a:p>
@@ -5532,13 +5541,9 @@
             </a:r>
             <a:r>
               <a:rPr lang="en-US" dirty="0" smtClean="0"/>
-              <a:t> - </a:t>
-            </a:r>
-            <a:r>
-              <a:rPr lang="en-US" dirty="0"/>
-              <a:t>number of file descriptor</a:t>
-            </a:r>
-            <a:endParaRPr lang="en-US" dirty="0" smtClean="0"/>
+              <a:t> – number of file descriptor</a:t>
+            </a:r>
+            <a:endParaRPr lang="en-US" dirty="0"/>
           </a:p>
           <a:p>
             <a:pPr lvl="2"/>
@@ -5548,19 +5553,46 @@
             </a:r>
             <a:r>
               <a:rPr lang="en-US" dirty="0" smtClean="0"/>
-              <a:t> – A- asci file, B – binary </a:t>
-            </a:r>
-            <a:r>
-              <a:rPr lang="en-US" dirty="0" smtClean="0"/>
-              <a:t>file</a:t>
-            </a:r>
+              <a:t> – A- asci file, B – binary file</a:t>
+            </a:r>
+          </a:p>
+          <a:p>
+            <a:pPr lvl="2"/>
+            <a:endParaRPr lang="en-US" dirty="0"/>
+          </a:p>
+          <a:p>
+            <a:pPr lvl="2"/>
+            <a:r>
+              <a:rPr lang="en-US" dirty="0"/>
+              <a:t>Returns pointer to </a:t>
+            </a:r>
+            <a:r>
+              <a:rPr lang="en-US" dirty="0" smtClean="0"/>
+              <a:t>imported </a:t>
+            </a:r>
+            <a:r>
+              <a:rPr lang="en-US" dirty="0" err="1" smtClean="0"/>
+              <a:t>fll</a:t>
+            </a:r>
+            <a:r>
+              <a:rPr lang="en-US" dirty="0" smtClean="0"/>
+              <a:t> </a:t>
+            </a:r>
+            <a:r>
+              <a:rPr lang="en-US" dirty="0"/>
+              <a:t>list </a:t>
+            </a:r>
+          </a:p>
+          <a:p>
+            <a:pPr lvl="2"/>
+            <a:endParaRPr lang="en-US" dirty="0" smtClean="0"/>
           </a:p>
         </p:txBody>
       </p:sp>
     </p:spTree>
     <p:extLst>
       <p:ext uri="{BB962C8B-B14F-4D97-AF65-F5344CB8AC3E}">
-        <p14:creationId xmlns:p14="http://schemas.microsoft.com/office/powerpoint/2010/main" val="2061982905"/>
+        <p14:creationId xmlns:p14="http://schemas.microsoft.com/office/powerpoint/2010/main" val="1845879526"/>
       </p:ext>
     </p:extLst>
   </p:cSld>
@@ -5608,7 +5640,7 @@
                   <a:srgbClr val="002060"/>
                 </a:solidFill>
               </a:rPr>
-              <a:t>Function </a:t>
+              <a:t>Subroutine </a:t>
             </a:r>
             <a:r>
               <a:rPr lang="en-US" b="1" dirty="0" err="1" smtClean="0">
@@ -5616,7 +5648,7 @@
                   <a:srgbClr val="002060"/>
                 </a:solidFill>
               </a:rPr>
-              <a:t>fll_read_ffa</a:t>
+              <a:t>fll_write</a:t>
             </a:r>
             <a:r>
               <a:rPr lang="en-US" b="1" dirty="0" smtClean="0">
@@ -5657,7 +5689,7 @@
                   <a:srgbClr val="C00000"/>
                 </a:solidFill>
               </a:rPr>
-              <a:t>fll_read_ffa</a:t>
+              <a:t>fll_write_ffa</a:t>
             </a:r>
             <a:r>
               <a:rPr lang="en-US" b="1" dirty="0" smtClean="0">
@@ -5688,7 +5720,7 @@
             <a:pPr lvl="1"/>
             <a:r>
               <a:rPr lang="en-US" dirty="0" smtClean="0"/>
-              <a:t>Read data from FFA format file </a:t>
+              <a:t>Write data to FFA format file </a:t>
             </a:r>
           </a:p>
           <a:p>
@@ -5724,9 +5756,13 @@
             </a:r>
             <a:r>
               <a:rPr lang="en-US" dirty="0" smtClean="0"/>
-              <a:t> – number of file descriptor</a:t>
-            </a:r>
-            <a:endParaRPr lang="en-US" dirty="0"/>
+              <a:t> - </a:t>
+            </a:r>
+            <a:r>
+              <a:rPr lang="en-US" dirty="0"/>
+              <a:t>number of file descriptor</a:t>
+            </a:r>
+            <a:endParaRPr lang="en-US" dirty="0" smtClean="0"/>
           </a:p>
           <a:p>
             <a:pPr lvl="2"/>
@@ -5736,47 +5772,15 @@
             </a:r>
             <a:r>
               <a:rPr lang="en-US" dirty="0" smtClean="0"/>
-              <a:t> – A- asci file, B – binary </a:t>
-            </a:r>
-            <a:r>
-              <a:rPr lang="en-US" dirty="0" smtClean="0"/>
-              <a:t>file</a:t>
-            </a:r>
-          </a:p>
-          <a:p>
-            <a:pPr lvl="2"/>
-            <a:endParaRPr lang="en-US" dirty="0"/>
-          </a:p>
-          <a:p>
-            <a:pPr lvl="2"/>
-            <a:r>
-              <a:rPr lang="en-US" dirty="0"/>
-              <a:t>Returns </a:t>
-            </a:r>
-            <a:r>
-              <a:rPr lang="en-US" dirty="0" smtClean="0"/>
-              <a:t>pointer to imported </a:t>
-            </a:r>
-            <a:r>
-              <a:rPr lang="en-US" dirty="0" err="1" smtClean="0"/>
-              <a:t>fll</a:t>
-            </a:r>
-            <a:r>
-              <a:rPr lang="en-US" dirty="0" smtClean="0"/>
-              <a:t> list </a:t>
-            </a:r>
-            <a:endParaRPr lang="en-US" dirty="0"/>
-          </a:p>
-          <a:p>
-            <a:pPr lvl="2"/>
-            <a:endParaRPr lang="en-US" dirty="0" smtClean="0"/>
+              <a:t> – A- asci file, B – binary file</a:t>
+            </a:r>
           </a:p>
         </p:txBody>
       </p:sp>
     </p:spTree>
     <p:extLst>
       <p:ext uri="{BB962C8B-B14F-4D97-AF65-F5344CB8AC3E}">
-        <p14:creationId xmlns:p14="http://schemas.microsoft.com/office/powerpoint/2010/main" val="3583348500"/>
+        <p14:creationId xmlns:p14="http://schemas.microsoft.com/office/powerpoint/2010/main" val="2061982905"/>
       </p:ext>
     </p:extLst>
   </p:cSld>
@@ -5824,6 +5828,218 @@
                   <a:srgbClr val="002060"/>
                 </a:solidFill>
               </a:rPr>
+              <a:t>Function </a:t>
+            </a:r>
+            <a:r>
+              <a:rPr lang="en-US" b="1" dirty="0" err="1" smtClean="0">
+                <a:solidFill>
+                  <a:srgbClr val="002060"/>
+                </a:solidFill>
+              </a:rPr>
+              <a:t>fll_read_ffa</a:t>
+            </a:r>
+            <a:r>
+              <a:rPr lang="en-US" b="1" dirty="0" smtClean="0">
+                <a:solidFill>
+                  <a:srgbClr val="002060"/>
+                </a:solidFill>
+              </a:rPr>
+              <a:t>()</a:t>
+            </a:r>
+            <a:endParaRPr lang="en-US" b="1" dirty="0">
+              <a:solidFill>
+                <a:srgbClr val="002060"/>
+              </a:solidFill>
+            </a:endParaRPr>
+          </a:p>
+        </p:txBody>
+      </p:sp>
+      <p:sp>
+        <p:nvSpPr>
+          <p:cNvPr id="3" name="Content Placeholder 2"/>
+          <p:cNvSpPr>
+            <a:spLocks noGrp="1"/>
+          </p:cNvSpPr>
+          <p:nvPr>
+            <p:ph idx="1"/>
+          </p:nvPr>
+        </p:nvSpPr>
+        <p:spPr/>
+        <p:txBody>
+          <a:bodyPr>
+            <a:normAutofit/>
+          </a:bodyPr>
+          <a:lstStyle/>
+          <a:p>
+            <a:r>
+              <a:rPr lang="en-US" b="1" dirty="0" err="1" smtClean="0">
+                <a:solidFill>
+                  <a:srgbClr val="C00000"/>
+                </a:solidFill>
+              </a:rPr>
+              <a:t>fll_read_ffa</a:t>
+            </a:r>
+            <a:r>
+              <a:rPr lang="en-US" b="1" dirty="0" smtClean="0">
+                <a:solidFill>
+                  <a:srgbClr val="C00000"/>
+                </a:solidFill>
+              </a:rPr>
+              <a:t>(</a:t>
+            </a:r>
+            <a:r>
+              <a:rPr lang="en-US" b="1" dirty="0" err="1" smtClean="0">
+                <a:solidFill>
+                  <a:srgbClr val="C00000"/>
+                </a:solidFill>
+              </a:rPr>
+              <a:t>pnode,file,iounit,fmt,fpar</a:t>
+            </a:r>
+            <a:r>
+              <a:rPr lang="en-US" b="1" dirty="0" smtClean="0">
+                <a:solidFill>
+                  <a:srgbClr val="C00000"/>
+                </a:solidFill>
+              </a:rPr>
+              <a:t>)</a:t>
+            </a:r>
+          </a:p>
+          <a:p>
+            <a:pPr lvl="1"/>
+            <a:r>
+              <a:rPr lang="en-US" dirty="0" smtClean="0"/>
+              <a:t>Read data from FFA format file </a:t>
+            </a:r>
+          </a:p>
+          <a:p>
+            <a:pPr lvl="1"/>
+            <a:r>
+              <a:rPr lang="en-US" dirty="0" smtClean="0"/>
+              <a:t>Input parameters</a:t>
+            </a:r>
+          </a:p>
+          <a:p>
+            <a:pPr lvl="2"/>
+            <a:r>
+              <a:rPr lang="en-US" dirty="0" err="1" smtClean="0"/>
+              <a:t>Pnode</a:t>
+            </a:r>
+            <a:r>
+              <a:rPr lang="en-US" dirty="0" smtClean="0"/>
+              <a:t> – list to be printed</a:t>
+            </a:r>
+          </a:p>
+          <a:p>
+            <a:pPr lvl="2"/>
+            <a:r>
+              <a:rPr lang="en-US" dirty="0" smtClean="0"/>
+              <a:t>File – name of file</a:t>
+            </a:r>
+          </a:p>
+          <a:p>
+            <a:pPr lvl="2"/>
+            <a:r>
+              <a:rPr lang="en-US" dirty="0" err="1" smtClean="0"/>
+              <a:t>Iounit</a:t>
+            </a:r>
+            <a:r>
+              <a:rPr lang="en-US" dirty="0" smtClean="0"/>
+              <a:t> – number of file descriptor</a:t>
+            </a:r>
+            <a:endParaRPr lang="en-US" dirty="0"/>
+          </a:p>
+          <a:p>
+            <a:pPr lvl="2"/>
+            <a:r>
+              <a:rPr lang="en-US" dirty="0" err="1" smtClean="0"/>
+              <a:t>Fmt</a:t>
+            </a:r>
+            <a:r>
+              <a:rPr lang="en-US" dirty="0" smtClean="0"/>
+              <a:t> – A- asci file, B – binary file</a:t>
+            </a:r>
+          </a:p>
+          <a:p>
+            <a:pPr lvl="2"/>
+            <a:endParaRPr lang="en-US" dirty="0"/>
+          </a:p>
+          <a:p>
+            <a:pPr lvl="2"/>
+            <a:r>
+              <a:rPr lang="en-US" dirty="0"/>
+              <a:t>Returns </a:t>
+            </a:r>
+            <a:r>
+              <a:rPr lang="en-US" dirty="0" smtClean="0"/>
+              <a:t>pointer to imported </a:t>
+            </a:r>
+            <a:r>
+              <a:rPr lang="en-US" dirty="0" err="1" smtClean="0"/>
+              <a:t>fll</a:t>
+            </a:r>
+            <a:r>
+              <a:rPr lang="en-US" dirty="0" smtClean="0"/>
+              <a:t> list </a:t>
+            </a:r>
+            <a:endParaRPr lang="en-US" dirty="0"/>
+          </a:p>
+          <a:p>
+            <a:pPr lvl="2"/>
+            <a:endParaRPr lang="en-US" dirty="0" smtClean="0"/>
+          </a:p>
+        </p:txBody>
+      </p:sp>
+    </p:spTree>
+    <p:extLst>
+      <p:ext uri="{BB962C8B-B14F-4D97-AF65-F5344CB8AC3E}">
+        <p14:creationId xmlns:p14="http://schemas.microsoft.com/office/powerpoint/2010/main" val="3583348500"/>
+      </p:ext>
+    </p:extLst>
+  </p:cSld>
+  <p:clrMapOvr>
+    <a:masterClrMapping/>
+  </p:clrMapOvr>
+</p:sld>
+</file>
+
+<file path=ppt/slides/slide23.xml><?xml version="1.0" encoding="utf-8"?>
+<p:sld xmlns:a="http://schemas.openxmlformats.org/drawingml/2006/main" xmlns:r="http://schemas.openxmlformats.org/officeDocument/2006/relationships" xmlns:p="http://schemas.openxmlformats.org/presentationml/2006/main">
+  <p:cSld>
+    <p:spTree>
+      <p:nvGrpSpPr>
+        <p:cNvPr id="1" name=""/>
+        <p:cNvGrpSpPr/>
+        <p:nvPr/>
+      </p:nvGrpSpPr>
+      <p:grpSpPr>
+        <a:xfrm>
+          <a:off x="0" y="0"/>
+          <a:ext cx="0" cy="0"/>
+          <a:chOff x="0" y="0"/>
+          <a:chExt cx="0" cy="0"/>
+        </a:xfrm>
+      </p:grpSpPr>
+      <p:sp>
+        <p:nvSpPr>
+          <p:cNvPr id="2" name="Title 1"/>
+          <p:cNvSpPr>
+            <a:spLocks noGrp="1"/>
+          </p:cNvSpPr>
+          <p:nvPr>
+            <p:ph type="title"/>
+          </p:nvPr>
+        </p:nvSpPr>
+        <p:spPr/>
+        <p:txBody>
+          <a:bodyPr/>
+          <a:lstStyle/>
+          <a:p>
+            <a:r>
+              <a:rPr lang="en-US" b="1" dirty="0" smtClean="0">
+                <a:solidFill>
+                  <a:srgbClr val="002060"/>
+                </a:solidFill>
+              </a:rPr>
               <a:t>Moving, copying nodes details</a:t>
             </a:r>
             <a:endParaRPr lang="en-US" b="1" dirty="0">
@@ -7627,11 +7843,7 @@
             </a:r>
             <a:r>
               <a:rPr lang="en-US" sz="2400" dirty="0" smtClean="0"/>
-              <a:t>are data type of </a:t>
-            </a:r>
-            <a:r>
-              <a:rPr lang="en-US" sz="2400" dirty="0" smtClean="0"/>
-              <a:t>nodes</a:t>
+              <a:t>are data type of nodes</a:t>
             </a:r>
             <a:endParaRPr lang="en-US" sz="2400" dirty="0"/>
           </a:p>
@@ -7650,7 +7862,7 @@
 </p:sld>
 </file>
 
-<file path=ppt/slides/slide23.xml><?xml version="1.0" encoding="utf-8"?>
+<file path=ppt/slides/slide24.xml><?xml version="1.0" encoding="utf-8"?>
 <p:sld xmlns:a="http://schemas.openxmlformats.org/drawingml/2006/main" xmlns:r="http://schemas.openxmlformats.org/officeDocument/2006/relationships" xmlns:p="http://schemas.openxmlformats.org/presentationml/2006/main">
   <p:cSld>
     <p:spTree>
@@ -9351,277 +9563,6 @@
 </p:sld>
 </file>
 
-<file path=ppt/slides/slide24.xml><?xml version="1.0" encoding="utf-8"?>
-<p:sld xmlns:a="http://schemas.openxmlformats.org/drawingml/2006/main" xmlns:r="http://schemas.openxmlformats.org/officeDocument/2006/relationships" xmlns:p="http://schemas.openxmlformats.org/presentationml/2006/main">
-  <p:cSld>
-    <p:spTree>
-      <p:nvGrpSpPr>
-        <p:cNvPr id="1" name=""/>
-        <p:cNvGrpSpPr/>
-        <p:nvPr/>
-      </p:nvGrpSpPr>
-      <p:grpSpPr>
-        <a:xfrm>
-          <a:off x="0" y="0"/>
-          <a:ext cx="0" cy="0"/>
-          <a:chOff x="0" y="0"/>
-          <a:chExt cx="0" cy="0"/>
-        </a:xfrm>
-      </p:grpSpPr>
-      <p:sp>
-        <p:nvSpPr>
-          <p:cNvPr id="2" name="Title 1"/>
-          <p:cNvSpPr>
-            <a:spLocks noGrp="1"/>
-          </p:cNvSpPr>
-          <p:nvPr>
-            <p:ph type="title"/>
-          </p:nvPr>
-        </p:nvSpPr>
-        <p:spPr/>
-        <p:txBody>
-          <a:bodyPr/>
-          <a:lstStyle/>
-          <a:p>
-            <a:r>
-              <a:rPr lang="en-US" b="1" dirty="0" smtClean="0">
-                <a:solidFill>
-                  <a:srgbClr val="002060"/>
-                </a:solidFill>
-              </a:rPr>
-              <a:t>Subroutine </a:t>
-            </a:r>
-            <a:r>
-              <a:rPr lang="en-US" b="1" dirty="0" err="1" smtClean="0">
-                <a:solidFill>
-                  <a:srgbClr val="002060"/>
-                </a:solidFill>
-              </a:rPr>
-              <a:t>fll_mpi_cp_all</a:t>
-            </a:r>
-            <a:r>
-              <a:rPr lang="en-US" b="1" dirty="0" smtClean="0">
-                <a:solidFill>
-                  <a:srgbClr val="002060"/>
-                </a:solidFill>
-              </a:rPr>
-              <a:t>()</a:t>
-            </a:r>
-            <a:endParaRPr lang="en-US" b="1" dirty="0">
-              <a:solidFill>
-                <a:srgbClr val="002060"/>
-              </a:solidFill>
-            </a:endParaRPr>
-          </a:p>
-        </p:txBody>
-      </p:sp>
-      <p:sp>
-        <p:nvSpPr>
-          <p:cNvPr id="3" name="Content Placeholder 2"/>
-          <p:cNvSpPr>
-            <a:spLocks noGrp="1"/>
-          </p:cNvSpPr>
-          <p:nvPr>
-            <p:ph idx="1"/>
-          </p:nvPr>
-        </p:nvSpPr>
-        <p:spPr/>
-        <p:txBody>
-          <a:bodyPr>
-            <a:normAutofit/>
-          </a:bodyPr>
-          <a:lstStyle/>
-          <a:p>
-            <a:r>
-              <a:rPr lang="en-US" b="1" dirty="0" err="1" smtClean="0">
-                <a:solidFill>
-                  <a:srgbClr val="C00000"/>
-                </a:solidFill>
-              </a:rPr>
-              <a:t>fll_mpi_cp_all</a:t>
-            </a:r>
-            <a:r>
-              <a:rPr lang="en-US" b="1" dirty="0" smtClean="0">
-                <a:solidFill>
-                  <a:srgbClr val="C00000"/>
-                </a:solidFill>
-              </a:rPr>
-              <a:t>(</a:t>
-            </a:r>
-            <a:r>
-              <a:rPr lang="en-US" b="1" dirty="0" err="1" smtClean="0">
-                <a:solidFill>
-                  <a:srgbClr val="C00000"/>
-                </a:solidFill>
-              </a:rPr>
-              <a:t>pnode,communicator,sendpart,fpar</a:t>
-            </a:r>
-            <a:r>
-              <a:rPr lang="en-US" b="1" dirty="0" smtClean="0">
-                <a:solidFill>
-                  <a:srgbClr val="C00000"/>
-                </a:solidFill>
-              </a:rPr>
-              <a:t>)</a:t>
-            </a:r>
-            <a:endParaRPr lang="en-US" b="1" dirty="0" smtClean="0">
-              <a:solidFill>
-                <a:srgbClr val="C00000"/>
-              </a:solidFill>
-            </a:endParaRPr>
-          </a:p>
-          <a:p>
-            <a:pPr lvl="1"/>
-            <a:r>
-              <a:rPr lang="en-US" dirty="0" smtClean="0"/>
-              <a:t>Copies (broadcasts) </a:t>
-            </a:r>
-            <a:r>
-              <a:rPr lang="en-US" dirty="0" err="1" smtClean="0"/>
-              <a:t>fll</a:t>
-            </a:r>
-            <a:r>
-              <a:rPr lang="en-US" dirty="0" smtClean="0"/>
-              <a:t> list from </a:t>
-            </a:r>
-            <a:r>
-              <a:rPr lang="en-US" dirty="0" err="1" smtClean="0"/>
-              <a:t>sendpart</a:t>
-            </a:r>
-            <a:r>
-              <a:rPr lang="en-US" dirty="0" smtClean="0"/>
-              <a:t> to all other partitions in communicator</a:t>
-            </a:r>
-            <a:endParaRPr lang="en-US" dirty="0" smtClean="0"/>
-          </a:p>
-          <a:p>
-            <a:pPr lvl="1"/>
-            <a:r>
-              <a:rPr lang="en-US" dirty="0" smtClean="0"/>
-              <a:t>Input parameters</a:t>
-            </a:r>
-          </a:p>
-          <a:p>
-            <a:pPr lvl="2"/>
-            <a:r>
-              <a:rPr lang="en-US" dirty="0" err="1" smtClean="0"/>
-              <a:t>Pnode</a:t>
-            </a:r>
-            <a:r>
-              <a:rPr lang="en-US" dirty="0" smtClean="0"/>
-              <a:t> – list to be printed</a:t>
-            </a:r>
-          </a:p>
-          <a:p>
-            <a:pPr lvl="2"/>
-            <a:r>
-              <a:rPr lang="en-US" dirty="0" smtClean="0"/>
-              <a:t>Communicator – MPI communicator</a:t>
-            </a:r>
-            <a:endParaRPr lang="en-US" dirty="0" smtClean="0"/>
-          </a:p>
-          <a:p>
-            <a:pPr lvl="2"/>
-            <a:r>
-              <a:rPr lang="en-US" dirty="0" err="1" smtClean="0"/>
-              <a:t>Sendpart</a:t>
-            </a:r>
-            <a:r>
-              <a:rPr lang="en-US" dirty="0" smtClean="0"/>
-              <a:t> – rank of sending partition</a:t>
-            </a:r>
-            <a:endParaRPr lang="en-US" dirty="0"/>
-          </a:p>
-          <a:p>
-            <a:pPr lvl="2"/>
-            <a:r>
-              <a:rPr lang="en-US" dirty="0" err="1" smtClean="0"/>
-              <a:t>Fpar</a:t>
-            </a:r>
-            <a:r>
-              <a:rPr lang="en-US" dirty="0" smtClean="0"/>
-              <a:t> – </a:t>
-            </a:r>
-            <a:r>
-              <a:rPr lang="en-US" dirty="0" err="1" smtClean="0"/>
-              <a:t>fuction</a:t>
-            </a:r>
-            <a:r>
-              <a:rPr lang="en-US" dirty="0" smtClean="0"/>
-              <a:t> specific structure</a:t>
-            </a:r>
-          </a:p>
-          <a:p>
-            <a:pPr lvl="2"/>
-            <a:endParaRPr lang="en-US" dirty="0"/>
-          </a:p>
-          <a:p>
-            <a:pPr lvl="2"/>
-            <a:r>
-              <a:rPr lang="en-US" dirty="0"/>
-              <a:t>Returns pointer </a:t>
-            </a:r>
-            <a:r>
-              <a:rPr lang="en-US" dirty="0" smtClean="0"/>
-              <a:t>to </a:t>
-            </a:r>
-            <a:r>
-              <a:rPr lang="en-US" dirty="0" err="1" smtClean="0"/>
-              <a:t>pnode</a:t>
-            </a:r>
-            <a:r>
-              <a:rPr lang="en-US" dirty="0" smtClean="0"/>
-              <a:t>  </a:t>
-            </a:r>
-            <a:r>
-              <a:rPr lang="en-US" dirty="0" err="1" smtClean="0"/>
-              <a:t>fll</a:t>
-            </a:r>
-            <a:r>
-              <a:rPr lang="en-US" dirty="0" smtClean="0"/>
-              <a:t> list on </a:t>
-            </a:r>
-            <a:r>
-              <a:rPr lang="en-US" dirty="0" err="1"/>
-              <a:t>sendpart</a:t>
-            </a:r>
-            <a:r>
-              <a:rPr lang="en-US" dirty="0"/>
-              <a:t> </a:t>
-            </a:r>
-            <a:r>
-              <a:rPr lang="en-US" dirty="0" smtClean="0"/>
-              <a:t>process and </a:t>
-            </a:r>
-            <a:r>
-              <a:rPr lang="en-US" dirty="0"/>
-              <a:t>pointer to new copy on </a:t>
-            </a:r>
-            <a:r>
-              <a:rPr lang="en-US" dirty="0" smtClean="0"/>
-              <a:t>all other processes</a:t>
-            </a:r>
-            <a:endParaRPr lang="en-US" dirty="0"/>
-          </a:p>
-          <a:p>
-            <a:pPr lvl="2"/>
-            <a:endParaRPr lang="en-US" dirty="0" smtClean="0"/>
-          </a:p>
-        </p:txBody>
-      </p:sp>
-    </p:spTree>
-    <p:extLst>
-      <p:ext uri="{BB962C8B-B14F-4D97-AF65-F5344CB8AC3E}">
-        <p14:creationId xmlns:p14="http://schemas.microsoft.com/office/powerpoint/2010/main" val="639366591"/>
-      </p:ext>
-    </p:extLst>
-  </p:cSld>
-  <p:clrMapOvr>
-    <a:masterClrMapping/>
-  </p:clrMapOvr>
-</p:sld>
-</file>
-
 <file path=ppt/slides/slide25.xml><?xml version="1.0" encoding="utf-8"?>
 <p:sld xmlns:a="http://schemas.openxmlformats.org/drawingml/2006/main" xmlns:r="http://schemas.openxmlformats.org/officeDocument/2006/relationships" xmlns:p="http://schemas.openxmlformats.org/presentationml/2006/main">
   <p:cSld>
@@ -9668,7 +9609,7 @@
                   <a:srgbClr val="002060"/>
                 </a:solidFill>
               </a:rPr>
-              <a:t>fll_mpi_cp</a:t>
+              <a:t>fll_mpi_cp_all</a:t>
             </a:r>
             <a:r>
               <a:rPr lang="en-US" b="1" dirty="0" smtClean="0">
@@ -9676,7 +9617,7 @@
                   <a:srgbClr val="002060"/>
                 </a:solidFill>
               </a:rPr>
-              <a:t> ()</a:t>
+              <a:t>()</a:t>
             </a:r>
             <a:endParaRPr lang="en-US" b="1" dirty="0">
               <a:solidFill>
@@ -9725,7 +9666,7 @@
                   <a:srgbClr val="C00000"/>
                 </a:solidFill>
               </a:rPr>
-              <a:t>pnode,communicator,sendpart,recpart,fpar</a:t>
+              <a:t>pnode,communicator,sendpart,fpar</a:t>
             </a:r>
             <a:r>
               <a:rPr lang="en-US" b="1" dirty="0" smtClean="0">
@@ -9735,17 +9676,12 @@
               </a:rPr>
               <a:t>)</a:t>
             </a:r>
-            <a:endParaRPr lang="en-US" b="1" dirty="0" smtClean="0">
-              <a:solidFill>
-                <a:srgbClr val="C00000"/>
-              </a:solidFill>
-            </a:endParaRPr>
           </a:p>
           <a:p>
             <a:pPr lvl="1"/>
             <a:r>
               <a:rPr lang="en-US" dirty="0" smtClean="0"/>
-              <a:t>Copies </a:t>
+              <a:t>Copies (broadcasts) </a:t>
             </a:r>
             <a:r>
               <a:rPr lang="en-US" dirty="0" err="1" smtClean="0"/>
@@ -9761,13 +9697,8 @@
             </a:r>
             <a:r>
               <a:rPr lang="en-US" dirty="0" smtClean="0"/>
-              <a:t> to </a:t>
-            </a:r>
-            <a:r>
-              <a:rPr lang="en-US" dirty="0" err="1" smtClean="0"/>
-              <a:t>recpart</a:t>
-            </a:r>
-            <a:endParaRPr lang="en-US" dirty="0" smtClean="0"/>
+              <a:t> to all other partitions in communicator</a:t>
+            </a:r>
           </a:p>
           <a:p>
             <a:pPr lvl="1"/>
@@ -9793,7 +9724,6 @@
               <a:rPr lang="en-US" dirty="0" smtClean="0"/>
               <a:t>Communicator – MPI communicator</a:t>
             </a:r>
-            <a:endParaRPr lang="en-US" dirty="0" smtClean="0"/>
           </a:p>
           <a:p>
             <a:pPr lvl="2"/>
@@ -9805,25 +9735,6 @@
               <a:rPr lang="en-US" dirty="0" smtClean="0"/>
               <a:t> – rank of sending partition</a:t>
             </a:r>
-          </a:p>
-          <a:p>
-            <a:pPr lvl="2"/>
-            <a:r>
-              <a:rPr lang="en-US" dirty="0" err="1" smtClean="0"/>
-              <a:t>Recpart</a:t>
-            </a:r>
-            <a:r>
-              <a:rPr lang="en-US" dirty="0" smtClean="0"/>
-              <a:t> </a:t>
-            </a:r>
-            <a:r>
-              <a:rPr lang="en-US" dirty="0"/>
-              <a:t>– rank of sending </a:t>
-            </a:r>
-            <a:r>
-              <a:rPr lang="en-US" dirty="0" smtClean="0"/>
-              <a:t>partition</a:t>
-            </a:r>
             <a:endParaRPr lang="en-US" dirty="0"/>
           </a:p>
           <a:p>
@@ -9852,8 +9763,12 @@
           <a:p>
             <a:pPr lvl="2"/>
             <a:r>
-              <a:rPr lang="en-US" dirty="0" smtClean="0"/>
-              <a:t>Returns pointer to </a:t>
+              <a:rPr lang="en-US" dirty="0"/>
+              <a:t>Returns pointer </a:t>
+            </a:r>
+            <a:r>
+              <a:rPr lang="en-US" dirty="0" smtClean="0"/>
+              <a:t>to </a:t>
             </a:r>
             <a:r>
               <a:rPr lang="en-US" dirty="0" err="1" smtClean="0"/>
@@ -9872,29 +9787,37 @@
               <a:t> list on </a:t>
             </a:r>
             <a:r>
-              <a:rPr lang="en-US" dirty="0" err="1" smtClean="0"/>
+              <a:rPr lang="en-US" dirty="0" err="1"/>
               <a:t>sendpart</a:t>
             </a:r>
             <a:r>
-              <a:rPr lang="en-US" dirty="0" smtClean="0"/>
-              <a:t> process and pointer to new copy on </a:t>
-            </a:r>
-            <a:r>
-              <a:rPr lang="en-US" dirty="0" err="1" smtClean="0"/>
-              <a:t>recpart</a:t>
-            </a:r>
-            <a:r>
-              <a:rPr lang="en-US" dirty="0" smtClean="0"/>
-              <a:t> process</a:t>
+              <a:rPr lang="en-US" dirty="0"/>
+              <a:t> </a:t>
+            </a:r>
+            <a:r>
+              <a:rPr lang="en-US" dirty="0" smtClean="0"/>
+              <a:t>process and </a:t>
+            </a:r>
+            <a:r>
+              <a:rPr lang="en-US" dirty="0"/>
+              <a:t>pointer to new copy on </a:t>
+            </a:r>
+            <a:r>
+              <a:rPr lang="en-US" dirty="0" smtClean="0"/>
+              <a:t>all other processes</a:t>
             </a:r>
             <a:endParaRPr lang="en-US" dirty="0"/>
+          </a:p>
+          <a:p>
+            <a:pPr lvl="2"/>
+            <a:endParaRPr lang="en-US" dirty="0" smtClean="0"/>
           </a:p>
         </p:txBody>
       </p:sp>
     </p:spTree>
     <p:extLst>
       <p:ext uri="{BB962C8B-B14F-4D97-AF65-F5344CB8AC3E}">
-        <p14:creationId xmlns:p14="http://schemas.microsoft.com/office/powerpoint/2010/main" val="1756462234"/>
+        <p14:creationId xmlns:p14="http://schemas.microsoft.com/office/powerpoint/2010/main" val="639366591"/>
       </p:ext>
     </p:extLst>
   </p:cSld>
@@ -9950,7 +9873,7 @@
                   <a:srgbClr val="002060"/>
                 </a:solidFill>
               </a:rPr>
-              <a:t>fll_mpi_mv</a:t>
+              <a:t>fll_mpi_cp</a:t>
             </a:r>
             <a:r>
               <a:rPr lang="en-US" b="1" dirty="0" smtClean="0">
@@ -10017,12 +9940,283 @@
               </a:rPr>
               <a:t>)</a:t>
             </a:r>
-            <a:endParaRPr lang="en-US" b="1" dirty="0" smtClean="0">
+          </a:p>
+          <a:p>
+            <a:pPr lvl="1"/>
+            <a:r>
+              <a:rPr lang="en-US" dirty="0" smtClean="0"/>
+              <a:t>Copies </a:t>
+            </a:r>
+            <a:r>
+              <a:rPr lang="en-US" dirty="0" err="1" smtClean="0"/>
+              <a:t>fll</a:t>
+            </a:r>
+            <a:r>
+              <a:rPr lang="en-US" dirty="0" smtClean="0"/>
+              <a:t> list from </a:t>
+            </a:r>
+            <a:r>
+              <a:rPr lang="en-US" dirty="0" err="1" smtClean="0"/>
+              <a:t>sendpart</a:t>
+            </a:r>
+            <a:r>
+              <a:rPr lang="en-US" dirty="0" smtClean="0"/>
+              <a:t> to </a:t>
+            </a:r>
+            <a:r>
+              <a:rPr lang="en-US" dirty="0" err="1" smtClean="0"/>
+              <a:t>recpart</a:t>
+            </a:r>
+            <a:endParaRPr lang="en-US" dirty="0" smtClean="0"/>
+          </a:p>
+          <a:p>
+            <a:pPr lvl="1"/>
+            <a:r>
+              <a:rPr lang="en-US" dirty="0" smtClean="0"/>
+              <a:t>Input parameters</a:t>
+            </a:r>
+          </a:p>
+          <a:p>
+            <a:pPr lvl="2"/>
+            <a:r>
+              <a:rPr lang="en-US" dirty="0" err="1" smtClean="0"/>
+              <a:t>Pnode</a:t>
+            </a:r>
+            <a:r>
+              <a:rPr lang="en-US" dirty="0" smtClean="0"/>
+              <a:t> – list to be printed</a:t>
+            </a:r>
+          </a:p>
+          <a:p>
+            <a:pPr lvl="2"/>
+            <a:r>
+              <a:rPr lang="en-US" dirty="0" smtClean="0"/>
+              <a:t>Communicator – MPI communicator</a:t>
+            </a:r>
+          </a:p>
+          <a:p>
+            <a:pPr lvl="2"/>
+            <a:r>
+              <a:rPr lang="en-US" dirty="0" err="1" smtClean="0"/>
+              <a:t>Sendpart</a:t>
+            </a:r>
+            <a:r>
+              <a:rPr lang="en-US" dirty="0" smtClean="0"/>
+              <a:t> – rank of sending partition</a:t>
+            </a:r>
+          </a:p>
+          <a:p>
+            <a:pPr lvl="2"/>
+            <a:r>
+              <a:rPr lang="en-US" dirty="0" err="1" smtClean="0"/>
+              <a:t>Recpart</a:t>
+            </a:r>
+            <a:r>
+              <a:rPr lang="en-US" dirty="0" smtClean="0"/>
+              <a:t> </a:t>
+            </a:r>
+            <a:r>
+              <a:rPr lang="en-US" dirty="0"/>
+              <a:t>– rank of sending </a:t>
+            </a:r>
+            <a:r>
+              <a:rPr lang="en-US" dirty="0" smtClean="0"/>
+              <a:t>partition</a:t>
+            </a:r>
+            <a:endParaRPr lang="en-US" dirty="0"/>
+          </a:p>
+          <a:p>
+            <a:pPr lvl="2"/>
+            <a:r>
+              <a:rPr lang="en-US" dirty="0" err="1" smtClean="0"/>
+              <a:t>Fpar</a:t>
+            </a:r>
+            <a:r>
+              <a:rPr lang="en-US" dirty="0" smtClean="0"/>
+              <a:t> – </a:t>
+            </a:r>
+            <a:r>
+              <a:rPr lang="en-US" dirty="0" err="1" smtClean="0"/>
+              <a:t>fuction</a:t>
+            </a:r>
+            <a:r>
+              <a:rPr lang="en-US" dirty="0" smtClean="0"/>
+              <a:t> specific structure</a:t>
+            </a:r>
+          </a:p>
+          <a:p>
+            <a:pPr lvl="2"/>
+            <a:endParaRPr lang="en-US" dirty="0"/>
+          </a:p>
+          <a:p>
+            <a:pPr lvl="2"/>
+            <a:r>
+              <a:rPr lang="en-US" dirty="0" smtClean="0"/>
+              <a:t>Returns pointer to </a:t>
+            </a:r>
+            <a:r>
+              <a:rPr lang="en-US" dirty="0" err="1" smtClean="0"/>
+              <a:t>pnode</a:t>
+            </a:r>
+            <a:r>
+              <a:rPr lang="en-US" dirty="0" smtClean="0"/>
+              <a:t>  </a:t>
+            </a:r>
+            <a:r>
+              <a:rPr lang="en-US" dirty="0" err="1" smtClean="0"/>
+              <a:t>fll</a:t>
+            </a:r>
+            <a:r>
+              <a:rPr lang="en-US" dirty="0" smtClean="0"/>
+              <a:t> list on </a:t>
+            </a:r>
+            <a:r>
+              <a:rPr lang="en-US" dirty="0" err="1" smtClean="0"/>
+              <a:t>sendpart</a:t>
+            </a:r>
+            <a:r>
+              <a:rPr lang="en-US" dirty="0" smtClean="0"/>
+              <a:t> process and pointer to new copy on </a:t>
+            </a:r>
+            <a:r>
+              <a:rPr lang="en-US" dirty="0" err="1" smtClean="0"/>
+              <a:t>recpart</a:t>
+            </a:r>
+            <a:r>
+              <a:rPr lang="en-US" dirty="0" smtClean="0"/>
+              <a:t> process</a:t>
+            </a:r>
+            <a:endParaRPr lang="en-US" dirty="0"/>
+          </a:p>
+        </p:txBody>
+      </p:sp>
+    </p:spTree>
+    <p:extLst>
+      <p:ext uri="{BB962C8B-B14F-4D97-AF65-F5344CB8AC3E}">
+        <p14:creationId xmlns:p14="http://schemas.microsoft.com/office/powerpoint/2010/main" val="1756462234"/>
+      </p:ext>
+    </p:extLst>
+  </p:cSld>
+  <p:clrMapOvr>
+    <a:masterClrMapping/>
+  </p:clrMapOvr>
+</p:sld>
+</file>
+
+<file path=ppt/slides/slide27.xml><?xml version="1.0" encoding="utf-8"?>
+<p:sld xmlns:a="http://schemas.openxmlformats.org/drawingml/2006/main" xmlns:r="http://schemas.openxmlformats.org/officeDocument/2006/relationships" xmlns:p="http://schemas.openxmlformats.org/presentationml/2006/main">
+  <p:cSld>
+    <p:spTree>
+      <p:nvGrpSpPr>
+        <p:cNvPr id="1" name=""/>
+        <p:cNvGrpSpPr/>
+        <p:nvPr/>
+      </p:nvGrpSpPr>
+      <p:grpSpPr>
+        <a:xfrm>
+          <a:off x="0" y="0"/>
+          <a:ext cx="0" cy="0"/>
+          <a:chOff x="0" y="0"/>
+          <a:chExt cx="0" cy="0"/>
+        </a:xfrm>
+      </p:grpSpPr>
+      <p:sp>
+        <p:nvSpPr>
+          <p:cNvPr id="2" name="Title 1"/>
+          <p:cNvSpPr>
+            <a:spLocks noGrp="1"/>
+          </p:cNvSpPr>
+          <p:nvPr>
+            <p:ph type="title"/>
+          </p:nvPr>
+        </p:nvSpPr>
+        <p:spPr/>
+        <p:txBody>
+          <a:bodyPr/>
+          <a:lstStyle/>
+          <a:p>
+            <a:r>
+              <a:rPr lang="en-US" b="1" dirty="0" smtClean="0">
+                <a:solidFill>
+                  <a:srgbClr val="002060"/>
+                </a:solidFill>
+              </a:rPr>
+              <a:t>Subroutine </a:t>
+            </a:r>
+            <a:r>
+              <a:rPr lang="en-US" b="1" dirty="0" err="1" smtClean="0">
+                <a:solidFill>
+                  <a:srgbClr val="002060"/>
+                </a:solidFill>
+              </a:rPr>
+              <a:t>fll_mpi_mv</a:t>
+            </a:r>
+            <a:r>
+              <a:rPr lang="en-US" b="1" dirty="0" smtClean="0">
+                <a:solidFill>
+                  <a:srgbClr val="002060"/>
+                </a:solidFill>
+              </a:rPr>
+              <a:t> ()</a:t>
+            </a:r>
+            <a:endParaRPr lang="en-US" b="1" dirty="0">
               <a:solidFill>
-                <a:srgbClr val="C00000"/>
+                <a:srgbClr val="002060"/>
               </a:solidFill>
             </a:endParaRPr>
           </a:p>
+        </p:txBody>
+      </p:sp>
+      <p:sp>
+        <p:nvSpPr>
+          <p:cNvPr id="3" name="Content Placeholder 2"/>
+          <p:cNvSpPr>
+            <a:spLocks noGrp="1"/>
+          </p:cNvSpPr>
+          <p:nvPr>
+            <p:ph idx="1"/>
+          </p:nvPr>
+        </p:nvSpPr>
+        <p:spPr/>
+        <p:txBody>
+          <a:bodyPr>
+            <a:normAutofit/>
+          </a:bodyPr>
+          <a:lstStyle/>
+          <a:p>
+            <a:r>
+              <a:rPr lang="en-US" b="1" dirty="0" err="1" smtClean="0">
+                <a:solidFill>
+                  <a:srgbClr val="C00000"/>
+                </a:solidFill>
+              </a:rPr>
+              <a:t>fll_mpi_cp_all</a:t>
+            </a:r>
+            <a:r>
+              <a:rPr lang="en-US" b="1" dirty="0" smtClean="0">
+                <a:solidFill>
+                  <a:srgbClr val="C00000"/>
+                </a:solidFill>
+              </a:rPr>
+              <a:t>(</a:t>
+            </a:r>
+            <a:r>
+              <a:rPr lang="en-US" b="1" dirty="0" err="1" smtClean="0">
+                <a:solidFill>
+                  <a:srgbClr val="C00000"/>
+                </a:solidFill>
+              </a:rPr>
+              <a:t>pnode,communicator,sendpart,recpart,fpar</a:t>
+            </a:r>
+            <a:r>
+              <a:rPr lang="en-US" b="1" dirty="0" smtClean="0">
+                <a:solidFill>
+                  <a:srgbClr val="C00000"/>
+                </a:solidFill>
+              </a:rPr>
+              <a:t>)</a:t>
+            </a:r>
+          </a:p>
           <a:p>
             <a:pPr lvl="1"/>
             <a:r>
@@ -10075,7 +10269,6 @@
               <a:rPr lang="en-US" dirty="0" smtClean="0"/>
               <a:t>Communicator – MPI communicator</a:t>
             </a:r>
-            <a:endParaRPr lang="en-US" dirty="0" smtClean="0"/>
           </a:p>
           <a:p>
             <a:pPr lvl="2"/>
@@ -10169,6 +10362,414 @@
     <p:extLst>
       <p:ext uri="{BB962C8B-B14F-4D97-AF65-F5344CB8AC3E}">
         <p14:creationId xmlns:p14="http://schemas.microsoft.com/office/powerpoint/2010/main" val="4190658995"/>
+      </p:ext>
+    </p:extLst>
+  </p:cSld>
+  <p:clrMapOvr>
+    <a:masterClrMapping/>
+  </p:clrMapOvr>
+</p:sld>
+</file>
+
+<file path=ppt/slides/slide28.xml><?xml version="1.0" encoding="utf-8"?>
+<p:sld xmlns:a="http://schemas.openxmlformats.org/drawingml/2006/main" xmlns:r="http://schemas.openxmlformats.org/officeDocument/2006/relationships" xmlns:p="http://schemas.openxmlformats.org/presentationml/2006/main">
+  <p:cSld>
+    <p:spTree>
+      <p:nvGrpSpPr>
+        <p:cNvPr id="1" name=""/>
+        <p:cNvGrpSpPr/>
+        <p:nvPr/>
+      </p:nvGrpSpPr>
+      <p:grpSpPr>
+        <a:xfrm>
+          <a:off x="0" y="0"/>
+          <a:ext cx="0" cy="0"/>
+          <a:chOff x="0" y="0"/>
+          <a:chExt cx="0" cy="0"/>
+        </a:xfrm>
+      </p:grpSpPr>
+      <p:sp>
+        <p:nvSpPr>
+          <p:cNvPr id="2" name="Title 1"/>
+          <p:cNvSpPr>
+            <a:spLocks noGrp="1"/>
+          </p:cNvSpPr>
+          <p:nvPr>
+            <p:ph type="title"/>
+          </p:nvPr>
+        </p:nvSpPr>
+        <p:spPr/>
+        <p:txBody>
+          <a:bodyPr/>
+          <a:lstStyle/>
+          <a:p>
+            <a:r>
+              <a:rPr lang="en-US" b="1" dirty="0" smtClean="0">
+                <a:solidFill>
+                  <a:srgbClr val="002060"/>
+                </a:solidFill>
+              </a:rPr>
+              <a:t>Function </a:t>
+            </a:r>
+            <a:r>
+              <a:rPr lang="en-US" b="1" dirty="0" err="1" smtClean="0">
+                <a:solidFill>
+                  <a:srgbClr val="002060"/>
+                </a:solidFill>
+              </a:rPr>
+              <a:t>fll_getnbytes</a:t>
+            </a:r>
+            <a:r>
+              <a:rPr lang="en-US" b="1" dirty="0" smtClean="0">
+                <a:solidFill>
+                  <a:srgbClr val="002060"/>
+                </a:solidFill>
+              </a:rPr>
+              <a:t>()</a:t>
+            </a:r>
+            <a:endParaRPr lang="en-US" b="1" dirty="0">
+              <a:solidFill>
+                <a:srgbClr val="002060"/>
+              </a:solidFill>
+            </a:endParaRPr>
+          </a:p>
+        </p:txBody>
+      </p:sp>
+      <p:sp>
+        <p:nvSpPr>
+          <p:cNvPr id="3" name="Content Placeholder 2"/>
+          <p:cNvSpPr>
+            <a:spLocks noGrp="1"/>
+          </p:cNvSpPr>
+          <p:nvPr>
+            <p:ph idx="1"/>
+          </p:nvPr>
+        </p:nvSpPr>
+        <p:spPr/>
+        <p:txBody>
+          <a:bodyPr>
+            <a:normAutofit/>
+          </a:bodyPr>
+          <a:lstStyle/>
+          <a:p>
+            <a:r>
+              <a:rPr lang="en-US" b="1" dirty="0" err="1" smtClean="0">
+                <a:solidFill>
+                  <a:srgbClr val="C00000"/>
+                </a:solidFill>
+              </a:rPr>
+              <a:t>fll_getnbytes</a:t>
+            </a:r>
+            <a:r>
+              <a:rPr lang="en-US" b="1" dirty="0" smtClean="0">
+                <a:solidFill>
+                  <a:srgbClr val="C00000"/>
+                </a:solidFill>
+              </a:rPr>
+              <a:t>(</a:t>
+            </a:r>
+            <a:r>
+              <a:rPr lang="en-US" b="1" dirty="0" err="1" smtClean="0">
+                <a:solidFill>
+                  <a:srgbClr val="C00000"/>
+                </a:solidFill>
+              </a:rPr>
+              <a:t>pnode,fpar</a:t>
+            </a:r>
+            <a:r>
+              <a:rPr lang="en-US" b="1" dirty="0" smtClean="0">
+                <a:solidFill>
+                  <a:srgbClr val="C00000"/>
+                </a:solidFill>
+              </a:rPr>
+              <a:t>)</a:t>
+            </a:r>
+          </a:p>
+          <a:p>
+            <a:pPr lvl="1"/>
+            <a:r>
+              <a:rPr lang="en-US" dirty="0" smtClean="0"/>
+              <a:t>Returns size of </a:t>
+            </a:r>
+            <a:r>
+              <a:rPr lang="en-US" dirty="0" err="1" smtClean="0"/>
+              <a:t>pnode</a:t>
+            </a:r>
+            <a:r>
+              <a:rPr lang="en-US" dirty="0" smtClean="0"/>
+              <a:t> data set in bytes</a:t>
+            </a:r>
+            <a:endParaRPr lang="en-US" dirty="0" smtClean="0"/>
+          </a:p>
+          <a:p>
+            <a:pPr lvl="1"/>
+            <a:r>
+              <a:rPr lang="en-US" dirty="0" smtClean="0"/>
+              <a:t>Input parameters</a:t>
+            </a:r>
+          </a:p>
+          <a:p>
+            <a:pPr lvl="2"/>
+            <a:r>
+              <a:rPr lang="en-US" dirty="0" err="1" smtClean="0"/>
+              <a:t>Pnode</a:t>
+            </a:r>
+            <a:r>
+              <a:rPr lang="en-US" dirty="0" smtClean="0"/>
+              <a:t> – </a:t>
+            </a:r>
+            <a:r>
+              <a:rPr lang="en-US" dirty="0" smtClean="0"/>
+              <a:t>pointer to data set</a:t>
+            </a:r>
+            <a:endParaRPr lang="en-US" dirty="0" smtClean="0"/>
+          </a:p>
+        </p:txBody>
+      </p:sp>
+    </p:spTree>
+    <p:extLst>
+      <p:ext uri="{BB962C8B-B14F-4D97-AF65-F5344CB8AC3E}">
+        <p14:creationId xmlns:p14="http://schemas.microsoft.com/office/powerpoint/2010/main" val="3967074757"/>
+      </p:ext>
+    </p:extLst>
+  </p:cSld>
+  <p:clrMapOvr>
+    <a:masterClrMapping/>
+  </p:clrMapOvr>
+</p:sld>
+</file>
+
+<file path=ppt/slides/slide29.xml><?xml version="1.0" encoding="utf-8"?>
+<p:sld xmlns:a="http://schemas.openxmlformats.org/drawingml/2006/main" xmlns:r="http://schemas.openxmlformats.org/officeDocument/2006/relationships" xmlns:p="http://schemas.openxmlformats.org/presentationml/2006/main">
+  <p:cSld>
+    <p:spTree>
+      <p:nvGrpSpPr>
+        <p:cNvPr id="1" name=""/>
+        <p:cNvGrpSpPr/>
+        <p:nvPr/>
+      </p:nvGrpSpPr>
+      <p:grpSpPr>
+        <a:xfrm>
+          <a:off x="0" y="0"/>
+          <a:ext cx="0" cy="0"/>
+          <a:chOff x="0" y="0"/>
+          <a:chExt cx="0" cy="0"/>
+        </a:xfrm>
+      </p:grpSpPr>
+      <p:sp>
+        <p:nvSpPr>
+          <p:cNvPr id="2" name="Title 1"/>
+          <p:cNvSpPr>
+            <a:spLocks noGrp="1"/>
+          </p:cNvSpPr>
+          <p:nvPr>
+            <p:ph type="title"/>
+          </p:nvPr>
+        </p:nvSpPr>
+        <p:spPr/>
+        <p:txBody>
+          <a:bodyPr/>
+          <a:lstStyle/>
+          <a:p>
+            <a:r>
+              <a:rPr lang="en-US" b="1" dirty="0" smtClean="0">
+                <a:solidFill>
+                  <a:srgbClr val="002060"/>
+                </a:solidFill>
+              </a:rPr>
+              <a:t>Function </a:t>
+            </a:r>
+            <a:r>
+              <a:rPr lang="en-US" b="1" dirty="0" err="1" smtClean="0">
+                <a:solidFill>
+                  <a:srgbClr val="002060"/>
+                </a:solidFill>
+              </a:rPr>
+              <a:t>fll_scan_file</a:t>
+            </a:r>
+            <a:r>
+              <a:rPr lang="en-US" b="1" dirty="0" smtClean="0">
+                <a:solidFill>
+                  <a:srgbClr val="002060"/>
+                </a:solidFill>
+              </a:rPr>
+              <a:t>()</a:t>
+            </a:r>
+            <a:endParaRPr lang="en-US" b="1" dirty="0">
+              <a:solidFill>
+                <a:srgbClr val="002060"/>
+              </a:solidFill>
+            </a:endParaRPr>
+          </a:p>
+        </p:txBody>
+      </p:sp>
+      <p:sp>
+        <p:nvSpPr>
+          <p:cNvPr id="3" name="Content Placeholder 2"/>
+          <p:cNvSpPr>
+            <a:spLocks noGrp="1"/>
+          </p:cNvSpPr>
+          <p:nvPr>
+            <p:ph idx="1"/>
+          </p:nvPr>
+        </p:nvSpPr>
+        <p:spPr/>
+        <p:txBody>
+          <a:bodyPr>
+            <a:normAutofit/>
+          </a:bodyPr>
+          <a:lstStyle/>
+          <a:p>
+            <a:r>
+              <a:rPr lang="en-US" b="1" dirty="0" err="1" smtClean="0">
+                <a:solidFill>
+                  <a:srgbClr val="C00000"/>
+                </a:solidFill>
+              </a:rPr>
+              <a:t>fll_scan_file</a:t>
+            </a:r>
+            <a:r>
+              <a:rPr lang="en-US" b="1" dirty="0" smtClean="0">
+                <a:solidFill>
+                  <a:srgbClr val="C00000"/>
+                </a:solidFill>
+              </a:rPr>
+              <a:t>(filename, </a:t>
+            </a:r>
+            <a:r>
+              <a:rPr lang="en-US" b="1" dirty="0" err="1" smtClean="0">
+                <a:solidFill>
+                  <a:srgbClr val="C00000"/>
+                </a:solidFill>
+              </a:rPr>
+              <a:t>iounit</a:t>
+            </a:r>
+            <a:r>
+              <a:rPr lang="en-US" b="1" dirty="0" smtClean="0">
+                <a:solidFill>
+                  <a:srgbClr val="C00000"/>
+                </a:solidFill>
+              </a:rPr>
+              <a:t>, </a:t>
+            </a:r>
+            <a:r>
+              <a:rPr lang="en-US" b="1" dirty="0" err="1" smtClean="0">
+                <a:solidFill>
+                  <a:srgbClr val="C00000"/>
+                </a:solidFill>
+              </a:rPr>
+              <a:t>fmt,fpar</a:t>
+            </a:r>
+            <a:r>
+              <a:rPr lang="en-US" b="1" dirty="0" smtClean="0">
+                <a:solidFill>
+                  <a:srgbClr val="C00000"/>
+                </a:solidFill>
+              </a:rPr>
+              <a:t>)</a:t>
+            </a:r>
+          </a:p>
+          <a:p>
+            <a:pPr lvl="1"/>
+            <a:r>
+              <a:rPr lang="en-US" dirty="0" smtClean="0"/>
+              <a:t>Returns </a:t>
+            </a:r>
+            <a:r>
+              <a:rPr lang="en-US" dirty="0" err="1" smtClean="0"/>
+              <a:t>fll</a:t>
+            </a:r>
+            <a:r>
+              <a:rPr lang="en-US" dirty="0" smtClean="0"/>
+              <a:t> list of with data sets contained in file</a:t>
+            </a:r>
+            <a:endParaRPr lang="en-US" dirty="0" smtClean="0"/>
+          </a:p>
+          <a:p>
+            <a:pPr lvl="1"/>
+            <a:r>
+              <a:rPr lang="en-US" dirty="0" smtClean="0"/>
+              <a:t>Input parameters</a:t>
+            </a:r>
+          </a:p>
+          <a:p>
+            <a:pPr lvl="2"/>
+            <a:r>
+              <a:rPr lang="en-US" dirty="0" smtClean="0"/>
+              <a:t>Filename – </a:t>
+            </a:r>
+            <a:r>
+              <a:rPr lang="en-US" dirty="0" smtClean="0"/>
+              <a:t>name of file</a:t>
+            </a:r>
+          </a:p>
+          <a:p>
+            <a:pPr lvl="2"/>
+            <a:r>
+              <a:rPr lang="en-US" dirty="0" err="1" smtClean="0"/>
+              <a:t>Iounit</a:t>
+            </a:r>
+            <a:r>
+              <a:rPr lang="en-US" dirty="0" smtClean="0"/>
+              <a:t> – number of IO file </a:t>
+            </a:r>
+            <a:r>
+              <a:rPr lang="en-US" dirty="0" err="1" smtClean="0"/>
+              <a:t>descriptior</a:t>
+            </a:r>
+            <a:endParaRPr lang="en-US" dirty="0" smtClean="0"/>
+          </a:p>
+          <a:p>
+            <a:pPr lvl="2"/>
+            <a:r>
+              <a:rPr lang="en-US" dirty="0" err="1" smtClean="0"/>
+              <a:t>Fmt</a:t>
+            </a:r>
+            <a:r>
+              <a:rPr lang="en-US" dirty="0" smtClean="0"/>
+              <a:t>	- file format ‘A’ or ‘B’</a:t>
+            </a:r>
+          </a:p>
+          <a:p>
+            <a:pPr lvl="2"/>
+            <a:r>
+              <a:rPr lang="en-US" dirty="0" err="1" smtClean="0"/>
+              <a:t>Fpar</a:t>
+            </a:r>
+            <a:r>
+              <a:rPr lang="en-US" dirty="0" smtClean="0"/>
+              <a:t> – function parameter pointer</a:t>
+            </a:r>
+          </a:p>
+          <a:p>
+            <a:pPr lvl="2"/>
+            <a:endParaRPr lang="en-US" dirty="0"/>
+          </a:p>
+          <a:p>
+            <a:pPr lvl="2"/>
+            <a:r>
+              <a:rPr lang="en-US" dirty="0" smtClean="0"/>
+              <a:t>Function used in connection with </a:t>
+            </a:r>
+            <a:r>
+              <a:rPr lang="en-US" dirty="0" err="1" smtClean="0"/>
+              <a:t>fll_read_record</a:t>
+            </a:r>
+            <a:r>
+              <a:rPr lang="en-US" dirty="0" smtClean="0"/>
+              <a:t>()</a:t>
+            </a:r>
+          </a:p>
+          <a:p>
+            <a:pPr lvl="2"/>
+            <a:endParaRPr lang="en-US" dirty="0" smtClean="0"/>
+          </a:p>
+        </p:txBody>
+      </p:sp>
+    </p:spTree>
+    <p:extLst>
+      <p:ext uri="{BB962C8B-B14F-4D97-AF65-F5344CB8AC3E}">
+        <p14:creationId xmlns:p14="http://schemas.microsoft.com/office/powerpoint/2010/main" val="1144209969"/>
       </p:ext>
     </p:extLst>
   </p:cSld>
@@ -10262,11 +10863,7 @@
             </a:r>
             <a:r>
               <a:rPr lang="en-US" dirty="0" smtClean="0"/>
-              <a:t> “DIR” or “N</a:t>
-            </a:r>
-            <a:r>
-              <a:rPr lang="en-US" dirty="0" smtClean="0"/>
-              <a:t>”</a:t>
+              <a:t> “DIR” or “N”</a:t>
             </a:r>
           </a:p>
           <a:p>
@@ -10275,7 +10872,6 @@
               <a:rPr lang="en-US" dirty="0" smtClean="0"/>
               <a:t>Contains other nodes type of directory or file</a:t>
             </a:r>
-            <a:endParaRPr lang="en-US" dirty="0" smtClean="0"/>
           </a:p>
           <a:p>
             <a:pPr lvl="1"/>
@@ -10348,6 +10944,1763 @@
     <p:extLst>
       <p:ext uri="{BB962C8B-B14F-4D97-AF65-F5344CB8AC3E}">
         <p14:creationId xmlns:p14="http://schemas.microsoft.com/office/powerpoint/2010/main" val="1271050535"/>
+      </p:ext>
+    </p:extLst>
+  </p:cSld>
+  <p:clrMapOvr>
+    <a:masterClrMapping/>
+  </p:clrMapOvr>
+</p:sld>
+</file>
+
+<file path=ppt/slides/slide30.xml><?xml version="1.0" encoding="utf-8"?>
+<p:sld xmlns:a="http://schemas.openxmlformats.org/drawingml/2006/main" xmlns:r="http://schemas.openxmlformats.org/officeDocument/2006/relationships" xmlns:p="http://schemas.openxmlformats.org/presentationml/2006/main">
+  <p:cSld>
+    <p:spTree>
+      <p:nvGrpSpPr>
+        <p:cNvPr id="1" name=""/>
+        <p:cNvGrpSpPr/>
+        <p:nvPr/>
+      </p:nvGrpSpPr>
+      <p:grpSpPr>
+        <a:xfrm>
+          <a:off x="0" y="0"/>
+          <a:ext cx="0" cy="0"/>
+          <a:chOff x="0" y="0"/>
+          <a:chExt cx="0" cy="0"/>
+        </a:xfrm>
+      </p:grpSpPr>
+      <p:sp>
+        <p:nvSpPr>
+          <p:cNvPr id="2" name="Title 1"/>
+          <p:cNvSpPr>
+            <a:spLocks noGrp="1"/>
+          </p:cNvSpPr>
+          <p:nvPr>
+            <p:ph type="title"/>
+          </p:nvPr>
+        </p:nvSpPr>
+        <p:spPr/>
+        <p:txBody>
+          <a:bodyPr/>
+          <a:lstStyle/>
+          <a:p>
+            <a:r>
+              <a:rPr lang="en-US" b="1" dirty="0" smtClean="0">
+                <a:solidFill>
+                  <a:srgbClr val="002060"/>
+                </a:solidFill>
+              </a:rPr>
+              <a:t>Function </a:t>
+            </a:r>
+            <a:r>
+              <a:rPr lang="en-US" b="1" dirty="0" err="1" smtClean="0">
+                <a:solidFill>
+                  <a:srgbClr val="002060"/>
+                </a:solidFill>
+              </a:rPr>
+              <a:t>fll_read_record</a:t>
+            </a:r>
+            <a:r>
+              <a:rPr lang="en-US" b="1" dirty="0" smtClean="0">
+                <a:solidFill>
+                  <a:srgbClr val="002060"/>
+                </a:solidFill>
+              </a:rPr>
+              <a:t>()</a:t>
+            </a:r>
+            <a:endParaRPr lang="en-US" b="1" dirty="0">
+              <a:solidFill>
+                <a:srgbClr val="002060"/>
+              </a:solidFill>
+            </a:endParaRPr>
+          </a:p>
+        </p:txBody>
+      </p:sp>
+      <p:sp>
+        <p:nvSpPr>
+          <p:cNvPr id="3" name="Content Placeholder 2"/>
+          <p:cNvSpPr>
+            <a:spLocks noGrp="1"/>
+          </p:cNvSpPr>
+          <p:nvPr>
+            <p:ph idx="1"/>
+          </p:nvPr>
+        </p:nvSpPr>
+        <p:spPr/>
+        <p:txBody>
+          <a:bodyPr>
+            <a:normAutofit fontScale="85000" lnSpcReduction="20000"/>
+          </a:bodyPr>
+          <a:lstStyle/>
+          <a:p>
+            <a:r>
+              <a:rPr lang="en-US" b="1" dirty="0" err="1" smtClean="0">
+                <a:solidFill>
+                  <a:srgbClr val="C00000"/>
+                </a:solidFill>
+              </a:rPr>
+              <a:t>fll_read_record</a:t>
+            </a:r>
+            <a:r>
+              <a:rPr lang="en-US" b="1" dirty="0" smtClean="0">
+                <a:solidFill>
+                  <a:srgbClr val="C00000"/>
+                </a:solidFill>
+              </a:rPr>
+              <a:t>(filename, </a:t>
+            </a:r>
+            <a:r>
+              <a:rPr lang="en-US" b="1" dirty="0" err="1" smtClean="0">
+                <a:solidFill>
+                  <a:srgbClr val="C00000"/>
+                </a:solidFill>
+              </a:rPr>
+              <a:t>iounit</a:t>
+            </a:r>
+            <a:r>
+              <a:rPr lang="en-US" b="1" dirty="0">
+                <a:solidFill>
+                  <a:srgbClr val="C00000"/>
+                </a:solidFill>
+              </a:rPr>
+              <a:t>, </a:t>
+            </a:r>
+            <a:r>
+              <a:rPr lang="en-US" b="1" dirty="0" err="1">
+                <a:solidFill>
+                  <a:srgbClr val="C00000"/>
+                </a:solidFill>
+              </a:rPr>
+              <a:t>pnode,name</a:t>
+            </a:r>
+            <a:r>
+              <a:rPr lang="en-US" b="1" dirty="0">
+                <a:solidFill>
+                  <a:srgbClr val="C00000"/>
+                </a:solidFill>
+              </a:rPr>
+              <a:t>, </a:t>
+            </a:r>
+            <a:r>
+              <a:rPr lang="en-US" b="1" dirty="0" err="1">
+                <a:solidFill>
+                  <a:srgbClr val="C00000"/>
+                </a:solidFill>
+              </a:rPr>
+              <a:t>type,dim</a:t>
+            </a:r>
+            <a:r>
+              <a:rPr lang="en-US" b="1" dirty="0">
+                <a:solidFill>
+                  <a:srgbClr val="C00000"/>
+                </a:solidFill>
+              </a:rPr>
+              <a:t>, </a:t>
+            </a:r>
+            <a:r>
+              <a:rPr lang="en-US" b="1" dirty="0" err="1" smtClean="0">
+                <a:solidFill>
+                  <a:srgbClr val="C00000"/>
+                </a:solidFill>
+              </a:rPr>
+              <a:t>number,recursive,fpar</a:t>
+            </a:r>
+            <a:r>
+              <a:rPr lang="en-US" b="1" dirty="0" smtClean="0">
+                <a:solidFill>
+                  <a:srgbClr val="C00000"/>
+                </a:solidFill>
+              </a:rPr>
+              <a:t>)</a:t>
+            </a:r>
+          </a:p>
+          <a:p>
+            <a:pPr lvl="1"/>
+            <a:r>
+              <a:rPr lang="en-US" dirty="0" smtClean="0"/>
+              <a:t>Returns data set from file</a:t>
+            </a:r>
+            <a:endParaRPr lang="en-US" dirty="0" smtClean="0"/>
+          </a:p>
+          <a:p>
+            <a:pPr lvl="1"/>
+            <a:r>
+              <a:rPr lang="en-US" dirty="0" smtClean="0"/>
+              <a:t>Input parameters</a:t>
+            </a:r>
+          </a:p>
+          <a:p>
+            <a:pPr lvl="2"/>
+            <a:r>
+              <a:rPr lang="en-US" dirty="0" smtClean="0"/>
+              <a:t>Filename – </a:t>
+            </a:r>
+            <a:r>
+              <a:rPr lang="en-US" dirty="0" smtClean="0"/>
+              <a:t>name of file</a:t>
+            </a:r>
+          </a:p>
+          <a:p>
+            <a:pPr lvl="2"/>
+            <a:r>
+              <a:rPr lang="en-US" dirty="0" err="1" smtClean="0"/>
+              <a:t>Iounit</a:t>
+            </a:r>
+            <a:r>
+              <a:rPr lang="en-US" dirty="0" smtClean="0"/>
+              <a:t> – number of IO file </a:t>
+            </a:r>
+            <a:r>
+              <a:rPr lang="en-US" dirty="0" err="1" smtClean="0"/>
+              <a:t>descriptior</a:t>
+            </a:r>
+            <a:endParaRPr lang="en-US" dirty="0" smtClean="0"/>
+          </a:p>
+          <a:p>
+            <a:pPr lvl="2"/>
+            <a:r>
+              <a:rPr lang="en-US" dirty="0" err="1" smtClean="0"/>
+              <a:t>Pnode</a:t>
+            </a:r>
+            <a:r>
+              <a:rPr lang="en-US" dirty="0" smtClean="0"/>
+              <a:t> – data structure of the file, obtained from </a:t>
+            </a:r>
+            <a:r>
+              <a:rPr lang="en-US" dirty="0" err="1" smtClean="0"/>
+              <a:t>fll_scan_file</a:t>
+            </a:r>
+            <a:r>
+              <a:rPr lang="en-US" dirty="0" smtClean="0"/>
+              <a:t>()</a:t>
+            </a:r>
+          </a:p>
+          <a:p>
+            <a:pPr lvl="4"/>
+            <a:r>
+              <a:rPr lang="en-US" dirty="0" smtClean="0"/>
+              <a:t>If NULL, function reads the file and crates this list itself</a:t>
+            </a:r>
+          </a:p>
+          <a:p>
+            <a:pPr lvl="4"/>
+            <a:r>
+              <a:rPr lang="en-US" dirty="0" smtClean="0"/>
+              <a:t>If not NULL, function uses this list instead of scanning file </a:t>
+            </a:r>
+          </a:p>
+          <a:p>
+            <a:pPr lvl="2"/>
+            <a:r>
+              <a:rPr lang="en-US" dirty="0"/>
+              <a:t>Name – name of node</a:t>
+            </a:r>
+          </a:p>
+          <a:p>
+            <a:pPr lvl="2"/>
+            <a:r>
+              <a:rPr lang="en-US" dirty="0"/>
+              <a:t>Number – order of the node (1</a:t>
+            </a:r>
+            <a:r>
+              <a:rPr lang="en-US" baseline="30000" dirty="0"/>
+              <a:t>st</a:t>
+            </a:r>
+            <a:r>
+              <a:rPr lang="en-US" dirty="0"/>
+              <a:t>, 2</a:t>
+            </a:r>
+            <a:r>
+              <a:rPr lang="en-US" baseline="30000" dirty="0"/>
+              <a:t>nd</a:t>
+            </a:r>
+            <a:r>
+              <a:rPr lang="en-US" dirty="0"/>
+              <a:t> </a:t>
+            </a:r>
+            <a:r>
+              <a:rPr lang="en-US" dirty="0" err="1"/>
+              <a:t>etc</a:t>
+            </a:r>
+            <a:r>
+              <a:rPr lang="en-US" dirty="0"/>
+              <a:t>…) if more nodes of the same name </a:t>
+            </a:r>
+          </a:p>
+          <a:p>
+            <a:pPr lvl="2"/>
+            <a:r>
+              <a:rPr lang="en-US" dirty="0"/>
+              <a:t>Type – type of node</a:t>
+            </a:r>
+          </a:p>
+          <a:p>
+            <a:pPr lvl="2"/>
+            <a:r>
+              <a:rPr lang="en-US" dirty="0"/>
+              <a:t>Dim – dimensions of arrays in the node, can be 0,1,2, if any other number the dimensions is not considered</a:t>
+            </a:r>
+          </a:p>
+          <a:p>
+            <a:pPr lvl="2"/>
+            <a:r>
+              <a:rPr lang="en-US" dirty="0"/>
+              <a:t>Recursive – search list recursively, if so, number == 1</a:t>
+            </a:r>
+          </a:p>
+          <a:p>
+            <a:pPr lvl="2"/>
+            <a:r>
+              <a:rPr lang="en-US" dirty="0"/>
+              <a:t>Both name and type can be set to </a:t>
+            </a:r>
+            <a:r>
+              <a:rPr lang="en-US" dirty="0" smtClean="0"/>
+              <a:t>*</a:t>
+            </a:r>
+            <a:endParaRPr lang="en-US" dirty="0" smtClean="0"/>
+          </a:p>
+          <a:p>
+            <a:pPr lvl="2"/>
+            <a:r>
+              <a:rPr lang="en-US" dirty="0" err="1" smtClean="0"/>
+              <a:t>Fpar</a:t>
+            </a:r>
+            <a:r>
+              <a:rPr lang="en-US" dirty="0" smtClean="0"/>
+              <a:t> – function parameter pointer</a:t>
+            </a:r>
+          </a:p>
+          <a:p>
+            <a:pPr lvl="2"/>
+            <a:endParaRPr lang="en-US" dirty="0" smtClean="0"/>
+          </a:p>
+        </p:txBody>
+      </p:sp>
+    </p:spTree>
+    <p:extLst>
+      <p:ext uri="{BB962C8B-B14F-4D97-AF65-F5344CB8AC3E}">
+        <p14:creationId xmlns:p14="http://schemas.microsoft.com/office/powerpoint/2010/main" val="1520666226"/>
+      </p:ext>
+    </p:extLst>
+  </p:cSld>
+  <p:clrMapOvr>
+    <a:masterClrMapping/>
+  </p:clrMapOvr>
+</p:sld>
+</file>
+
+<file path=ppt/slides/slide31.xml><?xml version="1.0" encoding="utf-8"?>
+<p:sld xmlns:a="http://schemas.openxmlformats.org/drawingml/2006/main" xmlns:r="http://schemas.openxmlformats.org/officeDocument/2006/relationships" xmlns:p="http://schemas.openxmlformats.org/presentationml/2006/main">
+  <p:cSld>
+    <p:spTree>
+      <p:nvGrpSpPr>
+        <p:cNvPr id="1" name=""/>
+        <p:cNvGrpSpPr/>
+        <p:nvPr/>
+      </p:nvGrpSpPr>
+      <p:grpSpPr>
+        <a:xfrm>
+          <a:off x="0" y="0"/>
+          <a:ext cx="0" cy="0"/>
+          <a:chOff x="0" y="0"/>
+          <a:chExt cx="0" cy="0"/>
+        </a:xfrm>
+      </p:grpSpPr>
+      <p:sp>
+        <p:nvSpPr>
+          <p:cNvPr id="2" name="Title 1"/>
+          <p:cNvSpPr>
+            <a:spLocks noGrp="1"/>
+          </p:cNvSpPr>
+          <p:nvPr>
+            <p:ph type="title"/>
+          </p:nvPr>
+        </p:nvSpPr>
+        <p:spPr/>
+        <p:txBody>
+          <a:bodyPr/>
+          <a:lstStyle/>
+          <a:p>
+            <a:r>
+              <a:rPr lang="en-US" b="1" dirty="0" smtClean="0">
+                <a:solidFill>
+                  <a:srgbClr val="002060"/>
+                </a:solidFill>
+              </a:rPr>
+              <a:t>MPI I/O functions</a:t>
+            </a:r>
+            <a:endParaRPr lang="en-US" b="1" dirty="0">
+              <a:solidFill>
+                <a:srgbClr val="002060"/>
+              </a:solidFill>
+            </a:endParaRPr>
+          </a:p>
+        </p:txBody>
+      </p:sp>
+      <p:sp>
+        <p:nvSpPr>
+          <p:cNvPr id="3" name="Content Placeholder 2"/>
+          <p:cNvSpPr>
+            <a:spLocks noGrp="1"/>
+          </p:cNvSpPr>
+          <p:nvPr>
+            <p:ph idx="1"/>
+          </p:nvPr>
+        </p:nvSpPr>
+        <p:spPr/>
+        <p:txBody>
+          <a:bodyPr>
+            <a:normAutofit fontScale="92500" lnSpcReduction="10000"/>
+          </a:bodyPr>
+          <a:lstStyle/>
+          <a:p>
+            <a:endParaRPr lang="en-US" sz="2400" dirty="0" smtClean="0"/>
+          </a:p>
+          <a:p>
+            <a:r>
+              <a:rPr lang="en-US" dirty="0"/>
+              <a:t>Available functions</a:t>
+            </a:r>
+          </a:p>
+          <a:p>
+            <a:pPr lvl="1"/>
+            <a:r>
+              <a:rPr lang="en-US" b="1" dirty="0" err="1" smtClean="0">
+                <a:solidFill>
+                  <a:srgbClr val="C00000"/>
+                </a:solidFill>
+              </a:rPr>
+              <a:t>fll_mpi_cp</a:t>
+            </a:r>
+            <a:r>
+              <a:rPr lang="en-US" b="1" dirty="0" smtClean="0">
+                <a:solidFill>
+                  <a:srgbClr val="C00000"/>
+                </a:solidFill>
+              </a:rPr>
+              <a:t> </a:t>
+            </a:r>
+            <a:r>
+              <a:rPr lang="en-US" dirty="0" smtClean="0"/>
+              <a:t>   </a:t>
+            </a:r>
+            <a:r>
+              <a:rPr lang="en-US" dirty="0"/>
+              <a:t>- </a:t>
+            </a:r>
+            <a:r>
+              <a:rPr lang="en-US" dirty="0" smtClean="0"/>
+              <a:t>copy data set from one process to another</a:t>
+            </a:r>
+          </a:p>
+          <a:p>
+            <a:pPr lvl="1"/>
+            <a:r>
+              <a:rPr lang="en-US" b="1" dirty="0" err="1" smtClean="0">
+                <a:solidFill>
+                  <a:srgbClr val="C00000"/>
+                </a:solidFill>
+              </a:rPr>
+              <a:t>fll_mpi_cp_all</a:t>
+            </a:r>
+            <a:r>
+              <a:rPr lang="en-US" b="1" dirty="0" smtClean="0">
+                <a:solidFill>
+                  <a:srgbClr val="C00000"/>
+                </a:solidFill>
+              </a:rPr>
+              <a:t> </a:t>
+            </a:r>
+            <a:r>
+              <a:rPr lang="en-US" dirty="0" smtClean="0"/>
+              <a:t>   </a:t>
+            </a:r>
+            <a:r>
+              <a:rPr lang="en-US" dirty="0"/>
+              <a:t>- </a:t>
+            </a:r>
+            <a:r>
+              <a:rPr lang="en-US" dirty="0" smtClean="0"/>
+              <a:t>copy data set from one partition to all partitions</a:t>
+            </a:r>
+          </a:p>
+          <a:p>
+            <a:pPr lvl="1"/>
+            <a:r>
+              <a:rPr lang="en-US" b="1" dirty="0" err="1" smtClean="0">
+                <a:solidFill>
+                  <a:srgbClr val="C00000"/>
+                </a:solidFill>
+              </a:rPr>
+              <a:t>fll_mpi_mv</a:t>
+            </a:r>
+            <a:r>
+              <a:rPr lang="en-US" b="1" dirty="0" smtClean="0">
+                <a:solidFill>
+                  <a:srgbClr val="C00000"/>
+                </a:solidFill>
+              </a:rPr>
+              <a:t> </a:t>
+            </a:r>
+            <a:r>
+              <a:rPr lang="en-US" dirty="0" smtClean="0"/>
+              <a:t>   </a:t>
+            </a:r>
+            <a:r>
+              <a:rPr lang="en-US" dirty="0"/>
+              <a:t>- move </a:t>
+            </a:r>
+            <a:r>
+              <a:rPr lang="en-US" dirty="0" smtClean="0"/>
+              <a:t>data set from one process to another</a:t>
+            </a:r>
+          </a:p>
+          <a:p>
+            <a:pPr lvl="1"/>
+            <a:r>
+              <a:rPr lang="en-US" b="1" dirty="0" err="1" smtClean="0">
+                <a:solidFill>
+                  <a:srgbClr val="C00000"/>
+                </a:solidFill>
+              </a:rPr>
+              <a:t>fll_mpi_read</a:t>
+            </a:r>
+            <a:r>
+              <a:rPr lang="en-US" dirty="0" smtClean="0"/>
+              <a:t>   </a:t>
+            </a:r>
+            <a:r>
+              <a:rPr lang="en-US" dirty="0"/>
+              <a:t>- </a:t>
+            </a:r>
+            <a:r>
+              <a:rPr lang="en-US" dirty="0" smtClean="0"/>
+              <a:t>read file in MPI mode</a:t>
+            </a:r>
+          </a:p>
+          <a:p>
+            <a:pPr lvl="1"/>
+            <a:r>
+              <a:rPr lang="en-US" b="1" dirty="0" err="1" smtClean="0">
+                <a:solidFill>
+                  <a:srgbClr val="C00000"/>
+                </a:solidFill>
+              </a:rPr>
+              <a:t>fll_mpi_write</a:t>
+            </a:r>
+            <a:r>
+              <a:rPr lang="en-US" dirty="0" smtClean="0"/>
+              <a:t>   </a:t>
+            </a:r>
+            <a:r>
+              <a:rPr lang="en-US" dirty="0"/>
+              <a:t>- </a:t>
+            </a:r>
+            <a:r>
+              <a:rPr lang="en-US" dirty="0" smtClean="0"/>
+              <a:t>write file in MPI node (N-1) model</a:t>
+            </a:r>
+          </a:p>
+          <a:p>
+            <a:pPr lvl="1"/>
+            <a:r>
+              <a:rPr lang="en-US" b="1" dirty="0" err="1" smtClean="0">
+                <a:solidFill>
+                  <a:srgbClr val="C00000"/>
+                </a:solidFill>
+              </a:rPr>
+              <a:t>fll_mpi_write_nm</a:t>
+            </a:r>
+            <a:r>
+              <a:rPr lang="en-US" dirty="0" smtClean="0"/>
+              <a:t> </a:t>
+            </a:r>
+            <a:r>
+              <a:rPr lang="en-US" dirty="0"/>
+              <a:t>- write file in MPI node (</a:t>
+            </a:r>
+            <a:r>
+              <a:rPr lang="en-US" dirty="0" smtClean="0"/>
+              <a:t>N-M) </a:t>
+            </a:r>
+            <a:r>
+              <a:rPr lang="en-US" dirty="0"/>
+              <a:t>model </a:t>
+            </a:r>
+            <a:endParaRPr lang="en-US" dirty="0" smtClean="0"/>
+          </a:p>
+          <a:p>
+            <a:pPr lvl="1"/>
+            <a:r>
+              <a:rPr lang="en-US" b="1" dirty="0" err="1" smtClean="0">
+                <a:solidFill>
+                  <a:srgbClr val="C00000"/>
+                </a:solidFill>
+              </a:rPr>
+              <a:t>fll_mpi_write_snm</a:t>
+            </a:r>
+            <a:r>
+              <a:rPr lang="en-US" dirty="0" smtClean="0"/>
+              <a:t>  </a:t>
+            </a:r>
+            <a:r>
+              <a:rPr lang="en-US" dirty="0"/>
+              <a:t>- </a:t>
+            </a:r>
+            <a:r>
+              <a:rPr lang="en-US" dirty="0" smtClean="0"/>
+              <a:t>write </a:t>
+            </a:r>
+            <a:r>
+              <a:rPr lang="en-US" dirty="0"/>
+              <a:t>file in MPI node </a:t>
+            </a:r>
+            <a:r>
+              <a:rPr lang="en-US" dirty="0" smtClean="0"/>
+              <a:t>(S-N-M) </a:t>
+            </a:r>
+            <a:r>
+              <a:rPr lang="en-US" dirty="0"/>
+              <a:t>model </a:t>
+            </a:r>
+            <a:endParaRPr lang="en-US" dirty="0" smtClean="0"/>
+          </a:p>
+          <a:p>
+            <a:pPr lvl="1"/>
+            <a:r>
+              <a:rPr lang="en-US" b="1" dirty="0" err="1" smtClean="0">
+                <a:solidFill>
+                  <a:srgbClr val="C00000"/>
+                </a:solidFill>
+              </a:rPr>
+              <a:t>fll_mpi_proc_struct</a:t>
+            </a:r>
+            <a:r>
+              <a:rPr lang="en-US" dirty="0" smtClean="0"/>
+              <a:t>   - creates structures needed for MPI IO </a:t>
+            </a:r>
+          </a:p>
+          <a:p>
+            <a:pPr lvl="1"/>
+            <a:r>
+              <a:rPr lang="en-US" b="1" dirty="0" err="1" smtClean="0">
+                <a:solidFill>
+                  <a:srgbClr val="C00000"/>
+                </a:solidFill>
+              </a:rPr>
+              <a:t>fll_nmio_struct</a:t>
+            </a:r>
+            <a:r>
+              <a:rPr lang="en-US" dirty="0" smtClean="0"/>
+              <a:t>   </a:t>
+            </a:r>
+            <a:r>
+              <a:rPr lang="en-US" dirty="0"/>
+              <a:t>- creates structures needed for MPI IO </a:t>
+            </a:r>
+          </a:p>
+          <a:p>
+            <a:pPr lvl="1"/>
+            <a:r>
+              <a:rPr lang="en-US" b="1" dirty="0" err="1" smtClean="0">
+                <a:solidFill>
+                  <a:srgbClr val="C00000"/>
+                </a:solidFill>
+              </a:rPr>
+              <a:t>fll_snmio_struct</a:t>
+            </a:r>
+            <a:r>
+              <a:rPr lang="en-US" dirty="0" smtClean="0"/>
+              <a:t>   </a:t>
+            </a:r>
+            <a:r>
+              <a:rPr lang="en-US" dirty="0"/>
+              <a:t>- creates structures needed for MPI IO </a:t>
+            </a:r>
+          </a:p>
+          <a:p>
+            <a:pPr lvl="1"/>
+            <a:endParaRPr lang="en-US" dirty="0"/>
+          </a:p>
+          <a:p>
+            <a:pPr lvl="1"/>
+            <a:endParaRPr lang="en-US" dirty="0"/>
+          </a:p>
+          <a:p>
+            <a:pPr lvl="1"/>
+            <a:endParaRPr lang="en-US" dirty="0"/>
+          </a:p>
+          <a:p>
+            <a:pPr lvl="1"/>
+            <a:endParaRPr lang="en-US" dirty="0"/>
+          </a:p>
+          <a:p>
+            <a:pPr lvl="1"/>
+            <a:endParaRPr lang="en-US" dirty="0"/>
+          </a:p>
+          <a:p>
+            <a:pPr marL="457200" lvl="1" indent="0">
+              <a:buNone/>
+            </a:pPr>
+            <a:endParaRPr lang="en-US" dirty="0"/>
+          </a:p>
+          <a:p>
+            <a:pPr lvl="1"/>
+            <a:endParaRPr lang="en-US" dirty="0"/>
+          </a:p>
+          <a:p>
+            <a:pPr lvl="1"/>
+            <a:endParaRPr lang="en-US" dirty="0"/>
+          </a:p>
+        </p:txBody>
+      </p:sp>
+    </p:spTree>
+    <p:extLst>
+      <p:ext uri="{BB962C8B-B14F-4D97-AF65-F5344CB8AC3E}">
+        <p14:creationId xmlns:p14="http://schemas.microsoft.com/office/powerpoint/2010/main" val="990041030"/>
+      </p:ext>
+    </p:extLst>
+  </p:cSld>
+  <p:clrMapOvr>
+    <a:masterClrMapping/>
+  </p:clrMapOvr>
+</p:sld>
+</file>
+
+<file path=ppt/slides/slide32.xml><?xml version="1.0" encoding="utf-8"?>
+<p:sld xmlns:a="http://schemas.openxmlformats.org/drawingml/2006/main" xmlns:r="http://schemas.openxmlformats.org/officeDocument/2006/relationships" xmlns:p="http://schemas.openxmlformats.org/presentationml/2006/main">
+  <p:cSld>
+    <p:spTree>
+      <p:nvGrpSpPr>
+        <p:cNvPr id="1" name=""/>
+        <p:cNvGrpSpPr/>
+        <p:nvPr/>
+      </p:nvGrpSpPr>
+      <p:grpSpPr>
+        <a:xfrm>
+          <a:off x="0" y="0"/>
+          <a:ext cx="0" cy="0"/>
+          <a:chOff x="0" y="0"/>
+          <a:chExt cx="0" cy="0"/>
+        </a:xfrm>
+      </p:grpSpPr>
+      <p:sp>
+        <p:nvSpPr>
+          <p:cNvPr id="2" name="Title 1"/>
+          <p:cNvSpPr>
+            <a:spLocks noGrp="1"/>
+          </p:cNvSpPr>
+          <p:nvPr>
+            <p:ph type="title"/>
+          </p:nvPr>
+        </p:nvSpPr>
+        <p:spPr/>
+        <p:txBody>
+          <a:bodyPr/>
+          <a:lstStyle/>
+          <a:p>
+            <a:r>
+              <a:rPr lang="en-US" b="1" dirty="0" smtClean="0">
+                <a:solidFill>
+                  <a:srgbClr val="002060"/>
+                </a:solidFill>
+              </a:rPr>
+              <a:t>Function </a:t>
+            </a:r>
+            <a:r>
+              <a:rPr lang="en-US" b="1" dirty="0" err="1" smtClean="0">
+                <a:solidFill>
+                  <a:srgbClr val="002060"/>
+                </a:solidFill>
+              </a:rPr>
+              <a:t>fll_mpi_cp</a:t>
+            </a:r>
+            <a:r>
+              <a:rPr lang="en-US" b="1" dirty="0" smtClean="0">
+                <a:solidFill>
+                  <a:srgbClr val="002060"/>
+                </a:solidFill>
+              </a:rPr>
+              <a:t> ()</a:t>
+            </a:r>
+            <a:endParaRPr lang="en-US" b="1" dirty="0">
+              <a:solidFill>
+                <a:srgbClr val="002060"/>
+              </a:solidFill>
+            </a:endParaRPr>
+          </a:p>
+        </p:txBody>
+      </p:sp>
+      <p:sp>
+        <p:nvSpPr>
+          <p:cNvPr id="3" name="Content Placeholder 2"/>
+          <p:cNvSpPr>
+            <a:spLocks noGrp="1"/>
+          </p:cNvSpPr>
+          <p:nvPr>
+            <p:ph idx="1"/>
+          </p:nvPr>
+        </p:nvSpPr>
+        <p:spPr/>
+        <p:txBody>
+          <a:bodyPr>
+            <a:normAutofit/>
+          </a:bodyPr>
+          <a:lstStyle/>
+          <a:p>
+            <a:r>
+              <a:rPr lang="en-US" b="1" dirty="0" err="1" smtClean="0">
+                <a:solidFill>
+                  <a:srgbClr val="C00000"/>
+                </a:solidFill>
+              </a:rPr>
+              <a:t>fll_mpi_cp</a:t>
+            </a:r>
+            <a:r>
+              <a:rPr lang="en-US" b="1" dirty="0" smtClean="0">
+                <a:solidFill>
+                  <a:srgbClr val="C00000"/>
+                </a:solidFill>
+              </a:rPr>
+              <a:t>(</a:t>
+            </a:r>
+            <a:r>
+              <a:rPr lang="en-US" b="1" dirty="0" err="1" smtClean="0">
+                <a:solidFill>
+                  <a:srgbClr val="C00000"/>
+                </a:solidFill>
+              </a:rPr>
+              <a:t>pnode,communicator</a:t>
+            </a:r>
+            <a:r>
+              <a:rPr lang="en-US" b="1" dirty="0" smtClean="0">
+                <a:solidFill>
+                  <a:srgbClr val="C00000"/>
+                </a:solidFill>
+              </a:rPr>
+              <a:t>, </a:t>
+            </a:r>
+            <a:r>
+              <a:rPr lang="en-US" b="1" dirty="0" err="1" smtClean="0">
+                <a:solidFill>
+                  <a:srgbClr val="C00000"/>
+                </a:solidFill>
+              </a:rPr>
+              <a:t>sendpart,recpart,fpar</a:t>
+            </a:r>
+            <a:r>
+              <a:rPr lang="en-US" b="1" dirty="0" smtClean="0">
+                <a:solidFill>
+                  <a:srgbClr val="C00000"/>
+                </a:solidFill>
+              </a:rPr>
+              <a:t>)</a:t>
+            </a:r>
+          </a:p>
+          <a:p>
+            <a:pPr lvl="1"/>
+            <a:r>
+              <a:rPr lang="en-US" dirty="0" smtClean="0"/>
+              <a:t>Copy data set from </a:t>
+            </a:r>
+            <a:r>
+              <a:rPr lang="en-US" dirty="0" err="1" smtClean="0"/>
+              <a:t>sendpart</a:t>
+            </a:r>
+            <a:r>
+              <a:rPr lang="en-US" dirty="0" smtClean="0"/>
+              <a:t> to </a:t>
+            </a:r>
+            <a:r>
+              <a:rPr lang="en-US" dirty="0" err="1" smtClean="0"/>
+              <a:t>recpart</a:t>
+            </a:r>
+            <a:endParaRPr lang="en-US" dirty="0" smtClean="0"/>
+          </a:p>
+          <a:p>
+            <a:pPr lvl="1"/>
+            <a:r>
+              <a:rPr lang="en-US" dirty="0" smtClean="0"/>
+              <a:t>Returns pointer to copied data set on </a:t>
+            </a:r>
+            <a:r>
+              <a:rPr lang="en-US" dirty="0" err="1" smtClean="0"/>
+              <a:t>recpart</a:t>
+            </a:r>
+            <a:r>
+              <a:rPr lang="en-US" dirty="0" smtClean="0"/>
+              <a:t> processor</a:t>
+            </a:r>
+            <a:endParaRPr lang="en-US" dirty="0" smtClean="0"/>
+          </a:p>
+          <a:p>
+            <a:pPr lvl="1"/>
+            <a:r>
+              <a:rPr lang="en-US" dirty="0" smtClean="0"/>
+              <a:t>Input parameters</a:t>
+            </a:r>
+          </a:p>
+          <a:p>
+            <a:pPr lvl="2"/>
+            <a:r>
+              <a:rPr lang="en-US" dirty="0" err="1" smtClean="0"/>
+              <a:t>Pnode</a:t>
+            </a:r>
+            <a:r>
+              <a:rPr lang="en-US" dirty="0" smtClean="0"/>
+              <a:t> – </a:t>
+            </a:r>
+            <a:r>
+              <a:rPr lang="en-US" dirty="0" smtClean="0"/>
+              <a:t>pointer to data set</a:t>
+            </a:r>
+          </a:p>
+          <a:p>
+            <a:pPr lvl="2"/>
+            <a:r>
+              <a:rPr lang="en-US" dirty="0" smtClean="0"/>
+              <a:t>Communicator – MPI communicator</a:t>
+            </a:r>
+          </a:p>
+          <a:p>
+            <a:pPr lvl="2"/>
+            <a:r>
+              <a:rPr lang="en-US" dirty="0" err="1" smtClean="0"/>
+              <a:t>Sendpart</a:t>
+            </a:r>
+            <a:r>
+              <a:rPr lang="en-US" dirty="0" smtClean="0"/>
+              <a:t> – world number of sending process</a:t>
+            </a:r>
+          </a:p>
+          <a:p>
+            <a:pPr lvl="2"/>
+            <a:r>
+              <a:rPr lang="en-US" dirty="0" err="1" smtClean="0"/>
+              <a:t>Recpart</a:t>
+            </a:r>
+            <a:r>
+              <a:rPr lang="en-US" dirty="0" smtClean="0"/>
+              <a:t> – world number of receiving process</a:t>
+            </a:r>
+            <a:endParaRPr lang="en-US" dirty="0" smtClean="0"/>
+          </a:p>
+        </p:txBody>
+      </p:sp>
+    </p:spTree>
+    <p:extLst>
+      <p:ext uri="{BB962C8B-B14F-4D97-AF65-F5344CB8AC3E}">
+        <p14:creationId xmlns:p14="http://schemas.microsoft.com/office/powerpoint/2010/main" val="594026096"/>
+      </p:ext>
+    </p:extLst>
+  </p:cSld>
+  <p:clrMapOvr>
+    <a:masterClrMapping/>
+  </p:clrMapOvr>
+</p:sld>
+</file>
+
+<file path=ppt/slides/slide33.xml><?xml version="1.0" encoding="utf-8"?>
+<p:sld xmlns:a="http://schemas.openxmlformats.org/drawingml/2006/main" xmlns:r="http://schemas.openxmlformats.org/officeDocument/2006/relationships" xmlns:p="http://schemas.openxmlformats.org/presentationml/2006/main">
+  <p:cSld>
+    <p:spTree>
+      <p:nvGrpSpPr>
+        <p:cNvPr id="1" name=""/>
+        <p:cNvGrpSpPr/>
+        <p:nvPr/>
+      </p:nvGrpSpPr>
+      <p:grpSpPr>
+        <a:xfrm>
+          <a:off x="0" y="0"/>
+          <a:ext cx="0" cy="0"/>
+          <a:chOff x="0" y="0"/>
+          <a:chExt cx="0" cy="0"/>
+        </a:xfrm>
+      </p:grpSpPr>
+      <p:sp>
+        <p:nvSpPr>
+          <p:cNvPr id="2" name="Title 1"/>
+          <p:cNvSpPr>
+            <a:spLocks noGrp="1"/>
+          </p:cNvSpPr>
+          <p:nvPr>
+            <p:ph type="title"/>
+          </p:nvPr>
+        </p:nvSpPr>
+        <p:spPr/>
+        <p:txBody>
+          <a:bodyPr/>
+          <a:lstStyle/>
+          <a:p>
+            <a:r>
+              <a:rPr lang="en-US" b="1" dirty="0" smtClean="0">
+                <a:solidFill>
+                  <a:srgbClr val="002060"/>
+                </a:solidFill>
+              </a:rPr>
+              <a:t>Function </a:t>
+            </a:r>
+            <a:r>
+              <a:rPr lang="en-US" b="1" dirty="0" err="1" smtClean="0">
+                <a:solidFill>
+                  <a:srgbClr val="002060"/>
+                </a:solidFill>
+              </a:rPr>
+              <a:t>fll_mpi_cp_all</a:t>
+            </a:r>
+            <a:r>
+              <a:rPr lang="en-US" b="1" dirty="0" smtClean="0">
+                <a:solidFill>
+                  <a:srgbClr val="002060"/>
+                </a:solidFill>
+              </a:rPr>
+              <a:t> ()</a:t>
+            </a:r>
+            <a:endParaRPr lang="en-US" b="1" dirty="0">
+              <a:solidFill>
+                <a:srgbClr val="002060"/>
+              </a:solidFill>
+            </a:endParaRPr>
+          </a:p>
+        </p:txBody>
+      </p:sp>
+      <p:sp>
+        <p:nvSpPr>
+          <p:cNvPr id="3" name="Content Placeholder 2"/>
+          <p:cNvSpPr>
+            <a:spLocks noGrp="1"/>
+          </p:cNvSpPr>
+          <p:nvPr>
+            <p:ph idx="1"/>
+          </p:nvPr>
+        </p:nvSpPr>
+        <p:spPr/>
+        <p:txBody>
+          <a:bodyPr>
+            <a:normAutofit/>
+          </a:bodyPr>
+          <a:lstStyle/>
+          <a:p>
+            <a:r>
+              <a:rPr lang="en-US" b="1" dirty="0" err="1" smtClean="0">
+                <a:solidFill>
+                  <a:srgbClr val="C00000"/>
+                </a:solidFill>
+              </a:rPr>
+              <a:t>fll_mpi_cp_all</a:t>
+            </a:r>
+            <a:r>
+              <a:rPr lang="en-US" b="1" dirty="0" smtClean="0">
+                <a:solidFill>
+                  <a:srgbClr val="C00000"/>
+                </a:solidFill>
+              </a:rPr>
+              <a:t>(</a:t>
+            </a:r>
+            <a:r>
+              <a:rPr lang="en-US" b="1" dirty="0" err="1" smtClean="0">
+                <a:solidFill>
+                  <a:srgbClr val="C00000"/>
+                </a:solidFill>
+              </a:rPr>
+              <a:t>pnode,communicator</a:t>
+            </a:r>
+            <a:r>
+              <a:rPr lang="en-US" b="1" dirty="0" smtClean="0">
+                <a:solidFill>
+                  <a:srgbClr val="C00000"/>
+                </a:solidFill>
+              </a:rPr>
+              <a:t>, </a:t>
+            </a:r>
+            <a:r>
+              <a:rPr lang="en-US" b="1" dirty="0" err="1" smtClean="0">
+                <a:solidFill>
+                  <a:srgbClr val="C00000"/>
+                </a:solidFill>
+              </a:rPr>
+              <a:t>sendpart,fpar</a:t>
+            </a:r>
+            <a:r>
+              <a:rPr lang="en-US" b="1" dirty="0" smtClean="0">
+                <a:solidFill>
+                  <a:srgbClr val="C00000"/>
+                </a:solidFill>
+              </a:rPr>
+              <a:t>)</a:t>
+            </a:r>
+          </a:p>
+          <a:p>
+            <a:pPr lvl="1"/>
+            <a:r>
+              <a:rPr lang="en-US" dirty="0" smtClean="0"/>
+              <a:t>Copy data set from </a:t>
+            </a:r>
+            <a:r>
+              <a:rPr lang="en-US" dirty="0" err="1" smtClean="0"/>
+              <a:t>sendpart</a:t>
+            </a:r>
+            <a:r>
+              <a:rPr lang="en-US" dirty="0" smtClean="0"/>
+              <a:t> process to all other processes</a:t>
+            </a:r>
+          </a:p>
+          <a:p>
+            <a:pPr lvl="1"/>
+            <a:r>
+              <a:rPr lang="en-US" dirty="0" smtClean="0"/>
+              <a:t>Returns pointer to copied data set in receiving processes</a:t>
+            </a:r>
+            <a:endParaRPr lang="en-US" dirty="0" smtClean="0"/>
+          </a:p>
+          <a:p>
+            <a:pPr lvl="1"/>
+            <a:r>
+              <a:rPr lang="en-US" dirty="0" smtClean="0"/>
+              <a:t>Input parameters</a:t>
+            </a:r>
+          </a:p>
+          <a:p>
+            <a:pPr lvl="2"/>
+            <a:r>
+              <a:rPr lang="en-US" dirty="0" err="1" smtClean="0"/>
+              <a:t>Pnode</a:t>
+            </a:r>
+            <a:r>
+              <a:rPr lang="en-US" dirty="0" smtClean="0"/>
+              <a:t> – </a:t>
+            </a:r>
+            <a:r>
+              <a:rPr lang="en-US" dirty="0" smtClean="0"/>
+              <a:t>pointer to data set</a:t>
+            </a:r>
+          </a:p>
+          <a:p>
+            <a:pPr lvl="2"/>
+            <a:r>
+              <a:rPr lang="en-US" dirty="0" smtClean="0"/>
+              <a:t>Communicator – MPI communicator</a:t>
+            </a:r>
+          </a:p>
+          <a:p>
+            <a:pPr lvl="2"/>
+            <a:r>
+              <a:rPr lang="en-US" dirty="0" err="1" smtClean="0"/>
+              <a:t>Sendpart</a:t>
+            </a:r>
+            <a:r>
+              <a:rPr lang="en-US" dirty="0" smtClean="0"/>
+              <a:t> – world number of sending process</a:t>
+            </a:r>
+          </a:p>
+        </p:txBody>
+      </p:sp>
+    </p:spTree>
+    <p:extLst>
+      <p:ext uri="{BB962C8B-B14F-4D97-AF65-F5344CB8AC3E}">
+        <p14:creationId xmlns:p14="http://schemas.microsoft.com/office/powerpoint/2010/main" val="1062322570"/>
+      </p:ext>
+    </p:extLst>
+  </p:cSld>
+  <p:clrMapOvr>
+    <a:masterClrMapping/>
+  </p:clrMapOvr>
+</p:sld>
+</file>
+
+<file path=ppt/slides/slide34.xml><?xml version="1.0" encoding="utf-8"?>
+<p:sld xmlns:a="http://schemas.openxmlformats.org/drawingml/2006/main" xmlns:r="http://schemas.openxmlformats.org/officeDocument/2006/relationships" xmlns:p="http://schemas.openxmlformats.org/presentationml/2006/main">
+  <p:cSld>
+    <p:spTree>
+      <p:nvGrpSpPr>
+        <p:cNvPr id="1" name=""/>
+        <p:cNvGrpSpPr/>
+        <p:nvPr/>
+      </p:nvGrpSpPr>
+      <p:grpSpPr>
+        <a:xfrm>
+          <a:off x="0" y="0"/>
+          <a:ext cx="0" cy="0"/>
+          <a:chOff x="0" y="0"/>
+          <a:chExt cx="0" cy="0"/>
+        </a:xfrm>
+      </p:grpSpPr>
+      <p:sp>
+        <p:nvSpPr>
+          <p:cNvPr id="2" name="Title 1"/>
+          <p:cNvSpPr>
+            <a:spLocks noGrp="1"/>
+          </p:cNvSpPr>
+          <p:nvPr>
+            <p:ph type="title"/>
+          </p:nvPr>
+        </p:nvSpPr>
+        <p:spPr/>
+        <p:txBody>
+          <a:bodyPr/>
+          <a:lstStyle/>
+          <a:p>
+            <a:r>
+              <a:rPr lang="en-US" b="1" dirty="0" smtClean="0">
+                <a:solidFill>
+                  <a:srgbClr val="002060"/>
+                </a:solidFill>
+              </a:rPr>
+              <a:t>Function </a:t>
+            </a:r>
+            <a:r>
+              <a:rPr lang="en-US" b="1" dirty="0" err="1" smtClean="0">
+                <a:solidFill>
+                  <a:srgbClr val="002060"/>
+                </a:solidFill>
+              </a:rPr>
+              <a:t>fll_mpi_mv</a:t>
+            </a:r>
+            <a:r>
+              <a:rPr lang="en-US" b="1" dirty="0" smtClean="0">
+                <a:solidFill>
+                  <a:srgbClr val="002060"/>
+                </a:solidFill>
+              </a:rPr>
+              <a:t> ()</a:t>
+            </a:r>
+            <a:endParaRPr lang="en-US" b="1" dirty="0">
+              <a:solidFill>
+                <a:srgbClr val="002060"/>
+              </a:solidFill>
+            </a:endParaRPr>
+          </a:p>
+        </p:txBody>
+      </p:sp>
+      <p:sp>
+        <p:nvSpPr>
+          <p:cNvPr id="3" name="Content Placeholder 2"/>
+          <p:cNvSpPr>
+            <a:spLocks noGrp="1"/>
+          </p:cNvSpPr>
+          <p:nvPr>
+            <p:ph idx="1"/>
+          </p:nvPr>
+        </p:nvSpPr>
+        <p:spPr/>
+        <p:txBody>
+          <a:bodyPr>
+            <a:normAutofit/>
+          </a:bodyPr>
+          <a:lstStyle/>
+          <a:p>
+            <a:r>
+              <a:rPr lang="en-US" b="1" dirty="0" err="1" smtClean="0">
+                <a:solidFill>
+                  <a:srgbClr val="C00000"/>
+                </a:solidFill>
+              </a:rPr>
+              <a:t>fll_mpi_mv</a:t>
+            </a:r>
+            <a:r>
+              <a:rPr lang="en-US" b="1" dirty="0" smtClean="0">
+                <a:solidFill>
+                  <a:srgbClr val="C00000"/>
+                </a:solidFill>
+              </a:rPr>
+              <a:t>(</a:t>
+            </a:r>
+            <a:r>
+              <a:rPr lang="en-US" b="1" dirty="0" err="1" smtClean="0">
+                <a:solidFill>
+                  <a:srgbClr val="C00000"/>
+                </a:solidFill>
+              </a:rPr>
+              <a:t>pnode,communicator</a:t>
+            </a:r>
+            <a:r>
+              <a:rPr lang="en-US" b="1" dirty="0" smtClean="0">
+                <a:solidFill>
+                  <a:srgbClr val="C00000"/>
+                </a:solidFill>
+              </a:rPr>
+              <a:t>, </a:t>
+            </a:r>
+            <a:r>
+              <a:rPr lang="en-US" b="1" dirty="0" err="1" smtClean="0">
+                <a:solidFill>
+                  <a:srgbClr val="C00000"/>
+                </a:solidFill>
+              </a:rPr>
+              <a:t>sendpart,recpart,fpar</a:t>
+            </a:r>
+            <a:r>
+              <a:rPr lang="en-US" b="1" dirty="0" smtClean="0">
+                <a:solidFill>
+                  <a:srgbClr val="C00000"/>
+                </a:solidFill>
+              </a:rPr>
+              <a:t>)</a:t>
+            </a:r>
+          </a:p>
+          <a:p>
+            <a:pPr lvl="1"/>
+            <a:r>
+              <a:rPr lang="en-US" dirty="0" smtClean="0"/>
+              <a:t>Moves data set from </a:t>
+            </a:r>
+            <a:r>
+              <a:rPr lang="en-US" dirty="0" err="1" smtClean="0"/>
+              <a:t>sendpart</a:t>
+            </a:r>
+            <a:r>
+              <a:rPr lang="en-US" dirty="0" smtClean="0"/>
+              <a:t> to </a:t>
+            </a:r>
+            <a:r>
+              <a:rPr lang="en-US" dirty="0" err="1" smtClean="0"/>
+              <a:t>recpart</a:t>
+            </a:r>
+            <a:endParaRPr lang="en-US" dirty="0" smtClean="0"/>
+          </a:p>
+          <a:p>
+            <a:pPr lvl="1"/>
+            <a:r>
+              <a:rPr lang="en-US" dirty="0" smtClean="0"/>
+              <a:t>Returns pointer to copied data set on </a:t>
+            </a:r>
+            <a:r>
+              <a:rPr lang="en-US" dirty="0" err="1" smtClean="0"/>
+              <a:t>recpart</a:t>
+            </a:r>
+            <a:r>
+              <a:rPr lang="en-US" dirty="0" smtClean="0"/>
+              <a:t> processor</a:t>
+            </a:r>
+            <a:endParaRPr lang="en-US" dirty="0" smtClean="0"/>
+          </a:p>
+          <a:p>
+            <a:pPr lvl="1"/>
+            <a:r>
+              <a:rPr lang="en-US" dirty="0" smtClean="0"/>
+              <a:t>Input parameters</a:t>
+            </a:r>
+          </a:p>
+          <a:p>
+            <a:pPr lvl="2"/>
+            <a:r>
+              <a:rPr lang="en-US" dirty="0" err="1" smtClean="0"/>
+              <a:t>Pnode</a:t>
+            </a:r>
+            <a:r>
+              <a:rPr lang="en-US" dirty="0" smtClean="0"/>
+              <a:t> – </a:t>
+            </a:r>
+            <a:r>
+              <a:rPr lang="en-US" dirty="0" smtClean="0"/>
+              <a:t>pointer to data set</a:t>
+            </a:r>
+          </a:p>
+          <a:p>
+            <a:pPr lvl="2"/>
+            <a:r>
+              <a:rPr lang="en-US" dirty="0" smtClean="0"/>
+              <a:t>Communicator – MPI communicator</a:t>
+            </a:r>
+          </a:p>
+          <a:p>
+            <a:pPr lvl="2"/>
+            <a:r>
+              <a:rPr lang="en-US" dirty="0" err="1" smtClean="0"/>
+              <a:t>Sendpart</a:t>
+            </a:r>
+            <a:r>
+              <a:rPr lang="en-US" dirty="0" smtClean="0"/>
+              <a:t> – world number of sending process</a:t>
+            </a:r>
+          </a:p>
+          <a:p>
+            <a:pPr lvl="2"/>
+            <a:r>
+              <a:rPr lang="en-US" dirty="0" err="1" smtClean="0"/>
+              <a:t>Recpart</a:t>
+            </a:r>
+            <a:r>
+              <a:rPr lang="en-US" dirty="0" smtClean="0"/>
+              <a:t> – world number of receiving process</a:t>
+            </a:r>
+            <a:endParaRPr lang="en-US" dirty="0" smtClean="0"/>
+          </a:p>
+        </p:txBody>
+      </p:sp>
+    </p:spTree>
+    <p:extLst>
+      <p:ext uri="{BB962C8B-B14F-4D97-AF65-F5344CB8AC3E}">
+        <p14:creationId xmlns:p14="http://schemas.microsoft.com/office/powerpoint/2010/main" val="1992604880"/>
+      </p:ext>
+    </p:extLst>
+  </p:cSld>
+  <p:clrMapOvr>
+    <a:masterClrMapping/>
+  </p:clrMapOvr>
+</p:sld>
+</file>
+
+<file path=ppt/slides/slide35.xml><?xml version="1.0" encoding="utf-8"?>
+<p:sld xmlns:a="http://schemas.openxmlformats.org/drawingml/2006/main" xmlns:r="http://schemas.openxmlformats.org/officeDocument/2006/relationships" xmlns:p="http://schemas.openxmlformats.org/presentationml/2006/main">
+  <p:cSld>
+    <p:spTree>
+      <p:nvGrpSpPr>
+        <p:cNvPr id="1" name=""/>
+        <p:cNvGrpSpPr/>
+        <p:nvPr/>
+      </p:nvGrpSpPr>
+      <p:grpSpPr>
+        <a:xfrm>
+          <a:off x="0" y="0"/>
+          <a:ext cx="0" cy="0"/>
+          <a:chOff x="0" y="0"/>
+          <a:chExt cx="0" cy="0"/>
+        </a:xfrm>
+      </p:grpSpPr>
+      <p:sp>
+        <p:nvSpPr>
+          <p:cNvPr id="2" name="Title 1"/>
+          <p:cNvSpPr>
+            <a:spLocks noGrp="1"/>
+          </p:cNvSpPr>
+          <p:nvPr>
+            <p:ph type="title"/>
+          </p:nvPr>
+        </p:nvSpPr>
+        <p:spPr/>
+        <p:txBody>
+          <a:bodyPr/>
+          <a:lstStyle/>
+          <a:p>
+            <a:r>
+              <a:rPr lang="en-US" b="1" dirty="0" smtClean="0">
+                <a:solidFill>
+                  <a:srgbClr val="002060"/>
+                </a:solidFill>
+              </a:rPr>
+              <a:t>Function </a:t>
+            </a:r>
+            <a:r>
+              <a:rPr lang="en-US" b="1" dirty="0" err="1" smtClean="0">
+                <a:solidFill>
+                  <a:srgbClr val="002060"/>
+                </a:solidFill>
+              </a:rPr>
+              <a:t>fll_mpi_sum</a:t>
+            </a:r>
+            <a:r>
+              <a:rPr lang="en-US" b="1" dirty="0" smtClean="0">
+                <a:solidFill>
+                  <a:srgbClr val="002060"/>
+                </a:solidFill>
+              </a:rPr>
+              <a:t> ()</a:t>
+            </a:r>
+            <a:endParaRPr lang="en-US" b="1" dirty="0">
+              <a:solidFill>
+                <a:srgbClr val="002060"/>
+              </a:solidFill>
+            </a:endParaRPr>
+          </a:p>
+        </p:txBody>
+      </p:sp>
+      <p:sp>
+        <p:nvSpPr>
+          <p:cNvPr id="3" name="Content Placeholder 2"/>
+          <p:cNvSpPr>
+            <a:spLocks noGrp="1"/>
+          </p:cNvSpPr>
+          <p:nvPr>
+            <p:ph idx="1"/>
+          </p:nvPr>
+        </p:nvSpPr>
+        <p:spPr/>
+        <p:txBody>
+          <a:bodyPr>
+            <a:normAutofit fontScale="92500" lnSpcReduction="20000"/>
+          </a:bodyPr>
+          <a:lstStyle/>
+          <a:p>
+            <a:r>
+              <a:rPr lang="en-US" b="1" dirty="0" err="1" smtClean="0">
+                <a:solidFill>
+                  <a:srgbClr val="C00000"/>
+                </a:solidFill>
+              </a:rPr>
+              <a:t>fll_mpi_sum</a:t>
+            </a:r>
+            <a:r>
+              <a:rPr lang="en-US" b="1" dirty="0" smtClean="0">
+                <a:solidFill>
+                  <a:srgbClr val="C00000"/>
+                </a:solidFill>
+              </a:rPr>
+              <a:t>(communicator, </a:t>
+            </a:r>
+            <a:r>
+              <a:rPr lang="en-US" b="1" dirty="0" err="1" smtClean="0">
+                <a:solidFill>
+                  <a:srgbClr val="C00000"/>
+                </a:solidFill>
+              </a:rPr>
+              <a:t>ndim</a:t>
+            </a:r>
+            <a:r>
+              <a:rPr lang="en-US" b="1" dirty="0" smtClean="0">
+                <a:solidFill>
+                  <a:srgbClr val="C00000"/>
+                </a:solidFill>
+              </a:rPr>
+              <a:t>, Array, </a:t>
+            </a:r>
+            <a:r>
+              <a:rPr lang="en-US" b="1" dirty="0" err="1" smtClean="0">
+                <a:solidFill>
+                  <a:srgbClr val="C00000"/>
+                </a:solidFill>
+              </a:rPr>
+              <a:t>fpar</a:t>
+            </a:r>
+            <a:r>
+              <a:rPr lang="en-US" b="1" dirty="0" smtClean="0">
+                <a:solidFill>
+                  <a:srgbClr val="C00000"/>
+                </a:solidFill>
+              </a:rPr>
+              <a:t>)</a:t>
+            </a:r>
+            <a:endParaRPr lang="en-US" b="1" dirty="0" smtClean="0">
+              <a:solidFill>
+                <a:srgbClr val="C00000"/>
+              </a:solidFill>
+            </a:endParaRPr>
+          </a:p>
+          <a:p>
+            <a:pPr lvl="1"/>
+            <a:r>
+              <a:rPr lang="en-US" dirty="0" err="1" smtClean="0"/>
+              <a:t>Mpi_sum</a:t>
+            </a:r>
+            <a:r>
+              <a:rPr lang="en-US" dirty="0" smtClean="0"/>
+              <a:t> function</a:t>
+            </a:r>
+          </a:p>
+          <a:p>
+            <a:pPr lvl="1"/>
+            <a:r>
+              <a:rPr lang="en-US" dirty="0" smtClean="0"/>
+              <a:t>Input </a:t>
+            </a:r>
+            <a:r>
+              <a:rPr lang="en-US" dirty="0" smtClean="0"/>
+              <a:t>parameters</a:t>
+            </a:r>
+          </a:p>
+          <a:p>
+            <a:pPr lvl="2"/>
+            <a:r>
+              <a:rPr lang="en-US" dirty="0" smtClean="0"/>
+              <a:t>Communicator – MPI communicator</a:t>
+            </a:r>
+          </a:p>
+          <a:p>
+            <a:pPr lvl="2"/>
+            <a:r>
+              <a:rPr lang="en-US" dirty="0" smtClean="0"/>
+              <a:t>Dimension of Array, if 1 Array is scalar</a:t>
+            </a:r>
+          </a:p>
+          <a:p>
+            <a:pPr lvl="2"/>
+            <a:r>
+              <a:rPr lang="en-US" dirty="0" smtClean="0"/>
+              <a:t>Arra</a:t>
+            </a:r>
+            <a:r>
+              <a:rPr lang="en-US" dirty="0" smtClean="0"/>
+              <a:t>y is array where to </a:t>
+            </a:r>
+            <a:r>
+              <a:rPr lang="en-US" dirty="0" err="1" smtClean="0"/>
+              <a:t>mpi_sum</a:t>
+            </a:r>
+            <a:r>
+              <a:rPr lang="en-US" dirty="0" smtClean="0"/>
+              <a:t> data</a:t>
+            </a:r>
+          </a:p>
+          <a:p>
+            <a:pPr lvl="3"/>
+            <a:r>
+              <a:rPr lang="en-US" dirty="0" smtClean="0"/>
+              <a:t>It is an optional parameter </a:t>
+            </a:r>
+          </a:p>
+          <a:p>
+            <a:pPr lvl="3"/>
+            <a:r>
+              <a:rPr lang="en-US" dirty="0" smtClean="0"/>
+              <a:t>Call as:</a:t>
+            </a:r>
+          </a:p>
+          <a:p>
+            <a:pPr lvl="4"/>
+            <a:r>
+              <a:rPr lang="en-US" dirty="0" smtClean="0"/>
+              <a:t>L1 = Array 	- lon</a:t>
+            </a:r>
+            <a:r>
+              <a:rPr lang="en-US" dirty="0" smtClean="0"/>
+              <a:t>g integer 1D array</a:t>
+            </a:r>
+          </a:p>
+          <a:p>
+            <a:pPr lvl="4"/>
+            <a:r>
+              <a:rPr lang="en-US" dirty="0" smtClean="0"/>
+              <a:t>I1 = Array	</a:t>
+            </a:r>
+            <a:r>
+              <a:rPr lang="en-US" dirty="0"/>
+              <a:t>- integer 1D </a:t>
+            </a:r>
+            <a:r>
+              <a:rPr lang="en-US" dirty="0" smtClean="0"/>
+              <a:t>array</a:t>
+            </a:r>
+            <a:endParaRPr lang="en-US" dirty="0" smtClean="0"/>
+          </a:p>
+          <a:p>
+            <a:pPr lvl="4"/>
+            <a:r>
+              <a:rPr lang="en-US" dirty="0"/>
+              <a:t>D</a:t>
+            </a:r>
+            <a:r>
+              <a:rPr lang="en-US" dirty="0" smtClean="0"/>
+              <a:t>1 </a:t>
+            </a:r>
+            <a:r>
+              <a:rPr lang="en-US" dirty="0"/>
+              <a:t>= Array 	</a:t>
+            </a:r>
+            <a:r>
+              <a:rPr lang="en-US"/>
+              <a:t>- </a:t>
+            </a:r>
+            <a:r>
+              <a:rPr lang="en-US" dirty="0"/>
+              <a:t>d</a:t>
+            </a:r>
+            <a:r>
+              <a:rPr lang="en-US" smtClean="0"/>
+              <a:t>ouble </a:t>
+            </a:r>
+            <a:r>
+              <a:rPr lang="en-US" dirty="0" smtClean="0"/>
+              <a:t>1D array</a:t>
+            </a:r>
+            <a:endParaRPr lang="en-US" dirty="0"/>
+          </a:p>
+          <a:p>
+            <a:pPr lvl="4"/>
+            <a:r>
+              <a:rPr lang="en-US" dirty="0" smtClean="0"/>
+              <a:t>R1 </a:t>
+            </a:r>
+            <a:r>
+              <a:rPr lang="en-US" dirty="0"/>
+              <a:t>= Array	- </a:t>
+            </a:r>
+            <a:r>
+              <a:rPr lang="en-US" dirty="0" smtClean="0"/>
+              <a:t>real 1D array</a:t>
+            </a:r>
+          </a:p>
+          <a:p>
+            <a:pPr lvl="4"/>
+            <a:r>
+              <a:rPr lang="en-US" dirty="0" smtClean="0"/>
+              <a:t>L </a:t>
+            </a:r>
+            <a:r>
+              <a:rPr lang="en-US" dirty="0"/>
+              <a:t>= Array 	- long </a:t>
+            </a:r>
+            <a:r>
+              <a:rPr lang="en-US" dirty="0" smtClean="0"/>
+              <a:t>integer scalar</a:t>
+            </a:r>
+            <a:endParaRPr lang="en-US" dirty="0"/>
+          </a:p>
+          <a:p>
+            <a:pPr lvl="4"/>
+            <a:r>
+              <a:rPr lang="en-US" dirty="0" smtClean="0"/>
+              <a:t>I </a:t>
+            </a:r>
+            <a:r>
+              <a:rPr lang="en-US" dirty="0"/>
+              <a:t>= Array	- </a:t>
+            </a:r>
+            <a:r>
+              <a:rPr lang="en-US" dirty="0" smtClean="0"/>
+              <a:t>integer scalar</a:t>
+            </a:r>
+            <a:endParaRPr lang="en-US" dirty="0"/>
+          </a:p>
+          <a:p>
+            <a:pPr lvl="4"/>
+            <a:r>
+              <a:rPr lang="en-US" dirty="0" smtClean="0"/>
+              <a:t>D </a:t>
+            </a:r>
+            <a:r>
+              <a:rPr lang="en-US" dirty="0"/>
+              <a:t>= Array 	- d</a:t>
+            </a:r>
+            <a:r>
+              <a:rPr lang="en-US" dirty="0" smtClean="0"/>
+              <a:t>ouble scalar</a:t>
+            </a:r>
+            <a:endParaRPr lang="en-US" dirty="0"/>
+          </a:p>
+          <a:p>
+            <a:pPr lvl="4"/>
+            <a:r>
+              <a:rPr lang="en-US" dirty="0" smtClean="0"/>
+              <a:t>R </a:t>
+            </a:r>
+            <a:r>
+              <a:rPr lang="en-US" dirty="0"/>
+              <a:t>= Array	- </a:t>
+            </a:r>
+            <a:r>
+              <a:rPr lang="en-US" dirty="0" smtClean="0"/>
+              <a:t>real scalar</a:t>
+            </a:r>
+            <a:endParaRPr lang="en-US" dirty="0"/>
+          </a:p>
+          <a:p>
+            <a:pPr lvl="4"/>
+            <a:endParaRPr lang="en-US" dirty="0"/>
+          </a:p>
+          <a:p>
+            <a:pPr marL="1828800" lvl="4" indent="0">
+              <a:buNone/>
+            </a:pPr>
+            <a:endParaRPr lang="en-US" dirty="0" smtClean="0"/>
+          </a:p>
+        </p:txBody>
+      </p:sp>
+    </p:spTree>
+    <p:extLst>
+      <p:ext uri="{BB962C8B-B14F-4D97-AF65-F5344CB8AC3E}">
+        <p14:creationId xmlns:p14="http://schemas.microsoft.com/office/powerpoint/2010/main" val="2464660649"/>
       </p:ext>
     </p:extLst>
   </p:cSld>
@@ -10825,6 +13178,312 @@
       </p:grpSpPr>
       <p:sp>
         <p:nvSpPr>
+          <p:cNvPr id="3" name="Content Placeholder 2"/>
+          <p:cNvSpPr>
+            <a:spLocks noGrp="1"/>
+          </p:cNvSpPr>
+          <p:nvPr>
+            <p:ph idx="1"/>
+          </p:nvPr>
+        </p:nvSpPr>
+        <p:spPr/>
+        <p:txBody>
+          <a:bodyPr>
+            <a:normAutofit fontScale="85000" lnSpcReduction="20000"/>
+          </a:bodyPr>
+          <a:lstStyle/>
+          <a:p>
+            <a:r>
+              <a:rPr lang="en-US" dirty="0" smtClean="0"/>
+              <a:t>Available functions</a:t>
+            </a:r>
+          </a:p>
+          <a:p>
+            <a:pPr lvl="1"/>
+            <a:r>
+              <a:rPr lang="en-US" b="1" dirty="0" err="1" smtClean="0">
+                <a:solidFill>
+                  <a:srgbClr val="C00000"/>
+                </a:solidFill>
+              </a:rPr>
+              <a:t>fll_mv</a:t>
+            </a:r>
+            <a:r>
+              <a:rPr lang="en-US" b="1" dirty="0" smtClean="0">
+                <a:solidFill>
+                  <a:srgbClr val="C00000"/>
+                </a:solidFill>
+              </a:rPr>
+              <a:t> </a:t>
+            </a:r>
+            <a:r>
+              <a:rPr lang="en-US" dirty="0" smtClean="0"/>
+              <a:t>   - move node</a:t>
+            </a:r>
+          </a:p>
+          <a:p>
+            <a:pPr lvl="1"/>
+            <a:r>
+              <a:rPr lang="en-US" b="1" dirty="0" err="1" smtClean="0">
+                <a:solidFill>
+                  <a:srgbClr val="C00000"/>
+                </a:solidFill>
+              </a:rPr>
+              <a:t>fll_cp</a:t>
+            </a:r>
+            <a:r>
+              <a:rPr lang="en-US" b="1" dirty="0" smtClean="0">
+                <a:solidFill>
+                  <a:srgbClr val="C00000"/>
+                </a:solidFill>
+              </a:rPr>
+              <a:t> </a:t>
+            </a:r>
+            <a:r>
+              <a:rPr lang="en-US" dirty="0" smtClean="0"/>
+              <a:t>    - copy node</a:t>
+            </a:r>
+          </a:p>
+          <a:p>
+            <a:pPr lvl="1"/>
+            <a:r>
+              <a:rPr lang="en-US" b="1" dirty="0" err="1" smtClean="0">
+                <a:solidFill>
+                  <a:srgbClr val="C00000"/>
+                </a:solidFill>
+              </a:rPr>
+              <a:t>fll_mklist</a:t>
+            </a:r>
+            <a:r>
+              <a:rPr lang="en-US" dirty="0" smtClean="0"/>
+              <a:t>   - make node</a:t>
+            </a:r>
+          </a:p>
+          <a:p>
+            <a:pPr lvl="1"/>
+            <a:r>
+              <a:rPr lang="en-US" b="1" dirty="0" err="1" smtClean="0">
+                <a:solidFill>
+                  <a:srgbClr val="C00000"/>
+                </a:solidFill>
+              </a:rPr>
+              <a:t>fll_locate</a:t>
+            </a:r>
+            <a:r>
+              <a:rPr lang="en-US" dirty="0" smtClean="0"/>
+              <a:t>   - locate node</a:t>
+            </a:r>
+            <a:endParaRPr lang="en-US" dirty="0"/>
+          </a:p>
+          <a:p>
+            <a:pPr lvl="1"/>
+            <a:r>
+              <a:rPr lang="en-US" b="1" dirty="0" err="1" smtClean="0">
+                <a:solidFill>
+                  <a:srgbClr val="C00000"/>
+                </a:solidFill>
+              </a:rPr>
+              <a:t>fll_nnodes</a:t>
+            </a:r>
+            <a:r>
+              <a:rPr lang="en-US" dirty="0" smtClean="0">
+                <a:solidFill>
+                  <a:srgbClr val="C00000"/>
+                </a:solidFill>
+              </a:rPr>
+              <a:t> </a:t>
+            </a:r>
+            <a:r>
+              <a:rPr lang="en-US" dirty="0" smtClean="0"/>
+              <a:t>– get number of nodes </a:t>
+            </a:r>
+          </a:p>
+          <a:p>
+            <a:pPr lvl="1"/>
+            <a:r>
+              <a:rPr lang="en-US" b="1" dirty="0" err="1" smtClean="0">
+                <a:solidFill>
+                  <a:srgbClr val="C00000"/>
+                </a:solidFill>
+              </a:rPr>
+              <a:t>fll_getndata</a:t>
+            </a:r>
+            <a:r>
+              <a:rPr lang="en-US" dirty="0" smtClean="0">
+                <a:solidFill>
+                  <a:srgbClr val="C00000"/>
+                </a:solidFill>
+              </a:rPr>
+              <a:t> </a:t>
+            </a:r>
+            <a:r>
+              <a:rPr lang="en-US" dirty="0" smtClean="0"/>
+              <a:t>– get data of </a:t>
+            </a:r>
+            <a:r>
+              <a:rPr lang="en-US" dirty="0" smtClean="0"/>
+              <a:t>node</a:t>
+            </a:r>
+          </a:p>
+          <a:p>
+            <a:pPr lvl="1"/>
+            <a:r>
+              <a:rPr lang="en-US" b="1" dirty="0" err="1">
+                <a:solidFill>
+                  <a:srgbClr val="C00000"/>
+                </a:solidFill>
+              </a:rPr>
+              <a:t>fll_getnbytes</a:t>
+            </a:r>
+            <a:r>
+              <a:rPr lang="en-US" dirty="0" smtClean="0"/>
+              <a:t> – get size of dataset</a:t>
+            </a:r>
+            <a:endParaRPr lang="en-US" dirty="0" smtClean="0"/>
+          </a:p>
+          <a:p>
+            <a:pPr lvl="1"/>
+            <a:r>
+              <a:rPr lang="en-US" b="1" dirty="0" err="1" smtClean="0">
+                <a:solidFill>
+                  <a:srgbClr val="C00000"/>
+                </a:solidFill>
+              </a:rPr>
+              <a:t>fll_rm</a:t>
+            </a:r>
+            <a:r>
+              <a:rPr lang="en-US" dirty="0" smtClean="0"/>
+              <a:t>       - remove node</a:t>
+            </a:r>
+          </a:p>
+          <a:p>
+            <a:pPr lvl="1"/>
+            <a:r>
+              <a:rPr lang="en-US" b="1" dirty="0" err="1" smtClean="0">
+                <a:solidFill>
+                  <a:srgbClr val="C00000"/>
+                </a:solidFill>
+              </a:rPr>
+              <a:t>fll_cat</a:t>
+            </a:r>
+            <a:r>
+              <a:rPr lang="en-US" dirty="0" smtClean="0"/>
+              <a:t>       - print node</a:t>
+            </a:r>
+          </a:p>
+          <a:p>
+            <a:pPr lvl="1"/>
+            <a:r>
+              <a:rPr lang="en-US" b="1" dirty="0" err="1" smtClean="0">
+                <a:solidFill>
+                  <a:srgbClr val="C00000"/>
+                </a:solidFill>
+              </a:rPr>
+              <a:t>fll_read</a:t>
+            </a:r>
+            <a:r>
+              <a:rPr lang="en-US" dirty="0" smtClean="0"/>
+              <a:t>    - read list from a file</a:t>
+            </a:r>
+          </a:p>
+          <a:p>
+            <a:pPr lvl="1"/>
+            <a:r>
+              <a:rPr lang="en-US" b="1" dirty="0" err="1" smtClean="0">
+                <a:solidFill>
+                  <a:srgbClr val="C00000"/>
+                </a:solidFill>
+              </a:rPr>
+              <a:t>fll_write</a:t>
+            </a:r>
+            <a:r>
+              <a:rPr lang="en-US" dirty="0" smtClean="0"/>
+              <a:t>   - write list to a file</a:t>
+            </a:r>
+          </a:p>
+          <a:p>
+            <a:pPr lvl="1"/>
+            <a:r>
+              <a:rPr lang="en-US" b="1" dirty="0" err="1" smtClean="0">
+                <a:solidFill>
+                  <a:srgbClr val="C00000"/>
+                </a:solidFill>
+              </a:rPr>
+              <a:t>fll_read_ffa</a:t>
+            </a:r>
+            <a:r>
+              <a:rPr lang="en-US" dirty="0" smtClean="0"/>
+              <a:t>    </a:t>
+            </a:r>
+            <a:r>
+              <a:rPr lang="en-US" dirty="0"/>
+              <a:t>- read list from </a:t>
+            </a:r>
+            <a:r>
+              <a:rPr lang="en-US" dirty="0" smtClean="0"/>
+              <a:t>FFA format file</a:t>
+            </a:r>
+            <a:endParaRPr lang="en-US" dirty="0"/>
+          </a:p>
+          <a:p>
+            <a:pPr lvl="1"/>
+            <a:r>
+              <a:rPr lang="en-US" b="1" dirty="0" err="1" smtClean="0">
+                <a:solidFill>
+                  <a:srgbClr val="C00000"/>
+                </a:solidFill>
+              </a:rPr>
+              <a:t>fll_write_ffa</a:t>
+            </a:r>
+            <a:r>
+              <a:rPr lang="en-US" dirty="0" smtClean="0"/>
+              <a:t>   </a:t>
+            </a:r>
+            <a:r>
+              <a:rPr lang="en-US" dirty="0"/>
+              <a:t>- write list to </a:t>
+            </a:r>
+            <a:r>
+              <a:rPr lang="en-US" dirty="0" smtClean="0"/>
+              <a:t>FFA format file</a:t>
+            </a:r>
+          </a:p>
+          <a:p>
+            <a:pPr lvl="1"/>
+            <a:r>
+              <a:rPr lang="en-US" b="1" dirty="0" err="1" smtClean="0">
+                <a:solidFill>
+                  <a:srgbClr val="C00000"/>
+                </a:solidFill>
+              </a:rPr>
+              <a:t>fll_deattach</a:t>
+            </a:r>
+            <a:r>
+              <a:rPr lang="en-US" dirty="0" smtClean="0">
+                <a:solidFill>
+                  <a:srgbClr val="C00000"/>
+                </a:solidFill>
+              </a:rPr>
+              <a:t> </a:t>
+            </a:r>
+            <a:r>
+              <a:rPr lang="en-US" dirty="0" smtClean="0"/>
+              <a:t>– detaches node from list</a:t>
+            </a:r>
+            <a:endParaRPr lang="en-US" dirty="0"/>
+          </a:p>
+          <a:p>
+            <a:pPr lvl="1"/>
+            <a:endParaRPr lang="en-US" dirty="0" smtClean="0"/>
+          </a:p>
+          <a:p>
+            <a:pPr lvl="1"/>
+            <a:endParaRPr lang="en-US" dirty="0"/>
+          </a:p>
+        </p:txBody>
+      </p:sp>
+      <p:sp>
+        <p:nvSpPr>
           <p:cNvPr id="2" name="Title 1"/>
           <p:cNvSpPr>
             <a:spLocks noGrp="1"/>
@@ -10851,308 +13510,6 @@
                 <a:srgbClr val="002060"/>
               </a:solidFill>
             </a:endParaRPr>
-          </a:p>
-        </p:txBody>
-      </p:sp>
-      <p:sp>
-        <p:nvSpPr>
-          <p:cNvPr id="3" name="Content Placeholder 2"/>
-          <p:cNvSpPr>
-            <a:spLocks noGrp="1"/>
-          </p:cNvSpPr>
-          <p:nvPr>
-            <p:ph idx="1"/>
-          </p:nvPr>
-        </p:nvSpPr>
-        <p:spPr/>
-        <p:txBody>
-          <a:bodyPr>
-            <a:normAutofit fontScale="70000" lnSpcReduction="20000"/>
-          </a:bodyPr>
-          <a:lstStyle/>
-          <a:p>
-            <a:r>
-              <a:rPr lang="en-US" dirty="0" smtClean="0"/>
-              <a:t>Available functions</a:t>
-            </a:r>
-          </a:p>
-          <a:p>
-            <a:pPr lvl="1"/>
-            <a:r>
-              <a:rPr lang="en-US" b="1" dirty="0" err="1" smtClean="0">
-                <a:solidFill>
-                  <a:srgbClr val="C00000"/>
-                </a:solidFill>
-              </a:rPr>
-              <a:t>fll_mv</a:t>
-            </a:r>
-            <a:r>
-              <a:rPr lang="en-US" b="1" dirty="0" smtClean="0">
-                <a:solidFill>
-                  <a:srgbClr val="C00000"/>
-                </a:solidFill>
-              </a:rPr>
-              <a:t> </a:t>
-            </a:r>
-            <a:r>
-              <a:rPr lang="en-US" dirty="0" smtClean="0"/>
-              <a:t>   - move node</a:t>
-            </a:r>
-          </a:p>
-          <a:p>
-            <a:pPr lvl="1"/>
-            <a:r>
-              <a:rPr lang="en-US" b="1" dirty="0" err="1" smtClean="0">
-                <a:solidFill>
-                  <a:srgbClr val="C00000"/>
-                </a:solidFill>
-              </a:rPr>
-              <a:t>fll_cp</a:t>
-            </a:r>
-            <a:r>
-              <a:rPr lang="en-US" b="1" dirty="0" smtClean="0">
-                <a:solidFill>
-                  <a:srgbClr val="C00000"/>
-                </a:solidFill>
-              </a:rPr>
-              <a:t> </a:t>
-            </a:r>
-            <a:r>
-              <a:rPr lang="en-US" dirty="0" smtClean="0"/>
-              <a:t>    - copy node</a:t>
-            </a:r>
-          </a:p>
-          <a:p>
-            <a:pPr lvl="1"/>
-            <a:r>
-              <a:rPr lang="en-US" b="1" dirty="0" err="1" smtClean="0">
-                <a:solidFill>
-                  <a:srgbClr val="C00000"/>
-                </a:solidFill>
-              </a:rPr>
-              <a:t>fll_mklist</a:t>
-            </a:r>
-            <a:r>
-              <a:rPr lang="en-US" dirty="0" smtClean="0"/>
-              <a:t>   - make node</a:t>
-            </a:r>
-          </a:p>
-          <a:p>
-            <a:pPr lvl="1"/>
-            <a:r>
-              <a:rPr lang="en-US" b="1" dirty="0" err="1" smtClean="0">
-                <a:solidFill>
-                  <a:srgbClr val="C00000"/>
-                </a:solidFill>
-              </a:rPr>
-              <a:t>fll_locate</a:t>
-            </a:r>
-            <a:r>
-              <a:rPr lang="en-US" dirty="0" smtClean="0"/>
-              <a:t>   - locate node</a:t>
-            </a:r>
-            <a:endParaRPr lang="en-US" dirty="0"/>
-          </a:p>
-          <a:p>
-            <a:pPr lvl="1"/>
-            <a:r>
-              <a:rPr lang="en-US" b="1" dirty="0" err="1" smtClean="0">
-                <a:solidFill>
-                  <a:srgbClr val="C00000"/>
-                </a:solidFill>
-              </a:rPr>
-              <a:t>fll_nnodes</a:t>
-            </a:r>
-            <a:r>
-              <a:rPr lang="en-US" dirty="0" smtClean="0">
-                <a:solidFill>
-                  <a:srgbClr val="C00000"/>
-                </a:solidFill>
-              </a:rPr>
-              <a:t> </a:t>
-            </a:r>
-            <a:r>
-              <a:rPr lang="en-US" dirty="0" smtClean="0"/>
-              <a:t>– get number of nodes </a:t>
-            </a:r>
-          </a:p>
-          <a:p>
-            <a:pPr lvl="1"/>
-            <a:r>
-              <a:rPr lang="en-US" b="1" dirty="0" err="1" smtClean="0">
-                <a:solidFill>
-                  <a:srgbClr val="C00000"/>
-                </a:solidFill>
-              </a:rPr>
-              <a:t>fll_getndata</a:t>
-            </a:r>
-            <a:r>
-              <a:rPr lang="en-US" dirty="0" smtClean="0">
-                <a:solidFill>
-                  <a:srgbClr val="C00000"/>
-                </a:solidFill>
-              </a:rPr>
-              <a:t> </a:t>
-            </a:r>
-            <a:r>
-              <a:rPr lang="en-US" dirty="0" smtClean="0"/>
-              <a:t>– get data of node</a:t>
-            </a:r>
-          </a:p>
-          <a:p>
-            <a:pPr lvl="1"/>
-            <a:r>
-              <a:rPr lang="en-US" b="1" dirty="0" err="1" smtClean="0">
-                <a:solidFill>
-                  <a:srgbClr val="C00000"/>
-                </a:solidFill>
-              </a:rPr>
-              <a:t>fll_rm</a:t>
-            </a:r>
-            <a:r>
-              <a:rPr lang="en-US" dirty="0" smtClean="0"/>
-              <a:t>       - remove node</a:t>
-            </a:r>
-          </a:p>
-          <a:p>
-            <a:pPr lvl="1"/>
-            <a:r>
-              <a:rPr lang="en-US" b="1" dirty="0" err="1" smtClean="0">
-                <a:solidFill>
-                  <a:srgbClr val="C00000"/>
-                </a:solidFill>
-              </a:rPr>
-              <a:t>fll_cat</a:t>
-            </a:r>
-            <a:r>
-              <a:rPr lang="en-US" dirty="0" smtClean="0"/>
-              <a:t>       - print node</a:t>
-            </a:r>
-          </a:p>
-          <a:p>
-            <a:pPr lvl="1"/>
-            <a:r>
-              <a:rPr lang="en-US" b="1" dirty="0" err="1" smtClean="0">
-                <a:solidFill>
-                  <a:srgbClr val="C00000"/>
-                </a:solidFill>
-              </a:rPr>
-              <a:t>fll_read</a:t>
-            </a:r>
-            <a:r>
-              <a:rPr lang="en-US" dirty="0" smtClean="0"/>
-              <a:t>    - read list from a file</a:t>
-            </a:r>
-          </a:p>
-          <a:p>
-            <a:pPr lvl="1"/>
-            <a:r>
-              <a:rPr lang="en-US" b="1" dirty="0" err="1" smtClean="0">
-                <a:solidFill>
-                  <a:srgbClr val="C00000"/>
-                </a:solidFill>
-              </a:rPr>
-              <a:t>fll_write</a:t>
-            </a:r>
-            <a:r>
-              <a:rPr lang="en-US" dirty="0" smtClean="0"/>
-              <a:t>   - write list to a file</a:t>
-            </a:r>
-          </a:p>
-          <a:p>
-            <a:pPr lvl="1"/>
-            <a:r>
-              <a:rPr lang="en-US" b="1" dirty="0" err="1" smtClean="0">
-                <a:solidFill>
-                  <a:srgbClr val="C00000"/>
-                </a:solidFill>
-              </a:rPr>
-              <a:t>fll_read_ffa</a:t>
-            </a:r>
-            <a:r>
-              <a:rPr lang="en-US" dirty="0" smtClean="0"/>
-              <a:t>    </a:t>
-            </a:r>
-            <a:r>
-              <a:rPr lang="en-US" dirty="0"/>
-              <a:t>- read list from </a:t>
-            </a:r>
-            <a:r>
-              <a:rPr lang="en-US" dirty="0" smtClean="0"/>
-              <a:t>FFA format file</a:t>
-            </a:r>
-            <a:endParaRPr lang="en-US" dirty="0"/>
-          </a:p>
-          <a:p>
-            <a:pPr lvl="1"/>
-            <a:r>
-              <a:rPr lang="en-US" b="1" dirty="0" err="1" smtClean="0">
-                <a:solidFill>
-                  <a:srgbClr val="C00000"/>
-                </a:solidFill>
-              </a:rPr>
-              <a:t>fll_write_ffa</a:t>
-            </a:r>
-            <a:r>
-              <a:rPr lang="en-US" dirty="0" smtClean="0"/>
-              <a:t>   </a:t>
-            </a:r>
-            <a:r>
-              <a:rPr lang="en-US" dirty="0"/>
-              <a:t>- write list to </a:t>
-            </a:r>
-            <a:r>
-              <a:rPr lang="en-US" dirty="0" smtClean="0"/>
-              <a:t>FFA format file</a:t>
-            </a:r>
-          </a:p>
-          <a:p>
-            <a:pPr lvl="1"/>
-            <a:r>
-              <a:rPr lang="en-US" b="1" dirty="0" err="1" smtClean="0">
-                <a:solidFill>
-                  <a:srgbClr val="C00000"/>
-                </a:solidFill>
-              </a:rPr>
-              <a:t>fll_deattach</a:t>
-            </a:r>
-            <a:r>
-              <a:rPr lang="en-US" dirty="0" smtClean="0">
-                <a:solidFill>
-                  <a:srgbClr val="C00000"/>
-                </a:solidFill>
-              </a:rPr>
-              <a:t> </a:t>
-            </a:r>
-            <a:r>
-              <a:rPr lang="en-US" dirty="0" smtClean="0"/>
-              <a:t>– detaches node from list</a:t>
-            </a:r>
-            <a:endParaRPr lang="en-US" dirty="0"/>
-          </a:p>
-          <a:p>
-            <a:pPr lvl="1"/>
-            <a:endParaRPr lang="en-US" dirty="0" smtClean="0"/>
-          </a:p>
-          <a:p>
-            <a:pPr lvl="1"/>
-            <a:endParaRPr lang="en-US" dirty="0"/>
-          </a:p>
-          <a:p>
-            <a:pPr lvl="1"/>
-            <a:r>
-              <a:rPr lang="en-US" dirty="0" smtClean="0"/>
-              <a:t>Each function or subroutine has </a:t>
-            </a:r>
-            <a:r>
-              <a:rPr lang="en-US" dirty="0" err="1" smtClean="0"/>
-              <a:t>fpar</a:t>
-            </a:r>
-            <a:r>
-              <a:rPr lang="en-US" dirty="0" smtClean="0"/>
-              <a:t> </a:t>
-            </a:r>
-            <a:endParaRPr lang="en-US" dirty="0"/>
           </a:p>
         </p:txBody>
       </p:sp>
@@ -11188,6 +13545,130 @@
       </p:grpSpPr>
       <p:sp>
         <p:nvSpPr>
+          <p:cNvPr id="3" name="Content Placeholder 2"/>
+          <p:cNvSpPr>
+            <a:spLocks noGrp="1"/>
+          </p:cNvSpPr>
+          <p:nvPr>
+            <p:ph idx="1"/>
+          </p:nvPr>
+        </p:nvSpPr>
+        <p:spPr/>
+        <p:txBody>
+          <a:bodyPr>
+            <a:normAutofit/>
+          </a:bodyPr>
+          <a:lstStyle/>
+          <a:p>
+            <a:r>
+              <a:rPr lang="en-US" dirty="0" smtClean="0"/>
+              <a:t>Available functions</a:t>
+            </a:r>
+          </a:p>
+          <a:p>
+            <a:pPr lvl="1"/>
+            <a:r>
+              <a:rPr lang="en-US" b="1" dirty="0" err="1" smtClean="0">
+                <a:solidFill>
+                  <a:srgbClr val="C00000"/>
+                </a:solidFill>
+              </a:rPr>
+              <a:t>fll_read</a:t>
+            </a:r>
+            <a:r>
+              <a:rPr lang="en-US" b="1" dirty="0" err="1">
+                <a:solidFill>
+                  <a:srgbClr val="C00000"/>
+                </a:solidFill>
+              </a:rPr>
+              <a:t>_record</a:t>
+            </a:r>
+            <a:r>
+              <a:rPr lang="en-US" b="1" dirty="0">
+                <a:solidFill>
+                  <a:srgbClr val="C00000"/>
+                </a:solidFill>
+              </a:rPr>
+              <a:t> </a:t>
+            </a:r>
+            <a:r>
+              <a:rPr lang="en-US" dirty="0" smtClean="0"/>
+              <a:t>  </a:t>
+            </a:r>
+            <a:r>
+              <a:rPr lang="en-US" dirty="0" smtClean="0"/>
+              <a:t>- </a:t>
+            </a:r>
+            <a:r>
+              <a:rPr lang="en-US" dirty="0" smtClean="0"/>
+              <a:t>reads record from </a:t>
+            </a:r>
+            <a:r>
+              <a:rPr lang="en-US" dirty="0" err="1" smtClean="0"/>
+              <a:t>fll</a:t>
+            </a:r>
+            <a:r>
+              <a:rPr lang="en-US" dirty="0" smtClean="0"/>
+              <a:t> file instead of reading entire file</a:t>
+            </a:r>
+            <a:endParaRPr lang="en-US" dirty="0" smtClean="0"/>
+          </a:p>
+          <a:p>
+            <a:pPr lvl="1"/>
+            <a:r>
+              <a:rPr lang="en-US" b="1" dirty="0" err="1" smtClean="0">
+                <a:solidFill>
+                  <a:srgbClr val="C00000"/>
+                </a:solidFill>
+              </a:rPr>
+              <a:t>fll_scan_file</a:t>
+            </a:r>
+            <a:r>
+              <a:rPr lang="en-US" dirty="0" smtClean="0"/>
+              <a:t>   </a:t>
+            </a:r>
+            <a:r>
+              <a:rPr lang="en-US" dirty="0" smtClean="0"/>
+              <a:t>- </a:t>
+            </a:r>
+            <a:r>
+              <a:rPr lang="en-US" dirty="0" smtClean="0"/>
+              <a:t>reads </a:t>
+            </a:r>
+            <a:r>
+              <a:rPr lang="en-US" dirty="0" err="1" smtClean="0"/>
+              <a:t>fll</a:t>
+            </a:r>
+            <a:r>
+              <a:rPr lang="en-US" dirty="0" smtClean="0"/>
+              <a:t> file in fast mode – scans for data sets names and types</a:t>
+            </a:r>
+            <a:endParaRPr lang="en-US" dirty="0" smtClean="0"/>
+          </a:p>
+          <a:p>
+            <a:pPr lvl="1"/>
+            <a:endParaRPr lang="en-US" dirty="0"/>
+          </a:p>
+          <a:p>
+            <a:pPr lvl="1"/>
+            <a:r>
+              <a:rPr lang="en-US" dirty="0" smtClean="0"/>
+              <a:t>Each function or subroutine has </a:t>
+            </a:r>
+            <a:r>
+              <a:rPr lang="en-US" dirty="0" err="1" smtClean="0"/>
+              <a:t>fpar</a:t>
+            </a:r>
+            <a:r>
+              <a:rPr lang="en-US" dirty="0" smtClean="0"/>
+              <a:t> </a:t>
+            </a:r>
+            <a:endParaRPr lang="en-US" dirty="0"/>
+          </a:p>
+        </p:txBody>
+      </p:sp>
+      <p:sp>
+        <p:nvSpPr>
           <p:cNvPr id="2" name="Title 1"/>
           <p:cNvSpPr>
             <a:spLocks noGrp="1"/>
@@ -11217,151 +13698,10 @@
           </a:p>
         </p:txBody>
       </p:sp>
-      <p:sp>
-        <p:nvSpPr>
-          <p:cNvPr id="3" name="Content Placeholder 2"/>
-          <p:cNvSpPr>
-            <a:spLocks noGrp="1"/>
-          </p:cNvSpPr>
-          <p:nvPr>
-            <p:ph idx="1"/>
-          </p:nvPr>
-        </p:nvSpPr>
-        <p:spPr/>
-        <p:txBody>
-          <a:bodyPr>
-            <a:normAutofit/>
-          </a:bodyPr>
-          <a:lstStyle/>
-          <a:p>
-            <a:r>
-              <a:rPr lang="en-US" dirty="0" smtClean="0"/>
-              <a:t>Available </a:t>
-            </a:r>
-            <a:r>
-              <a:rPr lang="en-US" dirty="0" smtClean="0"/>
-              <a:t>MPI functions</a:t>
-            </a:r>
-            <a:endParaRPr lang="en-US" dirty="0" smtClean="0"/>
-          </a:p>
-          <a:p>
-            <a:pPr lvl="1"/>
-            <a:r>
-              <a:rPr lang="en-US" sz="1700" b="1" dirty="0" err="1" smtClean="0">
-                <a:solidFill>
-                  <a:srgbClr val="C00000"/>
-                </a:solidFill>
-              </a:rPr>
-              <a:t>fll_mpi_cp_all</a:t>
-            </a:r>
-            <a:r>
-              <a:rPr lang="en-US" sz="1700" b="1" dirty="0" smtClean="0">
-                <a:solidFill>
-                  <a:srgbClr val="C00000"/>
-                </a:solidFill>
-              </a:rPr>
-              <a:t> </a:t>
-            </a:r>
-            <a:r>
-              <a:rPr lang="en-US" sz="1700" dirty="0" smtClean="0"/>
-              <a:t>    </a:t>
-            </a:r>
-            <a:r>
-              <a:rPr lang="en-US" sz="1700" dirty="0" smtClean="0"/>
-              <a:t>- </a:t>
-            </a:r>
-            <a:r>
-              <a:rPr lang="en-US" sz="1700" dirty="0" smtClean="0"/>
-              <a:t>copies </a:t>
-            </a:r>
-            <a:r>
-              <a:rPr lang="en-US" sz="1700" dirty="0" err="1" smtClean="0"/>
-              <a:t>fll</a:t>
-            </a:r>
-            <a:r>
-              <a:rPr lang="en-US" sz="1700" dirty="0" smtClean="0"/>
-              <a:t> list from one process to all processes</a:t>
-            </a:r>
-            <a:endParaRPr lang="en-US" sz="1700" dirty="0" smtClean="0"/>
-          </a:p>
-          <a:p>
-            <a:pPr lvl="1"/>
-            <a:r>
-              <a:rPr lang="en-US" sz="1700" b="1" dirty="0" err="1" smtClean="0">
-                <a:solidFill>
-                  <a:srgbClr val="C00000"/>
-                </a:solidFill>
-              </a:rPr>
-              <a:t>fll_mpi_cp</a:t>
-            </a:r>
-            <a:r>
-              <a:rPr lang="en-US" sz="1700" dirty="0" smtClean="0"/>
-              <a:t>   </a:t>
-            </a:r>
-            <a:r>
-              <a:rPr lang="en-US" sz="1700" dirty="0" smtClean="0"/>
-              <a:t>- </a:t>
-            </a:r>
-            <a:r>
-              <a:rPr lang="en-US" sz="1700" dirty="0" smtClean="0"/>
-              <a:t>copies </a:t>
-            </a:r>
-            <a:r>
-              <a:rPr lang="en-US" sz="1700" dirty="0" err="1" smtClean="0"/>
-              <a:t>fll</a:t>
-            </a:r>
-            <a:r>
-              <a:rPr lang="en-US" sz="1700" dirty="0" smtClean="0"/>
-              <a:t> list from one process to another</a:t>
-            </a:r>
-            <a:endParaRPr lang="en-US" sz="1700" dirty="0" smtClean="0"/>
-          </a:p>
-          <a:p>
-            <a:pPr lvl="1"/>
-            <a:r>
-              <a:rPr lang="en-US" sz="1700" b="1" dirty="0" err="1" smtClean="0">
-                <a:solidFill>
-                  <a:srgbClr val="C00000"/>
-                </a:solidFill>
-              </a:rPr>
-              <a:t>fll_mpi_mv</a:t>
-            </a:r>
-            <a:r>
-              <a:rPr lang="en-US" sz="1700" dirty="0" smtClean="0"/>
-              <a:t>   </a:t>
-            </a:r>
-            <a:r>
-              <a:rPr lang="en-US" sz="1700" dirty="0" smtClean="0"/>
-              <a:t>- </a:t>
-            </a:r>
-            <a:r>
-              <a:rPr lang="en-US" sz="1700" dirty="0" smtClean="0"/>
-              <a:t>moves </a:t>
-            </a:r>
-            <a:r>
-              <a:rPr lang="en-US" sz="1700" dirty="0" err="1" smtClean="0"/>
-              <a:t>fll</a:t>
-            </a:r>
-            <a:r>
-              <a:rPr lang="en-US" sz="1700" dirty="0" smtClean="0"/>
-              <a:t> </a:t>
-            </a:r>
-            <a:r>
-              <a:rPr lang="en-US" sz="1700" dirty="0"/>
-              <a:t>list from one process to </a:t>
-            </a:r>
-            <a:r>
-              <a:rPr lang="en-US" sz="1700" dirty="0" smtClean="0"/>
-              <a:t>another</a:t>
-            </a:r>
-            <a:endParaRPr lang="en-US" sz="1700" dirty="0"/>
-          </a:p>
-        </p:txBody>
-      </p:sp>
     </p:spTree>
     <p:extLst>
       <p:ext uri="{BB962C8B-B14F-4D97-AF65-F5344CB8AC3E}">
-        <p14:creationId xmlns:p14="http://schemas.microsoft.com/office/powerpoint/2010/main" val="1211732388"/>
+        <p14:creationId xmlns:p14="http://schemas.microsoft.com/office/powerpoint/2010/main" val="1769603301"/>
       </p:ext>
     </p:extLst>
   </p:cSld>
@@ -11409,23 +13749,7 @@
                   <a:srgbClr val="002060"/>
                 </a:solidFill>
               </a:rPr>
-              <a:t>Function </a:t>
-            </a:r>
-            <a:r>
-              <a:rPr lang="en-US" b="1" dirty="0" err="1" smtClean="0">
-                <a:solidFill>
-                  <a:srgbClr val="002060"/>
-                </a:solidFill>
-              </a:rPr>
-              <a:t>fll_cp</a:t>
-            </a:r>
-            <a:r>
-              <a:rPr lang="en-US" b="1" dirty="0" smtClean="0">
-                <a:solidFill>
-                  <a:srgbClr val="002060"/>
-                </a:solidFill>
-              </a:rPr>
-              <a:t>()</a:t>
+              <a:t>Introduction</a:t>
             </a:r>
             <a:endParaRPr lang="en-US" b="1" dirty="0">
               <a:solidFill>
@@ -11447,139 +13771,108 @@
         </p:nvSpPr>
         <p:spPr/>
         <p:txBody>
-          <a:bodyPr/>
-          <a:lstStyle/>
-          <a:p>
-            <a:r>
-              <a:rPr lang="en-US" b="1" dirty="0" err="1" smtClean="0">
-                <a:solidFill>
-                  <a:srgbClr val="C00000"/>
-                </a:solidFill>
-              </a:rPr>
-              <a:t>fll_cp</a:t>
-            </a:r>
-            <a:r>
-              <a:rPr lang="en-US" b="1" dirty="0" smtClean="0">
-                <a:solidFill>
-                  <a:srgbClr val="C00000"/>
-                </a:solidFill>
-              </a:rPr>
-              <a:t>(</a:t>
-            </a:r>
-            <a:r>
-              <a:rPr lang="en-US" b="1" dirty="0" err="1" smtClean="0">
-                <a:solidFill>
-                  <a:srgbClr val="C00000"/>
-                </a:solidFill>
-              </a:rPr>
-              <a:t>pwhat</a:t>
-            </a:r>
-            <a:r>
-              <a:rPr lang="en-US" b="1" dirty="0" smtClean="0">
-                <a:solidFill>
-                  <a:srgbClr val="C00000"/>
-                </a:solidFill>
-              </a:rPr>
-              <a:t>, </a:t>
-            </a:r>
-            <a:r>
-              <a:rPr lang="en-US" b="1" dirty="0" err="1" smtClean="0">
-                <a:solidFill>
-                  <a:srgbClr val="C00000"/>
-                </a:solidFill>
-              </a:rPr>
-              <a:t>pwhere</a:t>
-            </a:r>
-            <a:r>
-              <a:rPr lang="en-US" b="1" dirty="0" smtClean="0">
-                <a:solidFill>
-                  <a:srgbClr val="C00000"/>
-                </a:solidFill>
-              </a:rPr>
-              <a:t>, </a:t>
-            </a:r>
-            <a:r>
-              <a:rPr lang="en-US" b="1" dirty="0" err="1" smtClean="0">
-                <a:solidFill>
-                  <a:srgbClr val="C00000"/>
-                </a:solidFill>
-              </a:rPr>
-              <a:t>fpar</a:t>
-            </a:r>
-            <a:r>
-              <a:rPr lang="en-US" b="1" dirty="0" smtClean="0">
-                <a:solidFill>
-                  <a:srgbClr val="C00000"/>
-                </a:solidFill>
-              </a:rPr>
-              <a:t>)</a:t>
+          <a:bodyPr>
+            <a:normAutofit/>
+          </a:bodyPr>
+          <a:lstStyle/>
+          <a:p>
+            <a:r>
+              <a:rPr lang="en-US" dirty="0" smtClean="0"/>
+              <a:t>Available MPI functions</a:t>
             </a:r>
           </a:p>
           <a:p>
             <a:pPr lvl="1"/>
             <a:r>
-              <a:rPr lang="en-US" dirty="0" smtClean="0"/>
-              <a:t>Copies </a:t>
-            </a:r>
-            <a:r>
-              <a:rPr lang="en-US" dirty="0" err="1" smtClean="0"/>
-              <a:t>pwhat</a:t>
-            </a:r>
-            <a:r>
-              <a:rPr lang="en-US" dirty="0" smtClean="0"/>
-              <a:t> node to </a:t>
-            </a:r>
-            <a:r>
-              <a:rPr lang="en-US" dirty="0" err="1" smtClean="0"/>
-              <a:t>pwhere</a:t>
-            </a:r>
-            <a:endParaRPr lang="en-US" dirty="0" smtClean="0"/>
-          </a:p>
-          <a:p>
-            <a:pPr lvl="2"/>
-            <a:r>
-              <a:rPr lang="en-US" dirty="0" smtClean="0"/>
-              <a:t>If </a:t>
-            </a:r>
-            <a:r>
-              <a:rPr lang="en-US" dirty="0" err="1" smtClean="0"/>
-              <a:t>pwhere</a:t>
-            </a:r>
-            <a:r>
-              <a:rPr lang="en-US" dirty="0" smtClean="0"/>
-              <a:t> = NULL(), the function duplicates </a:t>
-            </a:r>
-            <a:r>
-              <a:rPr lang="en-US" dirty="0" err="1" smtClean="0"/>
-              <a:t>pwhat</a:t>
-            </a:r>
-            <a:r>
-              <a:rPr lang="en-US" dirty="0" smtClean="0"/>
-              <a:t> node</a:t>
+              <a:rPr lang="en-US" sz="1700" b="1" dirty="0" err="1" smtClean="0">
+                <a:solidFill>
+                  <a:srgbClr val="C00000"/>
+                </a:solidFill>
+              </a:rPr>
+              <a:t>fll_mpi_cp_all</a:t>
+            </a:r>
+            <a:r>
+              <a:rPr lang="en-US" sz="1700" b="1" dirty="0" smtClean="0">
+                <a:solidFill>
+                  <a:srgbClr val="C00000"/>
+                </a:solidFill>
+              </a:rPr>
+              <a:t> </a:t>
+            </a:r>
+            <a:r>
+              <a:rPr lang="en-US" sz="1700" dirty="0" smtClean="0"/>
+              <a:t>    - copies </a:t>
+            </a:r>
+            <a:r>
+              <a:rPr lang="en-US" sz="1700" dirty="0" err="1" smtClean="0"/>
+              <a:t>fll</a:t>
+            </a:r>
+            <a:r>
+              <a:rPr lang="en-US" sz="1700" dirty="0" smtClean="0"/>
+              <a:t> list from one process to all processes</a:t>
             </a:r>
           </a:p>
           <a:p>
             <a:pPr lvl="1"/>
-            <a:endParaRPr lang="en-US" dirty="0"/>
+            <a:r>
+              <a:rPr lang="en-US" sz="1700" b="1" dirty="0" err="1" smtClean="0">
+                <a:solidFill>
+                  <a:srgbClr val="C00000"/>
+                </a:solidFill>
+              </a:rPr>
+              <a:t>fll_mpi_cp</a:t>
+            </a:r>
+            <a:r>
+              <a:rPr lang="en-US" sz="1700" dirty="0" smtClean="0"/>
+              <a:t>   - copies </a:t>
+            </a:r>
+            <a:r>
+              <a:rPr lang="en-US" sz="1700" dirty="0" err="1" smtClean="0"/>
+              <a:t>fll</a:t>
+            </a:r>
+            <a:r>
+              <a:rPr lang="en-US" sz="1700" dirty="0" smtClean="0"/>
+              <a:t> list from one process to another</a:t>
+            </a:r>
           </a:p>
           <a:p>
             <a:pPr lvl="1"/>
             <a:r>
-              <a:rPr lang="en-US" dirty="0" smtClean="0"/>
-              <a:t>Return value – pointer to a new </a:t>
-            </a:r>
-            <a:r>
-              <a:rPr lang="en-US" dirty="0" smtClean="0"/>
-              <a:t>copy, if failed, returns NULL</a:t>
-            </a:r>
-            <a:endParaRPr lang="en-US" dirty="0"/>
+              <a:rPr lang="en-US" sz="1700" b="1" dirty="0" err="1" smtClean="0">
+                <a:solidFill>
+                  <a:srgbClr val="C00000"/>
+                </a:solidFill>
+              </a:rPr>
+              <a:t>fll_mpi_mv</a:t>
+            </a:r>
+            <a:r>
+              <a:rPr lang="en-US" sz="1700" dirty="0" smtClean="0"/>
+              <a:t>   - moves </a:t>
+            </a:r>
+            <a:r>
+              <a:rPr lang="en-US" sz="1700" dirty="0" err="1" smtClean="0"/>
+              <a:t>fll</a:t>
+            </a:r>
+            <a:r>
+              <a:rPr lang="en-US" sz="1700" dirty="0" smtClean="0"/>
+              <a:t> </a:t>
+            </a:r>
+            <a:r>
+              <a:rPr lang="en-US" sz="1700" dirty="0"/>
+              <a:t>list from one process to </a:t>
+            </a:r>
+            <a:r>
+              <a:rPr lang="en-US" sz="1700" dirty="0" smtClean="0"/>
+              <a:t>another</a:t>
+            </a:r>
+            <a:endParaRPr lang="en-US" sz="1700" dirty="0"/>
           </a:p>
         </p:txBody>
       </p:sp>
     </p:spTree>
     <p:extLst>
       <p:ext uri="{BB962C8B-B14F-4D97-AF65-F5344CB8AC3E}">
-        <p14:creationId xmlns:p14="http://schemas.microsoft.com/office/powerpoint/2010/main" val="96601202"/>
+        <p14:creationId xmlns:p14="http://schemas.microsoft.com/office/powerpoint/2010/main" val="1211732388"/>
       </p:ext>
     </p:extLst>
   </p:cSld>
@@ -11635,7 +13928,7 @@
                   <a:srgbClr val="002060"/>
                 </a:solidFill>
               </a:rPr>
-              <a:t>fll_mv</a:t>
+              <a:t>fll_cp</a:t>
             </a:r>
             <a:r>
               <a:rPr lang="en-US" b="1" dirty="0" smtClean="0">
@@ -11674,7 +13967,7 @@
                   <a:srgbClr val="C00000"/>
                 </a:solidFill>
               </a:rPr>
-              <a:t>fll_mv</a:t>
+              <a:t>fll_cp</a:t>
             </a:r>
             <a:r>
               <a:rPr lang="en-US" b="1" dirty="0" smtClean="0">
@@ -11737,7 +14030,7 @@
             <a:pPr lvl="1"/>
             <a:r>
               <a:rPr lang="en-US" dirty="0" smtClean="0"/>
-              <a:t>Moves </a:t>
+              <a:t>Copies </a:t>
             </a:r>
             <a:r>
               <a:rPr lang="en-US" dirty="0" err="1" smtClean="0"/>
@@ -11751,17 +14044,29 @@
               <a:rPr lang="en-US" dirty="0" err="1" smtClean="0"/>
               <a:t>pwhere</a:t>
             </a:r>
-            <a:endParaRPr lang="en-US" dirty="0"/>
-          </a:p>
-          <a:p>
-            <a:pPr lvl="1"/>
-            <a:r>
-              <a:rPr lang="en-US" dirty="0" smtClean="0"/>
-              <a:t>Return value - logical value, return value can be true or false depending on if the move operation was </a:t>
-            </a:r>
-            <a:r>
-              <a:rPr lang="en-US" dirty="0" smtClean="0"/>
-              <a:t>successful</a:t>
+            <a:endParaRPr lang="en-US" dirty="0" smtClean="0"/>
+          </a:p>
+          <a:p>
+            <a:pPr lvl="2"/>
+            <a:r>
+              <a:rPr lang="en-US" dirty="0" smtClean="0"/>
+              <a:t>If </a:t>
+            </a:r>
+            <a:r>
+              <a:rPr lang="en-US" dirty="0" err="1" smtClean="0"/>
+              <a:t>pwhere</a:t>
+            </a:r>
+            <a:r>
+              <a:rPr lang="en-US" dirty="0" smtClean="0"/>
+              <a:t> = NULL(), the function duplicates </a:t>
+            </a:r>
+            <a:r>
+              <a:rPr lang="en-US" dirty="0" err="1" smtClean="0"/>
+              <a:t>pwhat</a:t>
+            </a:r>
+            <a:r>
+              <a:rPr lang="en-US" dirty="0" smtClean="0"/>
+              <a:t> node</a:t>
             </a:r>
           </a:p>
           <a:p>
@@ -11771,17 +14076,9 @@
           <a:p>
             <a:pPr lvl="1"/>
             <a:r>
-              <a:rPr lang="en-US" dirty="0"/>
-              <a:t>Returns </a:t>
-            </a:r>
-            <a:r>
-              <a:rPr lang="en-US" dirty="0" smtClean="0"/>
-              <a:t>TRUE if function was successful or FALSE if function failed</a:t>
-            </a:r>
-            <a:endParaRPr lang="en-US" dirty="0"/>
-          </a:p>
-          <a:p>
-            <a:pPr lvl="1"/>
+              <a:rPr lang="en-US" dirty="0" smtClean="0"/>
+              <a:t>Return value – pointer to a new copy, if failed, returns NULL</a:t>
+            </a:r>
             <a:endParaRPr lang="en-US" dirty="0"/>
           </a:p>
         </p:txBody>
@@ -11789,7 +14086,7 @@
     </p:spTree>
     <p:extLst>
       <p:ext uri="{BB962C8B-B14F-4D97-AF65-F5344CB8AC3E}">
-        <p14:creationId xmlns:p14="http://schemas.microsoft.com/office/powerpoint/2010/main" val="2555557483"/>
+        <p14:creationId xmlns:p14="http://schemas.microsoft.com/office/powerpoint/2010/main" val="96601202"/>
       </p:ext>
     </p:extLst>
   </p:cSld>
@@ -12054,7 +14351,7 @@
   <a:extraClrSchemeLst/>
   <a:extLst>
     <a:ext uri="{05A4C25C-085E-4340-85A3-A5531E510DB2}">
-      <thm15:themeFamily xmlns="" xmlns:thm15="http://schemas.microsoft.com/office/thememl/2012/main" name="Office Theme" id="{62F939B6-93AF-4DB8-9C6B-D6C7DFDC589F}" vid="{4A3C46E8-61CC-4603-A589-7422A47A8E4A}"/>
+      <thm15:themeFamily xmlns:thm15="http://schemas.microsoft.com/office/thememl/2012/main" xmlns="" name="Office Theme" id="{62F939B6-93AF-4DB8-9C6B-D6C7DFDC589F}" vid="{4A3C46E8-61CC-4603-A589-7422A47A8E4A}"/>
     </a:ext>
   </a:extLst>
 </a:theme>
